--- a/aina-foundations-of-analytics.pptx
+++ b/aina-foundations-of-analytics.pptx
@@ -5,7 +5,7 @@
     <p:sldMasterId id="2147483648" r:id="rId1"/>
   </p:sldMasterIdLst>
   <p:notesMasterIdLst>
-    <p:notesMasterId r:id="rId31"/>
+    <p:notesMasterId r:id="rId45"/>
   </p:notesMasterIdLst>
   <p:sldIdLst>
     <p:sldId id="256" r:id="rId2"/>
@@ -28,15 +28,29 @@
     <p:sldId id="450" r:id="rId19"/>
     <p:sldId id="453" r:id="rId20"/>
     <p:sldId id="454" r:id="rId21"/>
-    <p:sldId id="452" r:id="rId22"/>
-    <p:sldId id="451" r:id="rId23"/>
-    <p:sldId id="443" r:id="rId24"/>
-    <p:sldId id="431" r:id="rId25"/>
-    <p:sldId id="433" r:id="rId26"/>
-    <p:sldId id="336" r:id="rId27"/>
-    <p:sldId id="434" r:id="rId28"/>
-    <p:sldId id="432" r:id="rId29"/>
-    <p:sldId id="438" r:id="rId30"/>
+    <p:sldId id="456" r:id="rId22"/>
+    <p:sldId id="467" r:id="rId23"/>
+    <p:sldId id="471" r:id="rId24"/>
+    <p:sldId id="463" r:id="rId25"/>
+    <p:sldId id="468" r:id="rId26"/>
+    <p:sldId id="469" r:id="rId27"/>
+    <p:sldId id="470" r:id="rId28"/>
+    <p:sldId id="465" r:id="rId29"/>
+    <p:sldId id="466" r:id="rId30"/>
+    <p:sldId id="438" r:id="rId31"/>
+    <p:sldId id="464" r:id="rId32"/>
+    <p:sldId id="451" r:id="rId33"/>
+    <p:sldId id="443" r:id="rId34"/>
+    <p:sldId id="457" r:id="rId35"/>
+    <p:sldId id="458" r:id="rId36"/>
+    <p:sldId id="459" r:id="rId37"/>
+    <p:sldId id="431" r:id="rId38"/>
+    <p:sldId id="460" r:id="rId39"/>
+    <p:sldId id="461" r:id="rId40"/>
+    <p:sldId id="462" r:id="rId41"/>
+    <p:sldId id="434" r:id="rId42"/>
+    <p:sldId id="336" r:id="rId43"/>
+    <p:sldId id="432" r:id="rId44"/>
   </p:sldIdLst>
   <p:sldSz cx="12192000" cy="6858000"/>
   <p:notesSz cx="6858000" cy="9144000"/>
@@ -1855,7 +1869,7 @@
           <a:p>
             <a:fld id="{503F064B-41F2-4661-BDF0-BFD135E9A557}" type="datetimeFigureOut">
               <a:rPr lang="en-US" smtClean="0"/>
-              <a:t>9/2/2021</a:t>
+              <a:t>9/3/2021</a:t>
             </a:fld>
             <a:endParaRPr lang="en-US"/>
           </a:p>
@@ -2254,9 +2268,24 @@
           <a:lstStyle/>
           <a:p>
             <a:r>
-              <a:rPr lang="en-US" dirty="0"/>
-              <a:t>Ask a student if they’d like to share their screen and walk through it </a:t>
-            </a:r>
+              <a:rPr lang="en-US" sz="1800" b="0" i="0" u="none" strike="noStrike" baseline="0" dirty="0">
+                <a:latin typeface="Open Sans" panose="020B0606030504020204" pitchFamily="34" charset="0"/>
+              </a:rPr>
+              <a:t>This is your time to "hook" the audience into your work and </a:t>
+            </a:r>
+            <a:r>
+              <a:rPr lang="en-US" sz="1800" b="0" i="0" u="none" strike="noStrike" baseline="0" dirty="0" err="1">
+                <a:latin typeface="Open Sans" panose="020B0606030504020204" pitchFamily="34" charset="0"/>
+              </a:rPr>
+              <a:t>situtate</a:t>
+            </a:r>
+            <a:r>
+              <a:rPr lang="en-US" sz="1800" b="0" i="0" u="none" strike="noStrike" baseline="0" dirty="0">
+                <a:latin typeface="Open Sans" panose="020B0606030504020204" pitchFamily="34" charset="0"/>
+              </a:rPr>
+              <a:t> the project into its wider context. Explain what makes the topic interesting and how you arrived at the questions you asked. Consider leading off with an interesting quote or anecdote related to the topic </a:t>
+            </a:r>
+            <a:endParaRPr lang="en-US" dirty="0"/>
           </a:p>
         </p:txBody>
       </p:sp>
@@ -2275,7 +2304,7 @@
           <a:bodyPr/>
           <a:lstStyle/>
           <a:p>
-            <a:fld id="{3BB66621-ADCC-4EF8-8003-B9D3E881DCD2}" type="slidenum">
+            <a:fld id="{F9DB3DAC-CD90-4DD2-80B1-E135CFB4F8DD}" type="slidenum">
               <a:rPr lang="en-US" smtClean="0"/>
               <a:t>21</a:t>
             </a:fld>
@@ -2286,7 +2315,7 @@
     </p:spTree>
     <p:extLst>
       <p:ext uri="{BB962C8B-B14F-4D97-AF65-F5344CB8AC3E}">
-        <p14:creationId xmlns:p14="http://schemas.microsoft.com/office/powerpoint/2010/main" val="513908072"/>
+        <p14:creationId xmlns:p14="http://schemas.microsoft.com/office/powerpoint/2010/main" val="990427597"/>
       </p:ext>
     </p:extLst>
   </p:cSld>
@@ -2340,7 +2369,10 @@
           <a:bodyPr/>
           <a:lstStyle/>
           <a:p>
-            <a:endParaRPr lang="en-US" dirty="0"/>
+            <a:r>
+              <a:rPr lang="en-US" dirty="0"/>
+              <a:t>Ask a student if they’d like to share their screen and walk through it </a:t>
+            </a:r>
           </a:p>
         </p:txBody>
       </p:sp>
@@ -2359,9 +2391,9 @@
           <a:bodyPr/>
           <a:lstStyle/>
           <a:p>
-            <a:fld id="{F9DB3DAC-CD90-4DD2-80B1-E135CFB4F8DD}" type="slidenum">
+            <a:fld id="{3BB66621-ADCC-4EF8-8003-B9D3E881DCD2}" type="slidenum">
               <a:rPr lang="en-US" smtClean="0"/>
-              <a:t>23</a:t>
+              <a:t>22</a:t>
             </a:fld>
             <a:endParaRPr lang="en-US"/>
           </a:p>
@@ -2370,7 +2402,7 @@
     </p:spTree>
     <p:extLst>
       <p:ext uri="{BB962C8B-B14F-4D97-AF65-F5344CB8AC3E}">
-        <p14:creationId xmlns:p14="http://schemas.microsoft.com/office/powerpoint/2010/main" val="1358763884"/>
+        <p14:creationId xmlns:p14="http://schemas.microsoft.com/office/powerpoint/2010/main" val="2540257717"/>
       </p:ext>
     </p:extLst>
   </p:cSld>
@@ -2424,38 +2456,24 @@
           <a:bodyPr/>
           <a:lstStyle/>
           <a:p>
-            <a:pPr>
-              <a:buClr>
-                <a:srgbClr val="CF3338"/>
-              </a:buClr>
-            </a:pPr>
-            <a:r>
-              <a:rPr lang="en-US" sz="1200" i="1" dirty="0">
-                <a:solidFill>
-                  <a:srgbClr val="707070"/>
-                </a:solidFill>
-                <a:latin typeface="Pragmatica" panose="020B0403040502020204" pitchFamily="34" charset="0"/>
-              </a:rPr>
-              <a:t>By the end of this book, you should be able to conduct exploratory data analysis and</a:t>
-            </a:r>
-          </a:p>
-          <a:p>
-            <a:pPr>
-              <a:buClr>
-                <a:srgbClr val="CF3338"/>
-              </a:buClr>
-            </a:pPr>
-            <a:r>
-              <a:rPr lang="en-US" sz="1200" i="1" dirty="0">
-                <a:solidFill>
-                  <a:srgbClr val="707070"/>
-                </a:solidFill>
-                <a:latin typeface="Pragmatica" panose="020B0403040502020204" pitchFamily="34" charset="0"/>
-              </a:rPr>
-              <a:t>hypothesis testing using a programming language.</a:t>
-            </a:r>
-          </a:p>
-          <a:p>
+            <a:r>
+              <a:rPr lang="en-US" sz="1800" b="0" i="0" u="none" strike="noStrike" baseline="0" dirty="0">
+                <a:latin typeface="Open Sans" panose="020B0606030504020204" pitchFamily="34" charset="0"/>
+              </a:rPr>
+              <a:t>This is your time to "hook" the audience into your work and </a:t>
+            </a:r>
+            <a:r>
+              <a:rPr lang="en-US" sz="1800" b="0" i="0" u="none" strike="noStrike" baseline="0" dirty="0" err="1">
+                <a:latin typeface="Open Sans" panose="020B0606030504020204" pitchFamily="34" charset="0"/>
+              </a:rPr>
+              <a:t>situtate</a:t>
+            </a:r>
+            <a:r>
+              <a:rPr lang="en-US" sz="1800" b="0" i="0" u="none" strike="noStrike" baseline="0" dirty="0">
+                <a:latin typeface="Open Sans" panose="020B0606030504020204" pitchFamily="34" charset="0"/>
+              </a:rPr>
+              <a:t> the project into its wider context. Explain what makes the topic interesting and how you arrived at the questions you asked. Consider leading off with an interesting quote or anecdote related to the topic </a:t>
+            </a:r>
             <a:endParaRPr lang="en-US" dirty="0"/>
           </a:p>
         </p:txBody>
@@ -2475,9 +2493,9 @@
           <a:bodyPr/>
           <a:lstStyle/>
           <a:p>
-            <a:fld id="{3BB66621-ADCC-4EF8-8003-B9D3E881DCD2}" type="slidenum">
+            <a:fld id="{F9DB3DAC-CD90-4DD2-80B1-E135CFB4F8DD}" type="slidenum">
               <a:rPr lang="en-US" smtClean="0"/>
-              <a:t>25</a:t>
+              <a:t>23</a:t>
             </a:fld>
             <a:endParaRPr lang="en-US"/>
           </a:p>
@@ -2486,7 +2504,7 @@
     </p:spTree>
     <p:extLst>
       <p:ext uri="{BB962C8B-B14F-4D97-AF65-F5344CB8AC3E}">
-        <p14:creationId xmlns:p14="http://schemas.microsoft.com/office/powerpoint/2010/main" val="1725553896"/>
+        <p14:creationId xmlns:p14="http://schemas.microsoft.com/office/powerpoint/2010/main" val="452141436"/>
       </p:ext>
     </p:extLst>
   </p:cSld>
@@ -2540,38 +2558,24 @@
           <a:bodyPr/>
           <a:lstStyle/>
           <a:p>
-            <a:pPr>
-              <a:buClr>
-                <a:srgbClr val="CF3338"/>
-              </a:buClr>
-            </a:pPr>
-            <a:r>
-              <a:rPr lang="en-US" sz="1200" i="1" dirty="0">
-                <a:solidFill>
-                  <a:srgbClr val="707070"/>
-                </a:solidFill>
-                <a:latin typeface="Pragmatica" panose="020B0403040502020204" pitchFamily="34" charset="0"/>
-              </a:rPr>
-              <a:t>By the end of this book, you should be able to conduct exploratory data analysis and</a:t>
-            </a:r>
-          </a:p>
-          <a:p>
-            <a:pPr>
-              <a:buClr>
-                <a:srgbClr val="CF3338"/>
-              </a:buClr>
-            </a:pPr>
-            <a:r>
-              <a:rPr lang="en-US" sz="1200" i="1" dirty="0">
-                <a:solidFill>
-                  <a:srgbClr val="707070"/>
-                </a:solidFill>
-                <a:latin typeface="Pragmatica" panose="020B0403040502020204" pitchFamily="34" charset="0"/>
-              </a:rPr>
-              <a:t>hypothesis testing using a programming language.</a:t>
-            </a:r>
-          </a:p>
-          <a:p>
+            <a:r>
+              <a:rPr lang="en-US" sz="1800" b="0" i="0" u="none" strike="noStrike" baseline="0" dirty="0">
+                <a:latin typeface="Open Sans" panose="020B0606030504020204" pitchFamily="34" charset="0"/>
+              </a:rPr>
+              <a:t>This is your time to "hook" the audience into your work and </a:t>
+            </a:r>
+            <a:r>
+              <a:rPr lang="en-US" sz="1800" b="0" i="0" u="none" strike="noStrike" baseline="0" dirty="0" err="1">
+                <a:latin typeface="Open Sans" panose="020B0606030504020204" pitchFamily="34" charset="0"/>
+              </a:rPr>
+              <a:t>situtate</a:t>
+            </a:r>
+            <a:r>
+              <a:rPr lang="en-US" sz="1800" b="0" i="0" u="none" strike="noStrike" baseline="0" dirty="0">
+                <a:latin typeface="Open Sans" panose="020B0606030504020204" pitchFamily="34" charset="0"/>
+              </a:rPr>
+              <a:t> the project into its wider context. Explain what makes the topic interesting and how you arrived at the questions you asked. Consider leading off with an interesting quote or anecdote related to the topic </a:t>
+            </a:r>
             <a:endParaRPr lang="en-US" dirty="0"/>
           </a:p>
         </p:txBody>
@@ -2591,6 +2595,369 @@
           <a:bodyPr/>
           <a:lstStyle/>
           <a:p>
+            <a:fld id="{F9DB3DAC-CD90-4DD2-80B1-E135CFB4F8DD}" type="slidenum">
+              <a:rPr lang="en-US" smtClean="0"/>
+              <a:t>24</a:t>
+            </a:fld>
+            <a:endParaRPr lang="en-US"/>
+          </a:p>
+        </p:txBody>
+      </p:sp>
+    </p:spTree>
+    <p:extLst>
+      <p:ext uri="{BB962C8B-B14F-4D97-AF65-F5344CB8AC3E}">
+        <p14:creationId xmlns:p14="http://schemas.microsoft.com/office/powerpoint/2010/main" val="3597266606"/>
+      </p:ext>
+    </p:extLst>
+  </p:cSld>
+  <p:clrMapOvr>
+    <a:masterClrMapping/>
+  </p:clrMapOvr>
+</p:notes>
+</file>
+
+<file path=ppt/notesSlides/notesSlide14.xml><?xml version="1.0" encoding="utf-8"?>
+<p:notes xmlns:a="http://schemas.openxmlformats.org/drawingml/2006/main" xmlns:r="http://schemas.openxmlformats.org/officeDocument/2006/relationships" xmlns:p="http://schemas.openxmlformats.org/presentationml/2006/main">
+  <p:cSld>
+    <p:spTree>
+      <p:nvGrpSpPr>
+        <p:cNvPr id="1" name=""/>
+        <p:cNvGrpSpPr/>
+        <p:nvPr/>
+      </p:nvGrpSpPr>
+      <p:grpSpPr>
+        <a:xfrm>
+          <a:off x="0" y="0"/>
+          <a:ext cx="0" cy="0"/>
+          <a:chOff x="0" y="0"/>
+          <a:chExt cx="0" cy="0"/>
+        </a:xfrm>
+      </p:grpSpPr>
+      <p:sp>
+        <p:nvSpPr>
+          <p:cNvPr id="2" name="Slide Image Placeholder 1"/>
+          <p:cNvSpPr>
+            <a:spLocks noGrp="1" noRot="1" noChangeAspect="1"/>
+          </p:cNvSpPr>
+          <p:nvPr>
+            <p:ph type="sldImg"/>
+          </p:nvPr>
+        </p:nvSpPr>
+        <p:spPr/>
+      </p:sp>
+      <p:sp>
+        <p:nvSpPr>
+          <p:cNvPr id="3" name="Notes Placeholder 2"/>
+          <p:cNvSpPr>
+            <a:spLocks noGrp="1"/>
+          </p:cNvSpPr>
+          <p:nvPr>
+            <p:ph type="body" idx="1"/>
+          </p:nvPr>
+        </p:nvSpPr>
+        <p:spPr/>
+        <p:txBody>
+          <a:bodyPr/>
+          <a:lstStyle/>
+          <a:p>
+            <a:r>
+              <a:rPr lang="en-US" dirty="0"/>
+              <a:t>Ask a student if they’d like to share their screen and walk through it </a:t>
+            </a:r>
+          </a:p>
+        </p:txBody>
+      </p:sp>
+      <p:sp>
+        <p:nvSpPr>
+          <p:cNvPr id="4" name="Slide Number Placeholder 3"/>
+          <p:cNvSpPr>
+            <a:spLocks noGrp="1"/>
+          </p:cNvSpPr>
+          <p:nvPr>
+            <p:ph type="sldNum" sz="quarter" idx="5"/>
+          </p:nvPr>
+        </p:nvSpPr>
+        <p:spPr/>
+        <p:txBody>
+          <a:bodyPr/>
+          <a:lstStyle/>
+          <a:p>
+            <a:fld id="{3BB66621-ADCC-4EF8-8003-B9D3E881DCD2}" type="slidenum">
+              <a:rPr lang="en-US" smtClean="0"/>
+              <a:t>25</a:t>
+            </a:fld>
+            <a:endParaRPr lang="en-US"/>
+          </a:p>
+        </p:txBody>
+      </p:sp>
+    </p:spTree>
+    <p:extLst>
+      <p:ext uri="{BB962C8B-B14F-4D97-AF65-F5344CB8AC3E}">
+        <p14:creationId xmlns:p14="http://schemas.microsoft.com/office/powerpoint/2010/main" val="2350725257"/>
+      </p:ext>
+    </p:extLst>
+  </p:cSld>
+  <p:clrMapOvr>
+    <a:masterClrMapping/>
+  </p:clrMapOvr>
+</p:notes>
+</file>
+
+<file path=ppt/notesSlides/notesSlide15.xml><?xml version="1.0" encoding="utf-8"?>
+<p:notes xmlns:a="http://schemas.openxmlformats.org/drawingml/2006/main" xmlns:r="http://schemas.openxmlformats.org/officeDocument/2006/relationships" xmlns:p="http://schemas.openxmlformats.org/presentationml/2006/main">
+  <p:cSld>
+    <p:spTree>
+      <p:nvGrpSpPr>
+        <p:cNvPr id="1" name=""/>
+        <p:cNvGrpSpPr/>
+        <p:nvPr/>
+      </p:nvGrpSpPr>
+      <p:grpSpPr>
+        <a:xfrm>
+          <a:off x="0" y="0"/>
+          <a:ext cx="0" cy="0"/>
+          <a:chOff x="0" y="0"/>
+          <a:chExt cx="0" cy="0"/>
+        </a:xfrm>
+      </p:grpSpPr>
+      <p:sp>
+        <p:nvSpPr>
+          <p:cNvPr id="2" name="Slide Image Placeholder 1"/>
+          <p:cNvSpPr>
+            <a:spLocks noGrp="1" noRot="1" noChangeAspect="1"/>
+          </p:cNvSpPr>
+          <p:nvPr>
+            <p:ph type="sldImg"/>
+          </p:nvPr>
+        </p:nvSpPr>
+        <p:spPr/>
+      </p:sp>
+      <p:sp>
+        <p:nvSpPr>
+          <p:cNvPr id="3" name="Notes Placeholder 2"/>
+          <p:cNvSpPr>
+            <a:spLocks noGrp="1"/>
+          </p:cNvSpPr>
+          <p:nvPr>
+            <p:ph type="body" idx="1"/>
+          </p:nvPr>
+        </p:nvSpPr>
+        <p:spPr/>
+        <p:txBody>
+          <a:bodyPr/>
+          <a:lstStyle/>
+          <a:p>
+            <a:r>
+              <a:rPr lang="en-US" sz="1800" b="0" i="0" u="none" strike="noStrike" baseline="0" dirty="0">
+                <a:latin typeface="Open Sans" panose="020B0606030504020204" pitchFamily="34" charset="0"/>
+              </a:rPr>
+              <a:t>This is your time to "hook" the audience into your work and </a:t>
+            </a:r>
+            <a:r>
+              <a:rPr lang="en-US" sz="1800" b="0" i="0" u="none" strike="noStrike" baseline="0" dirty="0" err="1">
+                <a:latin typeface="Open Sans" panose="020B0606030504020204" pitchFamily="34" charset="0"/>
+              </a:rPr>
+              <a:t>situtate</a:t>
+            </a:r>
+            <a:r>
+              <a:rPr lang="en-US" sz="1800" b="0" i="0" u="none" strike="noStrike" baseline="0" dirty="0">
+                <a:latin typeface="Open Sans" panose="020B0606030504020204" pitchFamily="34" charset="0"/>
+              </a:rPr>
+              <a:t> the project into its wider context. Explain what makes the topic interesting and how you arrived at the questions you asked. Consider leading off with an interesting quote or anecdote related to the topic </a:t>
+            </a:r>
+            <a:endParaRPr lang="en-US" dirty="0"/>
+          </a:p>
+        </p:txBody>
+      </p:sp>
+      <p:sp>
+        <p:nvSpPr>
+          <p:cNvPr id="4" name="Slide Number Placeholder 3"/>
+          <p:cNvSpPr>
+            <a:spLocks noGrp="1"/>
+          </p:cNvSpPr>
+          <p:nvPr>
+            <p:ph type="sldNum" sz="quarter" idx="5"/>
+          </p:nvPr>
+        </p:nvSpPr>
+        <p:spPr/>
+        <p:txBody>
+          <a:bodyPr/>
+          <a:lstStyle/>
+          <a:p>
+            <a:fld id="{F9DB3DAC-CD90-4DD2-80B1-E135CFB4F8DD}" type="slidenum">
+              <a:rPr lang="en-US" smtClean="0"/>
+              <a:t>26</a:t>
+            </a:fld>
+            <a:endParaRPr lang="en-US"/>
+          </a:p>
+        </p:txBody>
+      </p:sp>
+    </p:spTree>
+    <p:extLst>
+      <p:ext uri="{BB962C8B-B14F-4D97-AF65-F5344CB8AC3E}">
+        <p14:creationId xmlns:p14="http://schemas.microsoft.com/office/powerpoint/2010/main" val="508149918"/>
+      </p:ext>
+    </p:extLst>
+  </p:cSld>
+  <p:clrMapOvr>
+    <a:masterClrMapping/>
+  </p:clrMapOvr>
+</p:notes>
+</file>
+
+<file path=ppt/notesSlides/notesSlide16.xml><?xml version="1.0" encoding="utf-8"?>
+<p:notes xmlns:a="http://schemas.openxmlformats.org/drawingml/2006/main" xmlns:r="http://schemas.openxmlformats.org/officeDocument/2006/relationships" xmlns:p="http://schemas.openxmlformats.org/presentationml/2006/main">
+  <p:cSld>
+    <p:spTree>
+      <p:nvGrpSpPr>
+        <p:cNvPr id="1" name=""/>
+        <p:cNvGrpSpPr/>
+        <p:nvPr/>
+      </p:nvGrpSpPr>
+      <p:grpSpPr>
+        <a:xfrm>
+          <a:off x="0" y="0"/>
+          <a:ext cx="0" cy="0"/>
+          <a:chOff x="0" y="0"/>
+          <a:chExt cx="0" cy="0"/>
+        </a:xfrm>
+      </p:grpSpPr>
+      <p:sp>
+        <p:nvSpPr>
+          <p:cNvPr id="2" name="Slide Image Placeholder 1"/>
+          <p:cNvSpPr>
+            <a:spLocks noGrp="1" noRot="1" noChangeAspect="1"/>
+          </p:cNvSpPr>
+          <p:nvPr>
+            <p:ph type="sldImg"/>
+          </p:nvPr>
+        </p:nvSpPr>
+        <p:spPr/>
+      </p:sp>
+      <p:sp>
+        <p:nvSpPr>
+          <p:cNvPr id="3" name="Notes Placeholder 2"/>
+          <p:cNvSpPr>
+            <a:spLocks noGrp="1"/>
+          </p:cNvSpPr>
+          <p:nvPr>
+            <p:ph type="body" idx="1"/>
+          </p:nvPr>
+        </p:nvSpPr>
+        <p:spPr/>
+        <p:txBody>
+          <a:bodyPr/>
+          <a:lstStyle/>
+          <a:p>
+            <a:r>
+              <a:rPr lang="en-US" dirty="0"/>
+              <a:t>Ask a student if they’d like to share their screen and walk through it </a:t>
+            </a:r>
+          </a:p>
+        </p:txBody>
+      </p:sp>
+      <p:sp>
+        <p:nvSpPr>
+          <p:cNvPr id="4" name="Slide Number Placeholder 3"/>
+          <p:cNvSpPr>
+            <a:spLocks noGrp="1"/>
+          </p:cNvSpPr>
+          <p:nvPr>
+            <p:ph type="sldNum" sz="quarter" idx="5"/>
+          </p:nvPr>
+        </p:nvSpPr>
+        <p:spPr/>
+        <p:txBody>
+          <a:bodyPr/>
+          <a:lstStyle/>
+          <a:p>
+            <a:fld id="{3BB66621-ADCC-4EF8-8003-B9D3E881DCD2}" type="slidenum">
+              <a:rPr lang="en-US" smtClean="0"/>
+              <a:t>27</a:t>
+            </a:fld>
+            <a:endParaRPr lang="en-US"/>
+          </a:p>
+        </p:txBody>
+      </p:sp>
+    </p:spTree>
+    <p:extLst>
+      <p:ext uri="{BB962C8B-B14F-4D97-AF65-F5344CB8AC3E}">
+        <p14:creationId xmlns:p14="http://schemas.microsoft.com/office/powerpoint/2010/main" val="1201835936"/>
+      </p:ext>
+    </p:extLst>
+  </p:cSld>
+  <p:clrMapOvr>
+    <a:masterClrMapping/>
+  </p:clrMapOvr>
+</p:notes>
+</file>
+
+<file path=ppt/notesSlides/notesSlide17.xml><?xml version="1.0" encoding="utf-8"?>
+<p:notes xmlns:a="http://schemas.openxmlformats.org/drawingml/2006/main" xmlns:r="http://schemas.openxmlformats.org/officeDocument/2006/relationships" xmlns:p="http://schemas.openxmlformats.org/presentationml/2006/main">
+  <p:cSld>
+    <p:spTree>
+      <p:nvGrpSpPr>
+        <p:cNvPr id="1" name=""/>
+        <p:cNvGrpSpPr/>
+        <p:nvPr/>
+      </p:nvGrpSpPr>
+      <p:grpSpPr>
+        <a:xfrm>
+          <a:off x="0" y="0"/>
+          <a:ext cx="0" cy="0"/>
+          <a:chOff x="0" y="0"/>
+          <a:chExt cx="0" cy="0"/>
+        </a:xfrm>
+      </p:grpSpPr>
+      <p:sp>
+        <p:nvSpPr>
+          <p:cNvPr id="2" name="Slide Image Placeholder 1"/>
+          <p:cNvSpPr>
+            <a:spLocks noGrp="1" noRot="1" noChangeAspect="1"/>
+          </p:cNvSpPr>
+          <p:nvPr>
+            <p:ph type="sldImg"/>
+          </p:nvPr>
+        </p:nvSpPr>
+        <p:spPr/>
+      </p:sp>
+      <p:sp>
+        <p:nvSpPr>
+          <p:cNvPr id="3" name="Notes Placeholder 2"/>
+          <p:cNvSpPr>
+            <a:spLocks noGrp="1"/>
+          </p:cNvSpPr>
+          <p:nvPr>
+            <p:ph type="body" idx="1"/>
+          </p:nvPr>
+        </p:nvSpPr>
+        <p:spPr/>
+        <p:txBody>
+          <a:bodyPr/>
+          <a:lstStyle/>
+          <a:p>
+            <a:r>
+              <a:rPr lang="en-US" dirty="0"/>
+              <a:t>Ask a student if they’d like to share their screen and walk through it </a:t>
+            </a:r>
+          </a:p>
+        </p:txBody>
+      </p:sp>
+      <p:sp>
+        <p:nvSpPr>
+          <p:cNvPr id="4" name="Slide Number Placeholder 3"/>
+          <p:cNvSpPr>
+            <a:spLocks noGrp="1"/>
+          </p:cNvSpPr>
+          <p:nvPr>
+            <p:ph type="sldNum" sz="quarter" idx="5"/>
+          </p:nvPr>
+        </p:nvSpPr>
+        <p:spPr/>
+        <p:txBody>
+          <a:bodyPr/>
+          <a:lstStyle/>
+          <a:p>
             <a:fld id="{3BB66621-ADCC-4EF8-8003-B9D3E881DCD2}" type="slidenum">
               <a:rPr lang="en-US" smtClean="0"/>
               <a:t>29</a:t>
@@ -2602,7 +2969,210 @@
     </p:spTree>
     <p:extLst>
       <p:ext uri="{BB962C8B-B14F-4D97-AF65-F5344CB8AC3E}">
-        <p14:creationId xmlns:p14="http://schemas.microsoft.com/office/powerpoint/2010/main" val="2927483159"/>
+        <p14:creationId xmlns:p14="http://schemas.microsoft.com/office/powerpoint/2010/main" val="847546632"/>
+      </p:ext>
+    </p:extLst>
+  </p:cSld>
+  <p:clrMapOvr>
+    <a:masterClrMapping/>
+  </p:clrMapOvr>
+</p:notes>
+</file>
+
+<file path=ppt/notesSlides/notesSlide18.xml><?xml version="1.0" encoding="utf-8"?>
+<p:notes xmlns:a="http://schemas.openxmlformats.org/drawingml/2006/main" xmlns:r="http://schemas.openxmlformats.org/officeDocument/2006/relationships" xmlns:p="http://schemas.openxmlformats.org/presentationml/2006/main">
+  <p:cSld>
+    <p:spTree>
+      <p:nvGrpSpPr>
+        <p:cNvPr id="1" name=""/>
+        <p:cNvGrpSpPr/>
+        <p:nvPr/>
+      </p:nvGrpSpPr>
+      <p:grpSpPr>
+        <a:xfrm>
+          <a:off x="0" y="0"/>
+          <a:ext cx="0" cy="0"/>
+          <a:chOff x="0" y="0"/>
+          <a:chExt cx="0" cy="0"/>
+        </a:xfrm>
+      </p:grpSpPr>
+      <p:sp>
+        <p:nvSpPr>
+          <p:cNvPr id="2" name="Slide Image Placeholder 1"/>
+          <p:cNvSpPr>
+            <a:spLocks noGrp="1" noRot="1" noChangeAspect="1"/>
+          </p:cNvSpPr>
+          <p:nvPr>
+            <p:ph type="sldImg"/>
+          </p:nvPr>
+        </p:nvSpPr>
+        <p:spPr/>
+      </p:sp>
+      <p:sp>
+        <p:nvSpPr>
+          <p:cNvPr id="3" name="Notes Placeholder 2"/>
+          <p:cNvSpPr>
+            <a:spLocks noGrp="1"/>
+          </p:cNvSpPr>
+          <p:nvPr>
+            <p:ph type="body" idx="1"/>
+          </p:nvPr>
+        </p:nvSpPr>
+        <p:spPr/>
+        <p:txBody>
+          <a:bodyPr/>
+          <a:lstStyle/>
+          <a:p>
+            <a:pPr>
+              <a:buClr>
+                <a:srgbClr val="CF3338"/>
+              </a:buClr>
+            </a:pPr>
+            <a:r>
+              <a:rPr lang="en-US" sz="1200" i="1" dirty="0">
+                <a:solidFill>
+                  <a:srgbClr val="707070"/>
+                </a:solidFill>
+                <a:latin typeface="Pragmatica" panose="020B0403040502020204" pitchFamily="34" charset="0"/>
+              </a:rPr>
+              <a:t>By the end of this book, you should be able to conduct exploratory data analysis and</a:t>
+            </a:r>
+          </a:p>
+          <a:p>
+            <a:pPr>
+              <a:buClr>
+                <a:srgbClr val="CF3338"/>
+              </a:buClr>
+            </a:pPr>
+            <a:r>
+              <a:rPr lang="en-US" sz="1200" i="1" dirty="0">
+                <a:solidFill>
+                  <a:srgbClr val="707070"/>
+                </a:solidFill>
+                <a:latin typeface="Pragmatica" panose="020B0403040502020204" pitchFamily="34" charset="0"/>
+              </a:rPr>
+              <a:t>hypothesis testing using a programming language.</a:t>
+            </a:r>
+          </a:p>
+          <a:p>
+            <a:endParaRPr lang="en-US" dirty="0"/>
+          </a:p>
+        </p:txBody>
+      </p:sp>
+      <p:sp>
+        <p:nvSpPr>
+          <p:cNvPr id="4" name="Slide Number Placeholder 3"/>
+          <p:cNvSpPr>
+            <a:spLocks noGrp="1"/>
+          </p:cNvSpPr>
+          <p:nvPr>
+            <p:ph type="sldNum" sz="quarter" idx="5"/>
+          </p:nvPr>
+        </p:nvSpPr>
+        <p:spPr/>
+        <p:txBody>
+          <a:bodyPr/>
+          <a:lstStyle/>
+          <a:p>
+            <a:fld id="{3BB66621-ADCC-4EF8-8003-B9D3E881DCD2}" type="slidenum">
+              <a:rPr lang="en-US" smtClean="0"/>
+              <a:t>30</a:t>
+            </a:fld>
+            <a:endParaRPr lang="en-US"/>
+          </a:p>
+        </p:txBody>
+      </p:sp>
+    </p:spTree>
+    <p:extLst>
+      <p:ext uri="{BB962C8B-B14F-4D97-AF65-F5344CB8AC3E}">
+        <p14:creationId xmlns:p14="http://schemas.microsoft.com/office/powerpoint/2010/main" val="3775270168"/>
+      </p:ext>
+    </p:extLst>
+  </p:cSld>
+  <p:clrMapOvr>
+    <a:masterClrMapping/>
+  </p:clrMapOvr>
+</p:notes>
+</file>
+
+<file path=ppt/notesSlides/notesSlide19.xml><?xml version="1.0" encoding="utf-8"?>
+<p:notes xmlns:a="http://schemas.openxmlformats.org/drawingml/2006/main" xmlns:r="http://schemas.openxmlformats.org/officeDocument/2006/relationships" xmlns:p="http://schemas.openxmlformats.org/presentationml/2006/main">
+  <p:cSld>
+    <p:spTree>
+      <p:nvGrpSpPr>
+        <p:cNvPr id="1" name=""/>
+        <p:cNvGrpSpPr/>
+        <p:nvPr/>
+      </p:nvGrpSpPr>
+      <p:grpSpPr>
+        <a:xfrm>
+          <a:off x="0" y="0"/>
+          <a:ext cx="0" cy="0"/>
+          <a:chOff x="0" y="0"/>
+          <a:chExt cx="0" cy="0"/>
+        </a:xfrm>
+      </p:grpSpPr>
+      <p:sp>
+        <p:nvSpPr>
+          <p:cNvPr id="2" name="Slide Image Placeholder 1"/>
+          <p:cNvSpPr>
+            <a:spLocks noGrp="1" noRot="1" noChangeAspect="1"/>
+          </p:cNvSpPr>
+          <p:nvPr>
+            <p:ph type="sldImg"/>
+          </p:nvPr>
+        </p:nvSpPr>
+        <p:spPr/>
+      </p:sp>
+      <p:sp>
+        <p:nvSpPr>
+          <p:cNvPr id="3" name="Notes Placeholder 2"/>
+          <p:cNvSpPr>
+            <a:spLocks noGrp="1"/>
+          </p:cNvSpPr>
+          <p:nvPr>
+            <p:ph type="body" idx="1"/>
+          </p:nvPr>
+        </p:nvSpPr>
+        <p:spPr/>
+        <p:txBody>
+          <a:bodyPr/>
+          <a:lstStyle/>
+          <a:p>
+            <a:r>
+              <a:rPr lang="en-US" dirty="0"/>
+              <a:t>Ask a student if they’d like to share their screen and walk through it </a:t>
+            </a:r>
+          </a:p>
+        </p:txBody>
+      </p:sp>
+      <p:sp>
+        <p:nvSpPr>
+          <p:cNvPr id="4" name="Slide Number Placeholder 3"/>
+          <p:cNvSpPr>
+            <a:spLocks noGrp="1"/>
+          </p:cNvSpPr>
+          <p:nvPr>
+            <p:ph type="sldNum" sz="quarter" idx="5"/>
+          </p:nvPr>
+        </p:nvSpPr>
+        <p:spPr/>
+        <p:txBody>
+          <a:bodyPr/>
+          <a:lstStyle/>
+          <a:p>
+            <a:fld id="{3BB66621-ADCC-4EF8-8003-B9D3E881DCD2}" type="slidenum">
+              <a:rPr lang="en-US" smtClean="0"/>
+              <a:t>31</a:t>
+            </a:fld>
+            <a:endParaRPr lang="en-US"/>
+          </a:p>
+        </p:txBody>
+      </p:sp>
+    </p:spTree>
+    <p:extLst>
+      <p:ext uri="{BB962C8B-B14F-4D97-AF65-F5344CB8AC3E}">
+        <p14:creationId xmlns:p14="http://schemas.microsoft.com/office/powerpoint/2010/main" val="749150363"/>
       </p:ext>
     </p:extLst>
   </p:cSld>
@@ -2690,6 +3260,261 @@
     <p:extLst>
       <p:ext uri="{BB962C8B-B14F-4D97-AF65-F5344CB8AC3E}">
         <p14:creationId xmlns:p14="http://schemas.microsoft.com/office/powerpoint/2010/main" val="3994188376"/>
+      </p:ext>
+    </p:extLst>
+  </p:cSld>
+  <p:clrMapOvr>
+    <a:masterClrMapping/>
+  </p:clrMapOvr>
+</p:notes>
+</file>
+
+<file path=ppt/notesSlides/notesSlide20.xml><?xml version="1.0" encoding="utf-8"?>
+<p:notes xmlns:a="http://schemas.openxmlformats.org/drawingml/2006/main" xmlns:r="http://schemas.openxmlformats.org/officeDocument/2006/relationships" xmlns:p="http://schemas.openxmlformats.org/presentationml/2006/main">
+  <p:cSld>
+    <p:spTree>
+      <p:nvGrpSpPr>
+        <p:cNvPr id="1" name=""/>
+        <p:cNvGrpSpPr/>
+        <p:nvPr/>
+      </p:nvGrpSpPr>
+      <p:grpSpPr>
+        <a:xfrm>
+          <a:off x="0" y="0"/>
+          <a:ext cx="0" cy="0"/>
+          <a:chOff x="0" y="0"/>
+          <a:chExt cx="0" cy="0"/>
+        </a:xfrm>
+      </p:grpSpPr>
+      <p:sp>
+        <p:nvSpPr>
+          <p:cNvPr id="2" name="Slide Image Placeholder 1"/>
+          <p:cNvSpPr>
+            <a:spLocks noGrp="1" noRot="1" noChangeAspect="1"/>
+          </p:cNvSpPr>
+          <p:nvPr>
+            <p:ph type="sldImg"/>
+          </p:nvPr>
+        </p:nvSpPr>
+        <p:spPr/>
+      </p:sp>
+      <p:sp>
+        <p:nvSpPr>
+          <p:cNvPr id="3" name="Notes Placeholder 2"/>
+          <p:cNvSpPr>
+            <a:spLocks noGrp="1"/>
+          </p:cNvSpPr>
+          <p:nvPr>
+            <p:ph type="body" idx="1"/>
+          </p:nvPr>
+        </p:nvSpPr>
+        <p:spPr/>
+        <p:txBody>
+          <a:bodyPr/>
+          <a:lstStyle/>
+          <a:p>
+            <a:endParaRPr lang="en-US" dirty="0"/>
+          </a:p>
+        </p:txBody>
+      </p:sp>
+      <p:sp>
+        <p:nvSpPr>
+          <p:cNvPr id="4" name="Slide Number Placeholder 3"/>
+          <p:cNvSpPr>
+            <a:spLocks noGrp="1"/>
+          </p:cNvSpPr>
+          <p:nvPr>
+            <p:ph type="sldNum" sz="quarter" idx="5"/>
+          </p:nvPr>
+        </p:nvSpPr>
+        <p:spPr/>
+        <p:txBody>
+          <a:bodyPr/>
+          <a:lstStyle/>
+          <a:p>
+            <a:fld id="{F9DB3DAC-CD90-4DD2-80B1-E135CFB4F8DD}" type="slidenum">
+              <a:rPr lang="en-US" smtClean="0"/>
+              <a:t>33</a:t>
+            </a:fld>
+            <a:endParaRPr lang="en-US"/>
+          </a:p>
+        </p:txBody>
+      </p:sp>
+    </p:spTree>
+    <p:extLst>
+      <p:ext uri="{BB962C8B-B14F-4D97-AF65-F5344CB8AC3E}">
+        <p14:creationId xmlns:p14="http://schemas.microsoft.com/office/powerpoint/2010/main" val="1358763884"/>
+      </p:ext>
+    </p:extLst>
+  </p:cSld>
+  <p:clrMapOvr>
+    <a:masterClrMapping/>
+  </p:clrMapOvr>
+</p:notes>
+</file>
+
+<file path=ppt/notesSlides/notesSlide21.xml><?xml version="1.0" encoding="utf-8"?>
+<p:notes xmlns:a="http://schemas.openxmlformats.org/drawingml/2006/main" xmlns:r="http://schemas.openxmlformats.org/officeDocument/2006/relationships" xmlns:p="http://schemas.openxmlformats.org/presentationml/2006/main">
+  <p:cSld>
+    <p:spTree>
+      <p:nvGrpSpPr>
+        <p:cNvPr id="1" name=""/>
+        <p:cNvGrpSpPr/>
+        <p:nvPr/>
+      </p:nvGrpSpPr>
+      <p:grpSpPr>
+        <a:xfrm>
+          <a:off x="0" y="0"/>
+          <a:ext cx="0" cy="0"/>
+          <a:chOff x="0" y="0"/>
+          <a:chExt cx="0" cy="0"/>
+        </a:xfrm>
+      </p:grpSpPr>
+      <p:sp>
+        <p:nvSpPr>
+          <p:cNvPr id="2" name="Slide Image Placeholder 1"/>
+          <p:cNvSpPr>
+            <a:spLocks noGrp="1" noRot="1" noChangeAspect="1"/>
+          </p:cNvSpPr>
+          <p:nvPr>
+            <p:ph type="sldImg"/>
+          </p:nvPr>
+        </p:nvSpPr>
+        <p:spPr/>
+      </p:sp>
+      <p:sp>
+        <p:nvSpPr>
+          <p:cNvPr id="3" name="Notes Placeholder 2"/>
+          <p:cNvSpPr>
+            <a:spLocks noGrp="1"/>
+          </p:cNvSpPr>
+          <p:nvPr>
+            <p:ph type="body" idx="1"/>
+          </p:nvPr>
+        </p:nvSpPr>
+        <p:spPr/>
+        <p:txBody>
+          <a:bodyPr/>
+          <a:lstStyle/>
+          <a:p>
+            <a:endParaRPr lang="en-US" dirty="0"/>
+          </a:p>
+        </p:txBody>
+      </p:sp>
+      <p:sp>
+        <p:nvSpPr>
+          <p:cNvPr id="4" name="Slide Number Placeholder 3"/>
+          <p:cNvSpPr>
+            <a:spLocks noGrp="1"/>
+          </p:cNvSpPr>
+          <p:nvPr>
+            <p:ph type="sldNum" sz="quarter" idx="5"/>
+          </p:nvPr>
+        </p:nvSpPr>
+        <p:spPr/>
+        <p:txBody>
+          <a:bodyPr/>
+          <a:lstStyle/>
+          <a:p>
+            <a:fld id="{F9DB3DAC-CD90-4DD2-80B1-E135CFB4F8DD}" type="slidenum">
+              <a:rPr lang="en-US" smtClean="0"/>
+              <a:t>35</a:t>
+            </a:fld>
+            <a:endParaRPr lang="en-US"/>
+          </a:p>
+        </p:txBody>
+      </p:sp>
+    </p:spTree>
+    <p:extLst>
+      <p:ext uri="{BB962C8B-B14F-4D97-AF65-F5344CB8AC3E}">
+        <p14:creationId xmlns:p14="http://schemas.microsoft.com/office/powerpoint/2010/main" val="1371909301"/>
+      </p:ext>
+    </p:extLst>
+  </p:cSld>
+  <p:clrMapOvr>
+    <a:masterClrMapping/>
+  </p:clrMapOvr>
+</p:notes>
+</file>
+
+<file path=ppt/notesSlides/notesSlide22.xml><?xml version="1.0" encoding="utf-8"?>
+<p:notes xmlns:a="http://schemas.openxmlformats.org/drawingml/2006/main" xmlns:r="http://schemas.openxmlformats.org/officeDocument/2006/relationships" xmlns:p="http://schemas.openxmlformats.org/presentationml/2006/main">
+  <p:cSld>
+    <p:spTree>
+      <p:nvGrpSpPr>
+        <p:cNvPr id="1" name=""/>
+        <p:cNvGrpSpPr/>
+        <p:nvPr/>
+      </p:nvGrpSpPr>
+      <p:grpSpPr>
+        <a:xfrm>
+          <a:off x="0" y="0"/>
+          <a:ext cx="0" cy="0"/>
+          <a:chOff x="0" y="0"/>
+          <a:chExt cx="0" cy="0"/>
+        </a:xfrm>
+      </p:grpSpPr>
+      <p:sp>
+        <p:nvSpPr>
+          <p:cNvPr id="2" name="Slide Image Placeholder 1"/>
+          <p:cNvSpPr>
+            <a:spLocks noGrp="1" noRot="1" noChangeAspect="1"/>
+          </p:cNvSpPr>
+          <p:nvPr>
+            <p:ph type="sldImg"/>
+          </p:nvPr>
+        </p:nvSpPr>
+        <p:spPr/>
+      </p:sp>
+      <p:sp>
+        <p:nvSpPr>
+          <p:cNvPr id="3" name="Notes Placeholder 2"/>
+          <p:cNvSpPr>
+            <a:spLocks noGrp="1"/>
+          </p:cNvSpPr>
+          <p:nvPr>
+            <p:ph type="body" idx="1"/>
+          </p:nvPr>
+        </p:nvSpPr>
+        <p:spPr/>
+        <p:txBody>
+          <a:bodyPr/>
+          <a:lstStyle/>
+          <a:p>
+            <a:r>
+              <a:rPr lang="en-US" dirty="0"/>
+              <a:t>Ask a student if they’d like to share their screen and walk through it </a:t>
+            </a:r>
+          </a:p>
+        </p:txBody>
+      </p:sp>
+      <p:sp>
+        <p:nvSpPr>
+          <p:cNvPr id="4" name="Slide Number Placeholder 3"/>
+          <p:cNvSpPr>
+            <a:spLocks noGrp="1"/>
+          </p:cNvSpPr>
+          <p:nvPr>
+            <p:ph type="sldNum" sz="quarter" idx="5"/>
+          </p:nvPr>
+        </p:nvSpPr>
+        <p:spPr/>
+        <p:txBody>
+          <a:bodyPr/>
+          <a:lstStyle/>
+          <a:p>
+            <a:fld id="{3BB66621-ADCC-4EF8-8003-B9D3E881DCD2}" type="slidenum">
+              <a:rPr lang="en-US" smtClean="0"/>
+              <a:t>36</a:t>
+            </a:fld>
+            <a:endParaRPr lang="en-US"/>
+          </a:p>
+        </p:txBody>
+      </p:sp>
+    </p:spTree>
+    <p:extLst>
+      <p:ext uri="{BB962C8B-B14F-4D97-AF65-F5344CB8AC3E}">
+        <p14:creationId xmlns:p14="http://schemas.microsoft.com/office/powerpoint/2010/main" val="2771396824"/>
       </p:ext>
     </p:extLst>
   </p:cSld>
@@ -3488,7 +4313,7 @@
           <a:p>
             <a:fld id="{0138B082-EFC2-46C1-B47C-51736C670379}" type="datetimeFigureOut">
               <a:rPr lang="en-US" smtClean="0"/>
-              <a:t>9/2/2021</a:t>
+              <a:t>9/3/2021</a:t>
             </a:fld>
             <a:endParaRPr lang="en-US"/>
           </a:p>
@@ -3656,7 +4481,7 @@
           <a:p>
             <a:fld id="{0138B082-EFC2-46C1-B47C-51736C670379}" type="datetimeFigureOut">
               <a:rPr lang="en-US" smtClean="0"/>
-              <a:t>9/2/2021</a:t>
+              <a:t>9/3/2021</a:t>
             </a:fld>
             <a:endParaRPr lang="en-US"/>
           </a:p>
@@ -3834,7 +4659,7 @@
           <a:p>
             <a:fld id="{0138B082-EFC2-46C1-B47C-51736C670379}" type="datetimeFigureOut">
               <a:rPr lang="en-US" smtClean="0"/>
-              <a:t>9/2/2021</a:t>
+              <a:t>9/3/2021</a:t>
             </a:fld>
             <a:endParaRPr lang="en-US"/>
           </a:p>
@@ -4002,7 +4827,7 @@
           <a:p>
             <a:fld id="{0138B082-EFC2-46C1-B47C-51736C670379}" type="datetimeFigureOut">
               <a:rPr lang="en-US" smtClean="0"/>
-              <a:t>9/2/2021</a:t>
+              <a:t>9/3/2021</a:t>
             </a:fld>
             <a:endParaRPr lang="en-US"/>
           </a:p>
@@ -4247,7 +5072,7 @@
           <a:p>
             <a:fld id="{0138B082-EFC2-46C1-B47C-51736C670379}" type="datetimeFigureOut">
               <a:rPr lang="en-US" smtClean="0"/>
-              <a:t>9/2/2021</a:t>
+              <a:t>9/3/2021</a:t>
             </a:fld>
             <a:endParaRPr lang="en-US"/>
           </a:p>
@@ -4476,7 +5301,7 @@
           <a:p>
             <a:fld id="{0138B082-EFC2-46C1-B47C-51736C670379}" type="datetimeFigureOut">
               <a:rPr lang="en-US" smtClean="0"/>
-              <a:t>9/2/2021</a:t>
+              <a:t>9/3/2021</a:t>
             </a:fld>
             <a:endParaRPr lang="en-US"/>
           </a:p>
@@ -4840,7 +5665,7 @@
           <a:p>
             <a:fld id="{0138B082-EFC2-46C1-B47C-51736C670379}" type="datetimeFigureOut">
               <a:rPr lang="en-US" smtClean="0"/>
-              <a:t>9/2/2021</a:t>
+              <a:t>9/3/2021</a:t>
             </a:fld>
             <a:endParaRPr lang="en-US"/>
           </a:p>
@@ -4957,7 +5782,7 @@
           <a:p>
             <a:fld id="{0138B082-EFC2-46C1-B47C-51736C670379}" type="datetimeFigureOut">
               <a:rPr lang="en-US" smtClean="0"/>
-              <a:t>9/2/2021</a:t>
+              <a:t>9/3/2021</a:t>
             </a:fld>
             <a:endParaRPr lang="en-US"/>
           </a:p>
@@ -5052,7 +5877,7 @@
           <a:p>
             <a:fld id="{0138B082-EFC2-46C1-B47C-51736C670379}" type="datetimeFigureOut">
               <a:rPr lang="en-US" smtClean="0"/>
-              <a:t>9/2/2021</a:t>
+              <a:t>9/3/2021</a:t>
             </a:fld>
             <a:endParaRPr lang="en-US"/>
           </a:p>
@@ -5327,7 +6152,7 @@
           <a:p>
             <a:fld id="{0138B082-EFC2-46C1-B47C-51736C670379}" type="datetimeFigureOut">
               <a:rPr lang="en-US" smtClean="0"/>
-              <a:t>9/2/2021</a:t>
+              <a:t>9/3/2021</a:t>
             </a:fld>
             <a:endParaRPr lang="en-US"/>
           </a:p>
@@ -5579,7 +6404,7 @@
           <a:p>
             <a:fld id="{0138B082-EFC2-46C1-B47C-51736C670379}" type="datetimeFigureOut">
               <a:rPr lang="en-US" smtClean="0"/>
-              <a:t>9/2/2021</a:t>
+              <a:t>9/3/2021</a:t>
             </a:fld>
             <a:endParaRPr lang="en-US"/>
           </a:p>
@@ -5790,7 +6615,7 @@
           <a:p>
             <a:fld id="{0138B082-EFC2-46C1-B47C-51736C670379}" type="datetimeFigureOut">
               <a:rPr lang="en-US" smtClean="0"/>
-              <a:t>9/2/2021</a:t>
+              <a:t>9/3/2021</a:t>
             </a:fld>
             <a:endParaRPr lang="en-US"/>
           </a:p>
@@ -8804,7 +9629,7 @@
                 </a:solidFill>
                 <a:latin typeface="Pragmatica" panose="020B0403040502020204" pitchFamily="34" charset="0"/>
               </a:rPr>
-              <a:t>Try it: </a:t>
+              <a:t>Try it in our doc: </a:t>
             </a:r>
             <a:r>
               <a:rPr lang="en-US" sz="2800" dirty="0">
@@ -8828,6 +9653,45 @@
           </a:p>
         </p:txBody>
       </p:sp>
+      <p:pic>
+        <p:nvPicPr>
+          <p:cNvPr id="4" name="Graphic 3" descr="Fishing with solid fill">
+            <a:extLst>
+              <a:ext uri="{FF2B5EF4-FFF2-40B4-BE49-F238E27FC236}">
+                <a16:creationId xmlns:a16="http://schemas.microsoft.com/office/drawing/2014/main" id="{5C3F347E-8360-4376-981A-4A10D52DFB34}"/>
+              </a:ext>
+            </a:extLst>
+          </p:cNvPr>
+          <p:cNvPicPr>
+            <a:picLocks noChangeAspect="1"/>
+          </p:cNvPicPr>
+          <p:nvPr/>
+        </p:nvPicPr>
+        <p:blipFill>
+          <a:blip r:embed="rId5">
+            <a:extLst>
+              <a:ext uri="{28A0092B-C50C-407E-A947-70E740481C1C}">
+                <a14:useLocalDpi xmlns:a14="http://schemas.microsoft.com/office/drawing/2010/main" val="0"/>
+              </a:ext>
+              <a:ext uri="{96DAC541-7B7A-43D3-8B79-37D633B846F1}">
+                <asvg:svgBlip xmlns:asvg="http://schemas.microsoft.com/office/drawing/2016/SVG/main" r:embed="rId6"/>
+              </a:ext>
+            </a:extLst>
+          </a:blip>
+          <a:stretch>
+            <a:fillRect/>
+          </a:stretch>
+        </p:blipFill>
+        <p:spPr>
+          <a:xfrm>
+            <a:off x="7059927" y="1914418"/>
+            <a:ext cx="4199909" cy="4199909"/>
+          </a:xfrm>
+          <a:prstGeom prst="rect">
+            <a:avLst/>
+          </a:prstGeom>
+        </p:spPr>
+      </p:pic>
     </p:spTree>
     <p:extLst>
       <p:ext uri="{BB962C8B-B14F-4D97-AF65-F5344CB8AC3E}">
@@ -8981,7 +9845,7 @@
                 </a:solidFill>
                 <a:latin typeface="Pragmatica" panose="020B0403040502020204" pitchFamily="34" charset="0"/>
               </a:rPr>
-              <a:t>What else is there to do in Excel? </a:t>
+              <a:t>What else can Excel do for you? </a:t>
             </a:r>
           </a:p>
           <a:p>
@@ -9113,7 +9977,7 @@
         <p:spPr>
           <a:xfrm>
             <a:off x="521231" y="1734792"/>
-            <a:ext cx="6636716" cy="2677656"/>
+            <a:ext cx="6636716" cy="3539430"/>
           </a:xfrm>
           <a:prstGeom prst="rect">
             <a:avLst/>
@@ -9183,7 +10047,22 @@
                 </a:solidFill>
                 <a:latin typeface="Pragmatica" panose="020B0403040502020204" pitchFamily="34" charset="0"/>
               </a:rPr>
-              <a:t>State the</a:t>
+              <a:t>State the statistical hypotheses for this analysis</a:t>
+            </a:r>
+          </a:p>
+          <a:p>
+            <a:pPr marL="457200" indent="-457200">
+              <a:buFont typeface="Arial" panose="020B0604020202020204" pitchFamily="34" charset="0"/>
+              <a:buChar char="•"/>
+            </a:pPr>
+            <a:r>
+              <a:rPr lang="en-US" sz="2800" dirty="0">
+                <a:solidFill>
+                  <a:srgbClr val="707070"/>
+                </a:solidFill>
+                <a:latin typeface="Pragmatica" panose="020B0403040502020204" pitchFamily="34" charset="0"/>
+              </a:rPr>
+              <a:t>Why are they stated this way? </a:t>
             </a:r>
           </a:p>
         </p:txBody>
@@ -9218,86 +10097,9 @@
           <a:chExt cx="0" cy="0"/>
         </a:xfrm>
       </p:grpSpPr>
-      <p:sp>
-        <p:nvSpPr>
-          <p:cNvPr id="4" name="Rectangle 3"/>
-          <p:cNvSpPr/>
-          <p:nvPr/>
-        </p:nvSpPr>
-        <p:spPr>
-          <a:xfrm>
-            <a:off x="6574420" y="0"/>
-            <a:ext cx="5617580" cy="6858000"/>
-          </a:xfrm>
-          <a:prstGeom prst="rect">
-            <a:avLst/>
-          </a:prstGeom>
-          <a:solidFill>
-            <a:srgbClr val="CF3338"/>
-          </a:solidFill>
-        </p:spPr>
-        <p:style>
-          <a:lnRef idx="2">
-            <a:schemeClr val="accent1">
-              <a:shade val="50000"/>
-            </a:schemeClr>
-          </a:lnRef>
-          <a:fillRef idx="1">
-            <a:schemeClr val="accent1"/>
-          </a:fillRef>
-          <a:effectRef idx="0">
-            <a:schemeClr val="accent1"/>
-          </a:effectRef>
-          <a:fontRef idx="minor">
-            <a:schemeClr val="lt1"/>
-          </a:fontRef>
-        </p:style>
-        <p:txBody>
-          <a:bodyPr rtlCol="0" anchor="ctr"/>
-          <a:lstStyle/>
-          <a:p>
-            <a:pPr algn="ctr"/>
-            <a:endParaRPr lang="en-US"/>
-          </a:p>
-        </p:txBody>
-      </p:sp>
-      <p:sp>
-        <p:nvSpPr>
-          <p:cNvPr id="5" name="TextBox 4"/>
-          <p:cNvSpPr txBox="1"/>
-          <p:nvPr/>
-        </p:nvSpPr>
-        <p:spPr>
-          <a:xfrm>
-            <a:off x="6817489" y="0"/>
-            <a:ext cx="4120587" cy="1446550"/>
-          </a:xfrm>
-          <a:prstGeom prst="rect">
-            <a:avLst/>
-          </a:prstGeom>
-          <a:noFill/>
-        </p:spPr>
-        <p:txBody>
-          <a:bodyPr wrap="square" rtlCol="0">
-            <a:spAutoFit/>
-          </a:bodyPr>
-          <a:lstStyle/>
-          <a:p>
-            <a:r>
-              <a:rPr lang="en-US" sz="8800" dirty="0">
-                <a:solidFill>
-                  <a:schemeClr val="bg1"/>
-                </a:solidFill>
-                <a:latin typeface="Aliens &amp; cows" panose="00000500000000000000" pitchFamily="2" charset="0"/>
-              </a:rPr>
-              <a:t>Demo</a:t>
-            </a:r>
-          </a:p>
-        </p:txBody>
-      </p:sp>
       <p:pic>
         <p:nvPicPr>
-          <p:cNvPr id="2" name="Picture 1"/>
+          <p:cNvPr id="10" name="Picture 9"/>
           <p:cNvPicPr>
             <a:picLocks noChangeAspect="1"/>
           </p:cNvPicPr>
@@ -9311,19 +10113,50 @@
               </a:ext>
             </a:extLst>
           </a:blip>
-          <a:srcRect l="69227" t="33418" r="20112" b="50548"/>
+          <a:srcRect l="50728" t="56371"/>
           <a:stretch/>
         </p:blipFill>
         <p:spPr>
           <a:xfrm>
-            <a:off x="10386349" y="5029795"/>
-            <a:ext cx="1805651" cy="1991719"/>
+            <a:off x="10894024" y="5370653"/>
+            <a:ext cx="1297975" cy="1487348"/>
           </a:xfrm>
           <a:prstGeom prst="rect">
             <a:avLst/>
           </a:prstGeom>
         </p:spPr>
       </p:pic>
+      <p:sp>
+        <p:nvSpPr>
+          <p:cNvPr id="11" name="TextBox 10"/>
+          <p:cNvSpPr txBox="1"/>
+          <p:nvPr/>
+        </p:nvSpPr>
+        <p:spPr>
+          <a:xfrm>
+            <a:off x="347240" y="113388"/>
+            <a:ext cx="9799937" cy="1015663"/>
+          </a:xfrm>
+          <a:prstGeom prst="rect">
+            <a:avLst/>
+          </a:prstGeom>
+          <a:noFill/>
+        </p:spPr>
+        <p:txBody>
+          <a:bodyPr wrap="square" rtlCol="0">
+            <a:spAutoFit/>
+          </a:bodyPr>
+          <a:lstStyle/>
+          <a:p>
+            <a:r>
+              <a:rPr lang="en-US" sz="6000" dirty="0">
+                <a:latin typeface="Aliens &amp; cows" panose="00000500000000000000" pitchFamily="2" charset="0"/>
+              </a:rPr>
+              <a:t>3. Data </a:t>
+            </a:r>
+          </a:p>
+        </p:txBody>
+      </p:sp>
       <p:sp>
         <p:nvSpPr>
           <p:cNvPr id="3" name="TextBox 2"/>
@@ -9332,8 +10165,8 @@
         </p:nvSpPr>
         <p:spPr>
           <a:xfrm>
-            <a:off x="173620" y="219919"/>
-            <a:ext cx="5937813" cy="2246769"/>
+            <a:off x="521230" y="1734792"/>
+            <a:ext cx="7899103" cy="1815882"/>
           </a:xfrm>
           <a:prstGeom prst="rect">
             <a:avLst/>
@@ -9346,54 +10179,107 @@
           </a:bodyPr>
           <a:lstStyle/>
           <a:p>
-            <a:r>
-              <a:rPr lang="en-US" sz="2800" b="1" dirty="0">
-                <a:solidFill>
-                  <a:srgbClr val="CF3338"/>
-                </a:solidFill>
-                <a:latin typeface="Pragmatica" pitchFamily="2" charset="0"/>
-              </a:rPr>
-              <a:t>File: </a:t>
-            </a:r>
-            <a:r>
-              <a:rPr lang="en-US" sz="2800" b="1" dirty="0">
-                <a:solidFill>
-                  <a:srgbClr val="CF3338"/>
-                </a:solidFill>
-                <a:latin typeface="Consolas" panose="020B0609020204030204" pitchFamily="49" charset="0"/>
-              </a:rPr>
-              <a:t>datasets/computers.xlsx</a:t>
-            </a:r>
-          </a:p>
-          <a:p>
-            <a:endParaRPr lang="en-US" sz="2800" b="1" dirty="0">
-              <a:solidFill>
-                <a:srgbClr val="CF3338"/>
-              </a:solidFill>
-              <a:latin typeface="Consolas" panose="020B0609020204030204" pitchFamily="49" charset="0"/>
-            </a:endParaRPr>
-          </a:p>
-          <a:p>
-            <a:pPr marL="457200" indent="-457200">
+            <a:pPr marL="285750" indent="-285750">
               <a:buFont typeface="Arial" panose="020B0604020202020204" pitchFamily="34" charset="0"/>
               <a:buChar char="•"/>
             </a:pPr>
             <a:r>
-              <a:rPr lang="en-US" sz="2800" b="1" dirty="0">
+              <a:rPr lang="en-US" sz="2800" dirty="0">
                 <a:solidFill>
-                  <a:srgbClr val="CF3338"/>
+                  <a:srgbClr val="707070"/>
                 </a:solidFill>
-                <a:latin typeface="Pragmatica" panose="020B0403040502020204"/>
-              </a:rPr>
-              <a:t>Is there a difference in price of computers with and without a CD-ROM? </a:t>
-            </a:r>
-          </a:p>
-        </p:txBody>
-      </p:sp>
+                <a:latin typeface="Pragmatica" panose="020B0403040502020204" pitchFamily="34" charset="0"/>
+              </a:rPr>
+              <a:t>Where did the data come from?</a:t>
+            </a:r>
+          </a:p>
+          <a:p>
+            <a:pPr marL="285750" indent="-285750">
+              <a:buFont typeface="Arial" panose="020B0604020202020204" pitchFamily="34" charset="0"/>
+              <a:buChar char="•"/>
+            </a:pPr>
+            <a:r>
+              <a:rPr lang="en-US" sz="2800" dirty="0">
+                <a:solidFill>
+                  <a:srgbClr val="707070"/>
+                </a:solidFill>
+                <a:latin typeface="Pragmatica" panose="020B0403040502020204" pitchFamily="34" charset="0"/>
+              </a:rPr>
+              <a:t>Why are you using it?</a:t>
+            </a:r>
+          </a:p>
+          <a:p>
+            <a:pPr marL="285750" indent="-285750">
+              <a:buFont typeface="Arial" panose="020B0604020202020204" pitchFamily="34" charset="0"/>
+              <a:buChar char="•"/>
+            </a:pPr>
+            <a:r>
+              <a:rPr lang="en-US" sz="2800" dirty="0">
+                <a:solidFill>
+                  <a:srgbClr val="707070"/>
+                </a:solidFill>
+                <a:latin typeface="Pragmatica" panose="020B0403040502020204" pitchFamily="34" charset="0"/>
+              </a:rPr>
+              <a:t>Show, don’t tell: visualizations</a:t>
+            </a:r>
+          </a:p>
+          <a:p>
+            <a:pPr marL="285750" indent="-285750">
+              <a:buFont typeface="Arial" panose="020B0604020202020204" pitchFamily="34" charset="0"/>
+              <a:buChar char="•"/>
+            </a:pPr>
+            <a:endParaRPr lang="en-US" sz="2800" dirty="0">
+              <a:solidFill>
+                <a:srgbClr val="707070"/>
+              </a:solidFill>
+              <a:latin typeface="Pragmatica" panose="020B0403040502020204" pitchFamily="34" charset="0"/>
+            </a:endParaRPr>
+          </a:p>
+        </p:txBody>
+      </p:sp>
+      <p:pic>
+        <p:nvPicPr>
+          <p:cNvPr id="4" name="Graphic 3" descr="Presentation with bar chart with solid fill">
+            <a:extLst>
+              <a:ext uri="{FF2B5EF4-FFF2-40B4-BE49-F238E27FC236}">
+                <a16:creationId xmlns:a16="http://schemas.microsoft.com/office/drawing/2014/main" id="{63D31F9E-8ACF-468B-A3F7-884F333DFE2B}"/>
+              </a:ext>
+            </a:extLst>
+          </p:cNvPr>
+          <p:cNvPicPr>
+            <a:picLocks noChangeAspect="1"/>
+          </p:cNvPicPr>
+          <p:nvPr/>
+        </p:nvPicPr>
+        <p:blipFill>
+          <a:blip r:embed="rId4">
+            <a:extLst>
+              <a:ext uri="{28A0092B-C50C-407E-A947-70E740481C1C}">
+                <a14:useLocalDpi xmlns:a14="http://schemas.microsoft.com/office/drawing/2010/main" val="0"/>
+              </a:ext>
+              <a:ext uri="{96DAC541-7B7A-43D3-8B79-37D633B846F1}">
+                <asvg:svgBlip xmlns:asvg="http://schemas.microsoft.com/office/drawing/2016/SVG/main" r:embed="rId5"/>
+              </a:ext>
+            </a:extLst>
+          </a:blip>
+          <a:stretch>
+            <a:fillRect/>
+          </a:stretch>
+        </p:blipFill>
+        <p:spPr>
+          <a:xfrm>
+            <a:off x="7426103" y="1549669"/>
+            <a:ext cx="4116908" cy="4116908"/>
+          </a:xfrm>
+          <a:prstGeom prst="rect">
+            <a:avLst/>
+          </a:prstGeom>
+        </p:spPr>
+      </p:pic>
     </p:spTree>
     <p:extLst>
       <p:ext uri="{BB962C8B-B14F-4D97-AF65-F5344CB8AC3E}">
-        <p14:creationId xmlns:p14="http://schemas.microsoft.com/office/powerpoint/2010/main" val="286176572"/>
+        <p14:creationId xmlns:p14="http://schemas.microsoft.com/office/powerpoint/2010/main" val="3767787693"/>
       </p:ext>
     </p:extLst>
   </p:cSld>
@@ -9420,184 +10306,92 @@
           <a:chExt cx="0" cy="0"/>
         </a:xfrm>
       </p:grpSpPr>
+      <p:sp>
+        <p:nvSpPr>
+          <p:cNvPr id="4" name="Rectangle 3"/>
+          <p:cNvSpPr/>
+          <p:nvPr/>
+        </p:nvSpPr>
+        <p:spPr>
+          <a:xfrm>
+            <a:off x="6574420" y="0"/>
+            <a:ext cx="5617580" cy="6858000"/>
+          </a:xfrm>
+          <a:prstGeom prst="rect">
+            <a:avLst/>
+          </a:prstGeom>
+          <a:solidFill>
+            <a:srgbClr val="CF3338"/>
+          </a:solidFill>
+        </p:spPr>
+        <p:style>
+          <a:lnRef idx="2">
+            <a:schemeClr val="accent1">
+              <a:shade val="50000"/>
+            </a:schemeClr>
+          </a:lnRef>
+          <a:fillRef idx="1">
+            <a:schemeClr val="accent1"/>
+          </a:fillRef>
+          <a:effectRef idx="0">
+            <a:schemeClr val="accent1"/>
+          </a:effectRef>
+          <a:fontRef idx="minor">
+            <a:schemeClr val="lt1"/>
+          </a:fontRef>
+        </p:style>
+        <p:txBody>
+          <a:bodyPr rtlCol="0" anchor="ctr"/>
+          <a:lstStyle/>
+          <a:p>
+            <a:pPr algn="ctr"/>
+            <a:endParaRPr lang="en-US"/>
+          </a:p>
+        </p:txBody>
+      </p:sp>
+      <p:sp>
+        <p:nvSpPr>
+          <p:cNvPr id="5" name="TextBox 4"/>
+          <p:cNvSpPr txBox="1"/>
+          <p:nvPr/>
+        </p:nvSpPr>
+        <p:spPr>
+          <a:xfrm>
+            <a:off x="6817489" y="0"/>
+            <a:ext cx="4120587" cy="1446550"/>
+          </a:xfrm>
+          <a:prstGeom prst="rect">
+            <a:avLst/>
+          </a:prstGeom>
+          <a:noFill/>
+        </p:spPr>
+        <p:txBody>
+          <a:bodyPr wrap="square" rtlCol="0">
+            <a:spAutoFit/>
+          </a:bodyPr>
+          <a:lstStyle/>
+          <a:p>
+            <a:r>
+              <a:rPr lang="en-US" sz="8800" dirty="0">
+                <a:solidFill>
+                  <a:schemeClr val="bg1"/>
+                </a:solidFill>
+                <a:latin typeface="Aliens &amp; cows" panose="00000500000000000000" pitchFamily="2" charset="0"/>
+              </a:rPr>
+              <a:t>Demo</a:t>
+            </a:r>
+          </a:p>
+        </p:txBody>
+      </p:sp>
       <p:pic>
         <p:nvPicPr>
-          <p:cNvPr id="10" name="Picture 9"/>
+          <p:cNvPr id="2" name="Picture 1"/>
           <p:cNvPicPr>
             <a:picLocks noChangeAspect="1"/>
           </p:cNvPicPr>
           <p:nvPr/>
         </p:nvPicPr>
         <p:blipFill rotWithShape="1">
-          <a:blip r:embed="rId2">
-            <a:extLst>
-              <a:ext uri="{28A0092B-C50C-407E-A947-70E740481C1C}">
-                <a14:useLocalDpi xmlns:a14="http://schemas.microsoft.com/office/drawing/2010/main" val="0"/>
-              </a:ext>
-            </a:extLst>
-          </a:blip>
-          <a:srcRect l="50728" t="56371"/>
-          <a:stretch/>
-        </p:blipFill>
-        <p:spPr>
-          <a:xfrm>
-            <a:off x="10894024" y="5370653"/>
-            <a:ext cx="1297975" cy="1487348"/>
-          </a:xfrm>
-          <a:prstGeom prst="rect">
-            <a:avLst/>
-          </a:prstGeom>
-        </p:spPr>
-      </p:pic>
-      <p:sp>
-        <p:nvSpPr>
-          <p:cNvPr id="11" name="TextBox 10"/>
-          <p:cNvSpPr txBox="1"/>
-          <p:nvPr/>
-        </p:nvSpPr>
-        <p:spPr>
-          <a:xfrm>
-            <a:off x="347240" y="113388"/>
-            <a:ext cx="9799937" cy="1938992"/>
-          </a:xfrm>
-          <a:prstGeom prst="rect">
-            <a:avLst/>
-          </a:prstGeom>
-          <a:noFill/>
-        </p:spPr>
-        <p:txBody>
-          <a:bodyPr wrap="square" rtlCol="0">
-            <a:spAutoFit/>
-          </a:bodyPr>
-          <a:lstStyle/>
-          <a:p>
-            <a:r>
-              <a:rPr lang="en-US" sz="6000" dirty="0">
-                <a:latin typeface="Aliens &amp; cows" panose="00000500000000000000" pitchFamily="2" charset="0"/>
-              </a:rPr>
-              <a:t>What makes for compelling analytics?</a:t>
-            </a:r>
-          </a:p>
-        </p:txBody>
-      </p:sp>
-      <p:sp>
-        <p:nvSpPr>
-          <p:cNvPr id="3" name="TextBox 2"/>
-          <p:cNvSpPr txBox="1"/>
-          <p:nvPr/>
-        </p:nvSpPr>
-        <p:spPr>
-          <a:xfrm>
-            <a:off x="585297" y="2521059"/>
-            <a:ext cx="6636716" cy="3108543"/>
-          </a:xfrm>
-          <a:prstGeom prst="rect">
-            <a:avLst/>
-          </a:prstGeom>
-          <a:noFill/>
-        </p:spPr>
-        <p:txBody>
-          <a:bodyPr wrap="square" rtlCol="0">
-            <a:spAutoFit/>
-          </a:bodyPr>
-          <a:lstStyle/>
-          <a:p>
-            <a:pPr marL="285750" indent="-285750">
-              <a:buFont typeface="Arial" panose="020B0604020202020204" pitchFamily="34" charset="0"/>
-              <a:buChar char="•"/>
-            </a:pPr>
-            <a:r>
-              <a:rPr lang="en-US" sz="2800" dirty="0">
-                <a:solidFill>
-                  <a:srgbClr val="707070"/>
-                </a:solidFill>
-                <a:latin typeface="Pragmatica" panose="020B0403040502020204" pitchFamily="34" charset="0"/>
-              </a:rPr>
-              <a:t>What does your audience assume to be true?</a:t>
-            </a:r>
-          </a:p>
-          <a:p>
-            <a:pPr marL="742950" lvl="1" indent="-285750">
-              <a:buFont typeface="Arial" panose="020B0604020202020204" pitchFamily="34" charset="0"/>
-              <a:buChar char="•"/>
-            </a:pPr>
-            <a:r>
-              <a:rPr lang="en-US" sz="2800" dirty="0">
-                <a:solidFill>
-                  <a:srgbClr val="707070"/>
-                </a:solidFill>
-                <a:latin typeface="Pragmatica" panose="020B0403040502020204" pitchFamily="34" charset="0"/>
-              </a:rPr>
-              <a:t>What if they’re wrong? </a:t>
-            </a:r>
-          </a:p>
-          <a:p>
-            <a:pPr marL="285750" indent="-285750">
-              <a:buFont typeface="Arial" panose="020B0604020202020204" pitchFamily="34" charset="0"/>
-              <a:buChar char="•"/>
-            </a:pPr>
-            <a:r>
-              <a:rPr lang="en-US" sz="2800" dirty="0">
-                <a:solidFill>
-                  <a:srgbClr val="707070"/>
-                </a:solidFill>
-                <a:latin typeface="Pragmatica" panose="020B0403040502020204" pitchFamily="34" charset="0"/>
-              </a:rPr>
-              <a:t>What myths can you bust? </a:t>
-            </a:r>
-          </a:p>
-          <a:p>
-            <a:pPr marL="285750" indent="-285750">
-              <a:buFont typeface="Arial" panose="020B0604020202020204" pitchFamily="34" charset="0"/>
-              <a:buChar char="•"/>
-            </a:pPr>
-            <a:r>
-              <a:rPr lang="en-US" sz="2800" dirty="0">
-                <a:solidFill>
-                  <a:srgbClr val="707070"/>
-                </a:solidFill>
-                <a:latin typeface="Pragmatica" panose="020B0403040502020204" pitchFamily="34" charset="0"/>
-              </a:rPr>
-              <a:t>What urban legends can you tame? </a:t>
-            </a:r>
-          </a:p>
-          <a:p>
-            <a:pPr marL="285750" indent="-285750">
-              <a:buFont typeface="Arial" panose="020B0604020202020204" pitchFamily="34" charset="0"/>
-              <a:buChar char="•"/>
-            </a:pPr>
-            <a:endParaRPr lang="en-US" sz="2800" dirty="0">
-              <a:solidFill>
-                <a:srgbClr val="707070"/>
-              </a:solidFill>
-              <a:latin typeface="Pragmatica" panose="020B0403040502020204" pitchFamily="34" charset="0"/>
-            </a:endParaRPr>
-          </a:p>
-          <a:p>
-            <a:endParaRPr lang="en-US" sz="2800" dirty="0">
-              <a:solidFill>
-                <a:srgbClr val="707070"/>
-              </a:solidFill>
-              <a:latin typeface="Pragmatica" panose="020B0403040502020204" pitchFamily="34" charset="0"/>
-            </a:endParaRPr>
-          </a:p>
-        </p:txBody>
-      </p:sp>
-      <p:pic>
-        <p:nvPicPr>
-          <p:cNvPr id="7170" name="Picture 2" descr="MythBusters">
-            <a:extLst>
-              <a:ext uri="{FF2B5EF4-FFF2-40B4-BE49-F238E27FC236}">
-                <a16:creationId xmlns:a16="http://schemas.microsoft.com/office/drawing/2014/main" id="{776DF0ED-E95E-4816-B3F9-89D18B8F64B0}"/>
-              </a:ext>
-            </a:extLst>
-          </p:cNvPr>
-          <p:cNvPicPr>
-            <a:picLocks noChangeAspect="1" noChangeArrowheads="1"/>
-          </p:cNvPicPr>
-          <p:nvPr/>
-        </p:nvPicPr>
-        <p:blipFill>
           <a:blip r:embed="rId3">
             <a:extLst>
               <a:ext uri="{28A0092B-C50C-407E-A947-70E740481C1C}">
@@ -9605,47 +10399,29 @@
               </a:ext>
             </a:extLst>
           </a:blip>
-          <a:srcRect/>
-          <a:stretch>
-            <a:fillRect/>
-          </a:stretch>
+          <a:srcRect l="69227" t="33418" r="20112" b="50548"/>
+          <a:stretch/>
         </p:blipFill>
-        <p:spPr bwMode="auto">
-          <a:xfrm>
-            <a:off x="7433746" y="2521059"/>
-            <a:ext cx="4389387" cy="2311744"/>
+        <p:spPr>
+          <a:xfrm>
+            <a:off x="10386349" y="5029795"/>
+            <a:ext cx="1805651" cy="1991719"/>
           </a:xfrm>
           <a:prstGeom prst="rect">
             <a:avLst/>
           </a:prstGeom>
-          <a:noFill/>
-          <a:extLst>
-            <a:ext uri="{909E8E84-426E-40DD-AFC4-6F175D3DCCD1}">
-              <a14:hiddenFill xmlns:a14="http://schemas.microsoft.com/office/drawing/2010/main">
-                <a:solidFill>
-                  <a:srgbClr val="FFFFFF"/>
-                </a:solidFill>
-              </a14:hiddenFill>
-            </a:ext>
-          </a:extLst>
         </p:spPr>
       </p:pic>
       <p:sp>
         <p:nvSpPr>
-          <p:cNvPr id="9" name="TextBox 8">
-            <a:extLst>
-              <a:ext uri="{FF2B5EF4-FFF2-40B4-BE49-F238E27FC236}">
-                <a16:creationId xmlns:a16="http://schemas.microsoft.com/office/drawing/2014/main" id="{758C257D-EC85-45C7-B18F-8A58F88A3275}"/>
-              </a:ext>
-            </a:extLst>
-          </p:cNvPr>
+          <p:cNvPr id="3" name="TextBox 2"/>
           <p:cNvSpPr txBox="1"/>
           <p:nvPr/>
         </p:nvSpPr>
         <p:spPr>
           <a:xfrm>
-            <a:off x="0" y="6375280"/>
-            <a:ext cx="9567711" cy="369332"/>
+            <a:off x="173620" y="219919"/>
+            <a:ext cx="5937813" cy="4832092"/>
           </a:xfrm>
           <a:prstGeom prst="rect">
             <a:avLst/>
@@ -9653,22 +10429,131 @@
           <a:noFill/>
         </p:spPr>
         <p:txBody>
-          <a:bodyPr wrap="square">
+          <a:bodyPr wrap="square" rtlCol="0">
             <a:spAutoFit/>
           </a:bodyPr>
           <a:lstStyle/>
           <a:p>
             <a:r>
-              <a:rPr lang="en-US" dirty="0"/>
-              <a:t>https://corporate.discovery.com/blog/2016/03/01/mythbusters-goes-out-with-a-bang/</a:t>
-            </a:r>
+              <a:rPr lang="en-US" sz="2800" b="1" dirty="0">
+                <a:solidFill>
+                  <a:srgbClr val="CF3338"/>
+                </a:solidFill>
+                <a:latin typeface="Pragmatica" pitchFamily="2" charset="0"/>
+              </a:rPr>
+              <a:t>File: continue with </a:t>
+            </a:r>
+            <a:r>
+              <a:rPr lang="en-US" sz="2800" b="1" dirty="0">
+                <a:solidFill>
+                  <a:srgbClr val="CF3338"/>
+                </a:solidFill>
+                <a:latin typeface="Consolas" panose="020B0609020204030204" pitchFamily="49" charset="0"/>
+              </a:rPr>
+              <a:t>diabetes.xlsx</a:t>
+            </a:r>
+          </a:p>
+          <a:p>
+            <a:endParaRPr lang="en-US" sz="2800" b="1" dirty="0">
+              <a:solidFill>
+                <a:srgbClr val="CF3338"/>
+              </a:solidFill>
+              <a:latin typeface="Pragmatica" pitchFamily="2" charset="0"/>
+            </a:endParaRPr>
+          </a:p>
+          <a:p>
+            <a:pPr marL="457200" indent="-457200">
+              <a:buFont typeface="Arial" panose="020B0604020202020204" pitchFamily="34" charset="0"/>
+              <a:buChar char="•"/>
+            </a:pPr>
+            <a:r>
+              <a:rPr lang="en-US" sz="2800" b="1" dirty="0">
+                <a:solidFill>
+                  <a:srgbClr val="CF3338"/>
+                </a:solidFill>
+                <a:latin typeface="Pragmatica" pitchFamily="2" charset="0"/>
+              </a:rPr>
+              <a:t>Profile and clean data with Power Query</a:t>
+            </a:r>
+          </a:p>
+          <a:p>
+            <a:endParaRPr lang="en-US" sz="2800" b="1" dirty="0">
+              <a:solidFill>
+                <a:srgbClr val="CF3338"/>
+              </a:solidFill>
+              <a:latin typeface="Pragmatica" pitchFamily="2" charset="0"/>
+            </a:endParaRPr>
+          </a:p>
+          <a:p>
+            <a:r>
+              <a:rPr lang="en-US" sz="2800" b="1" dirty="0">
+                <a:solidFill>
+                  <a:srgbClr val="CF3338"/>
+                </a:solidFill>
+                <a:latin typeface="Pragmatica" pitchFamily="2" charset="0"/>
+              </a:rPr>
+              <a:t>Demo notes: </a:t>
+            </a:r>
+            <a:r>
+              <a:rPr lang="en-US" sz="2800" b="1" dirty="0">
+                <a:solidFill>
+                  <a:srgbClr val="CF3338"/>
+                </a:solidFill>
+                <a:latin typeface="Consolas" panose="020B0609020204030204" pitchFamily="49" charset="0"/>
+              </a:rPr>
+              <a:t>docs/data-profiling.docx</a:t>
+            </a:r>
+          </a:p>
+          <a:p>
+            <a:endParaRPr lang="en-US" sz="2800" b="1" dirty="0">
+              <a:solidFill>
+                <a:srgbClr val="CF3338"/>
+              </a:solidFill>
+              <a:latin typeface="Consolas" panose="020B0609020204030204" pitchFamily="49" charset="0"/>
+            </a:endParaRPr>
+          </a:p>
+          <a:p>
+            <a:r>
+              <a:rPr lang="en-US" sz="2800" b="1" dirty="0">
+                <a:solidFill>
+                  <a:srgbClr val="CF3338"/>
+                </a:solidFill>
+                <a:latin typeface="Pragmatica" pitchFamily="2" charset="0"/>
+              </a:rPr>
+              <a:t>What should our “Data” discussion include? Try it in our doc: </a:t>
+            </a:r>
+            <a:r>
+              <a:rPr lang="en-US" sz="2800" dirty="0">
+                <a:solidFill>
+                  <a:srgbClr val="707070"/>
+                </a:solidFill>
+                <a:latin typeface="Pragmatica" panose="020B0403040502020204" pitchFamily="34" charset="0"/>
+                <a:hlinkClick r:id="rId4"/>
+              </a:rPr>
+              <a:t>https://bit.ly/3taMsoC</a:t>
+            </a:r>
+            <a:r>
+              <a:rPr lang="en-US" sz="2800" dirty="0">
+                <a:solidFill>
+                  <a:srgbClr val="707070"/>
+                </a:solidFill>
+                <a:latin typeface="Pragmatica" panose="020B0403040502020204" pitchFamily="34" charset="0"/>
+              </a:rPr>
+              <a:t> </a:t>
+            </a:r>
+            <a:endParaRPr lang="en-US" sz="2800" b="1" dirty="0">
+              <a:solidFill>
+                <a:srgbClr val="CF3338"/>
+              </a:solidFill>
+              <a:latin typeface="Pragmatica" pitchFamily="2" charset="0"/>
+            </a:endParaRPr>
           </a:p>
         </p:txBody>
       </p:sp>
     </p:spTree>
     <p:extLst>
       <p:ext uri="{BB962C8B-B14F-4D97-AF65-F5344CB8AC3E}">
-        <p14:creationId xmlns:p14="http://schemas.microsoft.com/office/powerpoint/2010/main" val="4219004517"/>
+        <p14:creationId xmlns:p14="http://schemas.microsoft.com/office/powerpoint/2010/main" val="3985094122"/>
       </p:ext>
     </p:extLst>
   </p:cSld>
@@ -9733,7 +10618,7 @@
         <p:spPr>
           <a:xfrm>
             <a:off x="347240" y="113388"/>
-            <a:ext cx="10642813" cy="1015663"/>
+            <a:ext cx="9799937" cy="1015663"/>
           </a:xfrm>
           <a:prstGeom prst="rect">
             <a:avLst/>
@@ -9750,273 +10635,420 @@
               <a:rPr lang="en-US" sz="6000" dirty="0">
                 <a:latin typeface="Aliens &amp; cows" panose="00000500000000000000" pitchFamily="2" charset="0"/>
               </a:rPr>
-              <a:t>What all analytics has in common</a:t>
-            </a:r>
-          </a:p>
-        </p:txBody>
-      </p:sp>
+              <a:t>Extract – Transform - Load</a:t>
+            </a:r>
+          </a:p>
+        </p:txBody>
+      </p:sp>
+      <p:sp>
+        <p:nvSpPr>
+          <p:cNvPr id="6" name="TextBox 5">
+            <a:extLst>
+              <a:ext uri="{FF2B5EF4-FFF2-40B4-BE49-F238E27FC236}">
+                <a16:creationId xmlns:a16="http://schemas.microsoft.com/office/drawing/2014/main" id="{9D6640DF-496D-4D64-A83C-FD5C1F09DF2A}"/>
+              </a:ext>
+            </a:extLst>
+          </p:cNvPr>
+          <p:cNvSpPr txBox="1"/>
+          <p:nvPr/>
+        </p:nvSpPr>
+        <p:spPr>
+          <a:xfrm>
+            <a:off x="470743" y="1358935"/>
+            <a:ext cx="6636716" cy="523220"/>
+          </a:xfrm>
+          <a:prstGeom prst="rect">
+            <a:avLst/>
+          </a:prstGeom>
+          <a:noFill/>
+        </p:spPr>
+        <p:txBody>
+          <a:bodyPr wrap="square" rtlCol="0">
+            <a:spAutoFit/>
+          </a:bodyPr>
+          <a:lstStyle/>
+          <a:p>
+            <a:r>
+              <a:rPr lang="en-US" sz="2800" dirty="0">
+                <a:solidFill>
+                  <a:srgbClr val="707070"/>
+                </a:solidFill>
+                <a:latin typeface="Pragmatica" panose="020B0403040502020204" pitchFamily="34" charset="0"/>
+              </a:rPr>
+              <a:t>This is your behind-the-scenes work </a:t>
+            </a:r>
+          </a:p>
+        </p:txBody>
+      </p:sp>
+      <p:grpSp>
+        <p:nvGrpSpPr>
+          <p:cNvPr id="8" name="Group 7">
+            <a:extLst>
+              <a:ext uri="{FF2B5EF4-FFF2-40B4-BE49-F238E27FC236}">
+                <a16:creationId xmlns:a16="http://schemas.microsoft.com/office/drawing/2014/main" id="{88CEBEB4-2DC5-4F14-990D-EFC921EDAB64}"/>
+              </a:ext>
+            </a:extLst>
+          </p:cNvPr>
+          <p:cNvGrpSpPr/>
+          <p:nvPr/>
+        </p:nvGrpSpPr>
+        <p:grpSpPr>
+          <a:xfrm>
+            <a:off x="142016" y="2615207"/>
+            <a:ext cx="3069959" cy="2360639"/>
+            <a:chOff x="907648" y="2794615"/>
+            <a:chExt cx="4738230" cy="3489049"/>
+          </a:xfrm>
+        </p:grpSpPr>
+        <p:pic>
+          <p:nvPicPr>
+            <p:cNvPr id="12" name="Picture 11">
+              <a:extLst>
+                <a:ext uri="{FF2B5EF4-FFF2-40B4-BE49-F238E27FC236}">
+                  <a16:creationId xmlns:a16="http://schemas.microsoft.com/office/drawing/2014/main" id="{86581404-5210-464D-807C-D2B83F565B80}"/>
+                </a:ext>
+              </a:extLst>
+            </p:cNvPr>
+            <p:cNvPicPr>
+              <a:picLocks noChangeAspect="1"/>
+            </p:cNvPicPr>
+            <p:nvPr/>
+          </p:nvPicPr>
+          <p:blipFill>
+            <a:blip r:embed="rId4"/>
+            <a:stretch>
+              <a:fillRect/>
+            </a:stretch>
+          </p:blipFill>
+          <p:spPr>
+            <a:xfrm>
+              <a:off x="907648" y="2794615"/>
+              <a:ext cx="2156143" cy="1120074"/>
+            </a:xfrm>
+            <a:prstGeom prst="rect">
+              <a:avLst/>
+            </a:prstGeom>
+          </p:spPr>
+        </p:pic>
+        <p:pic>
+          <p:nvPicPr>
+            <p:cNvPr id="13" name="Picture 2" descr="Wordpress, Web, Design, Website, Cms, Logo, Blog">
+              <a:extLst>
+                <a:ext uri="{FF2B5EF4-FFF2-40B4-BE49-F238E27FC236}">
+                  <a16:creationId xmlns:a16="http://schemas.microsoft.com/office/drawing/2014/main" id="{C2EDD2B8-508D-4F91-AFC1-58D6F368FDBB}"/>
+                </a:ext>
+              </a:extLst>
+            </p:cNvPr>
+            <p:cNvPicPr>
+              <a:picLocks noChangeAspect="1" noChangeArrowheads="1"/>
+            </p:cNvPicPr>
+            <p:nvPr/>
+          </p:nvPicPr>
+          <p:blipFill>
+            <a:blip r:embed="rId5" cstate="print">
+              <a:extLst>
+                <a:ext uri="{28A0092B-C50C-407E-A947-70E740481C1C}">
+                  <a14:useLocalDpi xmlns:a14="http://schemas.microsoft.com/office/drawing/2010/main" val="0"/>
+                </a:ext>
+              </a:extLst>
+            </a:blip>
+            <a:srcRect/>
+            <a:stretch>
+              <a:fillRect/>
+            </a:stretch>
+          </p:blipFill>
+          <p:spPr bwMode="auto">
+            <a:xfrm>
+              <a:off x="3412310" y="3222617"/>
+              <a:ext cx="2233568" cy="1191236"/>
+            </a:xfrm>
+            <a:prstGeom prst="rect">
+              <a:avLst/>
+            </a:prstGeom>
+            <a:noFill/>
+            <a:extLst>
+              <a:ext uri="{909E8E84-426E-40DD-AFC4-6F175D3DCCD1}">
+                <a14:hiddenFill xmlns:a14="http://schemas.microsoft.com/office/drawing/2010/main">
+                  <a:solidFill>
+                    <a:srgbClr val="FFFFFF"/>
+                  </a:solidFill>
+                </a14:hiddenFill>
+              </a:ext>
+            </a:extLst>
+          </p:spPr>
+        </p:pic>
+        <p:pic>
+          <p:nvPicPr>
+            <p:cNvPr id="14" name="Picture 4" descr="Microsoft Excel - Wikipedia">
+              <a:extLst>
+                <a:ext uri="{FF2B5EF4-FFF2-40B4-BE49-F238E27FC236}">
+                  <a16:creationId xmlns:a16="http://schemas.microsoft.com/office/drawing/2014/main" id="{240CE6F0-B722-4850-9F22-3DFA725726BF}"/>
+                </a:ext>
+              </a:extLst>
+            </p:cNvPr>
+            <p:cNvPicPr>
+              <a:picLocks noChangeAspect="1" noChangeArrowheads="1"/>
+            </p:cNvPicPr>
+            <p:nvPr/>
+          </p:nvPicPr>
+          <p:blipFill>
+            <a:blip r:embed="rId6" cstate="print">
+              <a:extLst>
+                <a:ext uri="{28A0092B-C50C-407E-A947-70E740481C1C}">
+                  <a14:useLocalDpi xmlns:a14="http://schemas.microsoft.com/office/drawing/2010/main" val="0"/>
+                </a:ext>
+              </a:extLst>
+            </a:blip>
+            <a:srcRect/>
+            <a:stretch>
+              <a:fillRect/>
+            </a:stretch>
+          </p:blipFill>
+          <p:spPr bwMode="auto">
+            <a:xfrm>
+              <a:off x="1217041" y="4408144"/>
+              <a:ext cx="2016763" cy="1875520"/>
+            </a:xfrm>
+            <a:prstGeom prst="rect">
+              <a:avLst/>
+            </a:prstGeom>
+            <a:noFill/>
+            <a:extLst>
+              <a:ext uri="{909E8E84-426E-40DD-AFC4-6F175D3DCCD1}">
+                <a14:hiddenFill xmlns:a14="http://schemas.microsoft.com/office/drawing/2010/main">
+                  <a:solidFill>
+                    <a:srgbClr val="FFFFFF"/>
+                  </a:solidFill>
+                </a14:hiddenFill>
+              </a:ext>
+            </a:extLst>
+          </p:spPr>
+        </p:pic>
+      </p:grpSp>
+      <p:grpSp>
+        <p:nvGrpSpPr>
+          <p:cNvPr id="15" name="Group 14">
+            <a:extLst>
+              <a:ext uri="{FF2B5EF4-FFF2-40B4-BE49-F238E27FC236}">
+                <a16:creationId xmlns:a16="http://schemas.microsoft.com/office/drawing/2014/main" id="{4A8AAF57-9E8F-41FC-A0E7-EBDBF9C82E72}"/>
+              </a:ext>
+            </a:extLst>
+          </p:cNvPr>
+          <p:cNvGrpSpPr/>
+          <p:nvPr/>
+        </p:nvGrpSpPr>
+        <p:grpSpPr>
+          <a:xfrm>
+            <a:off x="4196788" y="2736832"/>
+            <a:ext cx="3344120" cy="2419689"/>
+            <a:chOff x="6019799" y="2822553"/>
+            <a:chExt cx="5729246" cy="3838350"/>
+          </a:xfrm>
+        </p:grpSpPr>
+        <p:pic>
+          <p:nvPicPr>
+            <p:cNvPr id="17" name="Picture 6" descr="brown push broom on dust pan">
+              <a:extLst>
+                <a:ext uri="{FF2B5EF4-FFF2-40B4-BE49-F238E27FC236}">
+                  <a16:creationId xmlns:a16="http://schemas.microsoft.com/office/drawing/2014/main" id="{3E409AB4-DCB6-45CD-80ED-B7D9BF1595A5}"/>
+                </a:ext>
+              </a:extLst>
+            </p:cNvPr>
+            <p:cNvPicPr>
+              <a:picLocks noChangeAspect="1" noChangeArrowheads="1"/>
+            </p:cNvPicPr>
+            <p:nvPr/>
+          </p:nvPicPr>
+          <p:blipFill>
+            <a:blip r:embed="rId7" cstate="print">
+              <a:extLst>
+                <a:ext uri="{28A0092B-C50C-407E-A947-70E740481C1C}">
+                  <a14:useLocalDpi xmlns:a14="http://schemas.microsoft.com/office/drawing/2010/main" val="0"/>
+                </a:ext>
+              </a:extLst>
+            </a:blip>
+            <a:srcRect/>
+            <a:stretch>
+              <a:fillRect/>
+            </a:stretch>
+          </p:blipFill>
+          <p:spPr bwMode="auto">
+            <a:xfrm>
+              <a:off x="6382206" y="2822553"/>
+              <a:ext cx="2233568" cy="1675176"/>
+            </a:xfrm>
+            <a:prstGeom prst="rect">
+              <a:avLst/>
+            </a:prstGeom>
+            <a:noFill/>
+            <a:extLst>
+              <a:ext uri="{909E8E84-426E-40DD-AFC4-6F175D3DCCD1}">
+                <a14:hiddenFill xmlns:a14="http://schemas.microsoft.com/office/drawing/2010/main">
+                  <a:solidFill>
+                    <a:srgbClr val="FFFFFF"/>
+                  </a:solidFill>
+                </a14:hiddenFill>
+              </a:ext>
+            </a:extLst>
+          </p:spPr>
+        </p:pic>
+        <p:pic>
+          <p:nvPicPr>
+            <p:cNvPr id="18" name="Picture 8" descr="Tee, Tea Bags, Teas, Drink, Herbal Tea, Fruit Tea">
+              <a:extLst>
+                <a:ext uri="{FF2B5EF4-FFF2-40B4-BE49-F238E27FC236}">
+                  <a16:creationId xmlns:a16="http://schemas.microsoft.com/office/drawing/2014/main" id="{7FF83B8A-E81B-408E-AA4B-9CF3816E591B}"/>
+                </a:ext>
+              </a:extLst>
+            </p:cNvPr>
+            <p:cNvPicPr>
+              <a:picLocks noChangeAspect="1" noChangeArrowheads="1"/>
+            </p:cNvPicPr>
+            <p:nvPr/>
+          </p:nvPicPr>
+          <p:blipFill>
+            <a:blip r:embed="rId8" cstate="print">
+              <a:extLst>
+                <a:ext uri="{28A0092B-C50C-407E-A947-70E740481C1C}">
+                  <a14:useLocalDpi xmlns:a14="http://schemas.microsoft.com/office/drawing/2010/main" val="0"/>
+                </a:ext>
+              </a:extLst>
+            </a:blip>
+            <a:srcRect/>
+            <a:stretch>
+              <a:fillRect/>
+            </a:stretch>
+          </p:blipFill>
+          <p:spPr bwMode="auto">
+            <a:xfrm>
+              <a:off x="9097808" y="3864697"/>
+              <a:ext cx="2651237" cy="1753683"/>
+            </a:xfrm>
+            <a:prstGeom prst="rect">
+              <a:avLst/>
+            </a:prstGeom>
+            <a:noFill/>
+            <a:extLst>
+              <a:ext uri="{909E8E84-426E-40DD-AFC4-6F175D3DCCD1}">
+                <a14:hiddenFill xmlns:a14="http://schemas.microsoft.com/office/drawing/2010/main">
+                  <a:solidFill>
+                    <a:srgbClr val="FFFFFF"/>
+                  </a:solidFill>
+                </a14:hiddenFill>
+              </a:ext>
+            </a:extLst>
+          </p:spPr>
+        </p:pic>
+        <p:pic>
+          <p:nvPicPr>
+            <p:cNvPr id="19" name="Picture 10" descr="Construction, Worker, Welding, Welder, Industry, Metal">
+              <a:extLst>
+                <a:ext uri="{FF2B5EF4-FFF2-40B4-BE49-F238E27FC236}">
+                  <a16:creationId xmlns:a16="http://schemas.microsoft.com/office/drawing/2014/main" id="{93FAB363-8FC5-4FF4-88A9-7371739B8F2A}"/>
+                </a:ext>
+              </a:extLst>
+            </p:cNvPr>
+            <p:cNvPicPr>
+              <a:picLocks noChangeAspect="1" noChangeArrowheads="1"/>
+            </p:cNvPicPr>
+            <p:nvPr/>
+          </p:nvPicPr>
+          <p:blipFill>
+            <a:blip r:embed="rId9" cstate="print">
+              <a:extLst>
+                <a:ext uri="{28A0092B-C50C-407E-A947-70E740481C1C}">
+                  <a14:useLocalDpi xmlns:a14="http://schemas.microsoft.com/office/drawing/2010/main" val="0"/>
+                </a:ext>
+              </a:extLst>
+            </a:blip>
+            <a:srcRect/>
+            <a:stretch>
+              <a:fillRect/>
+            </a:stretch>
+          </p:blipFill>
+          <p:spPr bwMode="auto">
+            <a:xfrm>
+              <a:off x="6019799" y="4901696"/>
+              <a:ext cx="2651237" cy="1759207"/>
+            </a:xfrm>
+            <a:prstGeom prst="rect">
+              <a:avLst/>
+            </a:prstGeom>
+            <a:noFill/>
+            <a:extLst>
+              <a:ext uri="{909E8E84-426E-40DD-AFC4-6F175D3DCCD1}">
+                <a14:hiddenFill xmlns:a14="http://schemas.microsoft.com/office/drawing/2010/main">
+                  <a:solidFill>
+                    <a:srgbClr val="FFFFFF"/>
+                  </a:solidFill>
+                </a14:hiddenFill>
+              </a:ext>
+            </a:extLst>
+          </p:spPr>
+        </p:pic>
+      </p:grpSp>
       <p:pic>
         <p:nvPicPr>
-          <p:cNvPr id="4098" name="Picture 2">
+          <p:cNvPr id="21" name="Picture 20" descr="A close up of a persons hand&#10;&#10;Description automatically generated">
             <a:extLst>
               <a:ext uri="{FF2B5EF4-FFF2-40B4-BE49-F238E27FC236}">
-                <a16:creationId xmlns:a16="http://schemas.microsoft.com/office/drawing/2014/main" id="{DEA68B68-F177-4BF6-8F4C-C955FD9CFB92}"/>
+                <a16:creationId xmlns:a16="http://schemas.microsoft.com/office/drawing/2014/main" id="{D9FEA0AA-4376-44FB-A801-E1F76653E403}"/>
               </a:ext>
             </a:extLst>
           </p:cNvPr>
           <p:cNvPicPr>
-            <a:picLocks noChangeAspect="1" noChangeArrowheads="1"/>
+            <a:picLocks noChangeAspect="1"/>
           </p:cNvPicPr>
           <p:nvPr/>
         </p:nvPicPr>
         <p:blipFill>
-          <a:blip r:embed="rId4">
+          <a:blip r:embed="rId10" cstate="print">
             <a:extLst>
               <a:ext uri="{28A0092B-C50C-407E-A947-70E740481C1C}">
                 <a14:useLocalDpi xmlns:a14="http://schemas.microsoft.com/office/drawing/2010/main" val="0"/>
               </a:ext>
             </a:extLst>
           </a:blip>
-          <a:srcRect/>
           <a:stretch>
             <a:fillRect/>
           </a:stretch>
         </p:blipFill>
-        <p:spPr bwMode="auto">
-          <a:xfrm>
-            <a:off x="1629576" y="2655669"/>
-            <a:ext cx="8078139" cy="2968755"/>
+        <p:spPr>
+          <a:xfrm>
+            <a:off x="8277292" y="2673080"/>
+            <a:ext cx="3739770" cy="2483441"/>
           </a:xfrm>
           <a:prstGeom prst="rect">
             <a:avLst/>
           </a:prstGeom>
-          <a:noFill/>
-          <a:extLst>
-            <a:ext uri="{909E8E84-426E-40DD-AFC4-6F175D3DCCD1}">
-              <a14:hiddenFill xmlns:a14="http://schemas.microsoft.com/office/drawing/2010/main">
-                <a:solidFill>
-                  <a:srgbClr val="FFFFFF"/>
-                </a:solidFill>
-              </a14:hiddenFill>
-            </a:ext>
-          </a:extLst>
         </p:spPr>
       </p:pic>
-      <p:cxnSp>
-        <p:nvCxnSpPr>
-          <p:cNvPr id="3" name="Straight Arrow Connector 2">
+      <p:sp>
+        <p:nvSpPr>
+          <p:cNvPr id="2" name="Arrow: Right 1">
             <a:extLst>
               <a:ext uri="{FF2B5EF4-FFF2-40B4-BE49-F238E27FC236}">
-                <a16:creationId xmlns:a16="http://schemas.microsoft.com/office/drawing/2014/main" id="{4555FBD0-2294-40AE-901B-29938B846DEE}"/>
+                <a16:creationId xmlns:a16="http://schemas.microsoft.com/office/drawing/2014/main" id="{6D13EBE6-EADB-4AD5-A93E-6AFBD17931D1}"/>
               </a:ext>
             </a:extLst>
           </p:cNvPr>
-          <p:cNvCxnSpPr/>
-          <p:nvPr/>
-        </p:nvCxnSpPr>
-        <p:spPr>
-          <a:xfrm flipV="1">
-            <a:off x="6464060" y="2265872"/>
-            <a:ext cx="195532" cy="787879"/>
-          </a:xfrm>
-          <a:prstGeom prst="straightConnector1">
-            <a:avLst/>
-          </a:prstGeom>
-          <a:ln w="28575">
-            <a:tailEnd type="triangle"/>
-          </a:ln>
-        </p:spPr>
-        <p:style>
-          <a:lnRef idx="1">
-            <a:schemeClr val="accent1"/>
-          </a:lnRef>
-          <a:fillRef idx="0">
-            <a:schemeClr val="accent1"/>
-          </a:fillRef>
-          <a:effectRef idx="0">
-            <a:schemeClr val="accent1"/>
-          </a:effectRef>
-          <a:fontRef idx="minor">
-            <a:schemeClr val="tx1"/>
-          </a:fontRef>
-        </p:style>
-      </p:cxnSp>
-      <p:cxnSp>
-        <p:nvCxnSpPr>
-          <p:cNvPr id="5" name="Straight Arrow Connector 4">
-            <a:extLst>
-              <a:ext uri="{FF2B5EF4-FFF2-40B4-BE49-F238E27FC236}">
-                <a16:creationId xmlns:a16="http://schemas.microsoft.com/office/drawing/2014/main" id="{91227B40-8EB4-4739-A24C-EF52FC202D18}"/>
-              </a:ext>
-            </a:extLst>
-          </p:cNvPr>
-          <p:cNvCxnSpPr/>
-          <p:nvPr/>
-        </p:nvCxnSpPr>
-        <p:spPr>
-          <a:xfrm>
-            <a:off x="6464060" y="4756030"/>
-            <a:ext cx="414068" cy="1098430"/>
-          </a:xfrm>
-          <a:prstGeom prst="straightConnector1">
-            <a:avLst/>
-          </a:prstGeom>
-          <a:ln w="28575">
-            <a:tailEnd type="triangle"/>
-          </a:ln>
-        </p:spPr>
-        <p:style>
-          <a:lnRef idx="1">
-            <a:schemeClr val="accent1"/>
-          </a:lnRef>
-          <a:fillRef idx="0">
-            <a:schemeClr val="accent1"/>
-          </a:fillRef>
-          <a:effectRef idx="0">
-            <a:schemeClr val="accent1"/>
-          </a:effectRef>
-          <a:fontRef idx="minor">
-            <a:schemeClr val="tx1"/>
-          </a:fontRef>
-        </p:style>
-      </p:cxnSp>
-      <p:sp>
-        <p:nvSpPr>
-          <p:cNvPr id="9" name="TextBox 8">
-            <a:extLst>
-              <a:ext uri="{FF2B5EF4-FFF2-40B4-BE49-F238E27FC236}">
-                <a16:creationId xmlns:a16="http://schemas.microsoft.com/office/drawing/2014/main" id="{D74BB71F-0069-4B47-9912-1534ADA35C5E}"/>
-              </a:ext>
-            </a:extLst>
-          </p:cNvPr>
-          <p:cNvSpPr txBox="1"/>
-          <p:nvPr/>
-        </p:nvSpPr>
-        <p:spPr>
-          <a:xfrm>
-            <a:off x="5724372" y="1927318"/>
-            <a:ext cx="3045817" cy="338554"/>
-          </a:xfrm>
-          <a:prstGeom prst="rect">
-            <a:avLst/>
-          </a:prstGeom>
-          <a:noFill/>
-        </p:spPr>
-        <p:txBody>
-          <a:bodyPr wrap="square" rtlCol="0">
-            <a:spAutoFit/>
-          </a:bodyPr>
-          <a:lstStyle/>
-          <a:p>
-            <a:pPr>
-              <a:buClr>
-                <a:srgbClr val="CF3338"/>
-              </a:buClr>
-            </a:pPr>
-            <a:r>
-              <a:rPr lang="en-US" sz="1600" b="1" dirty="0">
-                <a:solidFill>
-                  <a:srgbClr val="707070"/>
-                </a:solidFill>
-                <a:latin typeface="Pragmatica" panose="020B0403040502020204"/>
-              </a:rPr>
-              <a:t>Surprises, but doesn’t scale</a:t>
-            </a:r>
-          </a:p>
-        </p:txBody>
-      </p:sp>
-      <p:sp>
-        <p:nvSpPr>
-          <p:cNvPr id="12" name="TextBox 11">
-            <a:extLst>
-              <a:ext uri="{FF2B5EF4-FFF2-40B4-BE49-F238E27FC236}">
-                <a16:creationId xmlns:a16="http://schemas.microsoft.com/office/drawing/2014/main" id="{BAAF6C87-A0FF-42D9-BEE2-20127533A1EF}"/>
-              </a:ext>
-            </a:extLst>
-          </p:cNvPr>
-          <p:cNvSpPr txBox="1"/>
-          <p:nvPr/>
-        </p:nvSpPr>
-        <p:spPr>
-          <a:xfrm>
-            <a:off x="6561826" y="5945050"/>
-            <a:ext cx="3045817" cy="338554"/>
-          </a:xfrm>
-          <a:prstGeom prst="rect">
-            <a:avLst/>
-          </a:prstGeom>
-          <a:noFill/>
-        </p:spPr>
-        <p:txBody>
-          <a:bodyPr wrap="square" rtlCol="0">
-            <a:spAutoFit/>
-          </a:bodyPr>
-          <a:lstStyle/>
-          <a:p>
-            <a:pPr>
-              <a:buClr>
-                <a:srgbClr val="CF3338"/>
-              </a:buClr>
-            </a:pPr>
-            <a:r>
-              <a:rPr lang="en-US" sz="1600" b="1" dirty="0">
-                <a:solidFill>
-                  <a:srgbClr val="707070"/>
-                </a:solidFill>
-                <a:latin typeface="Pragmatica" panose="020B0403040502020204"/>
-              </a:rPr>
-              <a:t>Scales, but doesn’t surprise</a:t>
-            </a:r>
-          </a:p>
-        </p:txBody>
-      </p:sp>
-    </p:spTree>
-    <p:extLst>
-      <p:ext uri="{BB962C8B-B14F-4D97-AF65-F5344CB8AC3E}">
-        <p14:creationId xmlns:p14="http://schemas.microsoft.com/office/powerpoint/2010/main" val="227516846"/>
-      </p:ext>
-    </p:extLst>
-  </p:cSld>
-  <p:clrMapOvr>
-    <a:masterClrMapping/>
-  </p:clrMapOvr>
-</p:sld>
-</file>
-
-<file path=ppt/slides/slide24.xml><?xml version="1.0" encoding="utf-8"?>
-<p:sld xmlns:a="http://schemas.openxmlformats.org/drawingml/2006/main" xmlns:r="http://schemas.openxmlformats.org/officeDocument/2006/relationships" xmlns:p="http://schemas.openxmlformats.org/presentationml/2006/main">
-  <p:cSld>
-    <p:spTree>
-      <p:nvGrpSpPr>
-        <p:cNvPr id="1" name=""/>
-        <p:cNvGrpSpPr/>
-        <p:nvPr/>
-      </p:nvGrpSpPr>
-      <p:grpSpPr>
-        <a:xfrm>
-          <a:off x="0" y="0"/>
-          <a:ext cx="0" cy="0"/>
-          <a:chOff x="0" y="0"/>
-          <a:chExt cx="0" cy="0"/>
-        </a:xfrm>
-      </p:grpSpPr>
-      <p:sp>
-        <p:nvSpPr>
-          <p:cNvPr id="4" name="Rectangle 3"/>
           <p:cNvSpPr/>
           <p:nvPr/>
         </p:nvSpPr>
         <p:spPr>
           <a:xfrm>
-            <a:off x="0" y="0"/>
-            <a:ext cx="12192000" cy="6858000"/>
-          </a:xfrm>
-          <a:prstGeom prst="rect">
+            <a:off x="2916820" y="2042932"/>
+            <a:ext cx="1284790" cy="405114"/>
+          </a:xfrm>
+          <a:prstGeom prst="rightArrow">
             <a:avLst/>
           </a:prstGeom>
           <a:solidFill>
-            <a:srgbClr val="CF3338"/>
+            <a:srgbClr val="707070"/>
           </a:solidFill>
+          <a:ln>
+            <a:noFill/>
+          </a:ln>
         </p:spPr>
         <p:style>
           <a:lnRef idx="2">
@@ -10045,42 +11077,60 @@
       </p:sp>
       <p:sp>
         <p:nvSpPr>
-          <p:cNvPr id="5" name="TextBox 4"/>
-          <p:cNvSpPr txBox="1"/>
+          <p:cNvPr id="25" name="Arrow: Right 24">
+            <a:extLst>
+              <a:ext uri="{FF2B5EF4-FFF2-40B4-BE49-F238E27FC236}">
+                <a16:creationId xmlns:a16="http://schemas.microsoft.com/office/drawing/2014/main" id="{54D795F7-67B3-429E-80D4-62E0DAC7E47A}"/>
+              </a:ext>
+            </a:extLst>
+          </p:cNvPr>
+          <p:cNvSpPr/>
           <p:nvPr/>
         </p:nvSpPr>
         <p:spPr>
           <a:xfrm>
-            <a:off x="520861" y="393539"/>
-            <a:ext cx="10324617" cy="1107996"/>
-          </a:xfrm>
-          <a:prstGeom prst="rect">
-            <a:avLst/>
-          </a:prstGeom>
-          <a:noFill/>
-        </p:spPr>
-        <p:txBody>
-          <a:bodyPr wrap="square" rtlCol="0">
-            <a:spAutoFit/>
-          </a:bodyPr>
-          <a:lstStyle/>
-          <a:p>
-            <a:r>
-              <a:rPr lang="en-US" sz="6600" b="1" dirty="0">
-                <a:solidFill>
-                  <a:schemeClr val="bg1"/>
-                </a:solidFill>
-                <a:latin typeface="Pragmatica" pitchFamily="2" charset="0"/>
-              </a:rPr>
-              <a:t>Conclusion/Next steps</a:t>
-            </a:r>
+            <a:off x="7392364" y="2042932"/>
+            <a:ext cx="1284790" cy="405114"/>
+          </a:xfrm>
+          <a:prstGeom prst="rightArrow">
+            <a:avLst/>
+          </a:prstGeom>
+          <a:solidFill>
+            <a:srgbClr val="707070"/>
+          </a:solidFill>
+          <a:ln>
+            <a:noFill/>
+          </a:ln>
+        </p:spPr>
+        <p:style>
+          <a:lnRef idx="2">
+            <a:schemeClr val="accent1">
+              <a:shade val="50000"/>
+            </a:schemeClr>
+          </a:lnRef>
+          <a:fillRef idx="1">
+            <a:schemeClr val="accent1"/>
+          </a:fillRef>
+          <a:effectRef idx="0">
+            <a:schemeClr val="accent1"/>
+          </a:effectRef>
+          <a:fontRef idx="minor">
+            <a:schemeClr val="lt1"/>
+          </a:fontRef>
+        </p:style>
+        <p:txBody>
+          <a:bodyPr rtlCol="0" anchor="ctr"/>
+          <a:lstStyle/>
+          <a:p>
+            <a:pPr algn="ctr"/>
+            <a:endParaRPr lang="en-US"/>
           </a:p>
         </p:txBody>
       </p:sp>
     </p:spTree>
     <p:extLst>
       <p:ext uri="{BB962C8B-B14F-4D97-AF65-F5344CB8AC3E}">
-        <p14:creationId xmlns:p14="http://schemas.microsoft.com/office/powerpoint/2010/main" val="1922980201"/>
+        <p14:creationId xmlns:p14="http://schemas.microsoft.com/office/powerpoint/2010/main" val="3525113122"/>
       </p:ext>
     </p:extLst>
   </p:cSld>
@@ -10090,7 +11140,7 @@
 </p:sld>
 </file>
 
-<file path=ppt/slides/slide25.xml><?xml version="1.0" encoding="utf-8"?>
+<file path=ppt/slides/slide24.xml><?xml version="1.0" encoding="utf-8"?>
 <p:sld xmlns:a="http://schemas.openxmlformats.org/drawingml/2006/main" xmlns:r="http://schemas.openxmlformats.org/officeDocument/2006/relationships" xmlns:p="http://schemas.openxmlformats.org/presentationml/2006/main">
   <p:cSld>
     <p:spTree>
@@ -10145,7 +11195,7 @@
         <p:spPr>
           <a:xfrm>
             <a:off x="347240" y="113388"/>
-            <a:ext cx="10861534" cy="1015663"/>
+            <a:ext cx="9799937" cy="1015663"/>
           </a:xfrm>
           <a:prstGeom prst="rect">
             <a:avLst/>
@@ -10162,27 +11212,21 @@
               <a:rPr lang="en-US" sz="6000" dirty="0">
                 <a:latin typeface="Aliens &amp; cows" panose="00000500000000000000" pitchFamily="2" charset="0"/>
               </a:rPr>
-              <a:t>Want more? </a:t>
-            </a:r>
-          </a:p>
-        </p:txBody>
-      </p:sp>
-      <p:sp>
-        <p:nvSpPr>
-          <p:cNvPr id="4" name="TextBox 3">
-            <a:extLst>
-              <a:ext uri="{FF2B5EF4-FFF2-40B4-BE49-F238E27FC236}">
-                <a16:creationId xmlns:a16="http://schemas.microsoft.com/office/drawing/2014/main" id="{5A4F6C64-3E8D-4255-95B8-CF64265213DA}"/>
-              </a:ext>
-            </a:extLst>
-          </p:cNvPr>
+              <a:t>4. Methods</a:t>
+            </a:r>
+          </a:p>
+        </p:txBody>
+      </p:sp>
+      <p:sp>
+        <p:nvSpPr>
+          <p:cNvPr id="3" name="TextBox 2"/>
           <p:cNvSpPr txBox="1"/>
           <p:nvPr/>
         </p:nvSpPr>
         <p:spPr>
           <a:xfrm>
-            <a:off x="347240" y="1465093"/>
-            <a:ext cx="9688858" cy="954107"/>
+            <a:off x="521230" y="1734792"/>
+            <a:ext cx="7899103" cy="1384995"/>
           </a:xfrm>
           <a:prstGeom prst="rect">
             <a:avLst/>
@@ -10195,10 +11239,7 @@
           </a:bodyPr>
           <a:lstStyle/>
           <a:p>
-            <a:pPr marL="457200" indent="-457200">
-              <a:buClr>
-                <a:srgbClr val="CF3338"/>
-              </a:buClr>
+            <a:pPr marL="285750" indent="-285750">
               <a:buFont typeface="Arial" panose="020B0604020202020204" pitchFamily="34" charset="0"/>
               <a:buChar char="•"/>
             </a:pPr>
@@ -10209,47 +11250,40 @@
                 </a:solidFill>
                 <a:latin typeface="Pragmatica" panose="020B0403040502020204" pitchFamily="34" charset="0"/>
               </a:rPr>
-              <a:t>Sign up for course waiting list: </a:t>
-            </a:r>
-            <a:r>
-              <a:rPr lang="en-US" sz="2800" b="1" dirty="0">
-                <a:solidFill>
-                  <a:srgbClr val="707070"/>
-                </a:solidFill>
-                <a:latin typeface="Pragmatica" panose="020B0403040502020204" pitchFamily="34" charset="0"/>
-                <a:hlinkClick r:id="rId4"/>
-              </a:rPr>
-              <a:t>https://stringfestanalytics.com/aina-waiting</a:t>
-            </a:r>
+              <a:t>What methods did you use?</a:t>
+            </a:r>
+          </a:p>
+          <a:p>
+            <a:pPr marL="285750" indent="-285750">
+              <a:buFont typeface="Arial" panose="020B0604020202020204" pitchFamily="34" charset="0"/>
+              <a:buChar char="•"/>
+            </a:pPr>
             <a:r>
               <a:rPr lang="en-US" sz="2800" dirty="0">
                 <a:solidFill>
                   <a:srgbClr val="707070"/>
                 </a:solidFill>
                 <a:latin typeface="Pragmatica" panose="020B0403040502020204" pitchFamily="34" charset="0"/>
-                <a:hlinkClick r:id="rId4"/>
-              </a:rPr>
-              <a:t>/</a:t>
-            </a:r>
-            <a:r>
-              <a:rPr lang="en-US" sz="2800" dirty="0">
-                <a:solidFill>
-                  <a:srgbClr val="707070"/>
-                </a:solidFill>
-                <a:latin typeface="Pragmatica" panose="020B0403040502020204" pitchFamily="34" charset="0"/>
-              </a:rPr>
-              <a:t>    </a:t>
-            </a:r>
+              </a:rPr>
+              <a:t>Why &gt; how</a:t>
+            </a:r>
+          </a:p>
+          <a:p>
+            <a:endParaRPr lang="en-US" sz="2800" dirty="0">
+              <a:solidFill>
+                <a:srgbClr val="707070"/>
+              </a:solidFill>
+              <a:latin typeface="Consolas" panose="020B0609020204030204" pitchFamily="49" charset="0"/>
+            </a:endParaRPr>
           </a:p>
         </p:txBody>
       </p:sp>
       <p:pic>
         <p:nvPicPr>
-          <p:cNvPr id="3" name="Picture 2" descr="A bird standing on a white surface&#10;&#10;Description automatically generated with low confidence">
-            <a:hlinkClick r:id="rId4"/>
+          <p:cNvPr id="5" name="Graphic 4" descr="Calculator with solid fill">
             <a:extLst>
               <a:ext uri="{FF2B5EF4-FFF2-40B4-BE49-F238E27FC236}">
-                <a16:creationId xmlns:a16="http://schemas.microsoft.com/office/drawing/2014/main" id="{2BD72895-0339-43FE-8F98-905E02F0E9E7}"/>
+                <a16:creationId xmlns:a16="http://schemas.microsoft.com/office/drawing/2014/main" id="{A758AA0A-B383-41C9-9A2C-D7605C37C39B}"/>
               </a:ext>
             </a:extLst>
           </p:cNvPr>
@@ -10259,10 +11293,13 @@
           <p:nvPr/>
         </p:nvPicPr>
         <p:blipFill>
-          <a:blip r:embed="rId5">
+          <a:blip r:embed="rId4">
             <a:extLst>
               <a:ext uri="{28A0092B-C50C-407E-A947-70E740481C1C}">
                 <a14:useLocalDpi xmlns:a14="http://schemas.microsoft.com/office/drawing/2010/main" val="0"/>
+              </a:ext>
+              <a:ext uri="{96DAC541-7B7A-43D3-8B79-37D633B846F1}">
+                <asvg:svgBlip xmlns:asvg="http://schemas.microsoft.com/office/drawing/2016/SVG/main" r:embed="rId5"/>
               </a:ext>
             </a:extLst>
           </a:blip>
@@ -10272,8 +11309,8 @@
         </p:blipFill>
         <p:spPr>
           <a:xfrm>
-            <a:off x="2095512" y="2491739"/>
-            <a:ext cx="7364990" cy="4142807"/>
+            <a:off x="7275931" y="1528865"/>
+            <a:ext cx="4005408" cy="4005408"/>
           </a:xfrm>
           <a:prstGeom prst="rect">
             <a:avLst/>
@@ -10283,7 +11320,283 @@
     </p:spTree>
     <p:extLst>
       <p:ext uri="{BB962C8B-B14F-4D97-AF65-F5344CB8AC3E}">
-        <p14:creationId xmlns:p14="http://schemas.microsoft.com/office/powerpoint/2010/main" val="1574051232"/>
+        <p14:creationId xmlns:p14="http://schemas.microsoft.com/office/powerpoint/2010/main" val="1398427440"/>
+      </p:ext>
+    </p:extLst>
+  </p:cSld>
+  <p:clrMapOvr>
+    <a:masterClrMapping/>
+  </p:clrMapOvr>
+</p:sld>
+</file>
+
+<file path=ppt/slides/slide25.xml><?xml version="1.0" encoding="utf-8"?>
+<p:sld xmlns:a="http://schemas.openxmlformats.org/drawingml/2006/main" xmlns:r="http://schemas.openxmlformats.org/officeDocument/2006/relationships" xmlns:p="http://schemas.openxmlformats.org/presentationml/2006/main">
+  <p:cSld>
+    <p:spTree>
+      <p:nvGrpSpPr>
+        <p:cNvPr id="1" name=""/>
+        <p:cNvGrpSpPr/>
+        <p:nvPr/>
+      </p:nvGrpSpPr>
+      <p:grpSpPr>
+        <a:xfrm>
+          <a:off x="0" y="0"/>
+          <a:ext cx="0" cy="0"/>
+          <a:chOff x="0" y="0"/>
+          <a:chExt cx="0" cy="0"/>
+        </a:xfrm>
+      </p:grpSpPr>
+      <p:sp>
+        <p:nvSpPr>
+          <p:cNvPr id="4" name="Rectangle 3"/>
+          <p:cNvSpPr/>
+          <p:nvPr/>
+        </p:nvSpPr>
+        <p:spPr>
+          <a:xfrm>
+            <a:off x="6574420" y="0"/>
+            <a:ext cx="5617580" cy="6858000"/>
+          </a:xfrm>
+          <a:prstGeom prst="rect">
+            <a:avLst/>
+          </a:prstGeom>
+          <a:solidFill>
+            <a:srgbClr val="CF3338"/>
+          </a:solidFill>
+        </p:spPr>
+        <p:style>
+          <a:lnRef idx="2">
+            <a:schemeClr val="accent1">
+              <a:shade val="50000"/>
+            </a:schemeClr>
+          </a:lnRef>
+          <a:fillRef idx="1">
+            <a:schemeClr val="accent1"/>
+          </a:fillRef>
+          <a:effectRef idx="0">
+            <a:schemeClr val="accent1"/>
+          </a:effectRef>
+          <a:fontRef idx="minor">
+            <a:schemeClr val="lt1"/>
+          </a:fontRef>
+        </p:style>
+        <p:txBody>
+          <a:bodyPr rtlCol="0" anchor="ctr"/>
+          <a:lstStyle/>
+          <a:p>
+            <a:pPr algn="ctr"/>
+            <a:endParaRPr lang="en-US"/>
+          </a:p>
+        </p:txBody>
+      </p:sp>
+      <p:sp>
+        <p:nvSpPr>
+          <p:cNvPr id="5" name="TextBox 4"/>
+          <p:cNvSpPr txBox="1"/>
+          <p:nvPr/>
+        </p:nvSpPr>
+        <p:spPr>
+          <a:xfrm>
+            <a:off x="6817489" y="0"/>
+            <a:ext cx="4120587" cy="1446550"/>
+          </a:xfrm>
+          <a:prstGeom prst="rect">
+            <a:avLst/>
+          </a:prstGeom>
+          <a:noFill/>
+        </p:spPr>
+        <p:txBody>
+          <a:bodyPr wrap="square" rtlCol="0">
+            <a:spAutoFit/>
+          </a:bodyPr>
+          <a:lstStyle/>
+          <a:p>
+            <a:r>
+              <a:rPr lang="en-US" sz="8800" dirty="0">
+                <a:solidFill>
+                  <a:schemeClr val="bg1"/>
+                </a:solidFill>
+                <a:latin typeface="Aliens &amp; cows" panose="00000500000000000000" pitchFamily="2" charset="0"/>
+              </a:rPr>
+              <a:t>Drill</a:t>
+            </a:r>
+          </a:p>
+        </p:txBody>
+      </p:sp>
+      <p:pic>
+        <p:nvPicPr>
+          <p:cNvPr id="2" name="Picture 1"/>
+          <p:cNvPicPr>
+            <a:picLocks noChangeAspect="1"/>
+          </p:cNvPicPr>
+          <p:nvPr/>
+        </p:nvPicPr>
+        <p:blipFill rotWithShape="1">
+          <a:blip r:embed="rId3">
+            <a:extLst>
+              <a:ext uri="{28A0092B-C50C-407E-A947-70E740481C1C}">
+                <a14:useLocalDpi xmlns:a14="http://schemas.microsoft.com/office/drawing/2010/main" val="0"/>
+              </a:ext>
+            </a:extLst>
+          </a:blip>
+          <a:srcRect l="69227" t="33418" r="20112" b="50548"/>
+          <a:stretch/>
+        </p:blipFill>
+        <p:spPr>
+          <a:xfrm>
+            <a:off x="10386349" y="5029795"/>
+            <a:ext cx="1805651" cy="1991719"/>
+          </a:xfrm>
+          <a:prstGeom prst="rect">
+            <a:avLst/>
+          </a:prstGeom>
+        </p:spPr>
+      </p:pic>
+      <p:sp>
+        <p:nvSpPr>
+          <p:cNvPr id="3" name="TextBox 2"/>
+          <p:cNvSpPr txBox="1"/>
+          <p:nvPr/>
+        </p:nvSpPr>
+        <p:spPr>
+          <a:xfrm>
+            <a:off x="173620" y="219919"/>
+            <a:ext cx="5937813" cy="4401205"/>
+          </a:xfrm>
+          <a:prstGeom prst="rect">
+            <a:avLst/>
+          </a:prstGeom>
+          <a:noFill/>
+        </p:spPr>
+        <p:txBody>
+          <a:bodyPr wrap="square" rtlCol="0">
+            <a:spAutoFit/>
+          </a:bodyPr>
+          <a:lstStyle/>
+          <a:p>
+            <a:r>
+              <a:rPr lang="en-US" sz="2800" b="1" dirty="0">
+                <a:solidFill>
+                  <a:srgbClr val="CF3338"/>
+                </a:solidFill>
+                <a:latin typeface="Pragmatica" pitchFamily="2" charset="0"/>
+              </a:rPr>
+              <a:t>File: continue with </a:t>
+            </a:r>
+            <a:r>
+              <a:rPr lang="en-US" sz="2800" b="1" dirty="0">
+                <a:solidFill>
+                  <a:srgbClr val="CF3338"/>
+                </a:solidFill>
+                <a:latin typeface="Consolas" panose="020B0609020204030204" pitchFamily="49" charset="0"/>
+              </a:rPr>
+              <a:t>diabetes.xlsx</a:t>
+            </a:r>
+          </a:p>
+          <a:p>
+            <a:endParaRPr lang="en-US" sz="2800" b="1" dirty="0">
+              <a:solidFill>
+                <a:srgbClr val="CF3338"/>
+              </a:solidFill>
+              <a:latin typeface="Pragmatica" pitchFamily="2" charset="0"/>
+            </a:endParaRPr>
+          </a:p>
+          <a:p>
+            <a:pPr marL="457200" indent="-457200">
+              <a:buFont typeface="Arial" panose="020B0604020202020204" pitchFamily="34" charset="0"/>
+              <a:buChar char="•"/>
+            </a:pPr>
+            <a:r>
+              <a:rPr lang="en-US" sz="2800" b="1" dirty="0">
+                <a:solidFill>
+                  <a:srgbClr val="CF3338"/>
+                </a:solidFill>
+                <a:latin typeface="Pragmatica" pitchFamily="2" charset="0"/>
+              </a:rPr>
+              <a:t>What method would we use to test relationship of glucose and being diabetic?</a:t>
+            </a:r>
+          </a:p>
+          <a:p>
+            <a:pPr marL="457200" indent="-457200">
+              <a:buFont typeface="Arial" panose="020B0604020202020204" pitchFamily="34" charset="0"/>
+              <a:buChar char="•"/>
+            </a:pPr>
+            <a:r>
+              <a:rPr lang="en-US" sz="2800" b="1" dirty="0">
+                <a:solidFill>
+                  <a:srgbClr val="CF3338"/>
+                </a:solidFill>
+                <a:latin typeface="Pragmatica" pitchFamily="2" charset="0"/>
+              </a:rPr>
+              <a:t>What assumptions are there? </a:t>
+            </a:r>
+          </a:p>
+          <a:p>
+            <a:pPr marL="457200" indent="-457200">
+              <a:buFont typeface="Arial" panose="020B0604020202020204" pitchFamily="34" charset="0"/>
+              <a:buChar char="•"/>
+            </a:pPr>
+            <a:r>
+              <a:rPr lang="en-US" sz="2800" b="1" dirty="0">
+                <a:solidFill>
+                  <a:srgbClr val="CF3338"/>
+                </a:solidFill>
+                <a:latin typeface="Pragmatica" pitchFamily="2" charset="0"/>
+              </a:rPr>
+              <a:t>What parameters are there?</a:t>
+            </a:r>
+          </a:p>
+          <a:p>
+            <a:endParaRPr lang="en-US" sz="2800" b="1" dirty="0">
+              <a:solidFill>
+                <a:srgbClr val="CF3338"/>
+              </a:solidFill>
+              <a:latin typeface="Pragmatica" pitchFamily="2" charset="0"/>
+            </a:endParaRPr>
+          </a:p>
+          <a:p>
+            <a:r>
+              <a:rPr lang="en-US" sz="2800" b="1" dirty="0">
+                <a:solidFill>
+                  <a:srgbClr val="CF3338"/>
+                </a:solidFill>
+                <a:latin typeface="Pragmatica" pitchFamily="2" charset="0"/>
+              </a:rPr>
+              <a:t>Answer in our doc: </a:t>
+            </a:r>
+            <a:r>
+              <a:rPr lang="en-US" sz="2800" dirty="0">
+                <a:solidFill>
+                  <a:srgbClr val="707070"/>
+                </a:solidFill>
+                <a:latin typeface="Pragmatica" panose="020B0403040502020204" pitchFamily="34" charset="0"/>
+                <a:hlinkClick r:id="rId4"/>
+              </a:rPr>
+              <a:t>https://bit.ly/3taMsoC</a:t>
+            </a:r>
+            <a:r>
+              <a:rPr lang="en-US" sz="2800" dirty="0">
+                <a:solidFill>
+                  <a:srgbClr val="707070"/>
+                </a:solidFill>
+                <a:latin typeface="Pragmatica" panose="020B0403040502020204" pitchFamily="34" charset="0"/>
+              </a:rPr>
+              <a:t> </a:t>
+            </a:r>
+            <a:endParaRPr lang="en-US" sz="2800" b="1" dirty="0">
+              <a:solidFill>
+                <a:srgbClr val="CF3338"/>
+              </a:solidFill>
+              <a:latin typeface="Pragmatica" pitchFamily="2" charset="0"/>
+            </a:endParaRPr>
+          </a:p>
+        </p:txBody>
+      </p:sp>
+    </p:spTree>
+    <p:extLst>
+      <p:ext uri="{BB962C8B-B14F-4D97-AF65-F5344CB8AC3E}">
+        <p14:creationId xmlns:p14="http://schemas.microsoft.com/office/powerpoint/2010/main" val="3415833870"/>
       </p:ext>
     </p:extLst>
   </p:cSld>
@@ -10319,7 +11632,7 @@
           <p:nvPr/>
         </p:nvPicPr>
         <p:blipFill rotWithShape="1">
-          <a:blip r:embed="rId2">
+          <a:blip r:embed="rId3">
             <a:extLst>
               <a:ext uri="{28A0092B-C50C-407E-A947-70E740481C1C}">
                 <a14:useLocalDpi xmlns:a14="http://schemas.microsoft.com/office/drawing/2010/main" val="0"/>
@@ -10331,27 +11644,128 @@
         </p:blipFill>
         <p:spPr>
           <a:xfrm>
-            <a:off x="8136460" y="2210765"/>
-            <a:ext cx="4055539" cy="4647236"/>
+            <a:off x="10894024" y="5370653"/>
+            <a:ext cx="1297975" cy="1487348"/>
           </a:xfrm>
           <a:prstGeom prst="rect">
             <a:avLst/>
           </a:prstGeom>
         </p:spPr>
       </p:pic>
+      <p:sp>
+        <p:nvSpPr>
+          <p:cNvPr id="11" name="TextBox 10"/>
+          <p:cNvSpPr txBox="1"/>
+          <p:nvPr/>
+        </p:nvSpPr>
+        <p:spPr>
+          <a:xfrm>
+            <a:off x="347240" y="113388"/>
+            <a:ext cx="9799937" cy="1015663"/>
+          </a:xfrm>
+          <a:prstGeom prst="rect">
+            <a:avLst/>
+          </a:prstGeom>
+          <a:noFill/>
+        </p:spPr>
+        <p:txBody>
+          <a:bodyPr wrap="square" rtlCol="0">
+            <a:spAutoFit/>
+          </a:bodyPr>
+          <a:lstStyle/>
+          <a:p>
+            <a:r>
+              <a:rPr lang="en-US" sz="6000" dirty="0">
+                <a:latin typeface="Aliens &amp; cows" panose="00000500000000000000" pitchFamily="2" charset="0"/>
+              </a:rPr>
+              <a:t>5. Results</a:t>
+            </a:r>
+          </a:p>
+        </p:txBody>
+      </p:sp>
+      <p:sp>
+        <p:nvSpPr>
+          <p:cNvPr id="3" name="TextBox 2"/>
+          <p:cNvSpPr txBox="1"/>
+          <p:nvPr/>
+        </p:nvSpPr>
+        <p:spPr>
+          <a:xfrm>
+            <a:off x="521230" y="1734792"/>
+            <a:ext cx="5844041" cy="1815882"/>
+          </a:xfrm>
+          <a:prstGeom prst="rect">
+            <a:avLst/>
+          </a:prstGeom>
+          <a:noFill/>
+        </p:spPr>
+        <p:txBody>
+          <a:bodyPr wrap="square" rtlCol="0">
+            <a:spAutoFit/>
+          </a:bodyPr>
+          <a:lstStyle/>
+          <a:p>
+            <a:pPr marL="285750" indent="-285750">
+              <a:buFont typeface="Arial" panose="020B0604020202020204" pitchFamily="34" charset="0"/>
+              <a:buChar char="•"/>
+            </a:pPr>
+            <a:r>
+              <a:rPr lang="en-US" sz="2800" dirty="0">
+                <a:solidFill>
+                  <a:srgbClr val="707070"/>
+                </a:solidFill>
+                <a:latin typeface="Pragmatica" panose="020B0403040502020204" pitchFamily="34" charset="0"/>
+              </a:rPr>
+              <a:t>What actually happened? </a:t>
+            </a:r>
+          </a:p>
+          <a:p>
+            <a:pPr marL="285750" indent="-285750">
+              <a:buFont typeface="Arial" panose="020B0604020202020204" pitchFamily="34" charset="0"/>
+              <a:buChar char="•"/>
+            </a:pPr>
+            <a:r>
+              <a:rPr lang="en-US" sz="2800" dirty="0">
+                <a:solidFill>
+                  <a:srgbClr val="707070"/>
+                </a:solidFill>
+                <a:latin typeface="Pragmatica" panose="020B0403040502020204" pitchFamily="34" charset="0"/>
+              </a:rPr>
+              <a:t>What evidence does this lend to your hypotheses?</a:t>
+            </a:r>
+          </a:p>
+          <a:p>
+            <a:endParaRPr lang="en-US" sz="2800" dirty="0">
+              <a:solidFill>
+                <a:srgbClr val="707070"/>
+              </a:solidFill>
+              <a:latin typeface="Consolas" panose="020B0609020204030204" pitchFamily="49" charset="0"/>
+            </a:endParaRPr>
+          </a:p>
+        </p:txBody>
+      </p:sp>
       <p:pic>
         <p:nvPicPr>
-          <p:cNvPr id="4" name="Picture 3"/>
+          <p:cNvPr id="5" name="Graphic 4" descr="Calculator with solid fill">
+            <a:extLst>
+              <a:ext uri="{FF2B5EF4-FFF2-40B4-BE49-F238E27FC236}">
+                <a16:creationId xmlns:a16="http://schemas.microsoft.com/office/drawing/2014/main" id="{A758AA0A-B383-41C9-9A2C-D7605C37C39B}"/>
+              </a:ext>
+            </a:extLst>
+          </p:cNvPr>
           <p:cNvPicPr>
             <a:picLocks noChangeAspect="1"/>
           </p:cNvPicPr>
           <p:nvPr/>
         </p:nvPicPr>
         <p:blipFill>
-          <a:blip r:embed="rId3">
+          <a:blip r:embed="rId4">
             <a:extLst>
               <a:ext uri="{28A0092B-C50C-407E-A947-70E740481C1C}">
                 <a14:useLocalDpi xmlns:a14="http://schemas.microsoft.com/office/drawing/2010/main" val="0"/>
+              </a:ext>
+              <a:ext uri="{96DAC541-7B7A-43D3-8B79-37D633B846F1}">
+                <asvg:svgBlip xmlns:asvg="http://schemas.microsoft.com/office/drawing/2016/SVG/main" r:embed="rId5"/>
               </a:ext>
             </a:extLst>
           </a:blip>
@@ -10361,76 +11775,18 @@
         </p:blipFill>
         <p:spPr>
           <a:xfrm>
-            <a:off x="-538496" y="-2482770"/>
-            <a:ext cx="10171472" cy="7459883"/>
+            <a:off x="7275931" y="1528865"/>
+            <a:ext cx="4005408" cy="4005408"/>
           </a:xfrm>
           <a:prstGeom prst="rect">
             <a:avLst/>
           </a:prstGeom>
         </p:spPr>
       </p:pic>
-      <p:sp>
-        <p:nvSpPr>
-          <p:cNvPr id="11" name="TextBox 10"/>
-          <p:cNvSpPr txBox="1"/>
-          <p:nvPr/>
-        </p:nvSpPr>
-        <p:spPr>
-          <a:xfrm>
-            <a:off x="324091" y="1687545"/>
-            <a:ext cx="7986531" cy="1384995"/>
-          </a:xfrm>
-          <a:prstGeom prst="rect">
-            <a:avLst/>
-          </a:prstGeom>
-          <a:noFill/>
-        </p:spPr>
-        <p:txBody>
-          <a:bodyPr wrap="square" rtlCol="0">
-            <a:spAutoFit/>
-          </a:bodyPr>
-          <a:lstStyle/>
-          <a:p>
-            <a:r>
-              <a:rPr lang="en-US" sz="2800" b="1" dirty="0">
-                <a:solidFill>
-                  <a:srgbClr val="707070"/>
-                </a:solidFill>
-                <a:latin typeface="Pragmatica" panose="020B0403040502020204" pitchFamily="34" charset="0"/>
-              </a:rPr>
-              <a:t>Event survey: </a:t>
-            </a:r>
-            <a:r>
-              <a:rPr lang="en-US" sz="2800" b="1" dirty="0">
-                <a:solidFill>
-                  <a:srgbClr val="707070"/>
-                </a:solidFill>
-                <a:latin typeface="Pragmatica" panose="020B0403040502020204" pitchFamily="34" charset="0"/>
-                <a:hlinkClick r:id="rId4"/>
-              </a:rPr>
-              <a:t>https://forms.office.com/r/0ZnD0LxpZy</a:t>
-            </a:r>
-            <a:endParaRPr lang="en-US" sz="2800" b="1" dirty="0">
-              <a:solidFill>
-                <a:srgbClr val="707070"/>
-              </a:solidFill>
-              <a:latin typeface="Pragmatica" panose="020B0403040502020204" pitchFamily="34" charset="0"/>
-            </a:endParaRPr>
-          </a:p>
-          <a:p>
-            <a:endParaRPr lang="en-US" sz="2800" b="1" dirty="0">
-              <a:solidFill>
-                <a:srgbClr val="707070"/>
-              </a:solidFill>
-              <a:latin typeface="Pragmatica" panose="020B0403040502020204" pitchFamily="34" charset="0"/>
-            </a:endParaRPr>
-          </a:p>
-        </p:txBody>
-      </p:sp>
     </p:spTree>
     <p:extLst>
       <p:ext uri="{BB962C8B-B14F-4D97-AF65-F5344CB8AC3E}">
-        <p14:creationId xmlns:p14="http://schemas.microsoft.com/office/powerpoint/2010/main" val="2312071835"/>
+        <p14:creationId xmlns:p14="http://schemas.microsoft.com/office/powerpoint/2010/main" val="1723971655"/>
       </p:ext>
     </p:extLst>
   </p:cSld>
@@ -10457,44 +11813,92 @@
           <a:chExt cx="0" cy="0"/>
         </a:xfrm>
       </p:grpSpPr>
+      <p:sp>
+        <p:nvSpPr>
+          <p:cNvPr id="4" name="Rectangle 3"/>
+          <p:cNvSpPr/>
+          <p:nvPr/>
+        </p:nvSpPr>
+        <p:spPr>
+          <a:xfrm>
+            <a:off x="6574420" y="0"/>
+            <a:ext cx="5617580" cy="6858000"/>
+          </a:xfrm>
+          <a:prstGeom prst="rect">
+            <a:avLst/>
+          </a:prstGeom>
+          <a:solidFill>
+            <a:srgbClr val="CF3338"/>
+          </a:solidFill>
+        </p:spPr>
+        <p:style>
+          <a:lnRef idx="2">
+            <a:schemeClr val="accent1">
+              <a:shade val="50000"/>
+            </a:schemeClr>
+          </a:lnRef>
+          <a:fillRef idx="1">
+            <a:schemeClr val="accent1"/>
+          </a:fillRef>
+          <a:effectRef idx="0">
+            <a:schemeClr val="accent1"/>
+          </a:effectRef>
+          <a:fontRef idx="minor">
+            <a:schemeClr val="lt1"/>
+          </a:fontRef>
+        </p:style>
+        <p:txBody>
+          <a:bodyPr rtlCol="0" anchor="ctr"/>
+          <a:lstStyle/>
+          <a:p>
+            <a:pPr algn="ctr"/>
+            <a:endParaRPr lang="en-US"/>
+          </a:p>
+        </p:txBody>
+      </p:sp>
+      <p:sp>
+        <p:nvSpPr>
+          <p:cNvPr id="5" name="TextBox 4"/>
+          <p:cNvSpPr txBox="1"/>
+          <p:nvPr/>
+        </p:nvSpPr>
+        <p:spPr>
+          <a:xfrm>
+            <a:off x="6817489" y="0"/>
+            <a:ext cx="4120587" cy="1446550"/>
+          </a:xfrm>
+          <a:prstGeom prst="rect">
+            <a:avLst/>
+          </a:prstGeom>
+          <a:noFill/>
+        </p:spPr>
+        <p:txBody>
+          <a:bodyPr wrap="square" rtlCol="0">
+            <a:spAutoFit/>
+          </a:bodyPr>
+          <a:lstStyle/>
+          <a:p>
+            <a:r>
+              <a:rPr lang="en-US" sz="8800" dirty="0">
+                <a:solidFill>
+                  <a:schemeClr val="bg1"/>
+                </a:solidFill>
+                <a:latin typeface="Aliens &amp; cows" panose="00000500000000000000" pitchFamily="2" charset="0"/>
+              </a:rPr>
+              <a:t>Drill</a:t>
+            </a:r>
+          </a:p>
+        </p:txBody>
+      </p:sp>
       <p:pic>
         <p:nvPicPr>
-          <p:cNvPr id="10" name="Picture 9"/>
+          <p:cNvPr id="2" name="Picture 1"/>
           <p:cNvPicPr>
             <a:picLocks noChangeAspect="1"/>
           </p:cNvPicPr>
           <p:nvPr/>
         </p:nvPicPr>
         <p:blipFill rotWithShape="1">
-          <a:blip r:embed="rId2">
-            <a:extLst>
-              <a:ext uri="{28A0092B-C50C-407E-A947-70E740481C1C}">
-                <a14:useLocalDpi xmlns:a14="http://schemas.microsoft.com/office/drawing/2010/main" val="0"/>
-              </a:ext>
-            </a:extLst>
-          </a:blip>
-          <a:srcRect l="50728" t="56371"/>
-          <a:stretch/>
-        </p:blipFill>
-        <p:spPr>
-          <a:xfrm>
-            <a:off x="8136460" y="2210765"/>
-            <a:ext cx="4055539" cy="4647236"/>
-          </a:xfrm>
-          <a:prstGeom prst="rect">
-            <a:avLst/>
-          </a:prstGeom>
-        </p:spPr>
-      </p:pic>
-      <p:pic>
-        <p:nvPicPr>
-          <p:cNvPr id="4" name="Picture 3"/>
-          <p:cNvPicPr>
-            <a:picLocks noChangeAspect="1"/>
-          </p:cNvPicPr>
-          <p:nvPr/>
-        </p:nvPicPr>
-        <p:blipFill>
           <a:blip r:embed="rId3">
             <a:extLst>
               <a:ext uri="{28A0092B-C50C-407E-A947-70E740481C1C}">
@@ -10502,14 +11906,13 @@
               </a:ext>
             </a:extLst>
           </a:blip>
-          <a:stretch>
-            <a:fillRect/>
-          </a:stretch>
+          <a:srcRect l="69227" t="33418" r="20112" b="50548"/>
+          <a:stretch/>
         </p:blipFill>
         <p:spPr>
           <a:xfrm>
-            <a:off x="-538496" y="-2482770"/>
-            <a:ext cx="10171472" cy="7459883"/>
+            <a:off x="10386349" y="5029795"/>
+            <a:ext cx="1805651" cy="1991719"/>
           </a:xfrm>
           <a:prstGeom prst="rect">
             <a:avLst/>
@@ -10518,14 +11921,14 @@
       </p:pic>
       <p:sp>
         <p:nvSpPr>
-          <p:cNvPr id="11" name="TextBox 10"/>
+          <p:cNvPr id="3" name="TextBox 2"/>
           <p:cNvSpPr txBox="1"/>
           <p:nvPr/>
         </p:nvSpPr>
         <p:spPr>
           <a:xfrm>
-            <a:off x="324091" y="1687545"/>
-            <a:ext cx="7986531" cy="1077218"/>
+            <a:off x="173620" y="219919"/>
+            <a:ext cx="5937813" cy="2677656"/>
           </a:xfrm>
           <a:prstGeom prst="rect">
             <a:avLst/>
@@ -10539,21 +11942,89 @@
           <a:lstStyle/>
           <a:p>
             <a:r>
-              <a:rPr lang="en-US" sz="4400" b="1" dirty="0">
+              <a:rPr lang="en-US" sz="2800" b="1" dirty="0">
+                <a:solidFill>
+                  <a:srgbClr val="CF3338"/>
+                </a:solidFill>
+                <a:latin typeface="Pragmatica" pitchFamily="2" charset="0"/>
+              </a:rPr>
+              <a:t>File: continue with </a:t>
+            </a:r>
+            <a:r>
+              <a:rPr lang="en-US" sz="2800" b="1" dirty="0">
+                <a:solidFill>
+                  <a:srgbClr val="CF3338"/>
+                </a:solidFill>
+                <a:latin typeface="Consolas" panose="020B0609020204030204" pitchFamily="49" charset="0"/>
+              </a:rPr>
+              <a:t>diabetes.xlsx</a:t>
+            </a:r>
+          </a:p>
+          <a:p>
+            <a:endParaRPr lang="en-US" sz="2800" b="1" dirty="0">
+              <a:solidFill>
+                <a:srgbClr val="CF3338"/>
+              </a:solidFill>
+              <a:latin typeface="Pragmatica" pitchFamily="2" charset="0"/>
+            </a:endParaRPr>
+          </a:p>
+          <a:p>
+            <a:pPr marL="457200" indent="-457200">
+              <a:buFont typeface="Arial" panose="020B0604020202020204" pitchFamily="34" charset="0"/>
+              <a:buChar char="•"/>
+            </a:pPr>
+            <a:r>
+              <a:rPr lang="en-US" sz="2800" b="1" dirty="0">
+                <a:solidFill>
+                  <a:srgbClr val="CF3338"/>
+                </a:solidFill>
+                <a:latin typeface="Pragmatica" pitchFamily="2" charset="0"/>
+              </a:rPr>
+              <a:t>What are the results of our work?</a:t>
+            </a:r>
+          </a:p>
+          <a:p>
+            <a:endParaRPr lang="en-US" sz="2800" b="1" dirty="0">
+              <a:solidFill>
+                <a:srgbClr val="CF3338"/>
+              </a:solidFill>
+              <a:latin typeface="Pragmatica" pitchFamily="2" charset="0"/>
+            </a:endParaRPr>
+          </a:p>
+          <a:p>
+            <a:r>
+              <a:rPr lang="en-US" sz="2800" b="1" dirty="0">
+                <a:solidFill>
+                  <a:srgbClr val="CF3338"/>
+                </a:solidFill>
+                <a:latin typeface="Pragmatica" pitchFamily="2" charset="0"/>
+              </a:rPr>
+              <a:t>Answer in the doc: </a:t>
+            </a:r>
+            <a:r>
+              <a:rPr lang="en-US" sz="2800" dirty="0">
                 <a:solidFill>
                   <a:srgbClr val="707070"/>
                 </a:solidFill>
                 <a:latin typeface="Pragmatica" panose="020B0403040502020204" pitchFamily="34" charset="0"/>
-              </a:rPr>
-              <a:t>Questions?</a:t>
-            </a:r>
-          </a:p>
-          <a:p>
-            <a:endParaRPr lang="en-US" sz="2000" b="1" i="1" dirty="0">
+                <a:hlinkClick r:id="rId4"/>
+              </a:rPr>
+              <a:t>https://bit.ly/3taMsoC</a:t>
+            </a:r>
+            <a:r>
+              <a:rPr lang="en-US" sz="2800" dirty="0">
+                <a:solidFill>
+                  <a:srgbClr val="707070"/>
+                </a:solidFill>
+                <a:latin typeface="Pragmatica" panose="020B0403040502020204" pitchFamily="34" charset="0"/>
+              </a:rPr>
+              <a:t> </a:t>
+            </a:r>
+            <a:endParaRPr lang="en-US" sz="2800" b="1" dirty="0">
               <a:solidFill>
-                <a:srgbClr val="707070"/>
+                <a:srgbClr val="CF3338"/>
               </a:solidFill>
-              <a:latin typeface="Pragmatica" panose="020B0403040502020204" pitchFamily="34" charset="0"/>
+              <a:latin typeface="Pragmatica" pitchFamily="2" charset="0"/>
             </a:endParaRPr>
           </a:p>
         </p:txBody>
@@ -10561,7 +12032,7 @@
     </p:spTree>
     <p:extLst>
       <p:ext uri="{BB962C8B-B14F-4D97-AF65-F5344CB8AC3E}">
-        <p14:creationId xmlns:p14="http://schemas.microsoft.com/office/powerpoint/2010/main" val="2792158884"/>
+        <p14:creationId xmlns:p14="http://schemas.microsoft.com/office/powerpoint/2010/main" val="440138541"/>
       </p:ext>
     </p:extLst>
   </p:cSld>
@@ -10588,75 +12059,59 @@
           <a:chExt cx="0" cy="0"/>
         </a:xfrm>
       </p:grpSpPr>
-      <p:pic>
-        <p:nvPicPr>
-          <p:cNvPr id="10" name="Picture 9"/>
-          <p:cNvPicPr>
-            <a:picLocks noChangeAspect="1"/>
-          </p:cNvPicPr>
+      <p:sp>
+        <p:nvSpPr>
+          <p:cNvPr id="4" name="Rectangle 3"/>
+          <p:cNvSpPr/>
           <p:nvPr/>
-        </p:nvPicPr>
-        <p:blipFill rotWithShape="1">
-          <a:blip r:embed="rId2">
-            <a:extLst>
-              <a:ext uri="{28A0092B-C50C-407E-A947-70E740481C1C}">
-                <a14:useLocalDpi xmlns:a14="http://schemas.microsoft.com/office/drawing/2010/main" val="0"/>
-              </a:ext>
-            </a:extLst>
-          </a:blip>
-          <a:srcRect l="50728" t="56371"/>
-          <a:stretch/>
-        </p:blipFill>
-        <p:spPr>
-          <a:xfrm>
-            <a:off x="8136460" y="2210765"/>
-            <a:ext cx="4055539" cy="4647236"/>
+        </p:nvSpPr>
+        <p:spPr>
+          <a:xfrm>
+            <a:off x="0" y="0"/>
+            <a:ext cx="12192000" cy="6858000"/>
           </a:xfrm>
           <a:prstGeom prst="rect">
             <a:avLst/>
           </a:prstGeom>
-        </p:spPr>
-      </p:pic>
-      <p:pic>
-        <p:nvPicPr>
-          <p:cNvPr id="4" name="Picture 3"/>
-          <p:cNvPicPr>
-            <a:picLocks noChangeAspect="1"/>
-          </p:cNvPicPr>
-          <p:nvPr/>
-        </p:nvPicPr>
-        <p:blipFill>
-          <a:blip r:embed="rId3">
-            <a:extLst>
-              <a:ext uri="{28A0092B-C50C-407E-A947-70E740481C1C}">
-                <a14:useLocalDpi xmlns:a14="http://schemas.microsoft.com/office/drawing/2010/main" val="0"/>
-              </a:ext>
-            </a:extLst>
-          </a:blip>
-          <a:stretch>
-            <a:fillRect/>
-          </a:stretch>
-        </p:blipFill>
-        <p:spPr>
-          <a:xfrm>
-            <a:off x="-538496" y="-2482770"/>
-            <a:ext cx="10171472" cy="7459883"/>
-          </a:xfrm>
-          <a:prstGeom prst="rect">
-            <a:avLst/>
-          </a:prstGeom>
-        </p:spPr>
-      </p:pic>
-      <p:sp>
-        <p:nvSpPr>
-          <p:cNvPr id="11" name="TextBox 10"/>
+          <a:solidFill>
+            <a:srgbClr val="CF3338"/>
+          </a:solidFill>
+        </p:spPr>
+        <p:style>
+          <a:lnRef idx="2">
+            <a:schemeClr val="accent1">
+              <a:shade val="50000"/>
+            </a:schemeClr>
+          </a:lnRef>
+          <a:fillRef idx="1">
+            <a:schemeClr val="accent1"/>
+          </a:fillRef>
+          <a:effectRef idx="0">
+            <a:schemeClr val="accent1"/>
+          </a:effectRef>
+          <a:fontRef idx="minor">
+            <a:schemeClr val="lt1"/>
+          </a:fontRef>
+        </p:style>
+        <p:txBody>
+          <a:bodyPr rtlCol="0" anchor="ctr"/>
+          <a:lstStyle/>
+          <a:p>
+            <a:pPr algn="ctr"/>
+            <a:endParaRPr lang="en-US"/>
+          </a:p>
+        </p:txBody>
+      </p:sp>
+      <p:sp>
+        <p:nvSpPr>
+          <p:cNvPr id="5" name="TextBox 4"/>
           <p:cNvSpPr txBox="1"/>
           <p:nvPr/>
         </p:nvSpPr>
         <p:spPr>
           <a:xfrm>
-            <a:off x="324091" y="1687545"/>
-            <a:ext cx="7986531" cy="2369880"/>
+            <a:off x="520861" y="393539"/>
+            <a:ext cx="10324617" cy="2123658"/>
           </a:xfrm>
           <a:prstGeom prst="rect">
             <a:avLst/>
@@ -10670,83 +12125,30 @@
           <a:lstStyle/>
           <a:p>
             <a:r>
-              <a:rPr lang="en-US" sz="3600" b="1" dirty="0">
+              <a:rPr lang="en-US" sz="6600" b="1" dirty="0">
                 <a:solidFill>
-                  <a:srgbClr val="707070"/>
+                  <a:schemeClr val="bg1"/>
                 </a:solidFill>
-                <a:latin typeface="Pragmatica" panose="020B0403040502020204" pitchFamily="34" charset="0"/>
-              </a:rPr>
-              <a:t>THANK YOU</a:t>
-            </a:r>
-          </a:p>
-          <a:p>
-            <a:endParaRPr lang="en-US" sz="2800" b="1" dirty="0">
-              <a:solidFill>
-                <a:srgbClr val="707070"/>
-              </a:solidFill>
-              <a:latin typeface="Pragmatica" panose="020B0403040502020204" pitchFamily="34" charset="0"/>
-            </a:endParaRPr>
-          </a:p>
-          <a:p>
-            <a:r>
-              <a:rPr lang="en-US" sz="2800" b="1" dirty="0">
+                <a:latin typeface="Pragmatica" pitchFamily="2" charset="0"/>
+              </a:rPr>
+              <a:t>Interlude: Beyond the straight </a:t>
+            </a:r>
+            <a:r>
+              <a:rPr lang="en-US" sz="6600" b="1" i="1" dirty="0">
                 <a:solidFill>
-                  <a:srgbClr val="707070"/>
+                  <a:schemeClr val="bg1"/>
                 </a:solidFill>
-                <a:latin typeface="Pragmatica" panose="020B0403040502020204" pitchFamily="34" charset="0"/>
-                <a:hlinkClick r:id="rId4"/>
-              </a:rPr>
-              <a:t>george@stringfestanalytics.com</a:t>
-            </a:r>
-            <a:endParaRPr lang="en-US" sz="2800" b="1" dirty="0">
-              <a:solidFill>
-                <a:srgbClr val="707070"/>
-              </a:solidFill>
-              <a:latin typeface="Pragmatica" panose="020B0403040502020204" pitchFamily="34" charset="0"/>
-            </a:endParaRPr>
-          </a:p>
-          <a:p>
-            <a:r>
-              <a:rPr lang="en-US" sz="2800" b="1" dirty="0">
-                <a:solidFill>
-                  <a:srgbClr val="707070"/>
-                </a:solidFill>
-                <a:latin typeface="Pragmatica" panose="020B0403040502020204" pitchFamily="34" charset="0"/>
-                <a:hlinkClick r:id="rId5"/>
-              </a:rPr>
-              <a:t>linkedin.com/in/gjmount</a:t>
-            </a:r>
-            <a:endParaRPr lang="en-US" sz="2800" b="1" dirty="0">
-              <a:solidFill>
-                <a:srgbClr val="707070"/>
-              </a:solidFill>
-              <a:latin typeface="Pragmatica" panose="020B0403040502020204" pitchFamily="34" charset="0"/>
-            </a:endParaRPr>
-          </a:p>
-          <a:p>
-            <a:r>
-              <a:rPr lang="en-US" sz="2800" b="1" dirty="0">
-                <a:solidFill>
-                  <a:srgbClr val="707070"/>
-                </a:solidFill>
-                <a:latin typeface="Pragmatica" panose="020B0403040502020204" pitchFamily="34" charset="0"/>
-                <a:hlinkClick r:id="rId6"/>
-              </a:rPr>
-              <a:t>stringfestanalytics.com/contact  </a:t>
-            </a:r>
-            <a:endParaRPr lang="en-US" sz="2800" b="1" dirty="0">
-              <a:solidFill>
-                <a:srgbClr val="707070"/>
-              </a:solidFill>
-              <a:latin typeface="Pragmatica" panose="020B0403040502020204" pitchFamily="34" charset="0"/>
-            </a:endParaRPr>
+                <a:latin typeface="Pragmatica" pitchFamily="2" charset="0"/>
+              </a:rPr>
+              <a:t>t</a:t>
+            </a:r>
           </a:p>
         </p:txBody>
       </p:sp>
     </p:spTree>
     <p:extLst>
       <p:ext uri="{BB962C8B-B14F-4D97-AF65-F5344CB8AC3E}">
-        <p14:creationId xmlns:p14="http://schemas.microsoft.com/office/powerpoint/2010/main" val="3712320391"/>
+        <p14:creationId xmlns:p14="http://schemas.microsoft.com/office/powerpoint/2010/main" val="144162038"/>
       </p:ext>
     </p:extLst>
   </p:cSld>
@@ -10757,6 +12159,282 @@
 </file>
 
 <file path=ppt/slides/slide29.xml><?xml version="1.0" encoding="utf-8"?>
+<p:sld xmlns:a="http://schemas.openxmlformats.org/drawingml/2006/main" xmlns:r="http://schemas.openxmlformats.org/officeDocument/2006/relationships" xmlns:p="http://schemas.openxmlformats.org/presentationml/2006/main">
+  <p:cSld>
+    <p:spTree>
+      <p:nvGrpSpPr>
+        <p:cNvPr id="1" name=""/>
+        <p:cNvGrpSpPr/>
+        <p:nvPr/>
+      </p:nvGrpSpPr>
+      <p:grpSpPr>
+        <a:xfrm>
+          <a:off x="0" y="0"/>
+          <a:ext cx="0" cy="0"/>
+          <a:chOff x="0" y="0"/>
+          <a:chExt cx="0" cy="0"/>
+        </a:xfrm>
+      </p:grpSpPr>
+      <p:sp>
+        <p:nvSpPr>
+          <p:cNvPr id="4" name="Rectangle 3"/>
+          <p:cNvSpPr/>
+          <p:nvPr/>
+        </p:nvSpPr>
+        <p:spPr>
+          <a:xfrm>
+            <a:off x="6574420" y="0"/>
+            <a:ext cx="5617580" cy="6858000"/>
+          </a:xfrm>
+          <a:prstGeom prst="rect">
+            <a:avLst/>
+          </a:prstGeom>
+          <a:solidFill>
+            <a:srgbClr val="CF3338"/>
+          </a:solidFill>
+        </p:spPr>
+        <p:style>
+          <a:lnRef idx="2">
+            <a:schemeClr val="accent1">
+              <a:shade val="50000"/>
+            </a:schemeClr>
+          </a:lnRef>
+          <a:fillRef idx="1">
+            <a:schemeClr val="accent1"/>
+          </a:fillRef>
+          <a:effectRef idx="0">
+            <a:schemeClr val="accent1"/>
+          </a:effectRef>
+          <a:fontRef idx="minor">
+            <a:schemeClr val="lt1"/>
+          </a:fontRef>
+        </p:style>
+        <p:txBody>
+          <a:bodyPr rtlCol="0" anchor="ctr"/>
+          <a:lstStyle/>
+          <a:p>
+            <a:pPr algn="ctr"/>
+            <a:endParaRPr lang="en-US"/>
+          </a:p>
+        </p:txBody>
+      </p:sp>
+      <p:sp>
+        <p:nvSpPr>
+          <p:cNvPr id="5" name="TextBox 4"/>
+          <p:cNvSpPr txBox="1"/>
+          <p:nvPr/>
+        </p:nvSpPr>
+        <p:spPr>
+          <a:xfrm>
+            <a:off x="6817489" y="0"/>
+            <a:ext cx="4120587" cy="1446550"/>
+          </a:xfrm>
+          <a:prstGeom prst="rect">
+            <a:avLst/>
+          </a:prstGeom>
+          <a:noFill/>
+        </p:spPr>
+        <p:txBody>
+          <a:bodyPr wrap="square" rtlCol="0">
+            <a:spAutoFit/>
+          </a:bodyPr>
+          <a:lstStyle/>
+          <a:p>
+            <a:r>
+              <a:rPr lang="en-US" sz="8800" dirty="0">
+                <a:solidFill>
+                  <a:schemeClr val="bg1"/>
+                </a:solidFill>
+                <a:latin typeface="Aliens &amp; cows" panose="00000500000000000000" pitchFamily="2" charset="0"/>
+              </a:rPr>
+              <a:t>Demo</a:t>
+            </a:r>
+          </a:p>
+        </p:txBody>
+      </p:sp>
+      <p:pic>
+        <p:nvPicPr>
+          <p:cNvPr id="2" name="Picture 1"/>
+          <p:cNvPicPr>
+            <a:picLocks noChangeAspect="1"/>
+          </p:cNvPicPr>
+          <p:nvPr/>
+        </p:nvPicPr>
+        <p:blipFill rotWithShape="1">
+          <a:blip r:embed="rId3">
+            <a:extLst>
+              <a:ext uri="{28A0092B-C50C-407E-A947-70E740481C1C}">
+                <a14:useLocalDpi xmlns:a14="http://schemas.microsoft.com/office/drawing/2010/main" val="0"/>
+              </a:ext>
+            </a:extLst>
+          </a:blip>
+          <a:srcRect l="69227" t="33418" r="20112" b="50548"/>
+          <a:stretch/>
+        </p:blipFill>
+        <p:spPr>
+          <a:xfrm>
+            <a:off x="10386349" y="5029795"/>
+            <a:ext cx="1805651" cy="1991719"/>
+          </a:xfrm>
+          <a:prstGeom prst="rect">
+            <a:avLst/>
+          </a:prstGeom>
+        </p:spPr>
+      </p:pic>
+      <p:sp>
+        <p:nvSpPr>
+          <p:cNvPr id="3" name="TextBox 2"/>
+          <p:cNvSpPr txBox="1"/>
+          <p:nvPr/>
+        </p:nvSpPr>
+        <p:spPr>
+          <a:xfrm>
+            <a:off x="173620" y="219919"/>
+            <a:ext cx="5937813" cy="4832092"/>
+          </a:xfrm>
+          <a:prstGeom prst="rect">
+            <a:avLst/>
+          </a:prstGeom>
+          <a:noFill/>
+        </p:spPr>
+        <p:txBody>
+          <a:bodyPr wrap="square" rtlCol="0">
+            <a:spAutoFit/>
+          </a:bodyPr>
+          <a:lstStyle/>
+          <a:p>
+            <a:r>
+              <a:rPr lang="en-US" sz="2800" b="1" dirty="0">
+                <a:solidFill>
+                  <a:srgbClr val="CF3338"/>
+                </a:solidFill>
+                <a:latin typeface="Pragmatica" pitchFamily="2" charset="0"/>
+              </a:rPr>
+              <a:t>File: continue with </a:t>
+            </a:r>
+            <a:r>
+              <a:rPr lang="en-US" sz="2800" b="1" dirty="0">
+                <a:solidFill>
+                  <a:srgbClr val="CF3338"/>
+                </a:solidFill>
+                <a:latin typeface="Consolas" panose="020B0609020204030204" pitchFamily="49" charset="0"/>
+              </a:rPr>
+              <a:t>diabetes.xlsx</a:t>
+            </a:r>
+          </a:p>
+          <a:p>
+            <a:endParaRPr lang="en-US" sz="2800" b="1" dirty="0">
+              <a:solidFill>
+                <a:srgbClr val="CF3338"/>
+              </a:solidFill>
+              <a:latin typeface="Consolas" panose="020B0609020204030204" pitchFamily="49" charset="0"/>
+            </a:endParaRPr>
+          </a:p>
+          <a:p>
+            <a:pPr marL="457200" indent="-457200">
+              <a:buFont typeface="Arial" panose="020B0604020202020204" pitchFamily="34" charset="0"/>
+              <a:buChar char="•"/>
+            </a:pPr>
+            <a:r>
+              <a:rPr lang="en-US" sz="2800" b="1" dirty="0">
+                <a:solidFill>
+                  <a:srgbClr val="CF3338"/>
+                </a:solidFill>
+                <a:latin typeface="Pragmatica" panose="020B0403040502020204"/>
+              </a:rPr>
+              <a:t>Is there a relationship between having been pregnant and becoming diabetes?</a:t>
+            </a:r>
+          </a:p>
+          <a:p>
+            <a:pPr marL="457200" indent="-457200">
+              <a:buFont typeface="Arial" panose="020B0604020202020204" pitchFamily="34" charset="0"/>
+              <a:buChar char="•"/>
+            </a:pPr>
+            <a:r>
+              <a:rPr lang="en-US" sz="2800" b="1" dirty="0">
+                <a:solidFill>
+                  <a:srgbClr val="CF3338"/>
+                </a:solidFill>
+                <a:latin typeface="Pragmatica" panose="020B0403040502020204"/>
+              </a:rPr>
+              <a:t>Recode a binary variable</a:t>
+            </a:r>
+          </a:p>
+          <a:p>
+            <a:pPr marL="457200" indent="-457200">
+              <a:buFont typeface="Arial" panose="020B0604020202020204" pitchFamily="34" charset="0"/>
+              <a:buChar char="•"/>
+            </a:pPr>
+            <a:r>
+              <a:rPr lang="en-US" sz="2800" b="1" dirty="0">
+                <a:solidFill>
+                  <a:srgbClr val="CF3338"/>
+                </a:solidFill>
+                <a:latin typeface="Pragmatica" panose="020B0403040502020204"/>
+              </a:rPr>
+              <a:t>Compare two binary variables: Chi-square</a:t>
+            </a:r>
+          </a:p>
+          <a:p>
+            <a:pPr marL="457200" indent="-457200">
+              <a:buFont typeface="Arial" panose="020B0604020202020204" pitchFamily="34" charset="0"/>
+              <a:buChar char="•"/>
+            </a:pPr>
+            <a:endParaRPr lang="en-US" sz="2800" b="1" dirty="0">
+              <a:solidFill>
+                <a:srgbClr val="CF3338"/>
+              </a:solidFill>
+              <a:latin typeface="Pragmatica" panose="020B0403040502020204"/>
+            </a:endParaRPr>
+          </a:p>
+          <a:p>
+            <a:pPr marL="457200" indent="-457200">
+              <a:buFont typeface="Arial" panose="020B0604020202020204" pitchFamily="34" charset="0"/>
+              <a:buChar char="•"/>
+            </a:pPr>
+            <a:endParaRPr lang="en-US" sz="2800" b="1" dirty="0">
+              <a:solidFill>
+                <a:srgbClr val="CF3338"/>
+              </a:solidFill>
+              <a:latin typeface="Pragmatica" panose="020B0403040502020204"/>
+            </a:endParaRPr>
+          </a:p>
+          <a:p>
+            <a:r>
+              <a:rPr lang="en-US" sz="2800" b="1" dirty="0">
+                <a:solidFill>
+                  <a:srgbClr val="CF3338"/>
+                </a:solidFill>
+                <a:latin typeface="Pragmatica" panose="020B0403040502020204"/>
+              </a:rPr>
+              <a:t>Demo notes: </a:t>
+            </a:r>
+            <a:r>
+              <a:rPr lang="en-US" sz="2800" b="1" dirty="0">
+                <a:solidFill>
+                  <a:srgbClr val="CF3338"/>
+                </a:solidFill>
+                <a:latin typeface="Consolas" panose="020B0609020204030204" pitchFamily="49" charset="0"/>
+              </a:rPr>
+              <a:t>chi-square.xlsx</a:t>
+            </a:r>
+          </a:p>
+        </p:txBody>
+      </p:sp>
+    </p:spTree>
+    <p:extLst>
+      <p:ext uri="{BB962C8B-B14F-4D97-AF65-F5344CB8AC3E}">
+        <p14:creationId xmlns:p14="http://schemas.microsoft.com/office/powerpoint/2010/main" val="2000090194"/>
+      </p:ext>
+    </p:extLst>
+  </p:cSld>
+  <p:clrMapOvr>
+    <a:masterClrMapping/>
+  </p:clrMapOvr>
+</p:sld>
+</file>
+
+<file path=ppt/slides/slide3.xml><?xml version="1.0" encoding="utf-8"?>
 <p:sld xmlns:a="http://schemas.openxmlformats.org/drawingml/2006/main" xmlns:r="http://schemas.openxmlformats.org/officeDocument/2006/relationships" xmlns:p="http://schemas.openxmlformats.org/presentationml/2006/main">
   <p:cSld>
     <p:spTree>
@@ -10811,7 +12489,7 @@
         <p:spPr>
           <a:xfrm>
             <a:off x="347240" y="113388"/>
-            <a:ext cx="11668986" cy="1015663"/>
+            <a:ext cx="9799937" cy="1015663"/>
           </a:xfrm>
           <a:prstGeom prst="rect">
             <a:avLst/>
@@ -10828,7 +12506,184 @@
               <a:rPr lang="en-US" sz="6000" dirty="0">
                 <a:latin typeface="Aliens &amp; cows" panose="00000500000000000000" pitchFamily="2" charset="0"/>
               </a:rPr>
-              <a:t>What statistical test should I use?</a:t>
+              <a:t>Follow along</a:t>
+            </a:r>
+          </a:p>
+        </p:txBody>
+      </p:sp>
+      <p:sp>
+        <p:nvSpPr>
+          <p:cNvPr id="3" name="TextBox 2"/>
+          <p:cNvSpPr txBox="1"/>
+          <p:nvPr/>
+        </p:nvSpPr>
+        <p:spPr>
+          <a:xfrm>
+            <a:off x="462987" y="1365813"/>
+            <a:ext cx="10017444" cy="954107"/>
+          </a:xfrm>
+          <a:prstGeom prst="rect">
+            <a:avLst/>
+          </a:prstGeom>
+          <a:noFill/>
+        </p:spPr>
+        <p:txBody>
+          <a:bodyPr wrap="square" rtlCol="0">
+            <a:spAutoFit/>
+          </a:bodyPr>
+          <a:lstStyle/>
+          <a:p>
+            <a:pPr marL="285750" indent="-285750">
+              <a:buFont typeface="Arial" panose="020B0604020202020204" pitchFamily="34" charset="0"/>
+              <a:buChar char="•"/>
+            </a:pPr>
+            <a:r>
+              <a:rPr lang="en-US" sz="2800" dirty="0">
+                <a:solidFill>
+                  <a:srgbClr val="707070"/>
+                </a:solidFill>
+                <a:latin typeface="Pragmatica" panose="020B0403040502020204" pitchFamily="34" charset="0"/>
+              </a:rPr>
+              <a:t>Download resources: </a:t>
+            </a:r>
+            <a:r>
+              <a:rPr lang="en-US" sz="2800" dirty="0">
+                <a:solidFill>
+                  <a:srgbClr val="707070"/>
+                </a:solidFill>
+                <a:latin typeface="Pragmatica" panose="020B0403040502020204" pitchFamily="34" charset="0"/>
+                <a:hlinkClick r:id="rId4"/>
+              </a:rPr>
+              <a:t>https://github.com/stringfestdata/aina-foundations-of-analytics</a:t>
+            </a:r>
+            <a:r>
+              <a:rPr lang="en-US" sz="2800" dirty="0">
+                <a:solidFill>
+                  <a:srgbClr val="707070"/>
+                </a:solidFill>
+                <a:latin typeface="Pragmatica" panose="020B0403040502020204" pitchFamily="34" charset="0"/>
+              </a:rPr>
+              <a:t>  </a:t>
+            </a:r>
+          </a:p>
+        </p:txBody>
+      </p:sp>
+      <p:pic>
+        <p:nvPicPr>
+          <p:cNvPr id="7" name="Picture 6">
+            <a:extLst>
+              <a:ext uri="{FF2B5EF4-FFF2-40B4-BE49-F238E27FC236}">
+                <a16:creationId xmlns:a16="http://schemas.microsoft.com/office/drawing/2014/main" id="{69B55072-3A57-4C40-B683-03CEE53F4081}"/>
+              </a:ext>
+            </a:extLst>
+          </p:cNvPr>
+          <p:cNvPicPr>
+            <a:picLocks noChangeAspect="1"/>
+          </p:cNvPicPr>
+          <p:nvPr/>
+        </p:nvPicPr>
+        <p:blipFill>
+          <a:blip r:embed="rId5"/>
+          <a:stretch>
+            <a:fillRect/>
+          </a:stretch>
+        </p:blipFill>
+        <p:spPr>
+          <a:xfrm>
+            <a:off x="3165229" y="2598066"/>
+            <a:ext cx="7990178" cy="3880030"/>
+          </a:xfrm>
+          <a:prstGeom prst="rect">
+            <a:avLst/>
+          </a:prstGeom>
+        </p:spPr>
+      </p:pic>
+    </p:spTree>
+    <p:extLst>
+      <p:ext uri="{BB962C8B-B14F-4D97-AF65-F5344CB8AC3E}">
+        <p14:creationId xmlns:p14="http://schemas.microsoft.com/office/powerpoint/2010/main" val="4141627579"/>
+      </p:ext>
+    </p:extLst>
+  </p:cSld>
+  <p:clrMapOvr>
+    <a:masterClrMapping/>
+  </p:clrMapOvr>
+</p:sld>
+</file>
+
+<file path=ppt/slides/slide30.xml><?xml version="1.0" encoding="utf-8"?>
+<p:sld xmlns:a="http://schemas.openxmlformats.org/drawingml/2006/main" xmlns:r="http://schemas.openxmlformats.org/officeDocument/2006/relationships" xmlns:p="http://schemas.openxmlformats.org/presentationml/2006/main">
+  <p:cSld>
+    <p:spTree>
+      <p:nvGrpSpPr>
+        <p:cNvPr id="1" name=""/>
+        <p:cNvGrpSpPr/>
+        <p:nvPr/>
+      </p:nvGrpSpPr>
+      <p:grpSpPr>
+        <a:xfrm>
+          <a:off x="0" y="0"/>
+          <a:ext cx="0" cy="0"/>
+          <a:chOff x="0" y="0"/>
+          <a:chExt cx="0" cy="0"/>
+        </a:xfrm>
+      </p:grpSpPr>
+      <p:pic>
+        <p:nvPicPr>
+          <p:cNvPr id="10" name="Picture 9"/>
+          <p:cNvPicPr>
+            <a:picLocks noChangeAspect="1"/>
+          </p:cNvPicPr>
+          <p:nvPr/>
+        </p:nvPicPr>
+        <p:blipFill rotWithShape="1">
+          <a:blip r:embed="rId3">
+            <a:extLst>
+              <a:ext uri="{28A0092B-C50C-407E-A947-70E740481C1C}">
+                <a14:useLocalDpi xmlns:a14="http://schemas.microsoft.com/office/drawing/2010/main" val="0"/>
+              </a:ext>
+            </a:extLst>
+          </a:blip>
+          <a:srcRect l="50728" t="56371"/>
+          <a:stretch/>
+        </p:blipFill>
+        <p:spPr>
+          <a:xfrm>
+            <a:off x="10894024" y="5370653"/>
+            <a:ext cx="1297975" cy="1487348"/>
+          </a:xfrm>
+          <a:prstGeom prst="rect">
+            <a:avLst/>
+          </a:prstGeom>
+        </p:spPr>
+      </p:pic>
+      <p:sp>
+        <p:nvSpPr>
+          <p:cNvPr id="11" name="TextBox 10"/>
+          <p:cNvSpPr txBox="1"/>
+          <p:nvPr/>
+        </p:nvSpPr>
+        <p:spPr>
+          <a:xfrm>
+            <a:off x="347240" y="113388"/>
+            <a:ext cx="11668986" cy="1015663"/>
+          </a:xfrm>
+          <a:prstGeom prst="rect">
+            <a:avLst/>
+          </a:prstGeom>
+          <a:noFill/>
+        </p:spPr>
+        <p:txBody>
+          <a:bodyPr wrap="square" rtlCol="0">
+            <a:spAutoFit/>
+          </a:bodyPr>
+          <a:lstStyle/>
+          <a:p>
+            <a:r>
+              <a:rPr lang="en-US" sz="6000" dirty="0">
+                <a:latin typeface="Aliens &amp; cows" panose="00000500000000000000" pitchFamily="2" charset="0"/>
+              </a:rPr>
+              <a:t>What test for what variables?</a:t>
             </a:r>
           </a:p>
         </p:txBody>
@@ -10845,13 +12700,7 @@
           <p:cNvGraphicFramePr>
             <a:graphicFrameLocks noGrp="1"/>
           </p:cNvGraphicFramePr>
-          <p:nvPr>
-            <p:extLst>
-              <p:ext uri="{D42A27DB-BD31-4B8C-83A1-F6EECF244321}">
-                <p14:modId xmlns:p14="http://schemas.microsoft.com/office/powerpoint/2010/main" val="3693831026"/>
-              </p:ext>
-            </p:extLst>
-          </p:nvPr>
+          <p:nvPr/>
         </p:nvGraphicFramePr>
         <p:xfrm>
           <a:off x="734601" y="1602678"/>
@@ -12252,7 +14101,7 @@
     </p:spTree>
     <p:extLst>
       <p:ext uri="{BB962C8B-B14F-4D97-AF65-F5344CB8AC3E}">
-        <p14:creationId xmlns:p14="http://schemas.microsoft.com/office/powerpoint/2010/main" val="3896640946"/>
+        <p14:creationId xmlns:p14="http://schemas.microsoft.com/office/powerpoint/2010/main" val="1297766654"/>
       </p:ext>
     </p:extLst>
   </p:cSld>
@@ -12262,7 +14111,484 @@
 </p:sld>
 </file>
 
-<file path=ppt/slides/slide3.xml><?xml version="1.0" encoding="utf-8"?>
+<file path=ppt/slides/slide31.xml><?xml version="1.0" encoding="utf-8"?>
+<p:sld xmlns:a="http://schemas.openxmlformats.org/drawingml/2006/main" xmlns:r="http://schemas.openxmlformats.org/officeDocument/2006/relationships" xmlns:p="http://schemas.openxmlformats.org/presentationml/2006/main">
+  <p:cSld>
+    <p:spTree>
+      <p:nvGrpSpPr>
+        <p:cNvPr id="1" name=""/>
+        <p:cNvGrpSpPr/>
+        <p:nvPr/>
+      </p:nvGrpSpPr>
+      <p:grpSpPr>
+        <a:xfrm>
+          <a:off x="0" y="0"/>
+          <a:ext cx="0" cy="0"/>
+          <a:chOff x="0" y="0"/>
+          <a:chExt cx="0" cy="0"/>
+        </a:xfrm>
+      </p:grpSpPr>
+      <p:sp>
+        <p:nvSpPr>
+          <p:cNvPr id="4" name="Rectangle 3"/>
+          <p:cNvSpPr/>
+          <p:nvPr/>
+        </p:nvSpPr>
+        <p:spPr>
+          <a:xfrm>
+            <a:off x="6574420" y="0"/>
+            <a:ext cx="5617580" cy="6858000"/>
+          </a:xfrm>
+          <a:prstGeom prst="rect">
+            <a:avLst/>
+          </a:prstGeom>
+          <a:solidFill>
+            <a:srgbClr val="CF3338"/>
+          </a:solidFill>
+        </p:spPr>
+        <p:style>
+          <a:lnRef idx="2">
+            <a:schemeClr val="accent1">
+              <a:shade val="50000"/>
+            </a:schemeClr>
+          </a:lnRef>
+          <a:fillRef idx="1">
+            <a:schemeClr val="accent1"/>
+          </a:fillRef>
+          <a:effectRef idx="0">
+            <a:schemeClr val="accent1"/>
+          </a:effectRef>
+          <a:fontRef idx="minor">
+            <a:schemeClr val="lt1"/>
+          </a:fontRef>
+        </p:style>
+        <p:txBody>
+          <a:bodyPr rtlCol="0" anchor="ctr"/>
+          <a:lstStyle/>
+          <a:p>
+            <a:pPr algn="ctr"/>
+            <a:endParaRPr lang="en-US"/>
+          </a:p>
+        </p:txBody>
+      </p:sp>
+      <p:sp>
+        <p:nvSpPr>
+          <p:cNvPr id="5" name="TextBox 4"/>
+          <p:cNvSpPr txBox="1"/>
+          <p:nvPr/>
+        </p:nvSpPr>
+        <p:spPr>
+          <a:xfrm>
+            <a:off x="6817489" y="0"/>
+            <a:ext cx="4120587" cy="1446550"/>
+          </a:xfrm>
+          <a:prstGeom prst="rect">
+            <a:avLst/>
+          </a:prstGeom>
+          <a:noFill/>
+        </p:spPr>
+        <p:txBody>
+          <a:bodyPr wrap="square" rtlCol="0">
+            <a:spAutoFit/>
+          </a:bodyPr>
+          <a:lstStyle/>
+          <a:p>
+            <a:r>
+              <a:rPr lang="en-US" sz="8800" dirty="0">
+                <a:solidFill>
+                  <a:schemeClr val="bg1"/>
+                </a:solidFill>
+                <a:latin typeface="Aliens &amp; cows" panose="00000500000000000000" pitchFamily="2" charset="0"/>
+              </a:rPr>
+              <a:t>Demo</a:t>
+            </a:r>
+          </a:p>
+        </p:txBody>
+      </p:sp>
+      <p:pic>
+        <p:nvPicPr>
+          <p:cNvPr id="2" name="Picture 1"/>
+          <p:cNvPicPr>
+            <a:picLocks noChangeAspect="1"/>
+          </p:cNvPicPr>
+          <p:nvPr/>
+        </p:nvPicPr>
+        <p:blipFill rotWithShape="1">
+          <a:blip r:embed="rId3">
+            <a:extLst>
+              <a:ext uri="{28A0092B-C50C-407E-A947-70E740481C1C}">
+                <a14:useLocalDpi xmlns:a14="http://schemas.microsoft.com/office/drawing/2010/main" val="0"/>
+              </a:ext>
+            </a:extLst>
+          </a:blip>
+          <a:srcRect l="69227" t="33418" r="20112" b="50548"/>
+          <a:stretch/>
+        </p:blipFill>
+        <p:spPr>
+          <a:xfrm>
+            <a:off x="10386349" y="5029795"/>
+            <a:ext cx="1805651" cy="1991719"/>
+          </a:xfrm>
+          <a:prstGeom prst="rect">
+            <a:avLst/>
+          </a:prstGeom>
+        </p:spPr>
+      </p:pic>
+      <p:sp>
+        <p:nvSpPr>
+          <p:cNvPr id="3" name="TextBox 2"/>
+          <p:cNvSpPr txBox="1"/>
+          <p:nvPr/>
+        </p:nvSpPr>
+        <p:spPr>
+          <a:xfrm>
+            <a:off x="173620" y="219919"/>
+            <a:ext cx="5937813" cy="2246769"/>
+          </a:xfrm>
+          <a:prstGeom prst="rect">
+            <a:avLst/>
+          </a:prstGeom>
+          <a:noFill/>
+        </p:spPr>
+        <p:txBody>
+          <a:bodyPr wrap="square" rtlCol="0">
+            <a:spAutoFit/>
+          </a:bodyPr>
+          <a:lstStyle/>
+          <a:p>
+            <a:r>
+              <a:rPr lang="en-US" sz="2800" b="1" dirty="0">
+                <a:solidFill>
+                  <a:srgbClr val="CF3338"/>
+                </a:solidFill>
+                <a:latin typeface="Pragmatica" pitchFamily="2" charset="0"/>
+              </a:rPr>
+              <a:t>File: </a:t>
+            </a:r>
+            <a:r>
+              <a:rPr lang="en-US" sz="2800" b="1" dirty="0">
+                <a:solidFill>
+                  <a:srgbClr val="CF3338"/>
+                </a:solidFill>
+                <a:latin typeface="Consolas" panose="020B0609020204030204" pitchFamily="49" charset="0"/>
+              </a:rPr>
+              <a:t>datasets/computers.xlsx</a:t>
+            </a:r>
+          </a:p>
+          <a:p>
+            <a:endParaRPr lang="en-US" sz="2800" b="1" dirty="0">
+              <a:solidFill>
+                <a:srgbClr val="CF3338"/>
+              </a:solidFill>
+              <a:latin typeface="Consolas" panose="020B0609020204030204" pitchFamily="49" charset="0"/>
+            </a:endParaRPr>
+          </a:p>
+          <a:p>
+            <a:pPr marL="457200" indent="-457200">
+              <a:buFont typeface="Arial" panose="020B0604020202020204" pitchFamily="34" charset="0"/>
+              <a:buChar char="•"/>
+            </a:pPr>
+            <a:r>
+              <a:rPr lang="en-US" sz="2800" b="1" dirty="0">
+                <a:solidFill>
+                  <a:srgbClr val="CF3338"/>
+                </a:solidFill>
+                <a:latin typeface="Pragmatica" panose="020B0403040502020204"/>
+              </a:rPr>
+              <a:t>Is there a difference in price of computers with and without a CD-ROM? </a:t>
+            </a:r>
+          </a:p>
+        </p:txBody>
+      </p:sp>
+    </p:spTree>
+    <p:extLst>
+      <p:ext uri="{BB962C8B-B14F-4D97-AF65-F5344CB8AC3E}">
+        <p14:creationId xmlns:p14="http://schemas.microsoft.com/office/powerpoint/2010/main" val="923315863"/>
+      </p:ext>
+    </p:extLst>
+  </p:cSld>
+  <p:clrMapOvr>
+    <a:masterClrMapping/>
+  </p:clrMapOvr>
+</p:sld>
+</file>
+
+<file path=ppt/slides/slide32.xml><?xml version="1.0" encoding="utf-8"?>
+<p:sld xmlns:a="http://schemas.openxmlformats.org/drawingml/2006/main" xmlns:r="http://schemas.openxmlformats.org/officeDocument/2006/relationships" xmlns:p="http://schemas.openxmlformats.org/presentationml/2006/main">
+  <p:cSld>
+    <p:spTree>
+      <p:nvGrpSpPr>
+        <p:cNvPr id="1" name=""/>
+        <p:cNvGrpSpPr/>
+        <p:nvPr/>
+      </p:nvGrpSpPr>
+      <p:grpSpPr>
+        <a:xfrm>
+          <a:off x="0" y="0"/>
+          <a:ext cx="0" cy="0"/>
+          <a:chOff x="0" y="0"/>
+          <a:chExt cx="0" cy="0"/>
+        </a:xfrm>
+      </p:grpSpPr>
+      <p:pic>
+        <p:nvPicPr>
+          <p:cNvPr id="10" name="Picture 9"/>
+          <p:cNvPicPr>
+            <a:picLocks noChangeAspect="1"/>
+          </p:cNvPicPr>
+          <p:nvPr/>
+        </p:nvPicPr>
+        <p:blipFill rotWithShape="1">
+          <a:blip r:embed="rId2">
+            <a:extLst>
+              <a:ext uri="{28A0092B-C50C-407E-A947-70E740481C1C}">
+                <a14:useLocalDpi xmlns:a14="http://schemas.microsoft.com/office/drawing/2010/main" val="0"/>
+              </a:ext>
+            </a:extLst>
+          </a:blip>
+          <a:srcRect l="50728" t="56371"/>
+          <a:stretch/>
+        </p:blipFill>
+        <p:spPr>
+          <a:xfrm>
+            <a:off x="10894024" y="5370653"/>
+            <a:ext cx="1297975" cy="1487348"/>
+          </a:xfrm>
+          <a:prstGeom prst="rect">
+            <a:avLst/>
+          </a:prstGeom>
+        </p:spPr>
+      </p:pic>
+      <p:sp>
+        <p:nvSpPr>
+          <p:cNvPr id="11" name="TextBox 10"/>
+          <p:cNvSpPr txBox="1"/>
+          <p:nvPr/>
+        </p:nvSpPr>
+        <p:spPr>
+          <a:xfrm>
+            <a:off x="347240" y="113388"/>
+            <a:ext cx="9799937" cy="1938992"/>
+          </a:xfrm>
+          <a:prstGeom prst="rect">
+            <a:avLst/>
+          </a:prstGeom>
+          <a:noFill/>
+        </p:spPr>
+        <p:txBody>
+          <a:bodyPr wrap="square" rtlCol="0">
+            <a:spAutoFit/>
+          </a:bodyPr>
+          <a:lstStyle/>
+          <a:p>
+            <a:r>
+              <a:rPr lang="en-US" sz="6000" dirty="0">
+                <a:latin typeface="Aliens &amp; cows" panose="00000500000000000000" pitchFamily="2" charset="0"/>
+              </a:rPr>
+              <a:t>What makes for compelling analytics?</a:t>
+            </a:r>
+          </a:p>
+        </p:txBody>
+      </p:sp>
+      <p:sp>
+        <p:nvSpPr>
+          <p:cNvPr id="3" name="TextBox 2"/>
+          <p:cNvSpPr txBox="1"/>
+          <p:nvPr/>
+        </p:nvSpPr>
+        <p:spPr>
+          <a:xfrm>
+            <a:off x="585297" y="2521059"/>
+            <a:ext cx="6636716" cy="3108543"/>
+          </a:xfrm>
+          <a:prstGeom prst="rect">
+            <a:avLst/>
+          </a:prstGeom>
+          <a:noFill/>
+        </p:spPr>
+        <p:txBody>
+          <a:bodyPr wrap="square" rtlCol="0">
+            <a:spAutoFit/>
+          </a:bodyPr>
+          <a:lstStyle/>
+          <a:p>
+            <a:pPr marL="285750" indent="-285750">
+              <a:buFont typeface="Arial" panose="020B0604020202020204" pitchFamily="34" charset="0"/>
+              <a:buChar char="•"/>
+            </a:pPr>
+            <a:r>
+              <a:rPr lang="en-US" sz="2800" dirty="0">
+                <a:solidFill>
+                  <a:srgbClr val="707070"/>
+                </a:solidFill>
+                <a:latin typeface="Pragmatica" panose="020B0403040502020204" pitchFamily="34" charset="0"/>
+              </a:rPr>
+              <a:t>What does your audience assume to be true?</a:t>
+            </a:r>
+          </a:p>
+          <a:p>
+            <a:pPr marL="742950" lvl="1" indent="-285750">
+              <a:buFont typeface="Arial" panose="020B0604020202020204" pitchFamily="34" charset="0"/>
+              <a:buChar char="•"/>
+            </a:pPr>
+            <a:r>
+              <a:rPr lang="en-US" sz="2800" dirty="0">
+                <a:solidFill>
+                  <a:srgbClr val="707070"/>
+                </a:solidFill>
+                <a:latin typeface="Pragmatica" panose="020B0403040502020204" pitchFamily="34" charset="0"/>
+              </a:rPr>
+              <a:t>What if they’re wrong? </a:t>
+            </a:r>
+          </a:p>
+          <a:p>
+            <a:pPr marL="285750" indent="-285750">
+              <a:buFont typeface="Arial" panose="020B0604020202020204" pitchFamily="34" charset="0"/>
+              <a:buChar char="•"/>
+            </a:pPr>
+            <a:r>
+              <a:rPr lang="en-US" sz="2800" dirty="0">
+                <a:solidFill>
+                  <a:srgbClr val="707070"/>
+                </a:solidFill>
+                <a:latin typeface="Pragmatica" panose="020B0403040502020204" pitchFamily="34" charset="0"/>
+              </a:rPr>
+              <a:t>What myths can you bust? </a:t>
+            </a:r>
+          </a:p>
+          <a:p>
+            <a:pPr marL="285750" indent="-285750">
+              <a:buFont typeface="Arial" panose="020B0604020202020204" pitchFamily="34" charset="0"/>
+              <a:buChar char="•"/>
+            </a:pPr>
+            <a:r>
+              <a:rPr lang="en-US" sz="2800" dirty="0">
+                <a:solidFill>
+                  <a:srgbClr val="707070"/>
+                </a:solidFill>
+                <a:latin typeface="Pragmatica" panose="020B0403040502020204" pitchFamily="34" charset="0"/>
+              </a:rPr>
+              <a:t>What urban legends can you tame? </a:t>
+            </a:r>
+          </a:p>
+          <a:p>
+            <a:pPr marL="285750" indent="-285750">
+              <a:buFont typeface="Arial" panose="020B0604020202020204" pitchFamily="34" charset="0"/>
+              <a:buChar char="•"/>
+            </a:pPr>
+            <a:endParaRPr lang="en-US" sz="2800" dirty="0">
+              <a:solidFill>
+                <a:srgbClr val="707070"/>
+              </a:solidFill>
+              <a:latin typeface="Pragmatica" panose="020B0403040502020204" pitchFamily="34" charset="0"/>
+            </a:endParaRPr>
+          </a:p>
+          <a:p>
+            <a:endParaRPr lang="en-US" sz="2800" dirty="0">
+              <a:solidFill>
+                <a:srgbClr val="707070"/>
+              </a:solidFill>
+              <a:latin typeface="Pragmatica" panose="020B0403040502020204" pitchFamily="34" charset="0"/>
+            </a:endParaRPr>
+          </a:p>
+        </p:txBody>
+      </p:sp>
+      <p:pic>
+        <p:nvPicPr>
+          <p:cNvPr id="7170" name="Picture 2" descr="MythBusters">
+            <a:extLst>
+              <a:ext uri="{FF2B5EF4-FFF2-40B4-BE49-F238E27FC236}">
+                <a16:creationId xmlns:a16="http://schemas.microsoft.com/office/drawing/2014/main" id="{776DF0ED-E95E-4816-B3F9-89D18B8F64B0}"/>
+              </a:ext>
+            </a:extLst>
+          </p:cNvPr>
+          <p:cNvPicPr>
+            <a:picLocks noChangeAspect="1" noChangeArrowheads="1"/>
+          </p:cNvPicPr>
+          <p:nvPr/>
+        </p:nvPicPr>
+        <p:blipFill>
+          <a:blip r:embed="rId3">
+            <a:extLst>
+              <a:ext uri="{28A0092B-C50C-407E-A947-70E740481C1C}">
+                <a14:useLocalDpi xmlns:a14="http://schemas.microsoft.com/office/drawing/2010/main" val="0"/>
+              </a:ext>
+            </a:extLst>
+          </a:blip>
+          <a:srcRect/>
+          <a:stretch>
+            <a:fillRect/>
+          </a:stretch>
+        </p:blipFill>
+        <p:spPr bwMode="auto">
+          <a:xfrm>
+            <a:off x="7433746" y="2521059"/>
+            <a:ext cx="4389387" cy="2311744"/>
+          </a:xfrm>
+          <a:prstGeom prst="rect">
+            <a:avLst/>
+          </a:prstGeom>
+          <a:noFill/>
+          <a:extLst>
+            <a:ext uri="{909E8E84-426E-40DD-AFC4-6F175D3DCCD1}">
+              <a14:hiddenFill xmlns:a14="http://schemas.microsoft.com/office/drawing/2010/main">
+                <a:solidFill>
+                  <a:srgbClr val="FFFFFF"/>
+                </a:solidFill>
+              </a14:hiddenFill>
+            </a:ext>
+          </a:extLst>
+        </p:spPr>
+      </p:pic>
+      <p:sp>
+        <p:nvSpPr>
+          <p:cNvPr id="9" name="TextBox 8">
+            <a:extLst>
+              <a:ext uri="{FF2B5EF4-FFF2-40B4-BE49-F238E27FC236}">
+                <a16:creationId xmlns:a16="http://schemas.microsoft.com/office/drawing/2014/main" id="{758C257D-EC85-45C7-B18F-8A58F88A3275}"/>
+              </a:ext>
+            </a:extLst>
+          </p:cNvPr>
+          <p:cNvSpPr txBox="1"/>
+          <p:nvPr/>
+        </p:nvSpPr>
+        <p:spPr>
+          <a:xfrm>
+            <a:off x="0" y="6375280"/>
+            <a:ext cx="9567711" cy="369332"/>
+          </a:xfrm>
+          <a:prstGeom prst="rect">
+            <a:avLst/>
+          </a:prstGeom>
+          <a:noFill/>
+        </p:spPr>
+        <p:txBody>
+          <a:bodyPr wrap="square">
+            <a:spAutoFit/>
+          </a:bodyPr>
+          <a:lstStyle/>
+          <a:p>
+            <a:r>
+              <a:rPr lang="en-US" dirty="0"/>
+              <a:t>https://corporate.discovery.com/blog/2016/03/01/mythbusters-goes-out-with-a-bang/</a:t>
+            </a:r>
+          </a:p>
+        </p:txBody>
+      </p:sp>
+    </p:spTree>
+    <p:extLst>
+      <p:ext uri="{BB962C8B-B14F-4D97-AF65-F5344CB8AC3E}">
+        <p14:creationId xmlns:p14="http://schemas.microsoft.com/office/powerpoint/2010/main" val="4219004517"/>
+      </p:ext>
+    </p:extLst>
+  </p:cSld>
+  <p:clrMapOvr>
+    <a:masterClrMapping/>
+  </p:clrMapOvr>
+</p:sld>
+</file>
+
+<file path=ppt/slides/slide33.xml><?xml version="1.0" encoding="utf-8"?>
 <p:sld xmlns:a="http://schemas.openxmlformats.org/drawingml/2006/main" xmlns:r="http://schemas.openxmlformats.org/officeDocument/2006/relationships" xmlns:p="http://schemas.openxmlformats.org/presentationml/2006/main">
   <p:cSld>
     <p:spTree>
@@ -12317,7 +14643,7 @@
         <p:spPr>
           <a:xfrm>
             <a:off x="347240" y="113388"/>
-            <a:ext cx="9799937" cy="1015663"/>
+            <a:ext cx="10642813" cy="1015663"/>
           </a:xfrm>
           <a:prstGeom prst="rect">
             <a:avLst/>
@@ -12334,21 +14660,152 @@
               <a:rPr lang="en-US" sz="6000" dirty="0">
                 <a:latin typeface="Aliens &amp; cows" panose="00000500000000000000" pitchFamily="2" charset="0"/>
               </a:rPr>
-              <a:t>Follow along</a:t>
-            </a:r>
-          </a:p>
-        </p:txBody>
-      </p:sp>
-      <p:sp>
-        <p:nvSpPr>
-          <p:cNvPr id="3" name="TextBox 2"/>
+              <a:t>What all analytics has in common</a:t>
+            </a:r>
+          </a:p>
+        </p:txBody>
+      </p:sp>
+      <p:pic>
+        <p:nvPicPr>
+          <p:cNvPr id="4098" name="Picture 2">
+            <a:extLst>
+              <a:ext uri="{FF2B5EF4-FFF2-40B4-BE49-F238E27FC236}">
+                <a16:creationId xmlns:a16="http://schemas.microsoft.com/office/drawing/2014/main" id="{DEA68B68-F177-4BF6-8F4C-C955FD9CFB92}"/>
+              </a:ext>
+            </a:extLst>
+          </p:cNvPr>
+          <p:cNvPicPr>
+            <a:picLocks noChangeAspect="1" noChangeArrowheads="1"/>
+          </p:cNvPicPr>
+          <p:nvPr/>
+        </p:nvPicPr>
+        <p:blipFill>
+          <a:blip r:embed="rId4">
+            <a:extLst>
+              <a:ext uri="{28A0092B-C50C-407E-A947-70E740481C1C}">
+                <a14:useLocalDpi xmlns:a14="http://schemas.microsoft.com/office/drawing/2010/main" val="0"/>
+              </a:ext>
+            </a:extLst>
+          </a:blip>
+          <a:srcRect/>
+          <a:stretch>
+            <a:fillRect/>
+          </a:stretch>
+        </p:blipFill>
+        <p:spPr bwMode="auto">
+          <a:xfrm>
+            <a:off x="1629576" y="2655669"/>
+            <a:ext cx="8078139" cy="2968755"/>
+          </a:xfrm>
+          <a:prstGeom prst="rect">
+            <a:avLst/>
+          </a:prstGeom>
+          <a:noFill/>
+          <a:extLst>
+            <a:ext uri="{909E8E84-426E-40DD-AFC4-6F175D3DCCD1}">
+              <a14:hiddenFill xmlns:a14="http://schemas.microsoft.com/office/drawing/2010/main">
+                <a:solidFill>
+                  <a:srgbClr val="FFFFFF"/>
+                </a:solidFill>
+              </a14:hiddenFill>
+            </a:ext>
+          </a:extLst>
+        </p:spPr>
+      </p:pic>
+      <p:cxnSp>
+        <p:nvCxnSpPr>
+          <p:cNvPr id="3" name="Straight Arrow Connector 2">
+            <a:extLst>
+              <a:ext uri="{FF2B5EF4-FFF2-40B4-BE49-F238E27FC236}">
+                <a16:creationId xmlns:a16="http://schemas.microsoft.com/office/drawing/2014/main" id="{4555FBD0-2294-40AE-901B-29938B846DEE}"/>
+              </a:ext>
+            </a:extLst>
+          </p:cNvPr>
+          <p:cNvCxnSpPr/>
+          <p:nvPr/>
+        </p:nvCxnSpPr>
+        <p:spPr>
+          <a:xfrm flipV="1">
+            <a:off x="6464060" y="2265872"/>
+            <a:ext cx="195532" cy="787879"/>
+          </a:xfrm>
+          <a:prstGeom prst="straightConnector1">
+            <a:avLst/>
+          </a:prstGeom>
+          <a:ln w="28575">
+            <a:tailEnd type="triangle"/>
+          </a:ln>
+        </p:spPr>
+        <p:style>
+          <a:lnRef idx="1">
+            <a:schemeClr val="accent1"/>
+          </a:lnRef>
+          <a:fillRef idx="0">
+            <a:schemeClr val="accent1"/>
+          </a:fillRef>
+          <a:effectRef idx="0">
+            <a:schemeClr val="accent1"/>
+          </a:effectRef>
+          <a:fontRef idx="minor">
+            <a:schemeClr val="tx1"/>
+          </a:fontRef>
+        </p:style>
+      </p:cxnSp>
+      <p:cxnSp>
+        <p:nvCxnSpPr>
+          <p:cNvPr id="5" name="Straight Arrow Connector 4">
+            <a:extLst>
+              <a:ext uri="{FF2B5EF4-FFF2-40B4-BE49-F238E27FC236}">
+                <a16:creationId xmlns:a16="http://schemas.microsoft.com/office/drawing/2014/main" id="{91227B40-8EB4-4739-A24C-EF52FC202D18}"/>
+              </a:ext>
+            </a:extLst>
+          </p:cNvPr>
+          <p:cNvCxnSpPr/>
+          <p:nvPr/>
+        </p:nvCxnSpPr>
+        <p:spPr>
+          <a:xfrm>
+            <a:off x="6464060" y="4756030"/>
+            <a:ext cx="414068" cy="1098430"/>
+          </a:xfrm>
+          <a:prstGeom prst="straightConnector1">
+            <a:avLst/>
+          </a:prstGeom>
+          <a:ln w="28575">
+            <a:tailEnd type="triangle"/>
+          </a:ln>
+        </p:spPr>
+        <p:style>
+          <a:lnRef idx="1">
+            <a:schemeClr val="accent1"/>
+          </a:lnRef>
+          <a:fillRef idx="0">
+            <a:schemeClr val="accent1"/>
+          </a:fillRef>
+          <a:effectRef idx="0">
+            <a:schemeClr val="accent1"/>
+          </a:effectRef>
+          <a:fontRef idx="minor">
+            <a:schemeClr val="tx1"/>
+          </a:fontRef>
+        </p:style>
+      </p:cxnSp>
+      <p:sp>
+        <p:nvSpPr>
+          <p:cNvPr id="9" name="TextBox 8">
+            <a:extLst>
+              <a:ext uri="{FF2B5EF4-FFF2-40B4-BE49-F238E27FC236}">
+                <a16:creationId xmlns:a16="http://schemas.microsoft.com/office/drawing/2014/main" id="{D74BB71F-0069-4B47-9912-1534ADA35C5E}"/>
+              </a:ext>
+            </a:extLst>
+          </p:cNvPr>
           <p:cNvSpPr txBox="1"/>
           <p:nvPr/>
         </p:nvSpPr>
         <p:spPr>
           <a:xfrm>
-            <a:off x="462987" y="1365813"/>
-            <a:ext cx="10017444" cy="954107"/>
+            <a:off x="5724372" y="1927318"/>
+            <a:ext cx="3045817" cy="338554"/>
           </a:xfrm>
           <a:prstGeom prst="rect">
             <a:avLst/>
@@ -12361,47 +14818,271 @@
           </a:bodyPr>
           <a:lstStyle/>
           <a:p>
-            <a:pPr marL="285750" indent="-285750">
-              <a:buFont typeface="Arial" panose="020B0604020202020204" pitchFamily="34" charset="0"/>
-              <a:buChar char="•"/>
+            <a:pPr>
+              <a:buClr>
+                <a:srgbClr val="CF3338"/>
+              </a:buClr>
             </a:pPr>
             <a:r>
-              <a:rPr lang="en-US" sz="2800" dirty="0">
+              <a:rPr lang="en-US" sz="1600" b="1" dirty="0">
                 <a:solidFill>
                   <a:srgbClr val="707070"/>
                 </a:solidFill>
-                <a:latin typeface="Pragmatica" panose="020B0403040502020204" pitchFamily="34" charset="0"/>
-              </a:rPr>
-              <a:t>Download resources: </a:t>
-            </a:r>
-            <a:r>
-              <a:rPr lang="en-US" sz="2800" dirty="0">
+                <a:latin typeface="Pragmatica" panose="020B0403040502020204"/>
+              </a:rPr>
+              <a:t>Surprises, but doesn’t scale</a:t>
+            </a:r>
+          </a:p>
+        </p:txBody>
+      </p:sp>
+      <p:sp>
+        <p:nvSpPr>
+          <p:cNvPr id="12" name="TextBox 11">
+            <a:extLst>
+              <a:ext uri="{FF2B5EF4-FFF2-40B4-BE49-F238E27FC236}">
+                <a16:creationId xmlns:a16="http://schemas.microsoft.com/office/drawing/2014/main" id="{BAAF6C87-A0FF-42D9-BEE2-20127533A1EF}"/>
+              </a:ext>
+            </a:extLst>
+          </p:cNvPr>
+          <p:cNvSpPr txBox="1"/>
+          <p:nvPr/>
+        </p:nvSpPr>
+        <p:spPr>
+          <a:xfrm>
+            <a:off x="6561826" y="5945050"/>
+            <a:ext cx="3045817" cy="338554"/>
+          </a:xfrm>
+          <a:prstGeom prst="rect">
+            <a:avLst/>
+          </a:prstGeom>
+          <a:noFill/>
+        </p:spPr>
+        <p:txBody>
+          <a:bodyPr wrap="square" rtlCol="0">
+            <a:spAutoFit/>
+          </a:bodyPr>
+          <a:lstStyle/>
+          <a:p>
+            <a:pPr>
+              <a:buClr>
+                <a:srgbClr val="CF3338"/>
+              </a:buClr>
+            </a:pPr>
+            <a:r>
+              <a:rPr lang="en-US" sz="1600" b="1" dirty="0">
                 <a:solidFill>
                   <a:srgbClr val="707070"/>
                 </a:solidFill>
-                <a:latin typeface="Pragmatica" panose="020B0403040502020204" pitchFamily="34" charset="0"/>
-                <a:hlinkClick r:id="rId4"/>
-              </a:rPr>
-              <a:t>https://github.com/stringfestdata/aina-foundations-of-analytics</a:t>
-            </a:r>
-            <a:r>
-              <a:rPr lang="en-US" sz="2800" dirty="0">
+                <a:latin typeface="Pragmatica" panose="020B0403040502020204"/>
+              </a:rPr>
+              <a:t>Scales, but doesn’t surprise</a:t>
+            </a:r>
+          </a:p>
+        </p:txBody>
+      </p:sp>
+    </p:spTree>
+    <p:extLst>
+      <p:ext uri="{BB962C8B-B14F-4D97-AF65-F5344CB8AC3E}">
+        <p14:creationId xmlns:p14="http://schemas.microsoft.com/office/powerpoint/2010/main" val="227516846"/>
+      </p:ext>
+    </p:extLst>
+  </p:cSld>
+  <p:clrMapOvr>
+    <a:masterClrMapping/>
+  </p:clrMapOvr>
+</p:sld>
+</file>
+
+<file path=ppt/slides/slide34.xml><?xml version="1.0" encoding="utf-8"?>
+<p:sld xmlns:a="http://schemas.openxmlformats.org/drawingml/2006/main" xmlns:r="http://schemas.openxmlformats.org/officeDocument/2006/relationships" xmlns:p="http://schemas.openxmlformats.org/presentationml/2006/main">
+  <p:cSld>
+    <p:spTree>
+      <p:nvGrpSpPr>
+        <p:cNvPr id="1" name=""/>
+        <p:cNvGrpSpPr/>
+        <p:nvPr/>
+      </p:nvGrpSpPr>
+      <p:grpSpPr>
+        <a:xfrm>
+          <a:off x="0" y="0"/>
+          <a:ext cx="0" cy="0"/>
+          <a:chOff x="0" y="0"/>
+          <a:chExt cx="0" cy="0"/>
+        </a:xfrm>
+      </p:grpSpPr>
+      <p:sp>
+        <p:nvSpPr>
+          <p:cNvPr id="4" name="Rectangle 3"/>
+          <p:cNvSpPr/>
+          <p:nvPr/>
+        </p:nvSpPr>
+        <p:spPr>
+          <a:xfrm>
+            <a:off x="0" y="0"/>
+            <a:ext cx="12192000" cy="6858000"/>
+          </a:xfrm>
+          <a:prstGeom prst="rect">
+            <a:avLst/>
+          </a:prstGeom>
+          <a:solidFill>
+            <a:srgbClr val="CF3338"/>
+          </a:solidFill>
+        </p:spPr>
+        <p:style>
+          <a:lnRef idx="2">
+            <a:schemeClr val="accent1">
+              <a:shade val="50000"/>
+            </a:schemeClr>
+          </a:lnRef>
+          <a:fillRef idx="1">
+            <a:schemeClr val="accent1"/>
+          </a:fillRef>
+          <a:effectRef idx="0">
+            <a:schemeClr val="accent1"/>
+          </a:effectRef>
+          <a:fontRef idx="minor">
+            <a:schemeClr val="lt1"/>
+          </a:fontRef>
+        </p:style>
+        <p:txBody>
+          <a:bodyPr rtlCol="0" anchor="ctr"/>
+          <a:lstStyle/>
+          <a:p>
+            <a:pPr algn="ctr"/>
+            <a:endParaRPr lang="en-US"/>
+          </a:p>
+        </p:txBody>
+      </p:sp>
+      <p:sp>
+        <p:nvSpPr>
+          <p:cNvPr id="5" name="TextBox 4"/>
+          <p:cNvSpPr txBox="1"/>
+          <p:nvPr/>
+        </p:nvSpPr>
+        <p:spPr>
+          <a:xfrm>
+            <a:off x="520861" y="393539"/>
+            <a:ext cx="10324617" cy="1107996"/>
+          </a:xfrm>
+          <a:prstGeom prst="rect">
+            <a:avLst/>
+          </a:prstGeom>
+          <a:noFill/>
+        </p:spPr>
+        <p:txBody>
+          <a:bodyPr wrap="square" rtlCol="0">
+            <a:spAutoFit/>
+          </a:bodyPr>
+          <a:lstStyle/>
+          <a:p>
+            <a:r>
+              <a:rPr lang="en-US" sz="6600" b="1" dirty="0">
                 <a:solidFill>
-                  <a:srgbClr val="707070"/>
+                  <a:schemeClr val="bg1"/>
                 </a:solidFill>
-                <a:latin typeface="Pragmatica" panose="020B0403040502020204" pitchFamily="34" charset="0"/>
-              </a:rPr>
-              <a:t>  </a:t>
-            </a:r>
-          </a:p>
-        </p:txBody>
-      </p:sp>
+                <a:latin typeface="Pragmatica" pitchFamily="2" charset="0"/>
+              </a:rPr>
+              <a:t>The future of Excel</a:t>
+            </a:r>
+          </a:p>
+        </p:txBody>
+      </p:sp>
+    </p:spTree>
+    <p:extLst>
+      <p:ext uri="{BB962C8B-B14F-4D97-AF65-F5344CB8AC3E}">
+        <p14:creationId xmlns:p14="http://schemas.microsoft.com/office/powerpoint/2010/main" val="1094087873"/>
+      </p:ext>
+    </p:extLst>
+  </p:cSld>
+  <p:clrMapOvr>
+    <a:masterClrMapping/>
+  </p:clrMapOvr>
+</p:sld>
+</file>
+
+<file path=ppt/slides/slide35.xml><?xml version="1.0" encoding="utf-8"?>
+<p:sld xmlns:a="http://schemas.openxmlformats.org/drawingml/2006/main" xmlns:r="http://schemas.openxmlformats.org/officeDocument/2006/relationships" xmlns:p="http://schemas.openxmlformats.org/presentationml/2006/main">
+  <p:cSld>
+    <p:spTree>
+      <p:nvGrpSpPr>
+        <p:cNvPr id="1" name=""/>
+        <p:cNvGrpSpPr/>
+        <p:nvPr/>
+      </p:nvGrpSpPr>
+      <p:grpSpPr>
+        <a:xfrm>
+          <a:off x="0" y="0"/>
+          <a:ext cx="0" cy="0"/>
+          <a:chOff x="0" y="0"/>
+          <a:chExt cx="0" cy="0"/>
+        </a:xfrm>
+      </p:grpSpPr>
       <p:pic>
         <p:nvPicPr>
-          <p:cNvPr id="7" name="Picture 6">
+          <p:cNvPr id="10" name="Picture 9"/>
+          <p:cNvPicPr>
+            <a:picLocks noChangeAspect="1"/>
+          </p:cNvPicPr>
+          <p:nvPr/>
+        </p:nvPicPr>
+        <p:blipFill rotWithShape="1">
+          <a:blip r:embed="rId3">
+            <a:extLst>
+              <a:ext uri="{28A0092B-C50C-407E-A947-70E740481C1C}">
+                <a14:useLocalDpi xmlns:a14="http://schemas.microsoft.com/office/drawing/2010/main" val="0"/>
+              </a:ext>
+            </a:extLst>
+          </a:blip>
+          <a:srcRect l="50728" t="56371"/>
+          <a:stretch/>
+        </p:blipFill>
+        <p:spPr>
+          <a:xfrm>
+            <a:off x="10894024" y="5370653"/>
+            <a:ext cx="1297975" cy="1487348"/>
+          </a:xfrm>
+          <a:prstGeom prst="rect">
+            <a:avLst/>
+          </a:prstGeom>
+        </p:spPr>
+      </p:pic>
+      <p:sp>
+        <p:nvSpPr>
+          <p:cNvPr id="11" name="TextBox 10"/>
+          <p:cNvSpPr txBox="1"/>
+          <p:nvPr/>
+        </p:nvSpPr>
+        <p:spPr>
+          <a:xfrm>
+            <a:off x="347240" y="113388"/>
+            <a:ext cx="10642813" cy="1015663"/>
+          </a:xfrm>
+          <a:prstGeom prst="rect">
+            <a:avLst/>
+          </a:prstGeom>
+          <a:noFill/>
+        </p:spPr>
+        <p:txBody>
+          <a:bodyPr wrap="square" rtlCol="0">
+            <a:spAutoFit/>
+          </a:bodyPr>
+          <a:lstStyle/>
+          <a:p>
+            <a:r>
+              <a:rPr lang="en-US" sz="6000" dirty="0">
+                <a:latin typeface="Aliens &amp; cows" panose="00000500000000000000" pitchFamily="2" charset="0"/>
+              </a:rPr>
+              <a:t>Data: more than rows and columns</a:t>
+            </a:r>
+          </a:p>
+        </p:txBody>
+      </p:sp>
+      <p:pic>
+        <p:nvPicPr>
+          <p:cNvPr id="4" name="Graphic 3" descr="Table with solid fill">
             <a:extLst>
               <a:ext uri="{FF2B5EF4-FFF2-40B4-BE49-F238E27FC236}">
-                <a16:creationId xmlns:a16="http://schemas.microsoft.com/office/drawing/2014/main" id="{69B55072-3A57-4C40-B683-03CEE53F4081}"/>
+                <a16:creationId xmlns:a16="http://schemas.microsoft.com/office/drawing/2014/main" id="{C7C7AA8B-B9EC-49F4-87D3-C920163C0B9F}"/>
               </a:ext>
             </a:extLst>
           </p:cNvPr>
@@ -12411,15 +15092,221 @@
           <p:nvPr/>
         </p:nvPicPr>
         <p:blipFill>
-          <a:blip r:embed="rId5"/>
+          <a:blip r:embed="rId4">
+            <a:extLst>
+              <a:ext uri="{28A0092B-C50C-407E-A947-70E740481C1C}">
+                <a14:useLocalDpi xmlns:a14="http://schemas.microsoft.com/office/drawing/2010/main" val="0"/>
+              </a:ext>
+              <a:ext uri="{96DAC541-7B7A-43D3-8B79-37D633B846F1}">
+                <asvg:svgBlip xmlns:asvg="http://schemas.microsoft.com/office/drawing/2016/SVG/main" r:embed="rId5"/>
+              </a:ext>
+            </a:extLst>
+          </a:blip>
           <a:stretch>
             <a:fillRect/>
           </a:stretch>
         </p:blipFill>
         <p:spPr>
           <a:xfrm>
-            <a:off x="3165229" y="2598066"/>
-            <a:ext cx="7990178" cy="3880030"/>
+            <a:off x="347240" y="2044225"/>
+            <a:ext cx="3645446" cy="3645446"/>
+          </a:xfrm>
+          <a:prstGeom prst="rect">
+            <a:avLst/>
+          </a:prstGeom>
+        </p:spPr>
+      </p:pic>
+      <p:sp>
+        <p:nvSpPr>
+          <p:cNvPr id="13" name="TextBox 12">
+            <a:extLst>
+              <a:ext uri="{FF2B5EF4-FFF2-40B4-BE49-F238E27FC236}">
+                <a16:creationId xmlns:a16="http://schemas.microsoft.com/office/drawing/2014/main" id="{1C8C02A2-31BF-4D8B-ADC8-84650913CE38}"/>
+              </a:ext>
+            </a:extLst>
+          </p:cNvPr>
+          <p:cNvSpPr txBox="1"/>
+          <p:nvPr/>
+        </p:nvSpPr>
+        <p:spPr>
+          <a:xfrm>
+            <a:off x="640453" y="2044225"/>
+            <a:ext cx="2237383" cy="523220"/>
+          </a:xfrm>
+          <a:prstGeom prst="rect">
+            <a:avLst/>
+          </a:prstGeom>
+          <a:noFill/>
+        </p:spPr>
+        <p:txBody>
+          <a:bodyPr wrap="square" rtlCol="0">
+            <a:spAutoFit/>
+          </a:bodyPr>
+          <a:lstStyle/>
+          <a:p>
+            <a:r>
+              <a:rPr lang="en-US" sz="2800" dirty="0">
+                <a:solidFill>
+                  <a:srgbClr val="707070"/>
+                </a:solidFill>
+                <a:latin typeface="Pragmatica" panose="020B0403040502020204" pitchFamily="34" charset="0"/>
+              </a:rPr>
+              <a:t>Structured</a:t>
+            </a:r>
+          </a:p>
+        </p:txBody>
+      </p:sp>
+      <p:sp>
+        <p:nvSpPr>
+          <p:cNvPr id="14" name="TextBox 13">
+            <a:extLst>
+              <a:ext uri="{FF2B5EF4-FFF2-40B4-BE49-F238E27FC236}">
+                <a16:creationId xmlns:a16="http://schemas.microsoft.com/office/drawing/2014/main" id="{6141ECE5-AEAE-4EEA-AA2D-EF234364A7A8}"/>
+              </a:ext>
+            </a:extLst>
+          </p:cNvPr>
+          <p:cNvSpPr txBox="1"/>
+          <p:nvPr/>
+        </p:nvSpPr>
+        <p:spPr>
+          <a:xfrm>
+            <a:off x="6004373" y="1910524"/>
+            <a:ext cx="2237383" cy="523220"/>
+          </a:xfrm>
+          <a:prstGeom prst="rect">
+            <a:avLst/>
+          </a:prstGeom>
+          <a:noFill/>
+        </p:spPr>
+        <p:txBody>
+          <a:bodyPr wrap="square" rtlCol="0">
+            <a:spAutoFit/>
+          </a:bodyPr>
+          <a:lstStyle/>
+          <a:p>
+            <a:r>
+              <a:rPr lang="en-US" sz="2800" dirty="0">
+                <a:solidFill>
+                  <a:srgbClr val="707070"/>
+                </a:solidFill>
+                <a:latin typeface="Pragmatica" panose="020B0403040502020204" pitchFamily="34" charset="0"/>
+              </a:rPr>
+              <a:t>Unstructured</a:t>
+            </a:r>
+          </a:p>
+        </p:txBody>
+      </p:sp>
+      <p:pic>
+        <p:nvPicPr>
+          <p:cNvPr id="7" name="Graphic 6" descr="Online Network with solid fill">
+            <a:extLst>
+              <a:ext uri="{FF2B5EF4-FFF2-40B4-BE49-F238E27FC236}">
+                <a16:creationId xmlns:a16="http://schemas.microsoft.com/office/drawing/2014/main" id="{AC810908-11E5-4367-9298-51E5C1F3ACDA}"/>
+              </a:ext>
+            </a:extLst>
+          </p:cNvPr>
+          <p:cNvPicPr>
+            <a:picLocks noChangeAspect="1"/>
+          </p:cNvPicPr>
+          <p:nvPr/>
+        </p:nvPicPr>
+        <p:blipFill>
+          <a:blip r:embed="rId6">
+            <a:extLst>
+              <a:ext uri="{28A0092B-C50C-407E-A947-70E740481C1C}">
+                <a14:useLocalDpi xmlns:a14="http://schemas.microsoft.com/office/drawing/2010/main" val="0"/>
+              </a:ext>
+              <a:ext uri="{96DAC541-7B7A-43D3-8B79-37D633B846F1}">
+                <asvg:svgBlip xmlns:asvg="http://schemas.microsoft.com/office/drawing/2016/SVG/main" r:embed="rId7"/>
+              </a:ext>
+            </a:extLst>
+          </a:blip>
+          <a:stretch>
+            <a:fillRect/>
+          </a:stretch>
+        </p:blipFill>
+        <p:spPr>
+          <a:xfrm>
+            <a:off x="5638799" y="2971799"/>
+            <a:ext cx="3253694" cy="3253694"/>
+          </a:xfrm>
+          <a:prstGeom prst="rect">
+            <a:avLst/>
+          </a:prstGeom>
+        </p:spPr>
+      </p:pic>
+      <p:pic>
+        <p:nvPicPr>
+          <p:cNvPr id="15" name="Graphic 14" descr="Camera with solid fill">
+            <a:extLst>
+              <a:ext uri="{FF2B5EF4-FFF2-40B4-BE49-F238E27FC236}">
+                <a16:creationId xmlns:a16="http://schemas.microsoft.com/office/drawing/2014/main" id="{7071CDA6-BF62-4CC8-9578-0F29D142EB4F}"/>
+              </a:ext>
+            </a:extLst>
+          </p:cNvPr>
+          <p:cNvPicPr>
+            <a:picLocks noChangeAspect="1"/>
+          </p:cNvPicPr>
+          <p:nvPr/>
+        </p:nvPicPr>
+        <p:blipFill>
+          <a:blip r:embed="rId8">
+            <a:extLst>
+              <a:ext uri="{28A0092B-C50C-407E-A947-70E740481C1C}">
+                <a14:useLocalDpi xmlns:a14="http://schemas.microsoft.com/office/drawing/2010/main" val="0"/>
+              </a:ext>
+              <a:ext uri="{96DAC541-7B7A-43D3-8B79-37D633B846F1}">
+                <asvg:svgBlip xmlns:asvg="http://schemas.microsoft.com/office/drawing/2016/SVG/main" r:embed="rId9"/>
+              </a:ext>
+            </a:extLst>
+          </a:blip>
+          <a:stretch>
+            <a:fillRect/>
+          </a:stretch>
+        </p:blipFill>
+        <p:spPr>
+          <a:xfrm>
+            <a:off x="8817330" y="2305835"/>
+            <a:ext cx="1413473" cy="1413473"/>
+          </a:xfrm>
+          <a:prstGeom prst="rect">
+            <a:avLst/>
+          </a:prstGeom>
+        </p:spPr>
+      </p:pic>
+      <p:pic>
+        <p:nvPicPr>
+          <p:cNvPr id="17" name="Graphic 16" descr="Sound Medium with solid fill">
+            <a:extLst>
+              <a:ext uri="{FF2B5EF4-FFF2-40B4-BE49-F238E27FC236}">
+                <a16:creationId xmlns:a16="http://schemas.microsoft.com/office/drawing/2014/main" id="{19DAC244-407B-4784-8B8B-A83982E32045}"/>
+              </a:ext>
+            </a:extLst>
+          </p:cNvPr>
+          <p:cNvPicPr>
+            <a:picLocks noChangeAspect="1"/>
+          </p:cNvPicPr>
+          <p:nvPr/>
+        </p:nvPicPr>
+        <p:blipFill>
+          <a:blip r:embed="rId10">
+            <a:extLst>
+              <a:ext uri="{28A0092B-C50C-407E-A947-70E740481C1C}">
+                <a14:useLocalDpi xmlns:a14="http://schemas.microsoft.com/office/drawing/2010/main" val="0"/>
+              </a:ext>
+              <a:ext uri="{96DAC541-7B7A-43D3-8B79-37D633B846F1}">
+                <asvg:svgBlip xmlns:asvg="http://schemas.microsoft.com/office/drawing/2016/SVG/main" r:embed="rId11"/>
+              </a:ext>
+            </a:extLst>
+          </a:blip>
+          <a:stretch>
+            <a:fillRect/>
+          </a:stretch>
+        </p:blipFill>
+        <p:spPr>
+          <a:xfrm>
+            <a:off x="9266115" y="4490491"/>
+            <a:ext cx="1532780" cy="1532780"/>
           </a:xfrm>
           <a:prstGeom prst="rect">
             <a:avLst/>
@@ -12429,7 +15316,762 @@
     </p:spTree>
     <p:extLst>
       <p:ext uri="{BB962C8B-B14F-4D97-AF65-F5344CB8AC3E}">
-        <p14:creationId xmlns:p14="http://schemas.microsoft.com/office/powerpoint/2010/main" val="4141627579"/>
+        <p14:creationId xmlns:p14="http://schemas.microsoft.com/office/powerpoint/2010/main" val="629216969"/>
+      </p:ext>
+    </p:extLst>
+  </p:cSld>
+  <p:clrMapOvr>
+    <a:masterClrMapping/>
+  </p:clrMapOvr>
+</p:sld>
+</file>
+
+<file path=ppt/slides/slide36.xml><?xml version="1.0" encoding="utf-8"?>
+<p:sld xmlns:a="http://schemas.openxmlformats.org/drawingml/2006/main" xmlns:r="http://schemas.openxmlformats.org/officeDocument/2006/relationships" xmlns:p="http://schemas.openxmlformats.org/presentationml/2006/main">
+  <p:cSld>
+    <p:spTree>
+      <p:nvGrpSpPr>
+        <p:cNvPr id="1" name=""/>
+        <p:cNvGrpSpPr/>
+        <p:nvPr/>
+      </p:nvGrpSpPr>
+      <p:grpSpPr>
+        <a:xfrm>
+          <a:off x="0" y="0"/>
+          <a:ext cx="0" cy="0"/>
+          <a:chOff x="0" y="0"/>
+          <a:chExt cx="0" cy="0"/>
+        </a:xfrm>
+      </p:grpSpPr>
+      <p:sp>
+        <p:nvSpPr>
+          <p:cNvPr id="4" name="Rectangle 3"/>
+          <p:cNvSpPr/>
+          <p:nvPr/>
+        </p:nvSpPr>
+        <p:spPr>
+          <a:xfrm>
+            <a:off x="6574420" y="0"/>
+            <a:ext cx="5617580" cy="6858000"/>
+          </a:xfrm>
+          <a:prstGeom prst="rect">
+            <a:avLst/>
+          </a:prstGeom>
+          <a:solidFill>
+            <a:srgbClr val="CF3338"/>
+          </a:solidFill>
+        </p:spPr>
+        <p:style>
+          <a:lnRef idx="2">
+            <a:schemeClr val="accent1">
+              <a:shade val="50000"/>
+            </a:schemeClr>
+          </a:lnRef>
+          <a:fillRef idx="1">
+            <a:schemeClr val="accent1"/>
+          </a:fillRef>
+          <a:effectRef idx="0">
+            <a:schemeClr val="accent1"/>
+          </a:effectRef>
+          <a:fontRef idx="minor">
+            <a:schemeClr val="lt1"/>
+          </a:fontRef>
+        </p:style>
+        <p:txBody>
+          <a:bodyPr rtlCol="0" anchor="ctr"/>
+          <a:lstStyle/>
+          <a:p>
+            <a:pPr algn="ctr"/>
+            <a:endParaRPr lang="en-US"/>
+          </a:p>
+        </p:txBody>
+      </p:sp>
+      <p:sp>
+        <p:nvSpPr>
+          <p:cNvPr id="5" name="TextBox 4"/>
+          <p:cNvSpPr txBox="1"/>
+          <p:nvPr/>
+        </p:nvSpPr>
+        <p:spPr>
+          <a:xfrm>
+            <a:off x="6817489" y="0"/>
+            <a:ext cx="4120587" cy="1446550"/>
+          </a:xfrm>
+          <a:prstGeom prst="rect">
+            <a:avLst/>
+          </a:prstGeom>
+          <a:noFill/>
+        </p:spPr>
+        <p:txBody>
+          <a:bodyPr wrap="square" rtlCol="0">
+            <a:spAutoFit/>
+          </a:bodyPr>
+          <a:lstStyle/>
+          <a:p>
+            <a:r>
+              <a:rPr lang="en-US" sz="8800" dirty="0">
+                <a:solidFill>
+                  <a:schemeClr val="bg1"/>
+                </a:solidFill>
+                <a:latin typeface="Aliens &amp; cows" panose="00000500000000000000" pitchFamily="2" charset="0"/>
+              </a:rPr>
+              <a:t>Demo</a:t>
+            </a:r>
+          </a:p>
+        </p:txBody>
+      </p:sp>
+      <p:pic>
+        <p:nvPicPr>
+          <p:cNvPr id="2" name="Picture 1"/>
+          <p:cNvPicPr>
+            <a:picLocks noChangeAspect="1"/>
+          </p:cNvPicPr>
+          <p:nvPr/>
+        </p:nvPicPr>
+        <p:blipFill rotWithShape="1">
+          <a:blip r:embed="rId3">
+            <a:extLst>
+              <a:ext uri="{28A0092B-C50C-407E-A947-70E740481C1C}">
+                <a14:useLocalDpi xmlns:a14="http://schemas.microsoft.com/office/drawing/2010/main" val="0"/>
+              </a:ext>
+            </a:extLst>
+          </a:blip>
+          <a:srcRect l="69227" t="33418" r="20112" b="50548"/>
+          <a:stretch/>
+        </p:blipFill>
+        <p:spPr>
+          <a:xfrm>
+            <a:off x="10386349" y="5029795"/>
+            <a:ext cx="1805651" cy="1991719"/>
+          </a:xfrm>
+          <a:prstGeom prst="rect">
+            <a:avLst/>
+          </a:prstGeom>
+        </p:spPr>
+      </p:pic>
+      <p:sp>
+        <p:nvSpPr>
+          <p:cNvPr id="3" name="TextBox 2"/>
+          <p:cNvSpPr txBox="1"/>
+          <p:nvPr/>
+        </p:nvSpPr>
+        <p:spPr>
+          <a:xfrm>
+            <a:off x="173620" y="219919"/>
+            <a:ext cx="5937813" cy="5262979"/>
+          </a:xfrm>
+          <a:prstGeom prst="rect">
+            <a:avLst/>
+          </a:prstGeom>
+          <a:noFill/>
+        </p:spPr>
+        <p:txBody>
+          <a:bodyPr wrap="square" rtlCol="0">
+            <a:spAutoFit/>
+          </a:bodyPr>
+          <a:lstStyle/>
+          <a:p>
+            <a:r>
+              <a:rPr lang="en-US" sz="2800" b="1" dirty="0">
+                <a:solidFill>
+                  <a:srgbClr val="CF3338"/>
+                </a:solidFill>
+                <a:latin typeface="Pragmatica" pitchFamily="2" charset="0"/>
+              </a:rPr>
+              <a:t>Unstructured data: coming to Excel</a:t>
+            </a:r>
+          </a:p>
+          <a:p>
+            <a:endParaRPr lang="en-US" sz="2800" b="1" dirty="0">
+              <a:solidFill>
+                <a:srgbClr val="CF3338"/>
+              </a:solidFill>
+              <a:latin typeface="Pragmatica" pitchFamily="2" charset="0"/>
+            </a:endParaRPr>
+          </a:p>
+          <a:p>
+            <a:r>
+              <a:rPr lang="en-US" sz="2800" b="1" dirty="0">
+                <a:solidFill>
+                  <a:srgbClr val="CF3338"/>
+                </a:solidFill>
+                <a:latin typeface="Pragmatica" pitchFamily="2" charset="0"/>
+              </a:rPr>
+              <a:t>File: </a:t>
+            </a:r>
+            <a:r>
+              <a:rPr lang="en-US" sz="2800" b="1" dirty="0">
+                <a:solidFill>
+                  <a:srgbClr val="CF3338"/>
+                </a:solidFill>
+                <a:latin typeface="Consolas" panose="020B0609020204030204" pitchFamily="49" charset="0"/>
+              </a:rPr>
+              <a:t>datasets/sentiment.xlsx</a:t>
+            </a:r>
+          </a:p>
+          <a:p>
+            <a:endParaRPr lang="en-US" sz="2800" b="1" dirty="0">
+              <a:solidFill>
+                <a:srgbClr val="CF3338"/>
+              </a:solidFill>
+              <a:latin typeface="Consolas" panose="020B0609020204030204" pitchFamily="49" charset="0"/>
+            </a:endParaRPr>
+          </a:p>
+          <a:p>
+            <a:pPr marL="457200" indent="-457200">
+              <a:buFont typeface="Arial" panose="020B0604020202020204" pitchFamily="34" charset="0"/>
+              <a:buChar char="•"/>
+            </a:pPr>
+            <a:r>
+              <a:rPr lang="en-US" sz="2800" b="1" dirty="0">
+                <a:solidFill>
+                  <a:srgbClr val="CF3338"/>
+                </a:solidFill>
+                <a:latin typeface="Pragmatica" panose="020B0403040502020204"/>
+              </a:rPr>
+              <a:t>Analyze the sentiment of each review (positive/negative/neutral)</a:t>
+            </a:r>
+          </a:p>
+          <a:p>
+            <a:pPr marL="457200" indent="-457200">
+              <a:buFont typeface="Arial" panose="020B0604020202020204" pitchFamily="34" charset="0"/>
+              <a:buChar char="•"/>
+            </a:pPr>
+            <a:r>
+              <a:rPr lang="en-US" sz="2800" b="1" dirty="0">
+                <a:solidFill>
+                  <a:srgbClr val="CF3338"/>
+                </a:solidFill>
+                <a:latin typeface="Pragmatica" panose="020B0403040502020204"/>
+              </a:rPr>
+              <a:t>Is there a relationship between sentiment and polarity? </a:t>
+            </a:r>
+          </a:p>
+          <a:p>
+            <a:pPr marL="457200" indent="-457200">
+              <a:buFont typeface="Arial" panose="020B0604020202020204" pitchFamily="34" charset="0"/>
+              <a:buChar char="•"/>
+            </a:pPr>
+            <a:endParaRPr lang="en-US" sz="2800" b="1" dirty="0">
+              <a:solidFill>
+                <a:srgbClr val="CF3338"/>
+              </a:solidFill>
+              <a:latin typeface="Pragmatica" panose="020B0403040502020204"/>
+            </a:endParaRPr>
+          </a:p>
+          <a:p>
+            <a:r>
+              <a:rPr lang="en-US" sz="2800" b="1" dirty="0">
+                <a:solidFill>
+                  <a:srgbClr val="CF3338"/>
+                </a:solidFill>
+                <a:latin typeface="Pragmatica" panose="020B0403040502020204"/>
+              </a:rPr>
+              <a:t>Demo notes: </a:t>
+            </a:r>
+            <a:r>
+              <a:rPr lang="en-US" sz="2800" b="1" dirty="0">
+                <a:solidFill>
+                  <a:srgbClr val="CF3338"/>
+                </a:solidFill>
+                <a:latin typeface="Consolas" panose="020B0609020204030204" pitchFamily="49" charset="0"/>
+              </a:rPr>
+              <a:t>docs/excel-sentiment.xlsx</a:t>
+            </a:r>
+          </a:p>
+          <a:p>
+            <a:pPr marL="457200" indent="-457200">
+              <a:buFont typeface="Arial" panose="020B0604020202020204" pitchFamily="34" charset="0"/>
+              <a:buChar char="•"/>
+            </a:pPr>
+            <a:endParaRPr lang="en-US" sz="2800" b="1" dirty="0">
+              <a:solidFill>
+                <a:srgbClr val="CF3338"/>
+              </a:solidFill>
+              <a:latin typeface="Pragmatica" panose="020B0403040502020204"/>
+            </a:endParaRPr>
+          </a:p>
+        </p:txBody>
+      </p:sp>
+    </p:spTree>
+    <p:extLst>
+      <p:ext uri="{BB962C8B-B14F-4D97-AF65-F5344CB8AC3E}">
+        <p14:creationId xmlns:p14="http://schemas.microsoft.com/office/powerpoint/2010/main" val="1237654387"/>
+      </p:ext>
+    </p:extLst>
+  </p:cSld>
+  <p:clrMapOvr>
+    <a:masterClrMapping/>
+  </p:clrMapOvr>
+</p:sld>
+</file>
+
+<file path=ppt/slides/slide37.xml><?xml version="1.0" encoding="utf-8"?>
+<p:sld xmlns:a="http://schemas.openxmlformats.org/drawingml/2006/main" xmlns:r="http://schemas.openxmlformats.org/officeDocument/2006/relationships" xmlns:p="http://schemas.openxmlformats.org/presentationml/2006/main">
+  <p:cSld>
+    <p:spTree>
+      <p:nvGrpSpPr>
+        <p:cNvPr id="1" name=""/>
+        <p:cNvGrpSpPr/>
+        <p:nvPr/>
+      </p:nvGrpSpPr>
+      <p:grpSpPr>
+        <a:xfrm>
+          <a:off x="0" y="0"/>
+          <a:ext cx="0" cy="0"/>
+          <a:chOff x="0" y="0"/>
+          <a:chExt cx="0" cy="0"/>
+        </a:xfrm>
+      </p:grpSpPr>
+      <p:sp>
+        <p:nvSpPr>
+          <p:cNvPr id="4" name="Rectangle 3"/>
+          <p:cNvSpPr/>
+          <p:nvPr/>
+        </p:nvSpPr>
+        <p:spPr>
+          <a:xfrm>
+            <a:off x="0" y="0"/>
+            <a:ext cx="12192000" cy="6858000"/>
+          </a:xfrm>
+          <a:prstGeom prst="rect">
+            <a:avLst/>
+          </a:prstGeom>
+          <a:solidFill>
+            <a:srgbClr val="CF3338"/>
+          </a:solidFill>
+        </p:spPr>
+        <p:style>
+          <a:lnRef idx="2">
+            <a:schemeClr val="accent1">
+              <a:shade val="50000"/>
+            </a:schemeClr>
+          </a:lnRef>
+          <a:fillRef idx="1">
+            <a:schemeClr val="accent1"/>
+          </a:fillRef>
+          <a:effectRef idx="0">
+            <a:schemeClr val="accent1"/>
+          </a:effectRef>
+          <a:fontRef idx="minor">
+            <a:schemeClr val="lt1"/>
+          </a:fontRef>
+        </p:style>
+        <p:txBody>
+          <a:bodyPr rtlCol="0" anchor="ctr"/>
+          <a:lstStyle/>
+          <a:p>
+            <a:pPr algn="ctr"/>
+            <a:endParaRPr lang="en-US"/>
+          </a:p>
+        </p:txBody>
+      </p:sp>
+      <p:sp>
+        <p:nvSpPr>
+          <p:cNvPr id="5" name="TextBox 4"/>
+          <p:cNvSpPr txBox="1"/>
+          <p:nvPr/>
+        </p:nvSpPr>
+        <p:spPr>
+          <a:xfrm>
+            <a:off x="520861" y="393539"/>
+            <a:ext cx="10324617" cy="1107996"/>
+          </a:xfrm>
+          <a:prstGeom prst="rect">
+            <a:avLst/>
+          </a:prstGeom>
+          <a:noFill/>
+        </p:spPr>
+        <p:txBody>
+          <a:bodyPr wrap="square" rtlCol="0">
+            <a:spAutoFit/>
+          </a:bodyPr>
+          <a:lstStyle/>
+          <a:p>
+            <a:r>
+              <a:rPr lang="en-US" sz="6600" b="1" dirty="0">
+                <a:solidFill>
+                  <a:schemeClr val="bg1"/>
+                </a:solidFill>
+                <a:latin typeface="Pragmatica" pitchFamily="2" charset="0"/>
+              </a:rPr>
+              <a:t>Conclusion/Next steps</a:t>
+            </a:r>
+          </a:p>
+        </p:txBody>
+      </p:sp>
+    </p:spTree>
+    <p:extLst>
+      <p:ext uri="{BB962C8B-B14F-4D97-AF65-F5344CB8AC3E}">
+        <p14:creationId xmlns:p14="http://schemas.microsoft.com/office/powerpoint/2010/main" val="1922980201"/>
+      </p:ext>
+    </p:extLst>
+  </p:cSld>
+  <p:clrMapOvr>
+    <a:masterClrMapping/>
+  </p:clrMapOvr>
+</p:sld>
+</file>
+
+<file path=ppt/slides/slide38.xml><?xml version="1.0" encoding="utf-8"?>
+<p:sld xmlns:a="http://schemas.openxmlformats.org/drawingml/2006/main" xmlns:r="http://schemas.openxmlformats.org/officeDocument/2006/relationships" xmlns:p="http://schemas.openxmlformats.org/presentationml/2006/main">
+  <p:cSld>
+    <p:spTree>
+      <p:nvGrpSpPr>
+        <p:cNvPr id="1" name=""/>
+        <p:cNvGrpSpPr/>
+        <p:nvPr/>
+      </p:nvGrpSpPr>
+      <p:grpSpPr>
+        <a:xfrm>
+          <a:off x="0" y="0"/>
+          <a:ext cx="0" cy="0"/>
+          <a:chOff x="0" y="0"/>
+          <a:chExt cx="0" cy="0"/>
+        </a:xfrm>
+      </p:grpSpPr>
+      <p:sp>
+        <p:nvSpPr>
+          <p:cNvPr id="4" name="Rectangle 3"/>
+          <p:cNvSpPr/>
+          <p:nvPr/>
+        </p:nvSpPr>
+        <p:spPr>
+          <a:xfrm>
+            <a:off x="0" y="0"/>
+            <a:ext cx="12192000" cy="6858000"/>
+          </a:xfrm>
+          <a:prstGeom prst="rect">
+            <a:avLst/>
+          </a:prstGeom>
+          <a:solidFill>
+            <a:srgbClr val="CF3338"/>
+          </a:solidFill>
+        </p:spPr>
+        <p:style>
+          <a:lnRef idx="2">
+            <a:schemeClr val="accent1">
+              <a:shade val="50000"/>
+            </a:schemeClr>
+          </a:lnRef>
+          <a:fillRef idx="1">
+            <a:schemeClr val="accent1"/>
+          </a:fillRef>
+          <a:effectRef idx="0">
+            <a:schemeClr val="accent1"/>
+          </a:effectRef>
+          <a:fontRef idx="minor">
+            <a:schemeClr val="lt1"/>
+          </a:fontRef>
+        </p:style>
+        <p:txBody>
+          <a:bodyPr rtlCol="0" anchor="ctr"/>
+          <a:lstStyle/>
+          <a:p>
+            <a:pPr algn="ctr"/>
+            <a:endParaRPr lang="en-US"/>
+          </a:p>
+        </p:txBody>
+      </p:sp>
+      <p:sp>
+        <p:nvSpPr>
+          <p:cNvPr id="5" name="TextBox 4"/>
+          <p:cNvSpPr txBox="1"/>
+          <p:nvPr/>
+        </p:nvSpPr>
+        <p:spPr>
+          <a:xfrm>
+            <a:off x="520861" y="393539"/>
+            <a:ext cx="10324617" cy="2123658"/>
+          </a:xfrm>
+          <a:prstGeom prst="rect">
+            <a:avLst/>
+          </a:prstGeom>
+          <a:noFill/>
+        </p:spPr>
+        <p:txBody>
+          <a:bodyPr wrap="square" rtlCol="0">
+            <a:spAutoFit/>
+          </a:bodyPr>
+          <a:lstStyle/>
+          <a:p>
+            <a:r>
+              <a:rPr lang="en-US" sz="6600" b="1" dirty="0">
+                <a:solidFill>
+                  <a:schemeClr val="bg1"/>
+                </a:solidFill>
+                <a:latin typeface="Pragmatica" pitchFamily="2" charset="0"/>
+              </a:rPr>
+              <a:t>Assignments for Analytics Systems</a:t>
+            </a:r>
+          </a:p>
+        </p:txBody>
+      </p:sp>
+    </p:spTree>
+    <p:extLst>
+      <p:ext uri="{BB962C8B-B14F-4D97-AF65-F5344CB8AC3E}">
+        <p14:creationId xmlns:p14="http://schemas.microsoft.com/office/powerpoint/2010/main" val="182742331"/>
+      </p:ext>
+    </p:extLst>
+  </p:cSld>
+  <p:clrMapOvr>
+    <a:masterClrMapping/>
+  </p:clrMapOvr>
+</p:sld>
+</file>
+
+<file path=ppt/slides/slide39.xml><?xml version="1.0" encoding="utf-8"?>
+<p:sld xmlns:a="http://schemas.openxmlformats.org/drawingml/2006/main" xmlns:r="http://schemas.openxmlformats.org/officeDocument/2006/relationships" xmlns:p="http://schemas.openxmlformats.org/presentationml/2006/main">
+  <p:cSld>
+    <p:spTree>
+      <p:nvGrpSpPr>
+        <p:cNvPr id="1" name=""/>
+        <p:cNvGrpSpPr/>
+        <p:nvPr/>
+      </p:nvGrpSpPr>
+      <p:grpSpPr>
+        <a:xfrm>
+          <a:off x="0" y="0"/>
+          <a:ext cx="0" cy="0"/>
+          <a:chOff x="0" y="0"/>
+          <a:chExt cx="0" cy="0"/>
+        </a:xfrm>
+      </p:grpSpPr>
+      <p:pic>
+        <p:nvPicPr>
+          <p:cNvPr id="10" name="Picture 9"/>
+          <p:cNvPicPr>
+            <a:picLocks noChangeAspect="1"/>
+          </p:cNvPicPr>
+          <p:nvPr/>
+        </p:nvPicPr>
+        <p:blipFill rotWithShape="1">
+          <a:blip r:embed="rId2">
+            <a:extLst>
+              <a:ext uri="{28A0092B-C50C-407E-A947-70E740481C1C}">
+                <a14:useLocalDpi xmlns:a14="http://schemas.microsoft.com/office/drawing/2010/main" val="0"/>
+              </a:ext>
+            </a:extLst>
+          </a:blip>
+          <a:srcRect l="50728" t="56371"/>
+          <a:stretch/>
+        </p:blipFill>
+        <p:spPr>
+          <a:xfrm>
+            <a:off x="10894024" y="5370653"/>
+            <a:ext cx="1297975" cy="1487348"/>
+          </a:xfrm>
+          <a:prstGeom prst="rect">
+            <a:avLst/>
+          </a:prstGeom>
+        </p:spPr>
+      </p:pic>
+      <p:sp>
+        <p:nvSpPr>
+          <p:cNvPr id="11" name="TextBox 10"/>
+          <p:cNvSpPr txBox="1"/>
+          <p:nvPr/>
+        </p:nvSpPr>
+        <p:spPr>
+          <a:xfrm>
+            <a:off x="347240" y="113388"/>
+            <a:ext cx="9799937" cy="1015663"/>
+          </a:xfrm>
+          <a:prstGeom prst="rect">
+            <a:avLst/>
+          </a:prstGeom>
+          <a:noFill/>
+        </p:spPr>
+        <p:txBody>
+          <a:bodyPr wrap="square" rtlCol="0">
+            <a:spAutoFit/>
+          </a:bodyPr>
+          <a:lstStyle/>
+          <a:p>
+            <a:r>
+              <a:rPr lang="en-US" sz="6000" dirty="0">
+                <a:latin typeface="Aliens &amp; cows" panose="00000500000000000000" pitchFamily="2" charset="0"/>
+              </a:rPr>
+              <a:t>Got Git?</a:t>
+            </a:r>
+          </a:p>
+        </p:txBody>
+      </p:sp>
+      <p:sp>
+        <p:nvSpPr>
+          <p:cNvPr id="3" name="TextBox 2"/>
+          <p:cNvSpPr txBox="1"/>
+          <p:nvPr/>
+        </p:nvSpPr>
+        <p:spPr>
+          <a:xfrm>
+            <a:off x="523588" y="1679587"/>
+            <a:ext cx="8833585" cy="3539430"/>
+          </a:xfrm>
+          <a:prstGeom prst="rect">
+            <a:avLst/>
+          </a:prstGeom>
+          <a:noFill/>
+        </p:spPr>
+        <p:txBody>
+          <a:bodyPr wrap="square" rtlCol="0">
+            <a:spAutoFit/>
+          </a:bodyPr>
+          <a:lstStyle/>
+          <a:p>
+            <a:pPr marL="285750" indent="-285750">
+              <a:buFont typeface="Arial" panose="020B0604020202020204" pitchFamily="34" charset="0"/>
+              <a:buChar char="•"/>
+            </a:pPr>
+            <a:r>
+              <a:rPr lang="en-US" sz="2800" dirty="0">
+                <a:solidFill>
+                  <a:srgbClr val="707070"/>
+                </a:solidFill>
+                <a:latin typeface="Pragmatica" panose="020B0403040502020204" pitchFamily="34" charset="0"/>
+              </a:rPr>
+              <a:t>Download Git for Windows: </a:t>
+            </a:r>
+            <a:r>
+              <a:rPr lang="en-US" sz="2800" dirty="0">
+                <a:solidFill>
+                  <a:srgbClr val="707070"/>
+                </a:solidFill>
+                <a:latin typeface="Pragmatica" panose="020B0403040502020204" pitchFamily="34" charset="0"/>
+                <a:hlinkClick r:id="rId3"/>
+              </a:rPr>
+              <a:t>https://git-scm.com/download/win</a:t>
+            </a:r>
+            <a:r>
+              <a:rPr lang="en-US" sz="2800" dirty="0">
+                <a:solidFill>
+                  <a:srgbClr val="707070"/>
+                </a:solidFill>
+                <a:latin typeface="Pragmatica" panose="020B0403040502020204" pitchFamily="34" charset="0"/>
+              </a:rPr>
+              <a:t>  </a:t>
+            </a:r>
+          </a:p>
+          <a:p>
+            <a:pPr marL="285750" indent="-285750">
+              <a:buFont typeface="Arial" panose="020B0604020202020204" pitchFamily="34" charset="0"/>
+              <a:buChar char="•"/>
+            </a:pPr>
+            <a:r>
+              <a:rPr lang="en-US" sz="2800" dirty="0">
+                <a:solidFill>
+                  <a:srgbClr val="707070"/>
+                </a:solidFill>
+                <a:latin typeface="Pragmatica" panose="020B0403040502020204" pitchFamily="34" charset="0"/>
+              </a:rPr>
+              <a:t>Create a GitHub account: </a:t>
+            </a:r>
+            <a:r>
+              <a:rPr lang="en-US" sz="2800" dirty="0">
+                <a:solidFill>
+                  <a:srgbClr val="707070"/>
+                </a:solidFill>
+                <a:latin typeface="Pragmatica" panose="020B0403040502020204" pitchFamily="34" charset="0"/>
+                <a:hlinkClick r:id="rId4"/>
+              </a:rPr>
+              <a:t>https://github.com</a:t>
+            </a:r>
+            <a:r>
+              <a:rPr lang="en-US" sz="2800" dirty="0">
+                <a:solidFill>
+                  <a:srgbClr val="707070"/>
+                </a:solidFill>
+                <a:latin typeface="Pragmatica" panose="020B0403040502020204" pitchFamily="34" charset="0"/>
+              </a:rPr>
+              <a:t>  </a:t>
+            </a:r>
+          </a:p>
+          <a:p>
+            <a:pPr marL="285750" indent="-285750">
+              <a:buFont typeface="Arial" panose="020B0604020202020204" pitchFamily="34" charset="0"/>
+              <a:buChar char="•"/>
+            </a:pPr>
+            <a:r>
+              <a:rPr lang="en-US" sz="2800" dirty="0">
+                <a:solidFill>
+                  <a:srgbClr val="707070"/>
+                </a:solidFill>
+                <a:latin typeface="Pragmatica" panose="020B0403040502020204" pitchFamily="34" charset="0"/>
+              </a:rPr>
+              <a:t>Download GitHub Desktop: </a:t>
+            </a:r>
+            <a:r>
+              <a:rPr lang="en-US" sz="2800" dirty="0">
+                <a:solidFill>
+                  <a:srgbClr val="707070"/>
+                </a:solidFill>
+                <a:latin typeface="Pragmatica" panose="020B0403040502020204" pitchFamily="34" charset="0"/>
+                <a:hlinkClick r:id="rId5"/>
+              </a:rPr>
+              <a:t>https://desktop.github.com</a:t>
+            </a:r>
+            <a:r>
+              <a:rPr lang="en-US" sz="2800" dirty="0">
+                <a:solidFill>
+                  <a:srgbClr val="707070"/>
+                </a:solidFill>
+                <a:latin typeface="Pragmatica" panose="020B0403040502020204" pitchFamily="34" charset="0"/>
+              </a:rPr>
+              <a:t>  </a:t>
+            </a:r>
+          </a:p>
+          <a:p>
+            <a:endParaRPr lang="en-US" sz="2800" dirty="0">
+              <a:solidFill>
+                <a:srgbClr val="707070"/>
+              </a:solidFill>
+              <a:latin typeface="Pragmatica" panose="020B0403040502020204" pitchFamily="34" charset="0"/>
+            </a:endParaRPr>
+          </a:p>
+          <a:p>
+            <a:r>
+              <a:rPr lang="en-US" sz="2800" dirty="0">
+                <a:solidFill>
+                  <a:srgbClr val="707070"/>
+                </a:solidFill>
+                <a:latin typeface="Pragmatica" panose="020B0403040502020204" pitchFamily="34" charset="0"/>
+                <a:hlinkClick r:id="rId6"/>
+              </a:rPr>
+              <a:t>Good documentation on setting up Git &amp; GitHub here</a:t>
+            </a:r>
+            <a:endParaRPr lang="en-US" sz="2800" dirty="0">
+              <a:solidFill>
+                <a:srgbClr val="707070"/>
+              </a:solidFill>
+              <a:latin typeface="Pragmatica" panose="020B0403040502020204" pitchFamily="34" charset="0"/>
+            </a:endParaRPr>
+          </a:p>
+          <a:p>
+            <a:pPr marL="285750" indent="-285750">
+              <a:buFont typeface="Arial" panose="020B0604020202020204" pitchFamily="34" charset="0"/>
+              <a:buChar char="•"/>
+            </a:pPr>
+            <a:endParaRPr lang="en-US" sz="2800" dirty="0">
+              <a:solidFill>
+                <a:srgbClr val="707070"/>
+              </a:solidFill>
+              <a:latin typeface="Pragmatica" panose="020B0403040502020204" pitchFamily="34" charset="0"/>
+            </a:endParaRPr>
+          </a:p>
+          <a:p>
+            <a:endParaRPr lang="en-US" sz="2800" dirty="0">
+              <a:solidFill>
+                <a:srgbClr val="707070"/>
+              </a:solidFill>
+              <a:latin typeface="Pragmatica" panose="020B0403040502020204" pitchFamily="34" charset="0"/>
+            </a:endParaRPr>
+          </a:p>
+        </p:txBody>
+      </p:sp>
+    </p:spTree>
+    <p:extLst>
+      <p:ext uri="{BB962C8B-B14F-4D97-AF65-F5344CB8AC3E}">
+        <p14:creationId xmlns:p14="http://schemas.microsoft.com/office/powerpoint/2010/main" val="207138766"/>
       </p:ext>
     </p:extLst>
   </p:cSld>
@@ -12553,6 +16195,732 @@
     <p:extLst>
       <p:ext uri="{BB962C8B-B14F-4D97-AF65-F5344CB8AC3E}">
         <p14:creationId xmlns:p14="http://schemas.microsoft.com/office/powerpoint/2010/main" val="883313013"/>
+      </p:ext>
+    </p:extLst>
+  </p:cSld>
+  <p:clrMapOvr>
+    <a:masterClrMapping/>
+  </p:clrMapOvr>
+</p:sld>
+</file>
+
+<file path=ppt/slides/slide40.xml><?xml version="1.0" encoding="utf-8"?>
+<p:sld xmlns:a="http://schemas.openxmlformats.org/drawingml/2006/main" xmlns:r="http://schemas.openxmlformats.org/officeDocument/2006/relationships" xmlns:p="http://schemas.openxmlformats.org/presentationml/2006/main">
+  <p:cSld>
+    <p:spTree>
+      <p:nvGrpSpPr>
+        <p:cNvPr id="1" name=""/>
+        <p:cNvGrpSpPr/>
+        <p:nvPr/>
+      </p:nvGrpSpPr>
+      <p:grpSpPr>
+        <a:xfrm>
+          <a:off x="0" y="0"/>
+          <a:ext cx="0" cy="0"/>
+          <a:chOff x="0" y="0"/>
+          <a:chExt cx="0" cy="0"/>
+        </a:xfrm>
+      </p:grpSpPr>
+      <p:pic>
+        <p:nvPicPr>
+          <p:cNvPr id="10" name="Picture 9"/>
+          <p:cNvPicPr>
+            <a:picLocks noChangeAspect="1"/>
+          </p:cNvPicPr>
+          <p:nvPr/>
+        </p:nvPicPr>
+        <p:blipFill rotWithShape="1">
+          <a:blip r:embed="rId2">
+            <a:extLst>
+              <a:ext uri="{28A0092B-C50C-407E-A947-70E740481C1C}">
+                <a14:useLocalDpi xmlns:a14="http://schemas.microsoft.com/office/drawing/2010/main" val="0"/>
+              </a:ext>
+            </a:extLst>
+          </a:blip>
+          <a:srcRect l="50728" t="56371"/>
+          <a:stretch/>
+        </p:blipFill>
+        <p:spPr>
+          <a:xfrm>
+            <a:off x="10894024" y="5370653"/>
+            <a:ext cx="1297975" cy="1487348"/>
+          </a:xfrm>
+          <a:prstGeom prst="rect">
+            <a:avLst/>
+          </a:prstGeom>
+        </p:spPr>
+      </p:pic>
+      <p:sp>
+        <p:nvSpPr>
+          <p:cNvPr id="11" name="TextBox 10"/>
+          <p:cNvSpPr txBox="1"/>
+          <p:nvPr/>
+        </p:nvSpPr>
+        <p:spPr>
+          <a:xfrm>
+            <a:off x="347240" y="113388"/>
+            <a:ext cx="11708254" cy="1015663"/>
+          </a:xfrm>
+          <a:prstGeom prst="rect">
+            <a:avLst/>
+          </a:prstGeom>
+          <a:noFill/>
+        </p:spPr>
+        <p:txBody>
+          <a:bodyPr wrap="square" rtlCol="0">
+            <a:spAutoFit/>
+          </a:bodyPr>
+          <a:lstStyle/>
+          <a:p>
+            <a:r>
+              <a:rPr lang="en-US" sz="6000" dirty="0">
+                <a:latin typeface="Aliens &amp; cows" panose="00000500000000000000" pitchFamily="2" charset="0"/>
+              </a:rPr>
+              <a:t>The super-secret </a:t>
+            </a:r>
+            <a:r>
+              <a:rPr lang="en-US" sz="6000" dirty="0" err="1">
+                <a:latin typeface="Aliens &amp; cows" panose="00000500000000000000" pitchFamily="2" charset="0"/>
+              </a:rPr>
+              <a:t>AinA</a:t>
+            </a:r>
+            <a:r>
+              <a:rPr lang="en-US" sz="6000" dirty="0">
+                <a:latin typeface="Aliens &amp; cows" panose="00000500000000000000" pitchFamily="2" charset="0"/>
+              </a:rPr>
+              <a:t> repos 😉</a:t>
+            </a:r>
+          </a:p>
+        </p:txBody>
+      </p:sp>
+      <p:sp>
+        <p:nvSpPr>
+          <p:cNvPr id="3" name="TextBox 2"/>
+          <p:cNvSpPr txBox="1"/>
+          <p:nvPr/>
+        </p:nvSpPr>
+        <p:spPr>
+          <a:xfrm>
+            <a:off x="280492" y="1679587"/>
+            <a:ext cx="5890306" cy="3539430"/>
+          </a:xfrm>
+          <a:prstGeom prst="rect">
+            <a:avLst/>
+          </a:prstGeom>
+          <a:noFill/>
+        </p:spPr>
+        <p:txBody>
+          <a:bodyPr wrap="square" rtlCol="0">
+            <a:spAutoFit/>
+          </a:bodyPr>
+          <a:lstStyle/>
+          <a:p>
+            <a:pPr marL="457200" indent="-457200">
+              <a:buFont typeface="Arial" panose="020B0604020202020204" pitchFamily="34" charset="0"/>
+              <a:buChar char="•"/>
+            </a:pPr>
+            <a:r>
+              <a:rPr lang="en-US" sz="2800" dirty="0">
+                <a:solidFill>
+                  <a:srgbClr val="707070"/>
+                </a:solidFill>
+                <a:latin typeface="Consolas" panose="020B0609020204030204" pitchFamily="49" charset="0"/>
+              </a:rPr>
+              <a:t>aina-practice-solutions</a:t>
+            </a:r>
+            <a:r>
+              <a:rPr lang="en-US" sz="2800" dirty="0">
+                <a:solidFill>
+                  <a:srgbClr val="707070"/>
+                </a:solidFill>
+                <a:latin typeface="Pragmatica" panose="020B0403040502020204" pitchFamily="34" charset="0"/>
+              </a:rPr>
+              <a:t>: accompanies </a:t>
+            </a:r>
+            <a:r>
+              <a:rPr lang="en-US" sz="2800" dirty="0">
+                <a:solidFill>
+                  <a:srgbClr val="707070"/>
+                </a:solidFill>
+                <a:latin typeface="Pragmatica" panose="020B0403040502020204" pitchFamily="34" charset="0"/>
+                <a:hlinkClick r:id="rId3"/>
+              </a:rPr>
+              <a:t>this test bank</a:t>
+            </a:r>
+            <a:endParaRPr lang="en-US" sz="2800" dirty="0">
+              <a:solidFill>
+                <a:srgbClr val="707070"/>
+              </a:solidFill>
+              <a:latin typeface="Pragmatica" panose="020B0403040502020204" pitchFamily="34" charset="0"/>
+            </a:endParaRPr>
+          </a:p>
+          <a:p>
+            <a:pPr marL="457200" indent="-457200">
+              <a:buFont typeface="Arial" panose="020B0604020202020204" pitchFamily="34" charset="0"/>
+              <a:buChar char="•"/>
+            </a:pPr>
+            <a:r>
+              <a:rPr lang="en-US" sz="2800" dirty="0">
+                <a:solidFill>
+                  <a:srgbClr val="707070"/>
+                </a:solidFill>
+                <a:latin typeface="Consolas" panose="020B0609020204030204" pitchFamily="49" charset="0"/>
+              </a:rPr>
+              <a:t>aina-analytics-systems</a:t>
+            </a:r>
+            <a:r>
+              <a:rPr lang="en-US" sz="2800" dirty="0">
+                <a:solidFill>
+                  <a:srgbClr val="707070"/>
+                </a:solidFill>
+                <a:latin typeface="Pragmatica" panose="020B0403040502020204" pitchFamily="34" charset="0"/>
+              </a:rPr>
+              <a:t>: resources for next course</a:t>
+            </a:r>
+          </a:p>
+          <a:p>
+            <a:pPr marL="457200" indent="-457200">
+              <a:buFont typeface="Arial" panose="020B0604020202020204" pitchFamily="34" charset="0"/>
+              <a:buChar char="•"/>
+            </a:pPr>
+            <a:endParaRPr lang="en-US" sz="2800" dirty="0">
+              <a:solidFill>
+                <a:srgbClr val="707070"/>
+              </a:solidFill>
+              <a:latin typeface="Pragmatica" panose="020B0403040502020204" pitchFamily="34" charset="0"/>
+            </a:endParaRPr>
+          </a:p>
+          <a:p>
+            <a:pPr marL="457200" indent="-457200">
+              <a:buFont typeface="Arial" panose="020B0604020202020204" pitchFamily="34" charset="0"/>
+              <a:buChar char="•"/>
+            </a:pPr>
+            <a:r>
+              <a:rPr lang="en-US" sz="2800" dirty="0">
+                <a:solidFill>
+                  <a:srgbClr val="707070"/>
+                </a:solidFill>
+                <a:latin typeface="Consolas" panose="020B0609020204030204" pitchFamily="49" charset="0"/>
+              </a:rPr>
+              <a:t>docs/accessing-repos.docx</a:t>
+            </a:r>
+            <a:r>
+              <a:rPr lang="en-US" sz="2800" dirty="0">
+                <a:solidFill>
+                  <a:srgbClr val="707070"/>
+                </a:solidFill>
+                <a:latin typeface="Pragmatica" panose="020B0403040502020204" pitchFamily="34" charset="0"/>
+              </a:rPr>
+              <a:t>: notes on accessing repo</a:t>
+            </a:r>
+          </a:p>
+          <a:p>
+            <a:endParaRPr lang="en-US" sz="2800" dirty="0">
+              <a:solidFill>
+                <a:srgbClr val="707070"/>
+              </a:solidFill>
+              <a:latin typeface="Pragmatica" panose="020B0403040502020204" pitchFamily="34" charset="0"/>
+            </a:endParaRPr>
+          </a:p>
+        </p:txBody>
+      </p:sp>
+      <p:pic>
+        <p:nvPicPr>
+          <p:cNvPr id="6" name="Picture 5">
+            <a:extLst>
+              <a:ext uri="{FF2B5EF4-FFF2-40B4-BE49-F238E27FC236}">
+                <a16:creationId xmlns:a16="http://schemas.microsoft.com/office/drawing/2014/main" id="{4D74AE0B-6343-46FD-8A2E-72A4FA123ABF}"/>
+              </a:ext>
+            </a:extLst>
+          </p:cNvPr>
+          <p:cNvPicPr>
+            <a:picLocks noChangeAspect="1"/>
+          </p:cNvPicPr>
+          <p:nvPr/>
+        </p:nvPicPr>
+        <p:blipFill>
+          <a:blip r:embed="rId4"/>
+          <a:stretch>
+            <a:fillRect/>
+          </a:stretch>
+        </p:blipFill>
+        <p:spPr>
+          <a:xfrm>
+            <a:off x="6624952" y="1455194"/>
+            <a:ext cx="4572147" cy="4609018"/>
+          </a:xfrm>
+          <a:prstGeom prst="rect">
+            <a:avLst/>
+          </a:prstGeom>
+        </p:spPr>
+      </p:pic>
+    </p:spTree>
+    <p:extLst>
+      <p:ext uri="{BB962C8B-B14F-4D97-AF65-F5344CB8AC3E}">
+        <p14:creationId xmlns:p14="http://schemas.microsoft.com/office/powerpoint/2010/main" val="2570824533"/>
+      </p:ext>
+    </p:extLst>
+  </p:cSld>
+  <p:clrMapOvr>
+    <a:masterClrMapping/>
+  </p:clrMapOvr>
+</p:sld>
+</file>
+
+<file path=ppt/slides/slide41.xml><?xml version="1.0" encoding="utf-8"?>
+<p:sld xmlns:a="http://schemas.openxmlformats.org/drawingml/2006/main" xmlns:r="http://schemas.openxmlformats.org/officeDocument/2006/relationships" xmlns:p="http://schemas.openxmlformats.org/presentationml/2006/main">
+  <p:cSld>
+    <p:spTree>
+      <p:nvGrpSpPr>
+        <p:cNvPr id="1" name=""/>
+        <p:cNvGrpSpPr/>
+        <p:nvPr/>
+      </p:nvGrpSpPr>
+      <p:grpSpPr>
+        <a:xfrm>
+          <a:off x="0" y="0"/>
+          <a:ext cx="0" cy="0"/>
+          <a:chOff x="0" y="0"/>
+          <a:chExt cx="0" cy="0"/>
+        </a:xfrm>
+      </p:grpSpPr>
+      <p:pic>
+        <p:nvPicPr>
+          <p:cNvPr id="10" name="Picture 9"/>
+          <p:cNvPicPr>
+            <a:picLocks noChangeAspect="1"/>
+          </p:cNvPicPr>
+          <p:nvPr/>
+        </p:nvPicPr>
+        <p:blipFill rotWithShape="1">
+          <a:blip r:embed="rId2">
+            <a:extLst>
+              <a:ext uri="{28A0092B-C50C-407E-A947-70E740481C1C}">
+                <a14:useLocalDpi xmlns:a14="http://schemas.microsoft.com/office/drawing/2010/main" val="0"/>
+              </a:ext>
+            </a:extLst>
+          </a:blip>
+          <a:srcRect l="50728" t="56371"/>
+          <a:stretch/>
+        </p:blipFill>
+        <p:spPr>
+          <a:xfrm>
+            <a:off x="8136460" y="2210765"/>
+            <a:ext cx="4055539" cy="4647236"/>
+          </a:xfrm>
+          <a:prstGeom prst="rect">
+            <a:avLst/>
+          </a:prstGeom>
+        </p:spPr>
+      </p:pic>
+      <p:pic>
+        <p:nvPicPr>
+          <p:cNvPr id="4" name="Picture 3"/>
+          <p:cNvPicPr>
+            <a:picLocks noChangeAspect="1"/>
+          </p:cNvPicPr>
+          <p:nvPr/>
+        </p:nvPicPr>
+        <p:blipFill>
+          <a:blip r:embed="rId3">
+            <a:extLst>
+              <a:ext uri="{28A0092B-C50C-407E-A947-70E740481C1C}">
+                <a14:useLocalDpi xmlns:a14="http://schemas.microsoft.com/office/drawing/2010/main" val="0"/>
+              </a:ext>
+            </a:extLst>
+          </a:blip>
+          <a:stretch>
+            <a:fillRect/>
+          </a:stretch>
+        </p:blipFill>
+        <p:spPr>
+          <a:xfrm>
+            <a:off x="-538496" y="-2482770"/>
+            <a:ext cx="10171472" cy="7459883"/>
+          </a:xfrm>
+          <a:prstGeom prst="rect">
+            <a:avLst/>
+          </a:prstGeom>
+        </p:spPr>
+      </p:pic>
+      <p:sp>
+        <p:nvSpPr>
+          <p:cNvPr id="11" name="TextBox 10"/>
+          <p:cNvSpPr txBox="1"/>
+          <p:nvPr/>
+        </p:nvSpPr>
+        <p:spPr>
+          <a:xfrm>
+            <a:off x="324091" y="1687545"/>
+            <a:ext cx="7986531" cy="1077218"/>
+          </a:xfrm>
+          <a:prstGeom prst="rect">
+            <a:avLst/>
+          </a:prstGeom>
+          <a:noFill/>
+        </p:spPr>
+        <p:txBody>
+          <a:bodyPr wrap="square" rtlCol="0">
+            <a:spAutoFit/>
+          </a:bodyPr>
+          <a:lstStyle/>
+          <a:p>
+            <a:r>
+              <a:rPr lang="en-US" sz="4400" b="1" dirty="0">
+                <a:solidFill>
+                  <a:srgbClr val="707070"/>
+                </a:solidFill>
+                <a:latin typeface="Pragmatica" panose="020B0403040502020204" pitchFamily="34" charset="0"/>
+              </a:rPr>
+              <a:t>Questions?</a:t>
+            </a:r>
+          </a:p>
+          <a:p>
+            <a:endParaRPr lang="en-US" sz="2000" b="1" i="1" dirty="0">
+              <a:solidFill>
+                <a:srgbClr val="707070"/>
+              </a:solidFill>
+              <a:latin typeface="Pragmatica" panose="020B0403040502020204" pitchFamily="34" charset="0"/>
+            </a:endParaRPr>
+          </a:p>
+        </p:txBody>
+      </p:sp>
+    </p:spTree>
+    <p:extLst>
+      <p:ext uri="{BB962C8B-B14F-4D97-AF65-F5344CB8AC3E}">
+        <p14:creationId xmlns:p14="http://schemas.microsoft.com/office/powerpoint/2010/main" val="1875537611"/>
+      </p:ext>
+    </p:extLst>
+  </p:cSld>
+  <p:clrMapOvr>
+    <a:masterClrMapping/>
+  </p:clrMapOvr>
+</p:sld>
+</file>
+
+<file path=ppt/slides/slide42.xml><?xml version="1.0" encoding="utf-8"?>
+<p:sld xmlns:a="http://schemas.openxmlformats.org/drawingml/2006/main" xmlns:r="http://schemas.openxmlformats.org/officeDocument/2006/relationships" xmlns:p="http://schemas.openxmlformats.org/presentationml/2006/main">
+  <p:cSld>
+    <p:spTree>
+      <p:nvGrpSpPr>
+        <p:cNvPr id="1" name=""/>
+        <p:cNvGrpSpPr/>
+        <p:nvPr/>
+      </p:nvGrpSpPr>
+      <p:grpSpPr>
+        <a:xfrm>
+          <a:off x="0" y="0"/>
+          <a:ext cx="0" cy="0"/>
+          <a:chOff x="0" y="0"/>
+          <a:chExt cx="0" cy="0"/>
+        </a:xfrm>
+      </p:grpSpPr>
+      <p:pic>
+        <p:nvPicPr>
+          <p:cNvPr id="10" name="Picture 9"/>
+          <p:cNvPicPr>
+            <a:picLocks noChangeAspect="1"/>
+          </p:cNvPicPr>
+          <p:nvPr/>
+        </p:nvPicPr>
+        <p:blipFill rotWithShape="1">
+          <a:blip r:embed="rId2">
+            <a:extLst>
+              <a:ext uri="{28A0092B-C50C-407E-A947-70E740481C1C}">
+                <a14:useLocalDpi xmlns:a14="http://schemas.microsoft.com/office/drawing/2010/main" val="0"/>
+              </a:ext>
+            </a:extLst>
+          </a:blip>
+          <a:srcRect l="50728" t="56371"/>
+          <a:stretch/>
+        </p:blipFill>
+        <p:spPr>
+          <a:xfrm>
+            <a:off x="8136460" y="2210765"/>
+            <a:ext cx="4055539" cy="4647236"/>
+          </a:xfrm>
+          <a:prstGeom prst="rect">
+            <a:avLst/>
+          </a:prstGeom>
+        </p:spPr>
+      </p:pic>
+      <p:pic>
+        <p:nvPicPr>
+          <p:cNvPr id="4" name="Picture 3"/>
+          <p:cNvPicPr>
+            <a:picLocks noChangeAspect="1"/>
+          </p:cNvPicPr>
+          <p:nvPr/>
+        </p:nvPicPr>
+        <p:blipFill>
+          <a:blip r:embed="rId3">
+            <a:extLst>
+              <a:ext uri="{28A0092B-C50C-407E-A947-70E740481C1C}">
+                <a14:useLocalDpi xmlns:a14="http://schemas.microsoft.com/office/drawing/2010/main" val="0"/>
+              </a:ext>
+            </a:extLst>
+          </a:blip>
+          <a:stretch>
+            <a:fillRect/>
+          </a:stretch>
+        </p:blipFill>
+        <p:spPr>
+          <a:xfrm>
+            <a:off x="-538496" y="-2482770"/>
+            <a:ext cx="10171472" cy="7459883"/>
+          </a:xfrm>
+          <a:prstGeom prst="rect">
+            <a:avLst/>
+          </a:prstGeom>
+        </p:spPr>
+      </p:pic>
+      <p:sp>
+        <p:nvSpPr>
+          <p:cNvPr id="11" name="TextBox 10"/>
+          <p:cNvSpPr txBox="1"/>
+          <p:nvPr/>
+        </p:nvSpPr>
+        <p:spPr>
+          <a:xfrm>
+            <a:off x="324091" y="1687545"/>
+            <a:ext cx="7986531" cy="1384995"/>
+          </a:xfrm>
+          <a:prstGeom prst="rect">
+            <a:avLst/>
+          </a:prstGeom>
+          <a:noFill/>
+        </p:spPr>
+        <p:txBody>
+          <a:bodyPr wrap="square" rtlCol="0">
+            <a:spAutoFit/>
+          </a:bodyPr>
+          <a:lstStyle/>
+          <a:p>
+            <a:r>
+              <a:rPr lang="en-US" sz="2800" b="1" dirty="0">
+                <a:solidFill>
+                  <a:srgbClr val="707070"/>
+                </a:solidFill>
+                <a:latin typeface="Pragmatica" panose="020B0403040502020204" pitchFamily="34" charset="0"/>
+              </a:rPr>
+              <a:t>Event survey: </a:t>
+            </a:r>
+            <a:r>
+              <a:rPr lang="en-US" sz="2800" b="1" dirty="0">
+                <a:solidFill>
+                  <a:srgbClr val="707070"/>
+                </a:solidFill>
+                <a:latin typeface="Pragmatica" panose="020B0403040502020204" pitchFamily="34" charset="0"/>
+                <a:hlinkClick r:id="rId4"/>
+              </a:rPr>
+              <a:t>https://forms.office.com/r/0ZnD0LxpZy</a:t>
+            </a:r>
+            <a:endParaRPr lang="en-US" sz="2800" b="1" dirty="0">
+              <a:solidFill>
+                <a:srgbClr val="707070"/>
+              </a:solidFill>
+              <a:latin typeface="Pragmatica" panose="020B0403040502020204" pitchFamily="34" charset="0"/>
+            </a:endParaRPr>
+          </a:p>
+          <a:p>
+            <a:endParaRPr lang="en-US" sz="2800" b="1" dirty="0">
+              <a:solidFill>
+                <a:srgbClr val="707070"/>
+              </a:solidFill>
+              <a:latin typeface="Pragmatica" panose="020B0403040502020204" pitchFamily="34" charset="0"/>
+            </a:endParaRPr>
+          </a:p>
+        </p:txBody>
+      </p:sp>
+    </p:spTree>
+    <p:extLst>
+      <p:ext uri="{BB962C8B-B14F-4D97-AF65-F5344CB8AC3E}">
+        <p14:creationId xmlns:p14="http://schemas.microsoft.com/office/powerpoint/2010/main" val="3750483225"/>
+      </p:ext>
+    </p:extLst>
+  </p:cSld>
+  <p:clrMapOvr>
+    <a:masterClrMapping/>
+  </p:clrMapOvr>
+</p:sld>
+</file>
+
+<file path=ppt/slides/slide43.xml><?xml version="1.0" encoding="utf-8"?>
+<p:sld xmlns:a="http://schemas.openxmlformats.org/drawingml/2006/main" xmlns:r="http://schemas.openxmlformats.org/officeDocument/2006/relationships" xmlns:p="http://schemas.openxmlformats.org/presentationml/2006/main">
+  <p:cSld>
+    <p:spTree>
+      <p:nvGrpSpPr>
+        <p:cNvPr id="1" name=""/>
+        <p:cNvGrpSpPr/>
+        <p:nvPr/>
+      </p:nvGrpSpPr>
+      <p:grpSpPr>
+        <a:xfrm>
+          <a:off x="0" y="0"/>
+          <a:ext cx="0" cy="0"/>
+          <a:chOff x="0" y="0"/>
+          <a:chExt cx="0" cy="0"/>
+        </a:xfrm>
+      </p:grpSpPr>
+      <p:pic>
+        <p:nvPicPr>
+          <p:cNvPr id="10" name="Picture 9"/>
+          <p:cNvPicPr>
+            <a:picLocks noChangeAspect="1"/>
+          </p:cNvPicPr>
+          <p:nvPr/>
+        </p:nvPicPr>
+        <p:blipFill rotWithShape="1">
+          <a:blip r:embed="rId2">
+            <a:extLst>
+              <a:ext uri="{28A0092B-C50C-407E-A947-70E740481C1C}">
+                <a14:useLocalDpi xmlns:a14="http://schemas.microsoft.com/office/drawing/2010/main" val="0"/>
+              </a:ext>
+            </a:extLst>
+          </a:blip>
+          <a:srcRect l="50728" t="56371"/>
+          <a:stretch/>
+        </p:blipFill>
+        <p:spPr>
+          <a:xfrm>
+            <a:off x="8136460" y="2210765"/>
+            <a:ext cx="4055539" cy="4647236"/>
+          </a:xfrm>
+          <a:prstGeom prst="rect">
+            <a:avLst/>
+          </a:prstGeom>
+        </p:spPr>
+      </p:pic>
+      <p:pic>
+        <p:nvPicPr>
+          <p:cNvPr id="4" name="Picture 3"/>
+          <p:cNvPicPr>
+            <a:picLocks noChangeAspect="1"/>
+          </p:cNvPicPr>
+          <p:nvPr/>
+        </p:nvPicPr>
+        <p:blipFill>
+          <a:blip r:embed="rId3">
+            <a:extLst>
+              <a:ext uri="{28A0092B-C50C-407E-A947-70E740481C1C}">
+                <a14:useLocalDpi xmlns:a14="http://schemas.microsoft.com/office/drawing/2010/main" val="0"/>
+              </a:ext>
+            </a:extLst>
+          </a:blip>
+          <a:stretch>
+            <a:fillRect/>
+          </a:stretch>
+        </p:blipFill>
+        <p:spPr>
+          <a:xfrm>
+            <a:off x="-538496" y="-2482770"/>
+            <a:ext cx="10171472" cy="7459883"/>
+          </a:xfrm>
+          <a:prstGeom prst="rect">
+            <a:avLst/>
+          </a:prstGeom>
+        </p:spPr>
+      </p:pic>
+      <p:sp>
+        <p:nvSpPr>
+          <p:cNvPr id="11" name="TextBox 10"/>
+          <p:cNvSpPr txBox="1"/>
+          <p:nvPr/>
+        </p:nvSpPr>
+        <p:spPr>
+          <a:xfrm>
+            <a:off x="324091" y="1687545"/>
+            <a:ext cx="7986531" cy="2369880"/>
+          </a:xfrm>
+          <a:prstGeom prst="rect">
+            <a:avLst/>
+          </a:prstGeom>
+          <a:noFill/>
+        </p:spPr>
+        <p:txBody>
+          <a:bodyPr wrap="square" rtlCol="0">
+            <a:spAutoFit/>
+          </a:bodyPr>
+          <a:lstStyle/>
+          <a:p>
+            <a:r>
+              <a:rPr lang="en-US" sz="3600" b="1" dirty="0">
+                <a:solidFill>
+                  <a:srgbClr val="707070"/>
+                </a:solidFill>
+                <a:latin typeface="Pragmatica" panose="020B0403040502020204" pitchFamily="34" charset="0"/>
+              </a:rPr>
+              <a:t>THANK YOU</a:t>
+            </a:r>
+          </a:p>
+          <a:p>
+            <a:endParaRPr lang="en-US" sz="2800" b="1" dirty="0">
+              <a:solidFill>
+                <a:srgbClr val="707070"/>
+              </a:solidFill>
+              <a:latin typeface="Pragmatica" panose="020B0403040502020204" pitchFamily="34" charset="0"/>
+            </a:endParaRPr>
+          </a:p>
+          <a:p>
+            <a:r>
+              <a:rPr lang="en-US" sz="2800" b="1" dirty="0">
+                <a:solidFill>
+                  <a:srgbClr val="707070"/>
+                </a:solidFill>
+                <a:latin typeface="Pragmatica" panose="020B0403040502020204" pitchFamily="34" charset="0"/>
+                <a:hlinkClick r:id="rId4"/>
+              </a:rPr>
+              <a:t>george@stringfestanalytics.com</a:t>
+            </a:r>
+            <a:endParaRPr lang="en-US" sz="2800" b="1" dirty="0">
+              <a:solidFill>
+                <a:srgbClr val="707070"/>
+              </a:solidFill>
+              <a:latin typeface="Pragmatica" panose="020B0403040502020204" pitchFamily="34" charset="0"/>
+            </a:endParaRPr>
+          </a:p>
+          <a:p>
+            <a:r>
+              <a:rPr lang="en-US" sz="2800" b="1" dirty="0">
+                <a:solidFill>
+                  <a:srgbClr val="707070"/>
+                </a:solidFill>
+                <a:latin typeface="Pragmatica" panose="020B0403040502020204" pitchFamily="34" charset="0"/>
+                <a:hlinkClick r:id="rId5"/>
+              </a:rPr>
+              <a:t>linkedin.com/in/gjmount</a:t>
+            </a:r>
+            <a:endParaRPr lang="en-US" sz="2800" b="1" dirty="0">
+              <a:solidFill>
+                <a:srgbClr val="707070"/>
+              </a:solidFill>
+              <a:latin typeface="Pragmatica" panose="020B0403040502020204" pitchFamily="34" charset="0"/>
+            </a:endParaRPr>
+          </a:p>
+          <a:p>
+            <a:r>
+              <a:rPr lang="en-US" sz="2800" b="1" dirty="0">
+                <a:solidFill>
+                  <a:srgbClr val="707070"/>
+                </a:solidFill>
+                <a:latin typeface="Pragmatica" panose="020B0403040502020204" pitchFamily="34" charset="0"/>
+                <a:hlinkClick r:id="rId6"/>
+              </a:rPr>
+              <a:t>stringfestanalytics.com/contact  </a:t>
+            </a:r>
+            <a:endParaRPr lang="en-US" sz="2800" b="1" dirty="0">
+              <a:solidFill>
+                <a:srgbClr val="707070"/>
+              </a:solidFill>
+              <a:latin typeface="Pragmatica" panose="020B0403040502020204" pitchFamily="34" charset="0"/>
+            </a:endParaRPr>
+          </a:p>
+        </p:txBody>
+      </p:sp>
+    </p:spTree>
+    <p:extLst>
+      <p:ext uri="{BB962C8B-B14F-4D97-AF65-F5344CB8AC3E}">
+        <p14:creationId xmlns:p14="http://schemas.microsoft.com/office/powerpoint/2010/main" val="2526414099"/>
       </p:ext>
     </p:extLst>
   </p:cSld>

--- a/aina-foundations-of-analytics.pptx
+++ b/aina-foundations-of-analytics.pptx
@@ -16180,7 +16180,7 @@
         <p:spPr>
           <a:xfrm>
             <a:off x="324091" y="1687545"/>
-            <a:ext cx="7986531" cy="769441"/>
+            <a:ext cx="7986531" cy="2123658"/>
           </a:xfrm>
           <a:prstGeom prst="rect">
             <a:avLst/>
@@ -16201,6 +16201,25 @@
                 <a:latin typeface="Pragmatica" panose="020B0403040502020204" pitchFamily="34" charset="0"/>
               </a:rPr>
               <a:t>Questions?</a:t>
+            </a:r>
+          </a:p>
+          <a:p>
+            <a:endParaRPr lang="en-US" sz="4400" b="1" dirty="0">
+              <a:solidFill>
+                <a:srgbClr val="707070"/>
+              </a:solidFill>
+              <a:latin typeface="Pragmatica" panose="020B0403040502020204" pitchFamily="34" charset="0"/>
+            </a:endParaRPr>
+          </a:p>
+          <a:p>
+            <a:r>
+              <a:rPr lang="en-US" sz="4400" dirty="0">
+                <a:solidFill>
+                  <a:srgbClr val="707070"/>
+                </a:solidFill>
+                <a:latin typeface="Pragmatica" panose="020B0403040502020204" pitchFamily="34" charset="0"/>
+              </a:rPr>
+              <a:t>Tell us about yourself in the chat!</a:t>
             </a:r>
           </a:p>
         </p:txBody>

--- a/aina-foundations-of-analytics.pptx
+++ b/aina-foundations-of-analytics.pptx
@@ -2632,8 +2632,38 @@
           <a:p>
             <a:r>
               <a:rPr lang="en-US" dirty="0"/>
-              <a:t>OK so let’s say you’ve been give</a:t>
-            </a:r>
+              <a:t>OK so let’s say you’ve been assigned some sort of analytics project and I’m guessing if you’re here you’d like to be. How is it going to work, what is your role? I consider the role of analyst to be like that of </a:t>
+            </a:r>
+            <a:r>
+              <a:rPr lang="en-US" dirty="0" err="1"/>
+              <a:t>mythbuster</a:t>
+            </a:r>
+            <a:r>
+              <a:rPr lang="en-US" dirty="0"/>
+              <a:t>. Finding interesting things that people assume to be true and seeing what the evidence has to say. </a:t>
+            </a:r>
+          </a:p>
+          <a:p>
+            <a:endParaRPr lang="en-US" dirty="0"/>
+          </a:p>
+          <a:p>
+            <a:r>
+              <a:rPr lang="en-US" dirty="0"/>
+              <a:t>So you know your basic mission and ultimately your product is that. What rhetorical questions, urban myths </a:t>
+            </a:r>
+            <a:r>
+              <a:rPr lang="en-US" dirty="0" err="1"/>
+              <a:t>etc</a:t>
+            </a:r>
+            <a:r>
+              <a:rPr lang="en-US" dirty="0"/>
+              <a:t> can the </a:t>
+            </a:r>
+            <a:r>
+              <a:rPr lang="en-US"/>
+              <a:t>data answer? </a:t>
+            </a:r>
+            <a:endParaRPr lang="en-US" dirty="0"/>
           </a:p>
         </p:txBody>
       </p:sp>
@@ -19119,7 +19149,7 @@
         <p:spPr>
           <a:xfrm>
             <a:off x="173620" y="219919"/>
-            <a:ext cx="5937813" cy="1384995"/>
+            <a:ext cx="6400800" cy="2246769"/>
           </a:xfrm>
           <a:prstGeom prst="rect">
             <a:avLst/>
@@ -19172,6 +19202,46 @@
                 <a:latin typeface="Pragmatica" panose="020B0403040502020204"/>
               </a:rPr>
               <a:t>Classify each variable type</a:t>
+            </a:r>
+          </a:p>
+          <a:p>
+            <a:pPr marL="457200" indent="-457200">
+              <a:buFont typeface="Arial" panose="020B0604020202020204" pitchFamily="34" charset="0"/>
+              <a:buChar char="•"/>
+            </a:pPr>
+            <a:r>
+              <a:rPr lang="en-US" sz="2800" b="1" dirty="0">
+                <a:solidFill>
+                  <a:srgbClr val="CF3338"/>
+                </a:solidFill>
+                <a:latin typeface="Pragmatica" panose="020B0403040502020204"/>
+              </a:rPr>
+              <a:t>Variable descriptions: </a:t>
+            </a:r>
+            <a:r>
+              <a:rPr lang="en-US" sz="2800" b="1" dirty="0">
+                <a:solidFill>
+                  <a:srgbClr val="C00000"/>
+                </a:solidFill>
+                <a:latin typeface="Pragmatica" panose="020B0403040502020204"/>
+                <a:hlinkClick r:id="rId4">
+                  <a:extLst>
+                    <a:ext uri="{A12FA001-AC4F-418D-AE19-62706E023703}">
+                      <ahyp:hlinkClr xmlns:ahyp="http://schemas.microsoft.com/office/drawing/2018/hyperlinkcolor" val="tx"/>
+                    </a:ext>
+                  </a:extLst>
+                </a:hlinkClick>
+              </a:rPr>
+              <a:t>https://bit.ly/3BJJyue</a:t>
+            </a:r>
+            <a:r>
+              <a:rPr lang="en-US" sz="2800" b="1" dirty="0">
+                <a:solidFill>
+                  <a:srgbClr val="C00000"/>
+                </a:solidFill>
+                <a:latin typeface="Pragmatica" panose="020B0403040502020204"/>
+              </a:rPr>
+              <a:t>  </a:t>
             </a:r>
           </a:p>
         </p:txBody>
@@ -19191,7 +19261,7 @@
           <p:nvPr/>
         </p:nvPicPr>
         <p:blipFill>
-          <a:blip r:embed="rId4">
+          <a:blip r:embed="rId5">
             <a:extLst>
               <a:ext uri="{28A0092B-C50C-407E-A947-70E740481C1C}">
                 <a14:useLocalDpi xmlns:a14="http://schemas.microsoft.com/office/drawing/2010/main" val="0"/>
@@ -19204,7 +19274,7 @@
         </p:blipFill>
         <p:spPr>
           <a:xfrm>
-            <a:off x="501914" y="2252998"/>
+            <a:off x="605178" y="2654861"/>
             <a:ext cx="10500602" cy="3798554"/>
           </a:xfrm>
           <a:prstGeom prst="rect">
@@ -19226,8 +19296,8 @@
         </p:nvSpPr>
         <p:spPr>
           <a:xfrm>
-            <a:off x="173620" y="6240108"/>
-            <a:ext cx="5937813" cy="646331"/>
+            <a:off x="-9260" y="6453415"/>
+            <a:ext cx="10687420" cy="369332"/>
           </a:xfrm>
           <a:prstGeom prst="rect">
             <a:avLst/>
@@ -19723,7 +19793,7 @@
             <a:r>
               <a:rPr lang="en-US" sz="2800" b="1" dirty="0">
                 <a:solidFill>
-                  <a:srgbClr val="707070"/>
+                  <a:srgbClr val="C00000"/>
                 </a:solidFill>
                 <a:latin typeface="Pragmatica" panose="020B0403040502020204"/>
                 <a:hlinkClick r:id="rId4">
@@ -19739,7 +19809,7 @@
             <a:r>
               <a:rPr lang="en-US" sz="2800" b="1" dirty="0">
                 <a:solidFill>
-                  <a:srgbClr val="707070"/>
+                  <a:srgbClr val="C00000"/>
                 </a:solidFill>
                 <a:latin typeface="Pragmatica" panose="020B0403040502020204"/>
               </a:rPr>

--- a/aina-foundations-of-analytics.pptx
+++ b/aina-foundations-of-analytics.pptx
@@ -2657,13 +2657,8 @@
             </a:r>
             <a:r>
               <a:rPr lang="en-US" dirty="0"/>
-              <a:t> can the </a:t>
-            </a:r>
-            <a:r>
-              <a:rPr lang="en-US"/>
-              <a:t>data answer? </a:t>
-            </a:r>
-            <a:endParaRPr lang="en-US" dirty="0"/>
+              <a:t> can the data answer? </a:t>
+            </a:r>
           </a:p>
         </p:txBody>
       </p:sp>
@@ -2749,7 +2744,48 @@
           <a:p>
             <a:r>
               <a:rPr lang="en-US" dirty="0"/>
-              <a:t>How could we hook this? </a:t>
+              <a:t>All right, so you know our end goal here is to communicate our busted myths to the audience. We will get to the </a:t>
+            </a:r>
+            <a:r>
+              <a:rPr lang="en-US" i="1" dirty="0"/>
+              <a:t>how </a:t>
+            </a:r>
+            <a:r>
+              <a:rPr lang="en-US" i="0" dirty="0"/>
+              <a:t>later. For now let’s start on the </a:t>
+            </a:r>
+            <a:r>
+              <a:rPr lang="en-US" i="1" dirty="0"/>
+              <a:t>what </a:t>
+            </a:r>
+            <a:r>
+              <a:rPr lang="en-US" i="0" dirty="0"/>
+              <a:t>– what are we going to show the audience? </a:t>
+            </a:r>
+          </a:p>
+          <a:p>
+            <a:endParaRPr lang="en-US" i="0" dirty="0"/>
+          </a:p>
+          <a:p>
+            <a:r>
+              <a:rPr lang="en-US" dirty="0"/>
+              <a:t>The later into this process we are, the more likely the audience is going to care. There’s not a sharp </a:t>
+            </a:r>
+            <a:r>
+              <a:rPr lang="en-US" dirty="0" err="1"/>
+              <a:t>dropoff</a:t>
+            </a:r>
+            <a:r>
+              <a:rPr lang="en-US" dirty="0"/>
+              <a:t> </a:t>
+            </a:r>
+            <a:r>
+              <a:rPr lang="en-US" dirty="0" err="1"/>
+              <a:t>pont</a:t>
+            </a:r>
+            <a:r>
+              <a:rPr lang="en-US" dirty="0"/>
+              <a:t>. </a:t>
             </a:r>
           </a:p>
         </p:txBody>
@@ -2771,7 +2807,7 @@
           <a:p>
             <a:fld id="{F9DB3DAC-CD90-4DD2-80B1-E135CFB4F8DD}" type="slidenum">
               <a:rPr lang="en-US" smtClean="0"/>
-              <a:t>21</a:t>
+              <a:t>18</a:t>
             </a:fld>
             <a:endParaRPr lang="en-US"/>
           </a:p>
@@ -2780,7 +2816,7 @@
     </p:spTree>
     <p:extLst>
       <p:ext uri="{BB962C8B-B14F-4D97-AF65-F5344CB8AC3E}">
-        <p14:creationId xmlns:p14="http://schemas.microsoft.com/office/powerpoint/2010/main" val="3803654823"/>
+        <p14:creationId xmlns:p14="http://schemas.microsoft.com/office/powerpoint/2010/main" val="3702878797"/>
       </p:ext>
     </p:extLst>
   </p:cSld>
@@ -2835,24 +2871,9 @@
           <a:lstStyle/>
           <a:p>
             <a:r>
-              <a:rPr lang="en-US" sz="1800" b="0" i="0" u="none" strike="noStrike" baseline="0" dirty="0">
-                <a:latin typeface="Open Sans" panose="020B0606030504020204" pitchFamily="34" charset="0"/>
-              </a:rPr>
-              <a:t>This is your time to "hook" the audience into your work and </a:t>
-            </a:r>
-            <a:r>
-              <a:rPr lang="en-US" sz="1800" b="0" i="0" u="none" strike="noStrike" baseline="0" dirty="0" err="1">
-                <a:latin typeface="Open Sans" panose="020B0606030504020204" pitchFamily="34" charset="0"/>
-              </a:rPr>
-              <a:t>situtate</a:t>
-            </a:r>
-            <a:r>
-              <a:rPr lang="en-US" sz="1800" b="0" i="0" u="none" strike="noStrike" baseline="0" dirty="0">
-                <a:latin typeface="Open Sans" panose="020B0606030504020204" pitchFamily="34" charset="0"/>
-              </a:rPr>
-              <a:t> the project into its wider context. Explain what makes the topic interesting and how you arrived at the questions you asked. Consider leading off with an interesting quote or anecdote related to the topic </a:t>
-            </a:r>
-            <a:endParaRPr lang="en-US" dirty="0"/>
+              <a:rPr lang="en-US" dirty="0"/>
+              <a:t>How could we hook this? </a:t>
+            </a:r>
           </a:p>
         </p:txBody>
       </p:sp>
@@ -2873,7 +2894,7 @@
           <a:p>
             <a:fld id="{F9DB3DAC-CD90-4DD2-80B1-E135CFB4F8DD}" type="slidenum">
               <a:rPr lang="en-US" smtClean="0"/>
-              <a:t>23</a:t>
+              <a:t>21</a:t>
             </a:fld>
             <a:endParaRPr lang="en-US"/>
           </a:p>
@@ -2882,7 +2903,7 @@
     </p:spTree>
     <p:extLst>
       <p:ext uri="{BB962C8B-B14F-4D97-AF65-F5344CB8AC3E}">
-        <p14:creationId xmlns:p14="http://schemas.microsoft.com/office/powerpoint/2010/main" val="1336732442"/>
+        <p14:creationId xmlns:p14="http://schemas.microsoft.com/office/powerpoint/2010/main" val="3803654823"/>
       </p:ext>
     </p:extLst>
   </p:cSld>
@@ -2975,7 +2996,7 @@
           <a:p>
             <a:fld id="{F9DB3DAC-CD90-4DD2-80B1-E135CFB4F8DD}" type="slidenum">
               <a:rPr lang="en-US" smtClean="0"/>
-              <a:t>24</a:t>
+              <a:t>23</a:t>
             </a:fld>
             <a:endParaRPr lang="en-US"/>
           </a:p>
@@ -2984,7 +3005,7 @@
     </p:spTree>
     <p:extLst>
       <p:ext uri="{BB962C8B-B14F-4D97-AF65-F5344CB8AC3E}">
-        <p14:creationId xmlns:p14="http://schemas.microsoft.com/office/powerpoint/2010/main" val="990427597"/>
+        <p14:creationId xmlns:p14="http://schemas.microsoft.com/office/powerpoint/2010/main" val="1336732442"/>
       </p:ext>
     </p:extLst>
   </p:cSld>
@@ -3039,9 +3060,24 @@
           <a:lstStyle/>
           <a:p>
             <a:r>
-              <a:rPr lang="en-US" dirty="0"/>
-              <a:t>Ask a student if they’d like to share their screen and walk through it </a:t>
-            </a:r>
+              <a:rPr lang="en-US" sz="1800" b="0" i="0" u="none" strike="noStrike" baseline="0" dirty="0">
+                <a:latin typeface="Open Sans" panose="020B0606030504020204" pitchFamily="34" charset="0"/>
+              </a:rPr>
+              <a:t>This is your time to "hook" the audience into your work and </a:t>
+            </a:r>
+            <a:r>
+              <a:rPr lang="en-US" sz="1800" b="0" i="0" u="none" strike="noStrike" baseline="0" dirty="0" err="1">
+                <a:latin typeface="Open Sans" panose="020B0606030504020204" pitchFamily="34" charset="0"/>
+              </a:rPr>
+              <a:t>situtate</a:t>
+            </a:r>
+            <a:r>
+              <a:rPr lang="en-US" sz="1800" b="0" i="0" u="none" strike="noStrike" baseline="0" dirty="0">
+                <a:latin typeface="Open Sans" panose="020B0606030504020204" pitchFamily="34" charset="0"/>
+              </a:rPr>
+              <a:t> the project into its wider context. Explain what makes the topic interesting and how you arrived at the questions you asked. Consider leading off with an interesting quote or anecdote related to the topic </a:t>
+            </a:r>
+            <a:endParaRPr lang="en-US" dirty="0"/>
           </a:p>
         </p:txBody>
       </p:sp>
@@ -3060,9 +3096,9 @@
           <a:bodyPr/>
           <a:lstStyle/>
           <a:p>
-            <a:fld id="{3BB66621-ADCC-4EF8-8003-B9D3E881DCD2}" type="slidenum">
+            <a:fld id="{F9DB3DAC-CD90-4DD2-80B1-E135CFB4F8DD}" type="slidenum">
               <a:rPr lang="en-US" smtClean="0"/>
-              <a:t>25</a:t>
+              <a:t>24</a:t>
             </a:fld>
             <a:endParaRPr lang="en-US"/>
           </a:p>
@@ -3071,7 +3107,7 @@
     </p:spTree>
     <p:extLst>
       <p:ext uri="{BB962C8B-B14F-4D97-AF65-F5344CB8AC3E}">
-        <p14:creationId xmlns:p14="http://schemas.microsoft.com/office/powerpoint/2010/main" val="2540257717"/>
+        <p14:creationId xmlns:p14="http://schemas.microsoft.com/office/powerpoint/2010/main" val="990427597"/>
       </p:ext>
     </p:extLst>
   </p:cSld>
@@ -3126,24 +3162,9 @@
           <a:lstStyle/>
           <a:p>
             <a:r>
-              <a:rPr lang="en-US" sz="1800" b="0" i="0" u="none" strike="noStrike" baseline="0" dirty="0">
-                <a:latin typeface="Open Sans" panose="020B0606030504020204" pitchFamily="34" charset="0"/>
-              </a:rPr>
-              <a:t>This is your time to "hook" the audience into your work and </a:t>
-            </a:r>
-            <a:r>
-              <a:rPr lang="en-US" sz="1800" b="0" i="0" u="none" strike="noStrike" baseline="0" dirty="0" err="1">
-                <a:latin typeface="Open Sans" panose="020B0606030504020204" pitchFamily="34" charset="0"/>
-              </a:rPr>
-              <a:t>situtate</a:t>
-            </a:r>
-            <a:r>
-              <a:rPr lang="en-US" sz="1800" b="0" i="0" u="none" strike="noStrike" baseline="0" dirty="0">
-                <a:latin typeface="Open Sans" panose="020B0606030504020204" pitchFamily="34" charset="0"/>
-              </a:rPr>
-              <a:t> the project into its wider context. Explain what makes the topic interesting and how you arrived at the questions you asked. Consider leading off with an interesting quote or anecdote related to the topic </a:t>
-            </a:r>
-            <a:endParaRPr lang="en-US" dirty="0"/>
+              <a:rPr lang="en-US" dirty="0"/>
+              <a:t>Ask a student if they’d like to share their screen and walk through it </a:t>
+            </a:r>
           </a:p>
         </p:txBody>
       </p:sp>
@@ -3162,9 +3183,9 @@
           <a:bodyPr/>
           <a:lstStyle/>
           <a:p>
-            <a:fld id="{F9DB3DAC-CD90-4DD2-80B1-E135CFB4F8DD}" type="slidenum">
+            <a:fld id="{3BB66621-ADCC-4EF8-8003-B9D3E881DCD2}" type="slidenum">
               <a:rPr lang="en-US" smtClean="0"/>
-              <a:t>26</a:t>
+              <a:t>25</a:t>
             </a:fld>
             <a:endParaRPr lang="en-US"/>
           </a:p>
@@ -3173,7 +3194,7 @@
     </p:spTree>
     <p:extLst>
       <p:ext uri="{BB962C8B-B14F-4D97-AF65-F5344CB8AC3E}">
-        <p14:creationId xmlns:p14="http://schemas.microsoft.com/office/powerpoint/2010/main" val="452141436"/>
+        <p14:creationId xmlns:p14="http://schemas.microsoft.com/office/powerpoint/2010/main" val="2540257717"/>
       </p:ext>
     </p:extLst>
   </p:cSld>
@@ -3353,7 +3374,7 @@
           <a:p>
             <a:fld id="{F9DB3DAC-CD90-4DD2-80B1-E135CFB4F8DD}" type="slidenum">
               <a:rPr lang="en-US" smtClean="0"/>
-              <a:t>28</a:t>
+              <a:t>26</a:t>
             </a:fld>
             <a:endParaRPr lang="en-US"/>
           </a:p>
@@ -3362,7 +3383,7 @@
     </p:spTree>
     <p:extLst>
       <p:ext uri="{BB962C8B-B14F-4D97-AF65-F5344CB8AC3E}">
-        <p14:creationId xmlns:p14="http://schemas.microsoft.com/office/powerpoint/2010/main" val="3597266606"/>
+        <p14:creationId xmlns:p14="http://schemas.microsoft.com/office/powerpoint/2010/main" val="452141436"/>
       </p:ext>
     </p:extLst>
   </p:cSld>
@@ -3417,9 +3438,24 @@
           <a:lstStyle/>
           <a:p>
             <a:r>
-              <a:rPr lang="en-US" dirty="0"/>
-              <a:t>Ask a student if they’d like to share their screen and walk through it </a:t>
-            </a:r>
+              <a:rPr lang="en-US" sz="1800" b="0" i="0" u="none" strike="noStrike" baseline="0" dirty="0">
+                <a:latin typeface="Open Sans" panose="020B0606030504020204" pitchFamily="34" charset="0"/>
+              </a:rPr>
+              <a:t>This is your time to "hook" the audience into your work and </a:t>
+            </a:r>
+            <a:r>
+              <a:rPr lang="en-US" sz="1800" b="0" i="0" u="none" strike="noStrike" baseline="0" dirty="0" err="1">
+                <a:latin typeface="Open Sans" panose="020B0606030504020204" pitchFamily="34" charset="0"/>
+              </a:rPr>
+              <a:t>situtate</a:t>
+            </a:r>
+            <a:r>
+              <a:rPr lang="en-US" sz="1800" b="0" i="0" u="none" strike="noStrike" baseline="0" dirty="0">
+                <a:latin typeface="Open Sans" panose="020B0606030504020204" pitchFamily="34" charset="0"/>
+              </a:rPr>
+              <a:t> the project into its wider context. Explain what makes the topic interesting and how you arrived at the questions you asked. Consider leading off with an interesting quote or anecdote related to the topic </a:t>
+            </a:r>
+            <a:endParaRPr lang="en-US" dirty="0"/>
           </a:p>
         </p:txBody>
       </p:sp>
@@ -3438,9 +3474,9 @@
           <a:bodyPr/>
           <a:lstStyle/>
           <a:p>
-            <a:fld id="{3BB66621-ADCC-4EF8-8003-B9D3E881DCD2}" type="slidenum">
+            <a:fld id="{F9DB3DAC-CD90-4DD2-80B1-E135CFB4F8DD}" type="slidenum">
               <a:rPr lang="en-US" smtClean="0"/>
-              <a:t>29</a:t>
+              <a:t>28</a:t>
             </a:fld>
             <a:endParaRPr lang="en-US"/>
           </a:p>
@@ -3449,7 +3485,7 @@
     </p:spTree>
     <p:extLst>
       <p:ext uri="{BB962C8B-B14F-4D97-AF65-F5344CB8AC3E}">
-        <p14:creationId xmlns:p14="http://schemas.microsoft.com/office/powerpoint/2010/main" val="2350725257"/>
+        <p14:creationId xmlns:p14="http://schemas.microsoft.com/office/powerpoint/2010/main" val="3597266606"/>
       </p:ext>
     </p:extLst>
   </p:cSld>
@@ -3504,24 +3540,9 @@
           <a:lstStyle/>
           <a:p>
             <a:r>
-              <a:rPr lang="en-US" sz="1800" b="0" i="0" u="none" strike="noStrike" baseline="0" dirty="0">
-                <a:latin typeface="Open Sans" panose="020B0606030504020204" pitchFamily="34" charset="0"/>
-              </a:rPr>
-              <a:t>This is your time to "hook" the audience into your work and </a:t>
-            </a:r>
-            <a:r>
-              <a:rPr lang="en-US" sz="1800" b="0" i="0" u="none" strike="noStrike" baseline="0" dirty="0" err="1">
-                <a:latin typeface="Open Sans" panose="020B0606030504020204" pitchFamily="34" charset="0"/>
-              </a:rPr>
-              <a:t>situtate</a:t>
-            </a:r>
-            <a:r>
-              <a:rPr lang="en-US" sz="1800" b="0" i="0" u="none" strike="noStrike" baseline="0" dirty="0">
-                <a:latin typeface="Open Sans" panose="020B0606030504020204" pitchFamily="34" charset="0"/>
-              </a:rPr>
-              <a:t> the project into its wider context. Explain what makes the topic interesting and how you arrived at the questions you asked. Consider leading off with an interesting quote or anecdote related to the topic </a:t>
-            </a:r>
-            <a:endParaRPr lang="en-US" dirty="0"/>
+              <a:rPr lang="en-US" dirty="0"/>
+              <a:t>Ask a student if they’d like to share their screen and walk through it </a:t>
+            </a:r>
           </a:p>
         </p:txBody>
       </p:sp>
@@ -3540,9 +3561,9 @@
           <a:bodyPr/>
           <a:lstStyle/>
           <a:p>
-            <a:fld id="{F9DB3DAC-CD90-4DD2-80B1-E135CFB4F8DD}" type="slidenum">
+            <a:fld id="{3BB66621-ADCC-4EF8-8003-B9D3E881DCD2}" type="slidenum">
               <a:rPr lang="en-US" smtClean="0"/>
-              <a:t>30</a:t>
+              <a:t>29</a:t>
             </a:fld>
             <a:endParaRPr lang="en-US"/>
           </a:p>
@@ -3551,7 +3572,7 @@
     </p:spTree>
     <p:extLst>
       <p:ext uri="{BB962C8B-B14F-4D97-AF65-F5344CB8AC3E}">
-        <p14:creationId xmlns:p14="http://schemas.microsoft.com/office/powerpoint/2010/main" val="508149918"/>
+        <p14:creationId xmlns:p14="http://schemas.microsoft.com/office/powerpoint/2010/main" val="2350725257"/>
       </p:ext>
     </p:extLst>
   </p:cSld>
@@ -3606,9 +3627,24 @@
           <a:lstStyle/>
           <a:p>
             <a:r>
-              <a:rPr lang="en-US" dirty="0"/>
-              <a:t>Ask a student if they’d like to share their screen and walk through it </a:t>
-            </a:r>
+              <a:rPr lang="en-US" sz="1800" b="0" i="0" u="none" strike="noStrike" baseline="0" dirty="0">
+                <a:latin typeface="Open Sans" panose="020B0606030504020204" pitchFamily="34" charset="0"/>
+              </a:rPr>
+              <a:t>This is your time to "hook" the audience into your work and </a:t>
+            </a:r>
+            <a:r>
+              <a:rPr lang="en-US" sz="1800" b="0" i="0" u="none" strike="noStrike" baseline="0" dirty="0" err="1">
+                <a:latin typeface="Open Sans" panose="020B0606030504020204" pitchFamily="34" charset="0"/>
+              </a:rPr>
+              <a:t>situtate</a:t>
+            </a:r>
+            <a:r>
+              <a:rPr lang="en-US" sz="1800" b="0" i="0" u="none" strike="noStrike" baseline="0" dirty="0">
+                <a:latin typeface="Open Sans" panose="020B0606030504020204" pitchFamily="34" charset="0"/>
+              </a:rPr>
+              <a:t> the project into its wider context. Explain what makes the topic interesting and how you arrived at the questions you asked. Consider leading off with an interesting quote or anecdote related to the topic </a:t>
+            </a:r>
+            <a:endParaRPr lang="en-US" dirty="0"/>
           </a:p>
         </p:txBody>
       </p:sp>
@@ -3627,9 +3663,9 @@
           <a:bodyPr/>
           <a:lstStyle/>
           <a:p>
-            <a:fld id="{3BB66621-ADCC-4EF8-8003-B9D3E881DCD2}" type="slidenum">
+            <a:fld id="{F9DB3DAC-CD90-4DD2-80B1-E135CFB4F8DD}" type="slidenum">
               <a:rPr lang="en-US" smtClean="0"/>
-              <a:t>31</a:t>
+              <a:t>30</a:t>
             </a:fld>
             <a:endParaRPr lang="en-US"/>
           </a:p>
@@ -3638,7 +3674,7 @@
     </p:spTree>
     <p:extLst>
       <p:ext uri="{BB962C8B-B14F-4D97-AF65-F5344CB8AC3E}">
-        <p14:creationId xmlns:p14="http://schemas.microsoft.com/office/powerpoint/2010/main" val="1201835936"/>
+        <p14:creationId xmlns:p14="http://schemas.microsoft.com/office/powerpoint/2010/main" val="508149918"/>
       </p:ext>
     </p:extLst>
   </p:cSld>
@@ -3716,7 +3752,7 @@
           <a:p>
             <a:fld id="{3BB66621-ADCC-4EF8-8003-B9D3E881DCD2}" type="slidenum">
               <a:rPr lang="en-US" smtClean="0"/>
-              <a:t>33</a:t>
+              <a:t>31</a:t>
             </a:fld>
             <a:endParaRPr lang="en-US"/>
           </a:p>
@@ -3725,7 +3761,7 @@
     </p:spTree>
     <p:extLst>
       <p:ext uri="{BB962C8B-B14F-4D97-AF65-F5344CB8AC3E}">
-        <p14:creationId xmlns:p14="http://schemas.microsoft.com/office/powerpoint/2010/main" val="847546632"/>
+        <p14:creationId xmlns:p14="http://schemas.microsoft.com/office/powerpoint/2010/main" val="1201835936"/>
       </p:ext>
     </p:extLst>
   </p:cSld>
@@ -3779,39 +3815,10 @@
           <a:bodyPr/>
           <a:lstStyle/>
           <a:p>
-            <a:pPr>
-              <a:buClr>
-                <a:srgbClr val="CF3338"/>
-              </a:buClr>
-            </a:pPr>
-            <a:r>
-              <a:rPr lang="en-US" sz="1200" i="1" dirty="0">
-                <a:solidFill>
-                  <a:srgbClr val="707070"/>
-                </a:solidFill>
-                <a:latin typeface="Pragmatica" panose="020B0403040502020204" pitchFamily="34" charset="0"/>
-              </a:rPr>
-              <a:t>By the end of this book, you should be able to conduct exploratory data analysis and</a:t>
-            </a:r>
-          </a:p>
-          <a:p>
-            <a:pPr>
-              <a:buClr>
-                <a:srgbClr val="CF3338"/>
-              </a:buClr>
-            </a:pPr>
-            <a:r>
-              <a:rPr lang="en-US" sz="1200" i="1" dirty="0">
-                <a:solidFill>
-                  <a:srgbClr val="707070"/>
-                </a:solidFill>
-                <a:latin typeface="Pragmatica" panose="020B0403040502020204" pitchFamily="34" charset="0"/>
-              </a:rPr>
-              <a:t>hypothesis testing using a programming language.</a:t>
-            </a:r>
-          </a:p>
-          <a:p>
-            <a:endParaRPr lang="en-US" dirty="0"/>
+            <a:r>
+              <a:rPr lang="en-US" dirty="0"/>
+              <a:t>Ask a student if they’d like to share their screen and walk through it </a:t>
+            </a:r>
           </a:p>
         </p:txBody>
       </p:sp>
@@ -3832,7 +3839,7 @@
           <a:p>
             <a:fld id="{3BB66621-ADCC-4EF8-8003-B9D3E881DCD2}" type="slidenum">
               <a:rPr lang="en-US" smtClean="0"/>
-              <a:t>34</a:t>
+              <a:t>33</a:t>
             </a:fld>
             <a:endParaRPr lang="en-US"/>
           </a:p>
@@ -3841,7 +3848,7 @@
     </p:spTree>
     <p:extLst>
       <p:ext uri="{BB962C8B-B14F-4D97-AF65-F5344CB8AC3E}">
-        <p14:creationId xmlns:p14="http://schemas.microsoft.com/office/powerpoint/2010/main" val="3775270168"/>
+        <p14:creationId xmlns:p14="http://schemas.microsoft.com/office/powerpoint/2010/main" val="847546632"/>
       </p:ext>
     </p:extLst>
   </p:cSld>
@@ -3895,6 +3902,38 @@
           <a:bodyPr/>
           <a:lstStyle/>
           <a:p>
+            <a:pPr>
+              <a:buClr>
+                <a:srgbClr val="CF3338"/>
+              </a:buClr>
+            </a:pPr>
+            <a:r>
+              <a:rPr lang="en-US" sz="1200" i="1" dirty="0">
+                <a:solidFill>
+                  <a:srgbClr val="707070"/>
+                </a:solidFill>
+                <a:latin typeface="Pragmatica" panose="020B0403040502020204" pitchFamily="34" charset="0"/>
+              </a:rPr>
+              <a:t>By the end of this book, you should be able to conduct exploratory data analysis and</a:t>
+            </a:r>
+          </a:p>
+          <a:p>
+            <a:pPr>
+              <a:buClr>
+                <a:srgbClr val="CF3338"/>
+              </a:buClr>
+            </a:pPr>
+            <a:r>
+              <a:rPr lang="en-US" sz="1200" i="1" dirty="0">
+                <a:solidFill>
+                  <a:srgbClr val="707070"/>
+                </a:solidFill>
+                <a:latin typeface="Pragmatica" panose="020B0403040502020204" pitchFamily="34" charset="0"/>
+              </a:rPr>
+              <a:t>hypothesis testing using a programming language.</a:t>
+            </a:r>
+          </a:p>
+          <a:p>
             <a:endParaRPr lang="en-US" dirty="0"/>
           </a:p>
         </p:txBody>
@@ -3914,9 +3953,9 @@
           <a:bodyPr/>
           <a:lstStyle/>
           <a:p>
-            <a:fld id="{F9DB3DAC-CD90-4DD2-80B1-E135CFB4F8DD}" type="slidenum">
+            <a:fld id="{3BB66621-ADCC-4EF8-8003-B9D3E881DCD2}" type="slidenum">
               <a:rPr lang="en-US" smtClean="0"/>
-              <a:t>36</a:t>
+              <a:t>34</a:t>
             </a:fld>
             <a:endParaRPr lang="en-US"/>
           </a:p>
@@ -3925,7 +3964,7 @@
     </p:spTree>
     <p:extLst>
       <p:ext uri="{BB962C8B-B14F-4D97-AF65-F5344CB8AC3E}">
-        <p14:creationId xmlns:p14="http://schemas.microsoft.com/office/powerpoint/2010/main" val="1358763884"/>
+        <p14:creationId xmlns:p14="http://schemas.microsoft.com/office/powerpoint/2010/main" val="3775270168"/>
       </p:ext>
     </p:extLst>
   </p:cSld>
@@ -3979,24 +4018,6 @@
           <a:bodyPr/>
           <a:lstStyle/>
           <a:p>
-            <a:r>
-              <a:rPr lang="en-US" sz="1800" b="0" i="0" u="none" strike="noStrike" baseline="0" dirty="0">
-                <a:latin typeface="Open Sans" panose="020B0606030504020204" pitchFamily="34" charset="0"/>
-              </a:rPr>
-              <a:t>This is your time to "hook" the audience into your work and </a:t>
-            </a:r>
-            <a:r>
-              <a:rPr lang="en-US" sz="1800" b="0" i="0" u="none" strike="noStrike" baseline="0" dirty="0" err="1">
-                <a:latin typeface="Open Sans" panose="020B0606030504020204" pitchFamily="34" charset="0"/>
-              </a:rPr>
-              <a:t>situtate</a:t>
-            </a:r>
-            <a:r>
-              <a:rPr lang="en-US" sz="1800" b="0" i="0" u="none" strike="noStrike" baseline="0" dirty="0">
-                <a:latin typeface="Open Sans" panose="020B0606030504020204" pitchFamily="34" charset="0"/>
-              </a:rPr>
-              <a:t> the project into its wider context. Explain what makes the topic interesting and how you arrived at the questions you asked. Consider leading off with an interesting quote or anecdote related to the topic </a:t>
-            </a:r>
             <a:endParaRPr lang="en-US" dirty="0"/>
           </a:p>
         </p:txBody>
@@ -4018,7 +4039,7 @@
           <a:p>
             <a:fld id="{F9DB3DAC-CD90-4DD2-80B1-E135CFB4F8DD}" type="slidenum">
               <a:rPr lang="en-US" smtClean="0"/>
-              <a:t>37</a:t>
+              <a:t>36</a:t>
             </a:fld>
             <a:endParaRPr lang="en-US"/>
           </a:p>
@@ -4027,7 +4048,7 @@
     </p:spTree>
     <p:extLst>
       <p:ext uri="{BB962C8B-B14F-4D97-AF65-F5344CB8AC3E}">
-        <p14:creationId xmlns:p14="http://schemas.microsoft.com/office/powerpoint/2010/main" val="563806648"/>
+        <p14:creationId xmlns:p14="http://schemas.microsoft.com/office/powerpoint/2010/main" val="1358763884"/>
       </p:ext>
     </p:extLst>
   </p:cSld>
@@ -4120,7 +4141,7 @@
           <a:p>
             <a:fld id="{F9DB3DAC-CD90-4DD2-80B1-E135CFB4F8DD}" type="slidenum">
               <a:rPr lang="en-US" smtClean="0"/>
-              <a:t>38</a:t>
+              <a:t>37</a:t>
             </a:fld>
             <a:endParaRPr lang="en-US"/>
           </a:p>
@@ -4129,7 +4150,7 @@
     </p:spTree>
     <p:extLst>
       <p:ext uri="{BB962C8B-B14F-4D97-AF65-F5344CB8AC3E}">
-        <p14:creationId xmlns:p14="http://schemas.microsoft.com/office/powerpoint/2010/main" val="3993979663"/>
+        <p14:creationId xmlns:p14="http://schemas.microsoft.com/office/powerpoint/2010/main" val="563806648"/>
       </p:ext>
     </p:extLst>
   </p:cSld>
@@ -4184,17 +4205,24 @@
           <a:lstStyle/>
           <a:p>
             <a:r>
-              <a:rPr lang="en-US" dirty="0"/>
-              <a:t>Split into breakout </a:t>
-            </a:r>
-            <a:r>
-              <a:rPr lang="en-US" dirty="0" err="1"/>
-              <a:t>grups</a:t>
-            </a:r>
-            <a:r>
-              <a:rPr lang="en-US" dirty="0"/>
-              <a:t> and work on it…. </a:t>
-            </a:r>
+              <a:rPr lang="en-US" sz="1800" b="0" i="0" u="none" strike="noStrike" baseline="0" dirty="0">
+                <a:latin typeface="Open Sans" panose="020B0606030504020204" pitchFamily="34" charset="0"/>
+              </a:rPr>
+              <a:t>This is your time to "hook" the audience into your work and </a:t>
+            </a:r>
+            <a:r>
+              <a:rPr lang="en-US" sz="1800" b="0" i="0" u="none" strike="noStrike" baseline="0" dirty="0" err="1">
+                <a:latin typeface="Open Sans" panose="020B0606030504020204" pitchFamily="34" charset="0"/>
+              </a:rPr>
+              <a:t>situtate</a:t>
+            </a:r>
+            <a:r>
+              <a:rPr lang="en-US" sz="1800" b="0" i="0" u="none" strike="noStrike" baseline="0" dirty="0">
+                <a:latin typeface="Open Sans" panose="020B0606030504020204" pitchFamily="34" charset="0"/>
+              </a:rPr>
+              <a:t> the project into its wider context. Explain what makes the topic interesting and how you arrived at the questions you asked. Consider leading off with an interesting quote or anecdote related to the topic </a:t>
+            </a:r>
+            <a:endParaRPr lang="en-US" dirty="0"/>
           </a:p>
         </p:txBody>
       </p:sp>
@@ -4213,9 +4241,9 @@
           <a:bodyPr/>
           <a:lstStyle/>
           <a:p>
-            <a:fld id="{3BB66621-ADCC-4EF8-8003-B9D3E881DCD2}" type="slidenum">
+            <a:fld id="{F9DB3DAC-CD90-4DD2-80B1-E135CFB4F8DD}" type="slidenum">
               <a:rPr lang="en-US" smtClean="0"/>
-              <a:t>39</a:t>
+              <a:t>38</a:t>
             </a:fld>
             <a:endParaRPr lang="en-US"/>
           </a:p>
@@ -4224,7 +4252,7 @@
     </p:spTree>
     <p:extLst>
       <p:ext uri="{BB962C8B-B14F-4D97-AF65-F5344CB8AC3E}">
-        <p14:creationId xmlns:p14="http://schemas.microsoft.com/office/powerpoint/2010/main" val="3137002129"/>
+        <p14:creationId xmlns:p14="http://schemas.microsoft.com/office/powerpoint/2010/main" val="3993979663"/>
       </p:ext>
     </p:extLst>
   </p:cSld>
@@ -4365,6 +4393,101 @@
           <a:bodyPr/>
           <a:lstStyle/>
           <a:p>
+            <a:r>
+              <a:rPr lang="en-US" dirty="0"/>
+              <a:t>Split into breakout </a:t>
+            </a:r>
+            <a:r>
+              <a:rPr lang="en-US" dirty="0" err="1"/>
+              <a:t>grups</a:t>
+            </a:r>
+            <a:r>
+              <a:rPr lang="en-US" dirty="0"/>
+              <a:t> and work on it…. </a:t>
+            </a:r>
+          </a:p>
+        </p:txBody>
+      </p:sp>
+      <p:sp>
+        <p:nvSpPr>
+          <p:cNvPr id="4" name="Slide Number Placeholder 3"/>
+          <p:cNvSpPr>
+            <a:spLocks noGrp="1"/>
+          </p:cNvSpPr>
+          <p:nvPr>
+            <p:ph type="sldNum" sz="quarter" idx="5"/>
+          </p:nvPr>
+        </p:nvSpPr>
+        <p:spPr/>
+        <p:txBody>
+          <a:bodyPr/>
+          <a:lstStyle/>
+          <a:p>
+            <a:fld id="{3BB66621-ADCC-4EF8-8003-B9D3E881DCD2}" type="slidenum">
+              <a:rPr lang="en-US" smtClean="0"/>
+              <a:t>39</a:t>
+            </a:fld>
+            <a:endParaRPr lang="en-US"/>
+          </a:p>
+        </p:txBody>
+      </p:sp>
+    </p:spTree>
+    <p:extLst>
+      <p:ext uri="{BB962C8B-B14F-4D97-AF65-F5344CB8AC3E}">
+        <p14:creationId xmlns:p14="http://schemas.microsoft.com/office/powerpoint/2010/main" val="3137002129"/>
+      </p:ext>
+    </p:extLst>
+  </p:cSld>
+  <p:clrMapOvr>
+    <a:masterClrMapping/>
+  </p:clrMapOvr>
+</p:notes>
+</file>
+
+<file path=ppt/notesSlides/notesSlide31.xml><?xml version="1.0" encoding="utf-8"?>
+<p:notes xmlns:a="http://schemas.openxmlformats.org/drawingml/2006/main" xmlns:r="http://schemas.openxmlformats.org/officeDocument/2006/relationships" xmlns:p="http://schemas.openxmlformats.org/presentationml/2006/main">
+  <p:cSld>
+    <p:spTree>
+      <p:nvGrpSpPr>
+        <p:cNvPr id="1" name=""/>
+        <p:cNvGrpSpPr/>
+        <p:nvPr/>
+      </p:nvGrpSpPr>
+      <p:grpSpPr>
+        <a:xfrm>
+          <a:off x="0" y="0"/>
+          <a:ext cx="0" cy="0"/>
+          <a:chOff x="0" y="0"/>
+          <a:chExt cx="0" cy="0"/>
+        </a:xfrm>
+      </p:grpSpPr>
+      <p:sp>
+        <p:nvSpPr>
+          <p:cNvPr id="2" name="Slide Image Placeholder 1"/>
+          <p:cNvSpPr>
+            <a:spLocks noGrp="1" noRot="1" noChangeAspect="1"/>
+          </p:cNvSpPr>
+          <p:nvPr>
+            <p:ph type="sldImg"/>
+          </p:nvPr>
+        </p:nvSpPr>
+        <p:spPr/>
+      </p:sp>
+      <p:sp>
+        <p:nvSpPr>
+          <p:cNvPr id="3" name="Notes Placeholder 2"/>
+          <p:cNvSpPr>
+            <a:spLocks noGrp="1"/>
+          </p:cNvSpPr>
+          <p:nvPr>
+            <p:ph type="body" idx="1"/>
+          </p:nvPr>
+        </p:nvSpPr>
+        <p:spPr/>
+        <p:txBody>
+          <a:bodyPr/>
+          <a:lstStyle/>
+          <a:p>
             <a:endParaRPr lang="en-US" dirty="0"/>
           </a:p>
         </p:txBody>
@@ -4405,7 +4528,7 @@
 </p:notes>
 </file>
 
-<file path=ppt/notesSlides/notesSlide31.xml><?xml version="1.0" encoding="utf-8"?>
+<file path=ppt/notesSlides/notesSlide32.xml><?xml version="1.0" encoding="utf-8"?>
 <p:notes xmlns:a="http://schemas.openxmlformats.org/drawingml/2006/main" xmlns:r="http://schemas.openxmlformats.org/officeDocument/2006/relationships" xmlns:p="http://schemas.openxmlformats.org/presentationml/2006/main">
   <p:cSld>
     <p:spTree>
@@ -9979,7 +10102,7 @@
           <p:nvPr/>
         </p:nvPicPr>
         <p:blipFill rotWithShape="1">
-          <a:blip r:embed="rId2">
+          <a:blip r:embed="rId3">
             <a:extLst>
               <a:ext uri="{28A0092B-C50C-407E-A947-70E740481C1C}">
                 <a14:useLocalDpi xmlns:a14="http://schemas.microsoft.com/office/drawing/2010/main" val="0"/>
@@ -10045,7 +10168,7 @@
           <p:nvPr/>
         </p:nvPicPr>
         <p:blipFill>
-          <a:blip r:embed="rId3">
+          <a:blip r:embed="rId4">
             <a:extLst>
               <a:ext uri="{28A0092B-C50C-407E-A947-70E740481C1C}">
                 <a14:useLocalDpi xmlns:a14="http://schemas.microsoft.com/office/drawing/2010/main" val="0"/>

--- a/aina-foundations-of-analytics.pptx
+++ b/aina-foundations-of-analytics.pptx
@@ -5,7 +5,7 @@
     <p:sldMasterId id="2147483648" r:id="rId1"/>
   </p:sldMasterIdLst>
   <p:notesMasterIdLst>
-    <p:notesMasterId r:id="rId55"/>
+    <p:notesMasterId r:id="rId54"/>
   </p:notesMasterIdLst>
   <p:sldIdLst>
     <p:sldId id="256" r:id="rId2"/>
@@ -55,12 +55,11 @@
     <p:sldId id="457" r:id="rId46"/>
     <p:sldId id="458" r:id="rId47"/>
     <p:sldId id="459" r:id="rId48"/>
-    <p:sldId id="336" r:id="rId49"/>
-    <p:sldId id="432" r:id="rId50"/>
-    <p:sldId id="431" r:id="rId51"/>
-    <p:sldId id="460" r:id="rId52"/>
-    <p:sldId id="461" r:id="rId53"/>
-    <p:sldId id="462" r:id="rId54"/>
+    <p:sldId id="432" r:id="rId49"/>
+    <p:sldId id="336" r:id="rId50"/>
+    <p:sldId id="460" r:id="rId51"/>
+    <p:sldId id="461" r:id="rId52"/>
+    <p:sldId id="462" r:id="rId53"/>
   </p:sldIdLst>
   <p:sldSz cx="12192000" cy="6858000"/>
   <p:notesSz cx="6858000" cy="9144000"/>
@@ -3416,24 +3415,7 @@
           <a:p>
             <a:r>
               <a:rPr lang="en-US" dirty="0"/>
-              <a:t>OK first, the introduction. If you study writing you’ll hear not to bury the </a:t>
-            </a:r>
-            <a:r>
-              <a:rPr lang="en-US" dirty="0" err="1"/>
-              <a:t>lede</a:t>
-            </a:r>
-            <a:r>
-              <a:rPr lang="en-US" dirty="0"/>
-              <a:t> and to hook the reader. It’s the same thing here. Start with something that really comes out of your audience’s own world, that they relate to.</a:t>
-            </a:r>
-          </a:p>
-          <a:p>
-            <a:endParaRPr lang="en-US" dirty="0"/>
-          </a:p>
-          <a:p>
-            <a:r>
-              <a:rPr lang="en-US" dirty="0"/>
-              <a:t>Of course in one of these lab-baked examples like ours we don’t really know who our audience is, so let’s just guess. Often you do kind of have to guess when you’re doing data work. </a:t>
+              <a:t>Questions thus far?</a:t>
             </a:r>
           </a:p>
         </p:txBody>
@@ -3455,7 +3437,7 @@
           <a:p>
             <a:fld id="{F9DB3DAC-CD90-4DD2-80B1-E135CFB4F8DD}" type="slidenum">
               <a:rPr lang="en-US" smtClean="0"/>
-              <a:t>26</a:t>
+              <a:t>25</a:t>
             </a:fld>
             <a:endParaRPr lang="en-US"/>
           </a:p>
@@ -3464,7 +3446,7 @@
     </p:spTree>
     <p:extLst>
       <p:ext uri="{BB962C8B-B14F-4D97-AF65-F5344CB8AC3E}">
-        <p14:creationId xmlns:p14="http://schemas.microsoft.com/office/powerpoint/2010/main" val="3803654823"/>
+        <p14:creationId xmlns:p14="http://schemas.microsoft.com/office/powerpoint/2010/main" val="2081661248"/>
       </p:ext>
     </p:extLst>
   </p:cSld>
@@ -3519,12 +3501,26 @@
           <a:lstStyle/>
           <a:p>
             <a:r>
-              <a:rPr lang="en-US" sz="1800" b="0" i="0" u="none" strike="noStrike" baseline="0" dirty="0">
-                <a:latin typeface="Open Sans" panose="020B0606030504020204" pitchFamily="34" charset="0"/>
-              </a:rPr>
-              <a:t>OK, now the hypotheses. If you are feeling rusty with how these work, go back to the book. Who would like to write the hypotheses in our doc? </a:t>
-            </a:r>
+              <a:rPr lang="en-US" dirty="0"/>
+              <a:t>OK first, the introduction. If you study writing you’ll hear not to bury the </a:t>
+            </a:r>
+            <a:r>
+              <a:rPr lang="en-US" dirty="0" err="1"/>
+              <a:t>lede</a:t>
+            </a:r>
+            <a:r>
+              <a:rPr lang="en-US" dirty="0"/>
+              <a:t> and to hook the reader. It’s the same thing here. Start with something that really comes out of your audience’s own world, that they relate to.</a:t>
+            </a:r>
+          </a:p>
+          <a:p>
             <a:endParaRPr lang="en-US" dirty="0"/>
+          </a:p>
+          <a:p>
+            <a:r>
+              <a:rPr lang="en-US" dirty="0"/>
+              <a:t>Of course in one of these lab-baked examples like ours we don’t really know who our audience is, so let’s just guess. Often you do kind of have to guess when you’re doing data work. </a:t>
+            </a:r>
           </a:p>
         </p:txBody>
       </p:sp>
@@ -3545,7 +3541,7 @@
           <a:p>
             <a:fld id="{F9DB3DAC-CD90-4DD2-80B1-E135CFB4F8DD}" type="slidenum">
               <a:rPr lang="en-US" smtClean="0"/>
-              <a:t>27</a:t>
+              <a:t>26</a:t>
             </a:fld>
             <a:endParaRPr lang="en-US"/>
           </a:p>
@@ -3554,7 +3550,7 @@
     </p:spTree>
     <p:extLst>
       <p:ext uri="{BB962C8B-B14F-4D97-AF65-F5344CB8AC3E}">
-        <p14:creationId xmlns:p14="http://schemas.microsoft.com/office/powerpoint/2010/main" val="1336732442"/>
+        <p14:creationId xmlns:p14="http://schemas.microsoft.com/office/powerpoint/2010/main" val="3803654823"/>
       </p:ext>
     </p:extLst>
   </p:cSld>
@@ -3608,20 +3604,11 @@
           <a:bodyPr/>
           <a:lstStyle/>
           <a:p>
-            <a:pPr algn="l"/>
             <a:r>
               <a:rPr lang="en-US" sz="1800" b="0" i="0" u="none" strike="noStrike" baseline="0" dirty="0">
                 <a:latin typeface="Open Sans" panose="020B0606030504020204" pitchFamily="34" charset="0"/>
               </a:rPr>
-              <a:t>In this section, explain at a high level where your data came from and how you prepared it. This can be a tricky balance to strike: some audiences might want to nerd out over the wrangling, but many won’t. </a:t>
-            </a:r>
-          </a:p>
-          <a:p>
-            <a:r>
-              <a:rPr lang="en-US" sz="1800" b="0" i="0" u="none" strike="noStrike" baseline="0" dirty="0">
-                <a:latin typeface="Open Sans" panose="020B0606030504020204" pitchFamily="34" charset="0"/>
-              </a:rPr>
-              <a:t>Instead, discuss the philosophy behind what data is being used and why it's right to the hypotheses. This is also a great place to include some data visualizations to really give your audience a sense of the data's look and feel. </a:t>
+              <a:t>OK, now the hypotheses. If you are feeling rusty with how these work, go back to the book. Who would like to write the hypotheses in our doc? </a:t>
             </a:r>
             <a:endParaRPr lang="en-US" dirty="0"/>
           </a:p>
@@ -3644,7 +3631,7 @@
           <a:p>
             <a:fld id="{F9DB3DAC-CD90-4DD2-80B1-E135CFB4F8DD}" type="slidenum">
               <a:rPr lang="en-US" smtClean="0"/>
-              <a:t>28</a:t>
+              <a:t>27</a:t>
             </a:fld>
             <a:endParaRPr lang="en-US"/>
           </a:p>
@@ -3653,7 +3640,7 @@
     </p:spTree>
     <p:extLst>
       <p:ext uri="{BB962C8B-B14F-4D97-AF65-F5344CB8AC3E}">
-        <p14:creationId xmlns:p14="http://schemas.microsoft.com/office/powerpoint/2010/main" val="990427597"/>
+        <p14:creationId xmlns:p14="http://schemas.microsoft.com/office/powerpoint/2010/main" val="1336732442"/>
       </p:ext>
     </p:extLst>
   </p:cSld>
@@ -3707,16 +3694,22 @@
           <a:bodyPr/>
           <a:lstStyle/>
           <a:p>
-            <a:r>
-              <a:rPr lang="en-US" dirty="0"/>
-              <a:t>How many of you have used Power Query before? (Y/N)</a:t>
-            </a:r>
-          </a:p>
-          <a:p>
-            <a:r>
-              <a:rPr lang="en-US" dirty="0"/>
-              <a:t>We will use it to profile and clean the data. And then from the results of our data preparation we will do a write up in our doc. </a:t>
-            </a:r>
+            <a:pPr algn="l"/>
+            <a:r>
+              <a:rPr lang="en-US" sz="1800" b="0" i="0" u="none" strike="noStrike" baseline="0" dirty="0">
+                <a:latin typeface="Open Sans" panose="020B0606030504020204" pitchFamily="34" charset="0"/>
+              </a:rPr>
+              <a:t>In this section, explain at a high level where your data came from and how you prepared it. This can be a tricky balance to strike: some audiences might want to nerd out over the wrangling, but many won’t. </a:t>
+            </a:r>
+          </a:p>
+          <a:p>
+            <a:r>
+              <a:rPr lang="en-US" sz="1800" b="0" i="0" u="none" strike="noStrike" baseline="0" dirty="0">
+                <a:latin typeface="Open Sans" panose="020B0606030504020204" pitchFamily="34" charset="0"/>
+              </a:rPr>
+              <a:t>Instead, discuss the philosophy behind what data is being used and why it's right to the hypotheses. This is also a great place to include some data visualizations to really give your audience a sense of the data's look and feel. </a:t>
+            </a:r>
+            <a:endParaRPr lang="en-US" dirty="0"/>
           </a:p>
         </p:txBody>
       </p:sp>
@@ -3735,9 +3728,9 @@
           <a:bodyPr/>
           <a:lstStyle/>
           <a:p>
-            <a:fld id="{3BB66621-ADCC-4EF8-8003-B9D3E881DCD2}" type="slidenum">
+            <a:fld id="{F9DB3DAC-CD90-4DD2-80B1-E135CFB4F8DD}" type="slidenum">
               <a:rPr lang="en-US" smtClean="0"/>
-              <a:t>29</a:t>
+              <a:t>28</a:t>
             </a:fld>
             <a:endParaRPr lang="en-US"/>
           </a:p>
@@ -3746,7 +3739,7 @@
     </p:spTree>
     <p:extLst>
       <p:ext uri="{BB962C8B-B14F-4D97-AF65-F5344CB8AC3E}">
-        <p14:creationId xmlns:p14="http://schemas.microsoft.com/office/powerpoint/2010/main" val="2540257717"/>
+        <p14:creationId xmlns:p14="http://schemas.microsoft.com/office/powerpoint/2010/main" val="990427597"/>
       </p:ext>
     </p:extLst>
   </p:cSld>
@@ -3802,16 +3795,13 @@
           <a:p>
             <a:r>
               <a:rPr lang="en-US" dirty="0"/>
-              <a:t>Now that you’ve seen Power Query in action, it’s a good time to bring up ETL which is a fundamental process for analytics. </a:t>
-            </a:r>
-          </a:p>
-          <a:p>
-            <a:endParaRPr lang="en-US" dirty="0"/>
+              <a:t>How many of you have used Power Query before? (Y/N)</a:t>
+            </a:r>
           </a:p>
           <a:p>
             <a:r>
               <a:rPr lang="en-US" dirty="0"/>
-              <a:t>It’s important stuff doing all the cleaning etc. But this is behind the scenes work. I like to draw the analogy of film editors. We so little of their work but that’s kind of the point. </a:t>
+              <a:t>We will use it to profile and clean the data. And then from the results of our data preparation we will do a write up in our doc. </a:t>
             </a:r>
           </a:p>
         </p:txBody>
@@ -3831,9 +3821,9 @@
           <a:bodyPr/>
           <a:lstStyle/>
           <a:p>
-            <a:fld id="{F9DB3DAC-CD90-4DD2-80B1-E135CFB4F8DD}" type="slidenum">
+            <a:fld id="{3BB66621-ADCC-4EF8-8003-B9D3E881DCD2}" type="slidenum">
               <a:rPr lang="en-US" smtClean="0"/>
-              <a:t>30</a:t>
+              <a:t>29</a:t>
             </a:fld>
             <a:endParaRPr lang="en-US"/>
           </a:p>
@@ -3842,7 +3832,7 @@
     </p:spTree>
     <p:extLst>
       <p:ext uri="{BB962C8B-B14F-4D97-AF65-F5344CB8AC3E}">
-        <p14:creationId xmlns:p14="http://schemas.microsoft.com/office/powerpoint/2010/main" val="452141436"/>
+        <p14:creationId xmlns:p14="http://schemas.microsoft.com/office/powerpoint/2010/main" val="2540257717"/>
       </p:ext>
     </p:extLst>
   </p:cSld>
@@ -3898,7 +3888,16 @@
           <a:p>
             <a:r>
               <a:rPr lang="en-US" dirty="0"/>
-              <a:t>Questions thus far about this process? </a:t>
+              <a:t>Now that you’ve seen Power Query in action, it’s a good time to bring up ETL which is a fundamental process for analytics. </a:t>
+            </a:r>
+          </a:p>
+          <a:p>
+            <a:endParaRPr lang="en-US" dirty="0"/>
+          </a:p>
+          <a:p>
+            <a:r>
+              <a:rPr lang="en-US" dirty="0"/>
+              <a:t>It’s important stuff doing all the cleaning etc. But this is behind the scenes work. I like to draw the analogy of film editors. We so little of their work but that’s kind of the point. </a:t>
             </a:r>
           </a:p>
         </p:txBody>
@@ -3920,7 +3919,7 @@
           <a:p>
             <a:fld id="{F9DB3DAC-CD90-4DD2-80B1-E135CFB4F8DD}" type="slidenum">
               <a:rPr lang="en-US" smtClean="0"/>
-              <a:t>31</a:t>
+              <a:t>30</a:t>
             </a:fld>
             <a:endParaRPr lang="en-US"/>
           </a:p>
@@ -3929,7 +3928,7 @@
     </p:spTree>
     <p:extLst>
       <p:ext uri="{BB962C8B-B14F-4D97-AF65-F5344CB8AC3E}">
-        <p14:creationId xmlns:p14="http://schemas.microsoft.com/office/powerpoint/2010/main" val="155598494"/>
+        <p14:creationId xmlns:p14="http://schemas.microsoft.com/office/powerpoint/2010/main" val="452141436"/>
       </p:ext>
     </p:extLst>
   </p:cSld>
@@ -3984,12 +3983,9 @@
           <a:lstStyle/>
           <a:p>
             <a:r>
-              <a:rPr lang="en-US" sz="1800" b="0" i="0" u="none" strike="noStrike" baseline="0" dirty="0">
-                <a:latin typeface="Open Sans" panose="020B0606030504020204" pitchFamily="34" charset="0"/>
-              </a:rPr>
-              <a:t>In this section you will cover, again at a high level, what methods you used to conduct the data analysis. If there are any assumptions that your test relies on, call them out here. The same spirit as #3 applies: this is more about explaining why you chose these methods, rather than a deep dive into how you conducted them or how they work. </a:t>
-            </a:r>
-            <a:endParaRPr lang="en-US" dirty="0"/>
+              <a:rPr lang="en-US" dirty="0"/>
+              <a:t>Questions thus far about this process? </a:t>
+            </a:r>
           </a:p>
         </p:txBody>
       </p:sp>
@@ -4010,7 +4006,7 @@
           <a:p>
             <a:fld id="{F9DB3DAC-CD90-4DD2-80B1-E135CFB4F8DD}" type="slidenum">
               <a:rPr lang="en-US" smtClean="0"/>
-              <a:t>32</a:t>
+              <a:t>31</a:t>
             </a:fld>
             <a:endParaRPr lang="en-US"/>
           </a:p>
@@ -4019,7 +4015,7 @@
     </p:spTree>
     <p:extLst>
       <p:ext uri="{BB962C8B-B14F-4D97-AF65-F5344CB8AC3E}">
-        <p14:creationId xmlns:p14="http://schemas.microsoft.com/office/powerpoint/2010/main" val="3597266606"/>
+        <p14:creationId xmlns:p14="http://schemas.microsoft.com/office/powerpoint/2010/main" val="155598494"/>
       </p:ext>
     </p:extLst>
   </p:cSld>
@@ -4074,9 +4070,12 @@
           <a:lstStyle/>
           <a:p>
             <a:r>
-              <a:rPr lang="en-US" dirty="0"/>
-              <a:t>Who wants to try answering these in the doc? </a:t>
-            </a:r>
+              <a:rPr lang="en-US" sz="1800" b="0" i="0" u="none" strike="noStrike" baseline="0" dirty="0">
+                <a:latin typeface="Open Sans" panose="020B0606030504020204" pitchFamily="34" charset="0"/>
+              </a:rPr>
+              <a:t>In this section you will cover, again at a high level, what methods you used to conduct the data analysis. If there are any assumptions that your test relies on, call them out here. The same spirit as #3 applies: this is more about explaining why you chose these methods, rather than a deep dive into how you conducted them or how they work. </a:t>
+            </a:r>
+            <a:endParaRPr lang="en-US" dirty="0"/>
           </a:p>
         </p:txBody>
       </p:sp>
@@ -4095,9 +4094,9 @@
           <a:bodyPr/>
           <a:lstStyle/>
           <a:p>
-            <a:fld id="{3BB66621-ADCC-4EF8-8003-B9D3E881DCD2}" type="slidenum">
+            <a:fld id="{F9DB3DAC-CD90-4DD2-80B1-E135CFB4F8DD}" type="slidenum">
               <a:rPr lang="en-US" smtClean="0"/>
-              <a:t>33</a:t>
+              <a:t>32</a:t>
             </a:fld>
             <a:endParaRPr lang="en-US"/>
           </a:p>
@@ -4106,7 +4105,7 @@
     </p:spTree>
     <p:extLst>
       <p:ext uri="{BB962C8B-B14F-4D97-AF65-F5344CB8AC3E}">
-        <p14:creationId xmlns:p14="http://schemas.microsoft.com/office/powerpoint/2010/main" val="2350725257"/>
+        <p14:creationId xmlns:p14="http://schemas.microsoft.com/office/powerpoint/2010/main" val="3597266606"/>
       </p:ext>
     </p:extLst>
   </p:cSld>
@@ -4161,12 +4160,9 @@
           <a:lstStyle/>
           <a:p>
             <a:r>
-              <a:rPr lang="en-US" sz="1800" b="0" i="0" u="none" strike="noStrike" baseline="0" dirty="0">
-                <a:latin typeface="Open Sans" panose="020B0606030504020204" pitchFamily="34" charset="0"/>
-              </a:rPr>
-              <a:t>It's finally time to report what happened when you performed the designated methods on the aforementioned data. What does this mean for your hypotheses? Give the relevant diagnostics and statistics; what's relevant may be dependent on the technical prowess of your audience. The beauty of this framework is there's no fudging the results, as you were transparent about every component of the analysis.</a:t>
-            </a:r>
-            <a:endParaRPr lang="en-US" dirty="0"/>
+              <a:rPr lang="en-US" dirty="0"/>
+              <a:t>Who wants to try answering these in the doc? </a:t>
+            </a:r>
           </a:p>
         </p:txBody>
       </p:sp>
@@ -4185,9 +4181,9 @@
           <a:bodyPr/>
           <a:lstStyle/>
           <a:p>
-            <a:fld id="{F9DB3DAC-CD90-4DD2-80B1-E135CFB4F8DD}" type="slidenum">
+            <a:fld id="{3BB66621-ADCC-4EF8-8003-B9D3E881DCD2}" type="slidenum">
               <a:rPr lang="en-US" smtClean="0"/>
-              <a:t>34</a:t>
+              <a:t>33</a:t>
             </a:fld>
             <a:endParaRPr lang="en-US"/>
           </a:p>
@@ -4196,7 +4192,7 @@
     </p:spTree>
     <p:extLst>
       <p:ext uri="{BB962C8B-B14F-4D97-AF65-F5344CB8AC3E}">
-        <p14:creationId xmlns:p14="http://schemas.microsoft.com/office/powerpoint/2010/main" val="508149918"/>
+        <p14:creationId xmlns:p14="http://schemas.microsoft.com/office/powerpoint/2010/main" val="2350725257"/>
       </p:ext>
     </p:extLst>
   </p:cSld>
@@ -4338,9 +4334,12 @@
           <a:lstStyle/>
           <a:p>
             <a:r>
-              <a:rPr lang="en-US" dirty="0"/>
-              <a:t>Ask a student if they’d like to share their screen and walk through it </a:t>
-            </a:r>
+              <a:rPr lang="en-US" sz="1800" b="0" i="0" u="none" strike="noStrike" baseline="0" dirty="0">
+                <a:latin typeface="Open Sans" panose="020B0606030504020204" pitchFamily="34" charset="0"/>
+              </a:rPr>
+              <a:t>It's finally time to report what happened when you performed the designated methods on the aforementioned data. What does this mean for your hypotheses? Give the relevant diagnostics and statistics; what's relevant may be dependent on the technical prowess of your audience. The beauty of this framework is there's no fudging the results, as you were transparent about every component of the analysis.</a:t>
+            </a:r>
+            <a:endParaRPr lang="en-US" dirty="0"/>
           </a:p>
         </p:txBody>
       </p:sp>
@@ -4359,9 +4358,9 @@
           <a:bodyPr/>
           <a:lstStyle/>
           <a:p>
-            <a:fld id="{3BB66621-ADCC-4EF8-8003-B9D3E881DCD2}" type="slidenum">
+            <a:fld id="{F9DB3DAC-CD90-4DD2-80B1-E135CFB4F8DD}" type="slidenum">
               <a:rPr lang="en-US" smtClean="0"/>
-              <a:t>35</a:t>
+              <a:t>34</a:t>
             </a:fld>
             <a:endParaRPr lang="en-US"/>
           </a:p>
@@ -4370,7 +4369,7 @@
     </p:spTree>
     <p:extLst>
       <p:ext uri="{BB962C8B-B14F-4D97-AF65-F5344CB8AC3E}">
-        <p14:creationId xmlns:p14="http://schemas.microsoft.com/office/powerpoint/2010/main" val="1201835936"/>
+        <p14:creationId xmlns:p14="http://schemas.microsoft.com/office/powerpoint/2010/main" val="508149918"/>
       </p:ext>
     </p:extLst>
   </p:cSld>
@@ -4426,31 +4425,7 @@
           <a:p>
             <a:r>
               <a:rPr lang="en-US" dirty="0"/>
-              <a:t>OK before we continue on, while we’re on the topic of methods; a little bit more info about doing this.</a:t>
-            </a:r>
-          </a:p>
-          <a:p>
-            <a:r>
-              <a:rPr lang="en-US" dirty="0"/>
-              <a:t>So in the book you learned about classifying variables and naming your independent and dependent variables. Now based on the types of your dependent and independent variables, you might use different methods.</a:t>
-            </a:r>
-          </a:p>
-          <a:p>
-            <a:endParaRPr lang="en-US" dirty="0"/>
-          </a:p>
-          <a:p>
-            <a:r>
-              <a:rPr lang="en-US" dirty="0"/>
-              <a:t>The book used t-test and regression; does anyone remember what type your IV and DV should be for that?</a:t>
-            </a:r>
-          </a:p>
-          <a:p>
-            <a:endParaRPr lang="en-US" dirty="0"/>
-          </a:p>
-          <a:p>
-            <a:r>
-              <a:rPr lang="en-US" dirty="0"/>
-              <a:t>There are certainly way more tests and these are the more classic statistical tests. There are even more ways to do them with machine learning, so that can feel even more confusing. But these are the classic methods for inferential statistics that are still used… </a:t>
+              <a:t>Ask a student if they’d like to share their screen and walk through it </a:t>
             </a:r>
           </a:p>
         </p:txBody>
@@ -4470,9 +4445,9 @@
           <a:bodyPr/>
           <a:lstStyle/>
           <a:p>
-            <a:fld id="{F9DB3DAC-CD90-4DD2-80B1-E135CFB4F8DD}" type="slidenum">
+            <a:fld id="{3BB66621-ADCC-4EF8-8003-B9D3E881DCD2}" type="slidenum">
               <a:rPr lang="en-US" smtClean="0"/>
-              <a:t>36</a:t>
+              <a:t>35</a:t>
             </a:fld>
             <a:endParaRPr lang="en-US"/>
           </a:p>
@@ -4481,7 +4456,7 @@
     </p:spTree>
     <p:extLst>
       <p:ext uri="{BB962C8B-B14F-4D97-AF65-F5344CB8AC3E}">
-        <p14:creationId xmlns:p14="http://schemas.microsoft.com/office/powerpoint/2010/main" val="3531373319"/>
+        <p14:creationId xmlns:p14="http://schemas.microsoft.com/office/powerpoint/2010/main" val="1201835936"/>
       </p:ext>
     </p:extLst>
   </p:cSld>
@@ -4537,7 +4512,31 @@
           <a:p>
             <a:r>
               <a:rPr lang="en-US" dirty="0"/>
-              <a:t>Ask a student if they’d like to share their screen and walk through it </a:t>
+              <a:t>OK before we continue on, while we’re on the topic of methods; a little bit more info about doing this.</a:t>
+            </a:r>
+          </a:p>
+          <a:p>
+            <a:r>
+              <a:rPr lang="en-US" dirty="0"/>
+              <a:t>So in the book you learned about classifying variables and naming your independent and dependent variables. Now based on the types of your dependent and independent variables, you might use different methods.</a:t>
+            </a:r>
+          </a:p>
+          <a:p>
+            <a:endParaRPr lang="en-US" dirty="0"/>
+          </a:p>
+          <a:p>
+            <a:r>
+              <a:rPr lang="en-US" dirty="0"/>
+              <a:t>The book used t-test and regression; does anyone remember what type your IV and DV should be for that?</a:t>
+            </a:r>
+          </a:p>
+          <a:p>
+            <a:endParaRPr lang="en-US" dirty="0"/>
+          </a:p>
+          <a:p>
+            <a:r>
+              <a:rPr lang="en-US" dirty="0"/>
+              <a:t>There are certainly way more tests and these are the more classic statistical tests. There are even more ways to do them with machine learning, so that can feel even more confusing. But these are the classic methods for inferential statistics that are still used… </a:t>
             </a:r>
           </a:p>
         </p:txBody>
@@ -4557,9 +4556,9 @@
           <a:bodyPr/>
           <a:lstStyle/>
           <a:p>
-            <a:fld id="{3BB66621-ADCC-4EF8-8003-B9D3E881DCD2}" type="slidenum">
+            <a:fld id="{F9DB3DAC-CD90-4DD2-80B1-E135CFB4F8DD}" type="slidenum">
               <a:rPr lang="en-US" smtClean="0"/>
-              <a:t>37</a:t>
+              <a:t>36</a:t>
             </a:fld>
             <a:endParaRPr lang="en-US"/>
           </a:p>
@@ -4568,7 +4567,7 @@
     </p:spTree>
     <p:extLst>
       <p:ext uri="{BB962C8B-B14F-4D97-AF65-F5344CB8AC3E}">
-        <p14:creationId xmlns:p14="http://schemas.microsoft.com/office/powerpoint/2010/main" val="847546632"/>
+        <p14:creationId xmlns:p14="http://schemas.microsoft.com/office/powerpoint/2010/main" val="3531373319"/>
       </p:ext>
     </p:extLst>
   </p:cSld>
@@ -4622,43 +4621,9 @@
           <a:bodyPr/>
           <a:lstStyle/>
           <a:p>
-            <a:pPr>
-              <a:buClr>
-                <a:srgbClr val="CF3338"/>
-              </a:buClr>
-            </a:pPr>
-            <a:r>
-              <a:rPr lang="en-US" sz="1200" i="0" dirty="0">
-                <a:solidFill>
-                  <a:srgbClr val="707070"/>
-                </a:solidFill>
-                <a:latin typeface="Pragmatica" panose="020B0403040502020204" pitchFamily="34" charset="0"/>
-              </a:rPr>
-              <a:t>We’ll cover a few more of these in the book but I hope this can serve as a bit of a cheat sheet for you. These methods are really foundational. A/B tests are just t-tests/; ANOVAs are used to _________. </a:t>
-            </a:r>
-          </a:p>
-          <a:p>
-            <a:pPr>
-              <a:buClr>
-                <a:srgbClr val="CF3338"/>
-              </a:buClr>
-            </a:pPr>
-            <a:endParaRPr lang="en-US" sz="1200" i="0" dirty="0">
-              <a:solidFill>
-                <a:srgbClr val="707070"/>
-              </a:solidFill>
-              <a:latin typeface="Pragmatica" panose="020B0403040502020204" pitchFamily="34" charset="0"/>
-            </a:endParaRPr>
-          </a:p>
-          <a:p>
-            <a:pPr>
-              <a:buClr>
-                <a:srgbClr val="CF3338"/>
-              </a:buClr>
-            </a:pPr>
             <a:r>
               <a:rPr lang="en-US" dirty="0"/>
-              <a:t>The ones we haven’t done are paired t-test and ANOVA and walkthroughs of those in Excel are in the docs folder. </a:t>
+              <a:t>Ask a student if they’d like to share their screen and walk through it </a:t>
             </a:r>
           </a:p>
         </p:txBody>
@@ -4680,7 +4645,7 @@
           <a:p>
             <a:fld id="{3BB66621-ADCC-4EF8-8003-B9D3E881DCD2}" type="slidenum">
               <a:rPr lang="en-US" smtClean="0"/>
-              <a:t>38</a:t>
+              <a:t>37</a:t>
             </a:fld>
             <a:endParaRPr lang="en-US"/>
           </a:p>
@@ -4689,7 +4654,7 @@
     </p:spTree>
     <p:extLst>
       <p:ext uri="{BB962C8B-B14F-4D97-AF65-F5344CB8AC3E}">
-        <p14:creationId xmlns:p14="http://schemas.microsoft.com/office/powerpoint/2010/main" val="3775270168"/>
+        <p14:creationId xmlns:p14="http://schemas.microsoft.com/office/powerpoint/2010/main" val="847546632"/>
       </p:ext>
     </p:extLst>
   </p:cSld>
@@ -4743,9 +4708,43 @@
           <a:bodyPr/>
           <a:lstStyle/>
           <a:p>
+            <a:pPr>
+              <a:buClr>
+                <a:srgbClr val="CF3338"/>
+              </a:buClr>
+            </a:pPr>
+            <a:r>
+              <a:rPr lang="en-US" sz="1200" i="0" dirty="0">
+                <a:solidFill>
+                  <a:srgbClr val="707070"/>
+                </a:solidFill>
+                <a:latin typeface="Pragmatica" panose="020B0403040502020204" pitchFamily="34" charset="0"/>
+              </a:rPr>
+              <a:t>We’ll cover a few more of these in the book but I hope this can serve as a bit of a cheat sheet for you. These methods are really foundational. A/B tests are just t-tests/; you saw ANOVA used as part of the regression diagnostics. </a:t>
+            </a:r>
+          </a:p>
+          <a:p>
+            <a:pPr>
+              <a:buClr>
+                <a:srgbClr val="CF3338"/>
+              </a:buClr>
+            </a:pPr>
+            <a:endParaRPr lang="en-US" sz="1200" i="0" dirty="0">
+              <a:solidFill>
+                <a:srgbClr val="707070"/>
+              </a:solidFill>
+              <a:latin typeface="Pragmatica" panose="020B0403040502020204" pitchFamily="34" charset="0"/>
+            </a:endParaRPr>
+          </a:p>
+          <a:p>
+            <a:pPr>
+              <a:buClr>
+                <a:srgbClr val="CF3338"/>
+              </a:buClr>
+            </a:pPr>
             <a:r>
               <a:rPr lang="en-US" dirty="0"/>
-              <a:t>Any questions thus far? </a:t>
+              <a:t>The ones we haven’t done are paired t-test and ANOVA and walkthroughs of those in Excel are in the docs folder. </a:t>
             </a:r>
           </a:p>
         </p:txBody>
@@ -4765,9 +4764,9 @@
           <a:bodyPr/>
           <a:lstStyle/>
           <a:p>
-            <a:fld id="{F9DB3DAC-CD90-4DD2-80B1-E135CFB4F8DD}" type="slidenum">
+            <a:fld id="{3BB66621-ADCC-4EF8-8003-B9D3E881DCD2}" type="slidenum">
               <a:rPr lang="en-US" smtClean="0"/>
-              <a:t>39</a:t>
+              <a:t>38</a:t>
             </a:fld>
             <a:endParaRPr lang="en-US"/>
           </a:p>
@@ -4776,7 +4775,7 @@
     </p:spTree>
     <p:extLst>
       <p:ext uri="{BB962C8B-B14F-4D97-AF65-F5344CB8AC3E}">
-        <p14:creationId xmlns:p14="http://schemas.microsoft.com/office/powerpoint/2010/main" val="3716864887"/>
+        <p14:creationId xmlns:p14="http://schemas.microsoft.com/office/powerpoint/2010/main" val="3775270168"/>
       </p:ext>
     </p:extLst>
   </p:cSld>
@@ -4832,7 +4831,7 @@
           <a:p>
             <a:r>
               <a:rPr lang="en-US" dirty="0"/>
-              <a:t>OK </a:t>
+              <a:t>Any questions thus far? </a:t>
             </a:r>
           </a:p>
         </p:txBody>
@@ -4854,7 +4853,7 @@
           <a:p>
             <a:fld id="{F9DB3DAC-CD90-4DD2-80B1-E135CFB4F8DD}" type="slidenum">
               <a:rPr lang="en-US" smtClean="0"/>
-              <a:t>40</a:t>
+              <a:t>39</a:t>
             </a:fld>
             <a:endParaRPr lang="en-US"/>
           </a:p>
@@ -4863,7 +4862,7 @@
     </p:spTree>
     <p:extLst>
       <p:ext uri="{BB962C8B-B14F-4D97-AF65-F5344CB8AC3E}">
-        <p14:creationId xmlns:p14="http://schemas.microsoft.com/office/powerpoint/2010/main" val="1358763884"/>
+        <p14:creationId xmlns:p14="http://schemas.microsoft.com/office/powerpoint/2010/main" val="3716864887"/>
       </p:ext>
     </p:extLst>
   </p:cSld>
@@ -4918,24 +4917,18 @@
           <a:lstStyle/>
           <a:p>
             <a:r>
-              <a:rPr lang="en-US" sz="1800" b="0" i="0" u="none" strike="noStrike" baseline="0" dirty="0">
-                <a:latin typeface="Open Sans" panose="020B0606030504020204" pitchFamily="34" charset="0"/>
-              </a:rPr>
-              <a:t>This is your time to "hook" the audience into your work and </a:t>
-            </a:r>
-            <a:r>
-              <a:rPr lang="en-US" sz="1800" b="0" i="0" u="none" strike="noStrike" baseline="0" dirty="0" err="1">
-                <a:latin typeface="Open Sans" panose="020B0606030504020204" pitchFamily="34" charset="0"/>
-              </a:rPr>
-              <a:t>situtate</a:t>
-            </a:r>
-            <a:r>
-              <a:rPr lang="en-US" sz="1800" b="0" i="0" u="none" strike="noStrike" baseline="0" dirty="0">
-                <a:latin typeface="Open Sans" panose="020B0606030504020204" pitchFamily="34" charset="0"/>
-              </a:rPr>
-              <a:t> the project into its wider context. Explain what makes the topic interesting and how you arrived at the questions you asked. Consider leading off with an interesting quote or anecdote related to the topic </a:t>
-            </a:r>
+              <a:rPr lang="en-US" dirty="0"/>
+              <a:t>All right, with that sidetrack out of the way, let’s get back to a visualization that should look familiar! What have we done so far – well we learned a bit about ETL, we saw how exploratory and confirmatory data analysis could work together and then we learned how to communicate our work.</a:t>
+            </a:r>
+          </a:p>
+          <a:p>
             <a:endParaRPr lang="en-US" dirty="0"/>
+          </a:p>
+          <a:p>
+            <a:r>
+              <a:rPr lang="en-US" dirty="0"/>
+              <a:t>But there are still two very important steps left! </a:t>
+            </a:r>
           </a:p>
         </p:txBody>
       </p:sp>
@@ -4956,7 +4949,7 @@
           <a:p>
             <a:fld id="{F9DB3DAC-CD90-4DD2-80B1-E135CFB4F8DD}" type="slidenum">
               <a:rPr lang="en-US" smtClean="0"/>
-              <a:t>41</a:t>
+              <a:t>40</a:t>
             </a:fld>
             <a:endParaRPr lang="en-US"/>
           </a:p>
@@ -4965,7 +4958,7 @@
     </p:spTree>
     <p:extLst>
       <p:ext uri="{BB962C8B-B14F-4D97-AF65-F5344CB8AC3E}">
-        <p14:creationId xmlns:p14="http://schemas.microsoft.com/office/powerpoint/2010/main" val="563806648"/>
+        <p14:creationId xmlns:p14="http://schemas.microsoft.com/office/powerpoint/2010/main" val="1358763884"/>
       </p:ext>
     </p:extLst>
   </p:cSld>
@@ -5023,19 +5016,7 @@
               <a:rPr lang="en-US" sz="1800" b="0" i="0" u="none" strike="noStrike" baseline="0" dirty="0">
                 <a:latin typeface="Open Sans" panose="020B0606030504020204" pitchFamily="34" charset="0"/>
               </a:rPr>
-              <a:t>This is your time to "hook" the audience into your work and </a:t>
-            </a:r>
-            <a:r>
-              <a:rPr lang="en-US" sz="1800" b="0" i="0" u="none" strike="noStrike" baseline="0" dirty="0" err="1">
-                <a:latin typeface="Open Sans" panose="020B0606030504020204" pitchFamily="34" charset="0"/>
-              </a:rPr>
-              <a:t>situtate</a:t>
-            </a:r>
-            <a:r>
-              <a:rPr lang="en-US" sz="1800" b="0" i="0" u="none" strike="noStrike" baseline="0" dirty="0">
-                <a:latin typeface="Open Sans" panose="020B0606030504020204" pitchFamily="34" charset="0"/>
-              </a:rPr>
-              <a:t> the project into its wider context. Explain what makes the topic interesting and how you arrived at the questions you asked. Consider leading off with an interesting quote or anecdote related to the topic </a:t>
+              <a:t>First the recommendations – this is what everything has been leading up to. Knowing what your audience now knows, how should they behave differently? What follow ups are there and how might you answer them? </a:t>
             </a:r>
             <a:endParaRPr lang="en-US" dirty="0"/>
           </a:p>
@@ -5058,7 +5039,7 @@
           <a:p>
             <a:fld id="{F9DB3DAC-CD90-4DD2-80B1-E135CFB4F8DD}" type="slidenum">
               <a:rPr lang="en-US" smtClean="0"/>
-              <a:t>42</a:t>
+              <a:t>41</a:t>
             </a:fld>
             <a:endParaRPr lang="en-US"/>
           </a:p>
@@ -5067,7 +5048,7 @@
     </p:spTree>
     <p:extLst>
       <p:ext uri="{BB962C8B-B14F-4D97-AF65-F5344CB8AC3E}">
-        <p14:creationId xmlns:p14="http://schemas.microsoft.com/office/powerpoint/2010/main" val="3993979663"/>
+        <p14:creationId xmlns:p14="http://schemas.microsoft.com/office/powerpoint/2010/main" val="563806648"/>
       </p:ext>
     </p:extLst>
   </p:cSld>
@@ -5122,17 +5103,12 @@
           <a:lstStyle/>
           <a:p>
             <a:r>
-              <a:rPr lang="en-US" dirty="0"/>
-              <a:t>Split into breakout </a:t>
-            </a:r>
-            <a:r>
-              <a:rPr lang="en-US" dirty="0" err="1"/>
-              <a:t>grups</a:t>
-            </a:r>
-            <a:r>
-              <a:rPr lang="en-US" dirty="0"/>
-              <a:t> and work on it…. </a:t>
-            </a:r>
+              <a:rPr lang="en-US" sz="1800" b="0" i="0" u="none" strike="noStrike" baseline="0" dirty="0">
+                <a:latin typeface="Open Sans" panose="020B0606030504020204" pitchFamily="34" charset="0"/>
+              </a:rPr>
+              <a:t>One </a:t>
+            </a:r>
+            <a:endParaRPr lang="en-US" dirty="0"/>
           </a:p>
         </p:txBody>
       </p:sp>
@@ -5151,9 +5127,9 @@
           <a:bodyPr/>
           <a:lstStyle/>
           <a:p>
-            <a:fld id="{3BB66621-ADCC-4EF8-8003-B9D3E881DCD2}" type="slidenum">
+            <a:fld id="{F9DB3DAC-CD90-4DD2-80B1-E135CFB4F8DD}" type="slidenum">
               <a:rPr lang="en-US" smtClean="0"/>
-              <a:t>43</a:t>
+              <a:t>42</a:t>
             </a:fld>
             <a:endParaRPr lang="en-US"/>
           </a:p>
@@ -5162,7 +5138,7 @@
     </p:spTree>
     <p:extLst>
       <p:ext uri="{BB962C8B-B14F-4D97-AF65-F5344CB8AC3E}">
-        <p14:creationId xmlns:p14="http://schemas.microsoft.com/office/powerpoint/2010/main" val="3137002129"/>
+        <p14:creationId xmlns:p14="http://schemas.microsoft.com/office/powerpoint/2010/main" val="3993979663"/>
       </p:ext>
     </p:extLst>
   </p:cSld>
@@ -5216,7 +5192,18 @@
           <a:bodyPr/>
           <a:lstStyle/>
           <a:p>
-            <a:endParaRPr lang="en-US" dirty="0"/>
+            <a:r>
+              <a:rPr lang="en-US" dirty="0"/>
+              <a:t>Split into breakout </a:t>
+            </a:r>
+            <a:r>
+              <a:rPr lang="en-US" dirty="0" err="1"/>
+              <a:t>grups</a:t>
+            </a:r>
+            <a:r>
+              <a:rPr lang="en-US" dirty="0"/>
+              <a:t> and work on it…. </a:t>
+            </a:r>
           </a:p>
         </p:txBody>
       </p:sp>
@@ -5235,9 +5222,9 @@
           <a:bodyPr/>
           <a:lstStyle/>
           <a:p>
-            <a:fld id="{F9DB3DAC-CD90-4DD2-80B1-E135CFB4F8DD}" type="slidenum">
+            <a:fld id="{3BB66621-ADCC-4EF8-8003-B9D3E881DCD2}" type="slidenum">
               <a:rPr lang="en-US" smtClean="0"/>
-              <a:t>46</a:t>
+              <a:t>43</a:t>
             </a:fld>
             <a:endParaRPr lang="en-US"/>
           </a:p>
@@ -5246,7 +5233,7 @@
     </p:spTree>
     <p:extLst>
       <p:ext uri="{BB962C8B-B14F-4D97-AF65-F5344CB8AC3E}">
-        <p14:creationId xmlns:p14="http://schemas.microsoft.com/office/powerpoint/2010/main" val="1371909301"/>
+        <p14:creationId xmlns:p14="http://schemas.microsoft.com/office/powerpoint/2010/main" val="3137002129"/>
       </p:ext>
     </p:extLst>
   </p:cSld>
@@ -5389,7 +5376,94 @@
           <a:p>
             <a:r>
               <a:rPr lang="en-US" dirty="0"/>
-              <a:t>Ask a student if they’d like to share their screen and walk through it </a:t>
+              <a:t>Now we are used to structured data but unstructured data is coming into vogue and there are ways to use them together…</a:t>
+            </a:r>
+          </a:p>
+        </p:txBody>
+      </p:sp>
+      <p:sp>
+        <p:nvSpPr>
+          <p:cNvPr id="4" name="Slide Number Placeholder 3"/>
+          <p:cNvSpPr>
+            <a:spLocks noGrp="1"/>
+          </p:cNvSpPr>
+          <p:nvPr>
+            <p:ph type="sldNum" sz="quarter" idx="5"/>
+          </p:nvPr>
+        </p:nvSpPr>
+        <p:spPr/>
+        <p:txBody>
+          <a:bodyPr/>
+          <a:lstStyle/>
+          <a:p>
+            <a:fld id="{F9DB3DAC-CD90-4DD2-80B1-E135CFB4F8DD}" type="slidenum">
+              <a:rPr lang="en-US" smtClean="0"/>
+              <a:t>46</a:t>
+            </a:fld>
+            <a:endParaRPr lang="en-US"/>
+          </a:p>
+        </p:txBody>
+      </p:sp>
+    </p:spTree>
+    <p:extLst>
+      <p:ext uri="{BB962C8B-B14F-4D97-AF65-F5344CB8AC3E}">
+        <p14:creationId xmlns:p14="http://schemas.microsoft.com/office/powerpoint/2010/main" val="1371909301"/>
+      </p:ext>
+    </p:extLst>
+  </p:cSld>
+  <p:clrMapOvr>
+    <a:masterClrMapping/>
+  </p:clrMapOvr>
+</p:notes>
+</file>
+
+<file path=ppt/notesSlides/notesSlide41.xml><?xml version="1.0" encoding="utf-8"?>
+<p:notes xmlns:a="http://schemas.openxmlformats.org/drawingml/2006/main" xmlns:r="http://schemas.openxmlformats.org/officeDocument/2006/relationships" xmlns:p="http://schemas.openxmlformats.org/presentationml/2006/main">
+  <p:cSld>
+    <p:spTree>
+      <p:nvGrpSpPr>
+        <p:cNvPr id="1" name=""/>
+        <p:cNvGrpSpPr/>
+        <p:nvPr/>
+      </p:nvGrpSpPr>
+      <p:grpSpPr>
+        <a:xfrm>
+          <a:off x="0" y="0"/>
+          <a:ext cx="0" cy="0"/>
+          <a:chOff x="0" y="0"/>
+          <a:chExt cx="0" cy="0"/>
+        </a:xfrm>
+      </p:grpSpPr>
+      <p:sp>
+        <p:nvSpPr>
+          <p:cNvPr id="2" name="Slide Image Placeholder 1"/>
+          <p:cNvSpPr>
+            <a:spLocks noGrp="1" noRot="1" noChangeAspect="1"/>
+          </p:cNvSpPr>
+          <p:nvPr>
+            <p:ph type="sldImg"/>
+          </p:nvPr>
+        </p:nvSpPr>
+        <p:spPr/>
+      </p:sp>
+      <p:sp>
+        <p:nvSpPr>
+          <p:cNvPr id="3" name="Notes Placeholder 2"/>
+          <p:cNvSpPr>
+            <a:spLocks noGrp="1"/>
+          </p:cNvSpPr>
+          <p:nvPr>
+            <p:ph type="body" idx="1"/>
+          </p:nvPr>
+        </p:nvSpPr>
+        <p:spPr/>
+        <p:txBody>
+          <a:bodyPr/>
+          <a:lstStyle/>
+          <a:p>
+            <a:r>
+              <a:rPr lang="en-US" dirty="0"/>
+              <a:t>Let’s take an example where we will use Azure to predict the sentiment of a bunch of Yelp reviews and then compare these to the original stars left. </a:t>
             </a:r>
           </a:p>
         </p:txBody>
@@ -12185,7 +12259,7 @@
           <p:nvPr/>
         </p:nvPicPr>
         <p:blipFill rotWithShape="1">
-          <a:blip r:embed="rId2">
+          <a:blip r:embed="rId3">
             <a:extLst>
               <a:ext uri="{28A0092B-C50C-407E-A947-70E740481C1C}">
                 <a14:useLocalDpi xmlns:a14="http://schemas.microsoft.com/office/drawing/2010/main" val="0"/>
@@ -12214,7 +12288,7 @@
           <p:nvPr/>
         </p:nvPicPr>
         <p:blipFill>
-          <a:blip r:embed="rId3">
+          <a:blip r:embed="rId4">
             <a:extLst>
               <a:ext uri="{28A0092B-C50C-407E-A947-70E740481C1C}">
                 <a14:useLocalDpi xmlns:a14="http://schemas.microsoft.com/office/drawing/2010/main" val="0"/>
@@ -17981,7 +18055,7 @@
         <p:spPr>
           <a:xfrm>
             <a:off x="521230" y="1734792"/>
-            <a:ext cx="5844041" cy="4832092"/>
+            <a:ext cx="5844041" cy="2246769"/>
           </a:xfrm>
           <a:prstGeom prst="rect">
             <a:avLst/>
@@ -18005,58 +18079,8 @@
                 </a:solidFill>
                 <a:latin typeface="Pragmatica" panose="020B0403040502020204" pitchFamily="34" charset="0"/>
               </a:rPr>
-              <a:t>Knowing what they know now, how should your audience behave differently?</a:t>
-            </a:r>
-          </a:p>
-          <a:p>
-            <a:pPr marL="285750" indent="-285750">
-              <a:buFont typeface="Arial" panose="020B0604020202020204" pitchFamily="34" charset="0"/>
-              <a:buChar char="•"/>
-            </a:pPr>
-            <a:r>
-              <a:rPr lang="en-US" sz="2800" dirty="0">
-                <a:solidFill>
-                  <a:srgbClr val="707070"/>
-                </a:solidFill>
-                <a:latin typeface="Pragmatica" panose="020B0403040502020204" pitchFamily="34" charset="0"/>
-              </a:rPr>
-              <a:t>What follow-ups questions are there and how might you answer them? </a:t>
-            </a:r>
-          </a:p>
-          <a:p>
-            <a:endParaRPr lang="en-US" sz="2800" dirty="0">
-              <a:solidFill>
-                <a:srgbClr val="707070"/>
-              </a:solidFill>
-              <a:latin typeface="Pragmatica" panose="020B0403040502020204" pitchFamily="34" charset="0"/>
-            </a:endParaRPr>
-          </a:p>
-          <a:p>
-            <a:r>
-              <a:rPr lang="en-US" sz="2800" dirty="0">
-                <a:solidFill>
-                  <a:srgbClr val="707070"/>
-                </a:solidFill>
-                <a:latin typeface="Pragmatica" panose="020B0403040502020204" pitchFamily="34" charset="0"/>
-              </a:rPr>
-              <a:t>Answer in the doc: </a:t>
-            </a:r>
-            <a:r>
-              <a:rPr lang="en-US" sz="2800" dirty="0">
-                <a:solidFill>
-                  <a:srgbClr val="707070"/>
-                </a:solidFill>
-                <a:latin typeface="Pragmatica" panose="020B0403040502020204" pitchFamily="34" charset="0"/>
-                <a:hlinkClick r:id="rId4"/>
-              </a:rPr>
-              <a:t>https://bit.ly/3taMsoC </a:t>
-            </a:r>
-            <a:endParaRPr lang="en-US" sz="2800" dirty="0">
-              <a:solidFill>
-                <a:srgbClr val="707070"/>
-              </a:solidFill>
-              <a:latin typeface="Pragmatica" panose="020B0403040502020204" pitchFamily="34" charset="0"/>
-            </a:endParaRPr>
+              <a:t>Let your behind-the-scenes work shine</a:t>
+            </a:r>
           </a:p>
           <a:p>
             <a:pPr marL="285750" indent="-285750">
@@ -18088,6 +18112,45 @@
           </a:p>
         </p:txBody>
       </p:sp>
+      <p:pic>
+        <p:nvPicPr>
+          <p:cNvPr id="4" name="Graphic 3" descr="Clipboard with solid fill">
+            <a:extLst>
+              <a:ext uri="{FF2B5EF4-FFF2-40B4-BE49-F238E27FC236}">
+                <a16:creationId xmlns:a16="http://schemas.microsoft.com/office/drawing/2014/main" id="{2538A998-84FD-4894-88F1-2AC1080943DA}"/>
+              </a:ext>
+            </a:extLst>
+          </p:cNvPr>
+          <p:cNvPicPr>
+            <a:picLocks noChangeAspect="1"/>
+          </p:cNvPicPr>
+          <p:nvPr/>
+        </p:nvPicPr>
+        <p:blipFill>
+          <a:blip r:embed="rId4">
+            <a:extLst>
+              <a:ext uri="{28A0092B-C50C-407E-A947-70E740481C1C}">
+                <a14:useLocalDpi xmlns:a14="http://schemas.microsoft.com/office/drawing/2010/main" val="0"/>
+              </a:ext>
+              <a:ext uri="{96DAC541-7B7A-43D3-8B79-37D633B846F1}">
+                <asvg:svgBlip xmlns:asvg="http://schemas.microsoft.com/office/drawing/2016/SVG/main" r:embed="rId5"/>
+              </a:ext>
+            </a:extLst>
+          </a:blip>
+          <a:stretch>
+            <a:fillRect/>
+          </a:stretch>
+        </p:blipFill>
+        <p:spPr>
+          <a:xfrm>
+            <a:off x="7258560" y="1734792"/>
+            <a:ext cx="3914777" cy="3914777"/>
+          </a:xfrm>
+          <a:prstGeom prst="rect">
+            <a:avLst/>
+          </a:prstGeom>
+        </p:spPr>
+      </p:pic>
     </p:spTree>
     <p:extLst>
       <p:ext uri="{BB962C8B-B14F-4D97-AF65-F5344CB8AC3E}">
@@ -18564,7 +18627,7 @@
         <p:spPr>
           <a:xfrm>
             <a:off x="520861" y="393539"/>
-            <a:ext cx="10324617" cy="1107996"/>
+            <a:ext cx="10324617" cy="2123658"/>
           </a:xfrm>
           <a:prstGeom prst="rect">
             <a:avLst/>
@@ -18584,7 +18647,7 @@
                 </a:solidFill>
                 <a:latin typeface="Pragmatica" pitchFamily="2" charset="0"/>
               </a:rPr>
-              <a:t>The future of Excel</a:t>
+              <a:t>The future of analytics &amp; Excel</a:t>
             </a:r>
           </a:p>
         </p:txBody>
@@ -19060,7 +19123,7 @@
         <p:spPr>
           <a:xfrm>
             <a:off x="173620" y="219919"/>
-            <a:ext cx="5937813" cy="5262979"/>
+            <a:ext cx="5937813" cy="6124754"/>
           </a:xfrm>
           <a:prstGeom prst="rect">
             <a:avLst/>
@@ -19131,7 +19194,7 @@
                 </a:solidFill>
                 <a:latin typeface="Pragmatica" panose="020B0403040502020204"/>
               </a:rPr>
-              <a:t>Analyze the sentiment of each review (positive/negative/neutral)</a:t>
+              <a:t>Analyze the sentiment of each review </a:t>
             </a:r>
           </a:p>
           <a:p>
@@ -19293,7 +19356,7 @@
         <p:spPr>
           <a:xfrm>
             <a:off x="324091" y="1687545"/>
-            <a:ext cx="7986531" cy="1384995"/>
+            <a:ext cx="7986531" cy="2369880"/>
           </a:xfrm>
           <a:prstGeom prst="rect">
             <a:avLst/>
@@ -19307,14 +19370,24 @@
           <a:lstStyle/>
           <a:p>
             <a:r>
-              <a:rPr lang="en-US" sz="2800" b="1" dirty="0">
+              <a:rPr lang="en-US" sz="3600" b="1" dirty="0">
                 <a:solidFill>
                   <a:srgbClr val="707070"/>
                 </a:solidFill>
                 <a:latin typeface="Pragmatica" panose="020B0403040502020204" pitchFamily="34" charset="0"/>
               </a:rPr>
-              <a:t>Event survey: </a:t>
-            </a:r>
+              <a:t>THANK YOU</a:t>
+            </a:r>
+          </a:p>
+          <a:p>
+            <a:endParaRPr lang="en-US" sz="2800" b="1" dirty="0">
+              <a:solidFill>
+                <a:srgbClr val="707070"/>
+              </a:solidFill>
+              <a:latin typeface="Pragmatica" panose="020B0403040502020204" pitchFamily="34" charset="0"/>
+            </a:endParaRPr>
+          </a:p>
+          <a:p>
             <a:r>
               <a:rPr lang="en-US" sz="2800" b="1" dirty="0">
                 <a:solidFill>
@@ -19323,7 +19396,7 @@
                 <a:latin typeface="Pragmatica" panose="020B0403040502020204" pitchFamily="34" charset="0"/>
                 <a:hlinkClick r:id="rId4"/>
               </a:rPr>
-              <a:t>https://forms.office.com/r/0ZnD0LxpZy</a:t>
+              <a:t>george@stringfestanalytics.com</a:t>
             </a:r>
             <a:endParaRPr lang="en-US" sz="2800" b="1" dirty="0">
               <a:solidFill>
@@ -19333,6 +19406,16 @@
             </a:endParaRPr>
           </a:p>
           <a:p>
+            <a:r>
+              <a:rPr lang="en-US" sz="2800" b="1" dirty="0">
+                <a:solidFill>
+                  <a:srgbClr val="707070"/>
+                </a:solidFill>
+                <a:latin typeface="Pragmatica" panose="020B0403040502020204" pitchFamily="34" charset="0"/>
+                <a:hlinkClick r:id="rId5"/>
+              </a:rPr>
+              <a:t>linkedin.com/in/gjmount</a:t>
+            </a:r>
             <a:endParaRPr lang="en-US" sz="2800" b="1" dirty="0">
               <a:solidFill>
                 <a:srgbClr val="707070"/>
@@ -19340,12 +19423,30 @@
               <a:latin typeface="Pragmatica" panose="020B0403040502020204" pitchFamily="34" charset="0"/>
             </a:endParaRPr>
           </a:p>
+          <a:p>
+            <a:r>
+              <a:rPr lang="en-US" sz="2800" b="1" dirty="0">
+                <a:solidFill>
+                  <a:srgbClr val="707070"/>
+                </a:solidFill>
+                <a:latin typeface="Pragmatica" panose="020B0403040502020204" pitchFamily="34" charset="0"/>
+                <a:hlinkClick r:id="rId6"/>
+              </a:rPr>
+              <a:t>stringfestanalytics.com/contact  </a:t>
+            </a:r>
+            <a:endParaRPr lang="en-US" sz="2800" b="1" dirty="0">
+              <a:solidFill>
+                <a:srgbClr val="707070"/>
+              </a:solidFill>
+              <a:latin typeface="Pragmatica" panose="020B0403040502020204" pitchFamily="34" charset="0"/>
+            </a:endParaRPr>
+          </a:p>
         </p:txBody>
       </p:sp>
     </p:spTree>
     <p:extLst>
       <p:ext uri="{BB962C8B-B14F-4D97-AF65-F5344CB8AC3E}">
-        <p14:creationId xmlns:p14="http://schemas.microsoft.com/office/powerpoint/2010/main" val="668059962"/>
+        <p14:creationId xmlns:p14="http://schemas.microsoft.com/office/powerpoint/2010/main" val="292415887"/>
       </p:ext>
     </p:extLst>
   </p:cSld>
@@ -19440,7 +19541,7 @@
         <p:spPr>
           <a:xfrm>
             <a:off x="324091" y="1687545"/>
-            <a:ext cx="7986531" cy="2369880"/>
+            <a:ext cx="7986531" cy="1384995"/>
           </a:xfrm>
           <a:prstGeom prst="rect">
             <a:avLst/>
@@ -19454,24 +19555,14 @@
           <a:lstStyle/>
           <a:p>
             <a:r>
-              <a:rPr lang="en-US" sz="3600" b="1" dirty="0">
+              <a:rPr lang="en-US" sz="2800" b="1" dirty="0">
                 <a:solidFill>
                   <a:srgbClr val="707070"/>
                 </a:solidFill>
                 <a:latin typeface="Pragmatica" panose="020B0403040502020204" pitchFamily="34" charset="0"/>
               </a:rPr>
-              <a:t>THANK YOU</a:t>
-            </a:r>
-          </a:p>
-          <a:p>
-            <a:endParaRPr lang="en-US" sz="2800" b="1" dirty="0">
-              <a:solidFill>
-                <a:srgbClr val="707070"/>
-              </a:solidFill>
-              <a:latin typeface="Pragmatica" panose="020B0403040502020204" pitchFamily="34" charset="0"/>
-            </a:endParaRPr>
-          </a:p>
-          <a:p>
+              <a:t>Event survey: </a:t>
+            </a:r>
             <a:r>
               <a:rPr lang="en-US" sz="2800" b="1" dirty="0">
                 <a:solidFill>
@@ -19480,7 +19571,7 @@
                 <a:latin typeface="Pragmatica" panose="020B0403040502020204" pitchFamily="34" charset="0"/>
                 <a:hlinkClick r:id="rId4"/>
               </a:rPr>
-              <a:t>george@stringfestanalytics.com</a:t>
+              <a:t>https://forms.office.com/r/0ZnD0LxpZy</a:t>
             </a:r>
             <a:endParaRPr lang="en-US" sz="2800" b="1" dirty="0">
               <a:solidFill>
@@ -19490,16 +19581,6 @@
             </a:endParaRPr>
           </a:p>
           <a:p>
-            <a:r>
-              <a:rPr lang="en-US" sz="2800" b="1" dirty="0">
-                <a:solidFill>
-                  <a:srgbClr val="707070"/>
-                </a:solidFill>
-                <a:latin typeface="Pragmatica" panose="020B0403040502020204" pitchFamily="34" charset="0"/>
-                <a:hlinkClick r:id="rId5"/>
-              </a:rPr>
-              <a:t>linkedin.com/in/gjmount</a:t>
-            </a:r>
             <a:endParaRPr lang="en-US" sz="2800" b="1" dirty="0">
               <a:solidFill>
                 <a:srgbClr val="707070"/>
@@ -19507,30 +19588,12 @@
               <a:latin typeface="Pragmatica" panose="020B0403040502020204" pitchFamily="34" charset="0"/>
             </a:endParaRPr>
           </a:p>
-          <a:p>
-            <a:r>
-              <a:rPr lang="en-US" sz="2800" b="1" dirty="0">
-                <a:solidFill>
-                  <a:srgbClr val="707070"/>
-                </a:solidFill>
-                <a:latin typeface="Pragmatica" panose="020B0403040502020204" pitchFamily="34" charset="0"/>
-                <a:hlinkClick r:id="rId6"/>
-              </a:rPr>
-              <a:t>stringfestanalytics.com/contact  </a:t>
-            </a:r>
-            <a:endParaRPr lang="en-US" sz="2800" b="1" dirty="0">
-              <a:solidFill>
-                <a:srgbClr val="707070"/>
-              </a:solidFill>
-              <a:latin typeface="Pragmatica" panose="020B0403040502020204" pitchFamily="34" charset="0"/>
-            </a:endParaRPr>
-          </a:p>
         </p:txBody>
       </p:sp>
     </p:spTree>
     <p:extLst>
       <p:ext uri="{BB962C8B-B14F-4D97-AF65-F5344CB8AC3E}">
-        <p14:creationId xmlns:p14="http://schemas.microsoft.com/office/powerpoint/2010/main" val="292415887"/>
+        <p14:creationId xmlns:p14="http://schemas.microsoft.com/office/powerpoint/2010/main" val="668059962"/>
       </p:ext>
     </p:extLst>
   </p:cSld>
@@ -19959,7 +20022,7 @@
         <p:spPr>
           <a:xfrm>
             <a:off x="520861" y="393539"/>
-            <a:ext cx="10324617" cy="1107996"/>
+            <a:ext cx="10324617" cy="2123658"/>
           </a:xfrm>
           <a:prstGeom prst="rect">
             <a:avLst/>
@@ -19972,6 +20035,15 @@
           </a:bodyPr>
           <a:lstStyle/>
           <a:p>
+            <a:r>
+              <a:rPr lang="en-US" sz="6600" b="1">
+                <a:solidFill>
+                  <a:schemeClr val="bg1"/>
+                </a:solidFill>
+                <a:latin typeface="Pragmatica" pitchFamily="2" charset="0"/>
+              </a:rPr>
+              <a:t>Next Steps </a:t>
+            </a:r>
             <a:r>
               <a:rPr lang="en-US" sz="6600" b="1" dirty="0">
                 <a:solidFill>
@@ -19979,114 +20051,7 @@
                 </a:solidFill>
                 <a:latin typeface="Pragmatica" pitchFamily="2" charset="0"/>
               </a:rPr>
-              <a:t>Conclusion/Next steps</a:t>
-            </a:r>
-          </a:p>
-        </p:txBody>
-      </p:sp>
-    </p:spTree>
-    <p:extLst>
-      <p:ext uri="{BB962C8B-B14F-4D97-AF65-F5344CB8AC3E}">
-        <p14:creationId xmlns:p14="http://schemas.microsoft.com/office/powerpoint/2010/main" val="1922980201"/>
-      </p:ext>
-    </p:extLst>
-  </p:cSld>
-  <p:clrMapOvr>
-    <a:masterClrMapping/>
-  </p:clrMapOvr>
-</p:sld>
-</file>
-
-<file path=ppt/slides/slide51.xml><?xml version="1.0" encoding="utf-8"?>
-<p:sld xmlns:a="http://schemas.openxmlformats.org/drawingml/2006/main" xmlns:r="http://schemas.openxmlformats.org/officeDocument/2006/relationships" xmlns:p="http://schemas.openxmlformats.org/presentationml/2006/main">
-  <p:cSld>
-    <p:spTree>
-      <p:nvGrpSpPr>
-        <p:cNvPr id="1" name=""/>
-        <p:cNvGrpSpPr/>
-        <p:nvPr/>
-      </p:nvGrpSpPr>
-      <p:grpSpPr>
-        <a:xfrm>
-          <a:off x="0" y="0"/>
-          <a:ext cx="0" cy="0"/>
-          <a:chOff x="0" y="0"/>
-          <a:chExt cx="0" cy="0"/>
-        </a:xfrm>
-      </p:grpSpPr>
-      <p:sp>
-        <p:nvSpPr>
-          <p:cNvPr id="4" name="Rectangle 3"/>
-          <p:cNvSpPr/>
-          <p:nvPr/>
-        </p:nvSpPr>
-        <p:spPr>
-          <a:xfrm>
-            <a:off x="0" y="0"/>
-            <a:ext cx="12192000" cy="6858000"/>
-          </a:xfrm>
-          <a:prstGeom prst="rect">
-            <a:avLst/>
-          </a:prstGeom>
-          <a:solidFill>
-            <a:srgbClr val="CF3338"/>
-          </a:solidFill>
-        </p:spPr>
-        <p:style>
-          <a:lnRef idx="2">
-            <a:schemeClr val="accent1">
-              <a:shade val="50000"/>
-            </a:schemeClr>
-          </a:lnRef>
-          <a:fillRef idx="1">
-            <a:schemeClr val="accent1"/>
-          </a:fillRef>
-          <a:effectRef idx="0">
-            <a:schemeClr val="accent1"/>
-          </a:effectRef>
-          <a:fontRef idx="minor">
-            <a:schemeClr val="lt1"/>
-          </a:fontRef>
-        </p:style>
-        <p:txBody>
-          <a:bodyPr rtlCol="0" anchor="ctr"/>
-          <a:lstStyle/>
-          <a:p>
-            <a:pPr algn="ctr"/>
-            <a:endParaRPr lang="en-US"/>
-          </a:p>
-        </p:txBody>
-      </p:sp>
-      <p:sp>
-        <p:nvSpPr>
-          <p:cNvPr id="5" name="TextBox 4"/>
-          <p:cNvSpPr txBox="1"/>
-          <p:nvPr/>
-        </p:nvSpPr>
-        <p:spPr>
-          <a:xfrm>
-            <a:off x="520861" y="393539"/>
-            <a:ext cx="10324617" cy="2123658"/>
-          </a:xfrm>
-          <a:prstGeom prst="rect">
-            <a:avLst/>
-          </a:prstGeom>
-          <a:noFill/>
-        </p:spPr>
-        <p:txBody>
-          <a:bodyPr wrap="square" rtlCol="0">
-            <a:spAutoFit/>
-          </a:bodyPr>
-          <a:lstStyle/>
-          <a:p>
-            <a:r>
-              <a:rPr lang="en-US" sz="6600" b="1" dirty="0">
-                <a:solidFill>
-                  <a:schemeClr val="bg1"/>
-                </a:solidFill>
-                <a:latin typeface="Pragmatica" pitchFamily="2" charset="0"/>
-              </a:rPr>
-              <a:t>Assignments for Analytics Systems</a:t>
+              <a:t>for Analytics Systems</a:t>
             </a:r>
           </a:p>
         </p:txBody>
@@ -20104,7 +20069,7 @@
 </p:sld>
 </file>
 
-<file path=ppt/slides/slide52.xml><?xml version="1.0" encoding="utf-8"?>
+<file path=ppt/slides/slide51.xml><?xml version="1.0" encoding="utf-8"?>
 <p:sld xmlns:a="http://schemas.openxmlformats.org/drawingml/2006/main" xmlns:r="http://schemas.openxmlformats.org/officeDocument/2006/relationships" xmlns:p="http://schemas.openxmlformats.org/presentationml/2006/main">
   <p:cSld>
     <p:spTree>
@@ -20365,7 +20330,7 @@
 </p:sld>
 </file>
 
-<file path=ppt/slides/slide53.xml><?xml version="1.0" encoding="utf-8"?>
+<file path=ppt/slides/slide52.xml><?xml version="1.0" encoding="utf-8"?>
 <p:sld xmlns:a="http://schemas.openxmlformats.org/drawingml/2006/main" xmlns:r="http://schemas.openxmlformats.org/officeDocument/2006/relationships" xmlns:p="http://schemas.openxmlformats.org/presentationml/2006/main">
   <p:cSld>
     <p:spTree>

--- a/aina-foundations-of-analytics.pptx
+++ b/aina-foundations-of-analytics.pptx
@@ -1878,7 +1878,7 @@
           <a:p>
             <a:fld id="{503F064B-41F2-4661-BDF0-BFD135E9A557}" type="datetimeFigureOut">
               <a:rPr lang="en-US" smtClean="0"/>
-              <a:t>9/4/2021</a:t>
+              <a:t>9/5/2021</a:t>
             </a:fld>
             <a:endParaRPr lang="en-US"/>
           </a:p>
@@ -6109,7 +6109,7 @@
           <a:p>
             <a:fld id="{0138B082-EFC2-46C1-B47C-51736C670379}" type="datetimeFigureOut">
               <a:rPr lang="en-US" smtClean="0"/>
-              <a:t>9/4/2021</a:t>
+              <a:t>9/5/2021</a:t>
             </a:fld>
             <a:endParaRPr lang="en-US"/>
           </a:p>
@@ -6277,7 +6277,7 @@
           <a:p>
             <a:fld id="{0138B082-EFC2-46C1-B47C-51736C670379}" type="datetimeFigureOut">
               <a:rPr lang="en-US" smtClean="0"/>
-              <a:t>9/4/2021</a:t>
+              <a:t>9/5/2021</a:t>
             </a:fld>
             <a:endParaRPr lang="en-US"/>
           </a:p>
@@ -6455,7 +6455,7 @@
           <a:p>
             <a:fld id="{0138B082-EFC2-46C1-B47C-51736C670379}" type="datetimeFigureOut">
               <a:rPr lang="en-US" smtClean="0"/>
-              <a:t>9/4/2021</a:t>
+              <a:t>9/5/2021</a:t>
             </a:fld>
             <a:endParaRPr lang="en-US"/>
           </a:p>
@@ -6623,7 +6623,7 @@
           <a:p>
             <a:fld id="{0138B082-EFC2-46C1-B47C-51736C670379}" type="datetimeFigureOut">
               <a:rPr lang="en-US" smtClean="0"/>
-              <a:t>9/4/2021</a:t>
+              <a:t>9/5/2021</a:t>
             </a:fld>
             <a:endParaRPr lang="en-US"/>
           </a:p>
@@ -6868,7 +6868,7 @@
           <a:p>
             <a:fld id="{0138B082-EFC2-46C1-B47C-51736C670379}" type="datetimeFigureOut">
               <a:rPr lang="en-US" smtClean="0"/>
-              <a:t>9/4/2021</a:t>
+              <a:t>9/5/2021</a:t>
             </a:fld>
             <a:endParaRPr lang="en-US"/>
           </a:p>
@@ -7097,7 +7097,7 @@
           <a:p>
             <a:fld id="{0138B082-EFC2-46C1-B47C-51736C670379}" type="datetimeFigureOut">
               <a:rPr lang="en-US" smtClean="0"/>
-              <a:t>9/4/2021</a:t>
+              <a:t>9/5/2021</a:t>
             </a:fld>
             <a:endParaRPr lang="en-US"/>
           </a:p>
@@ -7461,7 +7461,7 @@
           <a:p>
             <a:fld id="{0138B082-EFC2-46C1-B47C-51736C670379}" type="datetimeFigureOut">
               <a:rPr lang="en-US" smtClean="0"/>
-              <a:t>9/4/2021</a:t>
+              <a:t>9/5/2021</a:t>
             </a:fld>
             <a:endParaRPr lang="en-US"/>
           </a:p>
@@ -7578,7 +7578,7 @@
           <a:p>
             <a:fld id="{0138B082-EFC2-46C1-B47C-51736C670379}" type="datetimeFigureOut">
               <a:rPr lang="en-US" smtClean="0"/>
-              <a:t>9/4/2021</a:t>
+              <a:t>9/5/2021</a:t>
             </a:fld>
             <a:endParaRPr lang="en-US"/>
           </a:p>
@@ -7673,7 +7673,7 @@
           <a:p>
             <a:fld id="{0138B082-EFC2-46C1-B47C-51736C670379}" type="datetimeFigureOut">
               <a:rPr lang="en-US" smtClean="0"/>
-              <a:t>9/4/2021</a:t>
+              <a:t>9/5/2021</a:t>
             </a:fld>
             <a:endParaRPr lang="en-US"/>
           </a:p>
@@ -7948,7 +7948,7 @@
           <a:p>
             <a:fld id="{0138B082-EFC2-46C1-B47C-51736C670379}" type="datetimeFigureOut">
               <a:rPr lang="en-US" smtClean="0"/>
-              <a:t>9/4/2021</a:t>
+              <a:t>9/5/2021</a:t>
             </a:fld>
             <a:endParaRPr lang="en-US"/>
           </a:p>
@@ -8200,7 +8200,7 @@
           <a:p>
             <a:fld id="{0138B082-EFC2-46C1-B47C-51736C670379}" type="datetimeFigureOut">
               <a:rPr lang="en-US" smtClean="0"/>
-              <a:t>9/4/2021</a:t>
+              <a:t>9/5/2021</a:t>
             </a:fld>
             <a:endParaRPr lang="en-US"/>
           </a:p>
@@ -8411,7 +8411,7 @@
           <a:p>
             <a:fld id="{0138B082-EFC2-46C1-B47C-51736C670379}" type="datetimeFigureOut">
               <a:rPr lang="en-US" smtClean="0"/>
-              <a:t>9/4/2021</a:t>
+              <a:t>9/5/2021</a:t>
             </a:fld>
             <a:endParaRPr lang="en-US"/>
           </a:p>
@@ -20154,8 +20154,8 @@
         </p:nvSpPr>
         <p:spPr>
           <a:xfrm>
-            <a:off x="523588" y="1679587"/>
-            <a:ext cx="8833585" cy="3539430"/>
+            <a:off x="570885" y="1595021"/>
+            <a:ext cx="8833585" cy="5262979"/>
           </a:xfrm>
           <a:prstGeom prst="rect">
             <a:avLst/>
@@ -20259,6 +20259,18 @@
               </a:rPr>
               <a:t>https://desktop.github.com</a:t>
             </a:r>
+            <a:endParaRPr lang="en-US" sz="2800" dirty="0">
+              <a:solidFill>
+                <a:srgbClr val="707070"/>
+              </a:solidFill>
+              <a:latin typeface="Pragmatica" panose="020B0403040502020204" pitchFamily="34" charset="0"/>
+            </a:endParaRPr>
+          </a:p>
+          <a:p>
+            <a:pPr marL="285750" indent="-285750">
+              <a:buFont typeface="Arial" panose="020B0604020202020204" pitchFamily="34" charset="0"/>
+              <a:buChar char="•"/>
+            </a:pPr>
             <a:r>
               <a:rPr lang="en-US" sz="2800" dirty="0">
                 <a:solidFill>
@@ -20266,7 +20278,26 @@
                 </a:solidFill>
                 <a:latin typeface="Pragmatica" panose="020B0403040502020204" pitchFamily="34" charset="0"/>
               </a:rPr>
-              <a:t>  </a:t>
+              <a:t>Download Visual Studio Code: </a:t>
+            </a:r>
+            <a:r>
+              <a:rPr lang="en-US" sz="2800" dirty="0">
+                <a:solidFill>
+                  <a:srgbClr val="707070"/>
+                </a:solidFill>
+                <a:latin typeface="Pragmatica" panose="020B0403040502020204" pitchFamily="34" charset="0"/>
+                <a:hlinkClick r:id="rId6"/>
+              </a:rPr>
+              <a:t>https://code.visualstudio.com</a:t>
+            </a:r>
+            <a:r>
+              <a:rPr lang="en-US" sz="2800" dirty="0">
+                <a:solidFill>
+                  <a:srgbClr val="707070"/>
+                </a:solidFill>
+                <a:latin typeface="Pragmatica" panose="020B0403040502020204" pitchFamily="34" charset="0"/>
+              </a:rPr>
+              <a:t>    </a:t>
             </a:r>
           </a:p>
           <a:p>
@@ -20284,7 +20315,7 @@
                   <a:srgbClr val="707070"/>
                 </a:solidFill>
                 <a:latin typeface="Pragmatica" panose="020B0403040502020204" pitchFamily="34" charset="0"/>
-                <a:hlinkClick r:id="rId6"/>
+                <a:hlinkClick r:id="rId7"/>
               </a:rPr>
               <a:t>Good documentation on setting up Git &amp; GitHub here</a:t>
             </a:r>

--- a/aina-foundations-of-analytics.pptx
+++ b/aina-foundations-of-analytics.pptx
@@ -1878,7 +1878,7 @@
           <a:p>
             <a:fld id="{503F064B-41F2-4661-BDF0-BFD135E9A557}" type="datetimeFigureOut">
               <a:rPr lang="en-US" smtClean="0"/>
-              <a:t>9/5/2021</a:t>
+              <a:t>9/8/2021</a:t>
             </a:fld>
             <a:endParaRPr lang="en-US"/>
           </a:p>
@@ -2191,7 +2191,7 @@
           <a:p>
             <a:r>
               <a:rPr lang="en-US" dirty="0"/>
-              <a:t>The additional courses will dive into using GitHub. </a:t>
+              <a:t>Thank you all for coming – we have a lot to get to today so I will just keep going. A recording will be sent to you after the event. </a:t>
             </a:r>
           </a:p>
         </p:txBody>
@@ -2211,9 +2211,9 @@
           <a:bodyPr/>
           <a:lstStyle/>
           <a:p>
-            <a:fld id="{3BB66621-ADCC-4EF8-8003-B9D3E881DCD2}" type="slidenum">
+            <a:fld id="{F9DB3DAC-CD90-4DD2-80B1-E135CFB4F8DD}" type="slidenum">
               <a:rPr lang="en-US" smtClean="0"/>
-              <a:t>3</a:t>
+              <a:t>1</a:t>
             </a:fld>
             <a:endParaRPr lang="en-US"/>
           </a:p>
@@ -2222,7 +2222,7 @@
     </p:spTree>
     <p:extLst>
       <p:ext uri="{BB962C8B-B14F-4D97-AF65-F5344CB8AC3E}">
-        <p14:creationId xmlns:p14="http://schemas.microsoft.com/office/powerpoint/2010/main" val="2213468204"/>
+        <p14:creationId xmlns:p14="http://schemas.microsoft.com/office/powerpoint/2010/main" val="2293231250"/>
       </p:ext>
     </p:extLst>
   </p:cSld>
@@ -2278,7 +2278,33 @@
           <a:p>
             <a:r>
               <a:rPr lang="en-US" dirty="0"/>
-              <a:t>OK, so who actually does what? I really like this depiction because it breaks down who does what, and what they are actually doing. How machine learning fits in. </a:t>
+              <a:t>My brief working definition is here…</a:t>
+            </a:r>
+          </a:p>
+          <a:p>
+            <a:endParaRPr lang="en-US" dirty="0"/>
+          </a:p>
+          <a:p>
+            <a:r>
+              <a:rPr lang="en-US" dirty="0"/>
+              <a:t>Gartner has a lengthy definition that brings up some important points. For example if when you say you do analytics people ask, “Oh is that web analytics?”</a:t>
+            </a:r>
+          </a:p>
+          <a:p>
+            <a:endParaRPr lang="en-US" dirty="0"/>
+          </a:p>
+          <a:p>
+            <a:r>
+              <a:rPr lang="en-US" dirty="0"/>
+              <a:t>Cassie </a:t>
+            </a:r>
+            <a:r>
+              <a:rPr lang="en-US" dirty="0" err="1"/>
+              <a:t>Kozkyrov</a:t>
+            </a:r>
+            <a:r>
+              <a:rPr lang="en-US" dirty="0"/>
+              <a:t> who is chief decision scientist at Google has a description of analytics and how it compares to statistics. We will discuss further how data analytics and data science intersect. </a:t>
             </a:r>
           </a:p>
         </p:txBody>
@@ -2300,7 +2326,7 @@
           <a:p>
             <a:fld id="{3BB66621-ADCC-4EF8-8003-B9D3E881DCD2}" type="slidenum">
               <a:rPr lang="en-US" smtClean="0"/>
-              <a:t>13</a:t>
+              <a:t>10</a:t>
             </a:fld>
             <a:endParaRPr lang="en-US"/>
           </a:p>
@@ -2309,7 +2335,7 @@
     </p:spTree>
     <p:extLst>
       <p:ext uri="{BB962C8B-B14F-4D97-AF65-F5344CB8AC3E}">
-        <p14:creationId xmlns:p14="http://schemas.microsoft.com/office/powerpoint/2010/main" val="3201086512"/>
+        <p14:creationId xmlns:p14="http://schemas.microsoft.com/office/powerpoint/2010/main" val="920420130"/>
       </p:ext>
     </p:extLst>
   </p:cSld>
@@ -2365,7 +2391,13 @@
           <a:p>
             <a:r>
               <a:rPr lang="en-US" dirty="0"/>
-              <a:t>OK, now that you have a bit more lay of the land and may feel inferior or whatever – don’t! It doesn’t matter what stage of analytics you’re doing; the general process is going to be the same, and a great visualization of that process comes from Hadley Wickham (a name you might remember from the book). </a:t>
+              <a:t>This is another famous visual from Gartner about analytics maturity. </a:t>
+            </a:r>
+          </a:p>
+          <a:p>
+            <a:r>
+              <a:rPr lang="en-US" dirty="0"/>
+              <a:t>Think about the types of analytics you’re familiar with and/or use at work. Where do they relate?</a:t>
             </a:r>
           </a:p>
           <a:p>
@@ -2374,8 +2406,52 @@
           <a:p>
             <a:r>
               <a:rPr lang="en-US" dirty="0"/>
-              <a:t>Tidying and transforming are wrangling</a:t>
-            </a:r>
+              <a:t>Descriptive: A variance analysis is a good example. You just find </a:t>
+            </a:r>
+            <a:r>
+              <a:rPr lang="en-US" i="1" dirty="0"/>
+              <a:t>that </a:t>
+            </a:r>
+            <a:r>
+              <a:rPr lang="en-US" i="0" dirty="0"/>
+              <a:t>there is a variance and not necessarily why. </a:t>
+            </a:r>
+          </a:p>
+          <a:p>
+            <a:endParaRPr lang="en-US" i="0" dirty="0"/>
+          </a:p>
+          <a:p>
+            <a:r>
+              <a:rPr lang="en-US" i="0" dirty="0"/>
+              <a:t>Diagnostic gets into the why. You can identify the root cause of the problem or map out some relationship.</a:t>
+            </a:r>
+          </a:p>
+          <a:p>
+            <a:endParaRPr lang="en-US" i="0" dirty="0"/>
+          </a:p>
+          <a:p>
+            <a:r>
+              <a:rPr lang="en-US" i="0" dirty="0"/>
+              <a:t>Predictive gets into forecasting. You might predict the likelihood of something happening or otherwise what the result will be. </a:t>
+            </a:r>
+          </a:p>
+          <a:p>
+            <a:endParaRPr lang="en-US" i="0" dirty="0"/>
+          </a:p>
+          <a:p>
+            <a:r>
+              <a:rPr lang="en-US" i="0" dirty="0"/>
+              <a:t>Finally prescriptive gets into evaluating various scenarios and guiding your decision on what to do next. A traffic application helping you find the best route home is a good example. Often this is the kind of data that’s incorporating </a:t>
+            </a:r>
+            <a:r>
+              <a:rPr lang="en-US" i="0" dirty="0" err="1"/>
+              <a:t>realtime</a:t>
+            </a:r>
+            <a:r>
+              <a:rPr lang="en-US" i="0" dirty="0"/>
+              <a:t> streaming data with historical models and this is going to be more prevalent with internet of things and so forth. </a:t>
+            </a:r>
+            <a:endParaRPr lang="en-US" dirty="0"/>
           </a:p>
         </p:txBody>
       </p:sp>
@@ -2394,9 +2470,9 @@
           <a:bodyPr/>
           <a:lstStyle/>
           <a:p>
-            <a:fld id="{F9DB3DAC-CD90-4DD2-80B1-E135CFB4F8DD}" type="slidenum">
+            <a:fld id="{3BB66621-ADCC-4EF8-8003-B9D3E881DCD2}" type="slidenum">
               <a:rPr lang="en-US" smtClean="0"/>
-              <a:t>14</a:t>
+              <a:t>11</a:t>
             </a:fld>
             <a:endParaRPr lang="en-US"/>
           </a:p>
@@ -2405,7 +2481,7 @@
     </p:spTree>
     <p:extLst>
       <p:ext uri="{BB962C8B-B14F-4D97-AF65-F5344CB8AC3E}">
-        <p14:creationId xmlns:p14="http://schemas.microsoft.com/office/powerpoint/2010/main" val="1324326659"/>
+        <p14:creationId xmlns:p14="http://schemas.microsoft.com/office/powerpoint/2010/main" val="3170286946"/>
       </p:ext>
     </p:extLst>
   </p:cSld>
@@ -2461,7 +2537,24 @@
           <a:p>
             <a:r>
               <a:rPr lang="en-US" dirty="0"/>
-              <a:t>Any questions thus far? </a:t>
+              <a:t>Here’s where I would fit in the things covered in the book. We’re looking mostly at descriptive and diagnostic analytics. There are some analogies to be drawn between descriptive statistics and exploratory data analysis in that first step. Then a term we really didn’t talk about but is related is confirmatory data analysis. That is equivalent to inferential statistics. These two levels in my mind are what Cassie </a:t>
+            </a:r>
+            <a:r>
+              <a:rPr lang="en-US" dirty="0" err="1"/>
+              <a:t>Kozkyrov</a:t>
+            </a:r>
+            <a:r>
+              <a:rPr lang="en-US" dirty="0"/>
+              <a:t> is talking about when she distinguishes analytics from statistics. </a:t>
+            </a:r>
+          </a:p>
+          <a:p>
+            <a:endParaRPr lang="en-US" dirty="0"/>
+          </a:p>
+          <a:p>
+            <a:r>
+              <a:rPr lang="en-US" dirty="0"/>
+              <a:t>And you need that solid foundation to get to the next level. </a:t>
             </a:r>
           </a:p>
         </p:txBody>
@@ -2481,9 +2574,9 @@
           <a:bodyPr/>
           <a:lstStyle/>
           <a:p>
-            <a:fld id="{F9DB3DAC-CD90-4DD2-80B1-E135CFB4F8DD}" type="slidenum">
+            <a:fld id="{3BB66621-ADCC-4EF8-8003-B9D3E881DCD2}" type="slidenum">
               <a:rPr lang="en-US" smtClean="0"/>
-              <a:t>15</a:t>
+              <a:t>12</a:t>
             </a:fld>
             <a:endParaRPr lang="en-US"/>
           </a:p>
@@ -2492,7 +2585,7 @@
     </p:spTree>
     <p:extLst>
       <p:ext uri="{BB962C8B-B14F-4D97-AF65-F5344CB8AC3E}">
-        <p14:creationId xmlns:p14="http://schemas.microsoft.com/office/powerpoint/2010/main" val="2397200831"/>
+        <p14:creationId xmlns:p14="http://schemas.microsoft.com/office/powerpoint/2010/main" val="3562756070"/>
       </p:ext>
     </p:extLst>
   </p:cSld>
@@ -2548,7 +2641,17 @@
           <a:p>
             <a:r>
               <a:rPr lang="en-US" dirty="0"/>
-              <a:t>OK so you know what analytics is, or maybe I confused you more. And you have a handle on all the steps that make up analytics. So where does that leave us? Well in the book you learned bits and pieces of the process. But we didn’t spend a ton of time on the communication. So there’s what I want to focus on today. </a:t>
+              <a:t>OK, so who actually does what? I really like this depiction because it breaks down who does what, and what they are actually doing. How machine learning fits in. </a:t>
+            </a:r>
+            <a:br>
+              <a:rPr lang="en-US" dirty="0"/>
+            </a:br>
+            <a:br>
+              <a:rPr lang="en-US" dirty="0"/>
+            </a:br>
+            <a:r>
+              <a:rPr lang="en-US" dirty="0"/>
+              <a:t>Again, data analysts tend to start the process off by exploring what happened and why. Once that is confirmed it gets handed off to the data scientists to build predictive models. But this is a gradual handoff and there is some overlap, especially when it comes to predictive analytics. Remember a lot of these models are the same, like linear regression. They are just being used differently</a:t>
             </a:r>
           </a:p>
         </p:txBody>
@@ -2568,9 +2671,9 @@
           <a:bodyPr/>
           <a:lstStyle/>
           <a:p>
-            <a:fld id="{F9DB3DAC-CD90-4DD2-80B1-E135CFB4F8DD}" type="slidenum">
+            <a:fld id="{3BB66621-ADCC-4EF8-8003-B9D3E881DCD2}" type="slidenum">
               <a:rPr lang="en-US" smtClean="0"/>
-              <a:t>16</a:t>
+              <a:t>13</a:t>
             </a:fld>
             <a:endParaRPr lang="en-US"/>
           </a:p>
@@ -2579,7 +2682,7 @@
     </p:spTree>
     <p:extLst>
       <p:ext uri="{BB962C8B-B14F-4D97-AF65-F5344CB8AC3E}">
-        <p14:creationId xmlns:p14="http://schemas.microsoft.com/office/powerpoint/2010/main" val="2726722193"/>
+        <p14:creationId xmlns:p14="http://schemas.microsoft.com/office/powerpoint/2010/main" val="3201086512"/>
       </p:ext>
     </p:extLst>
   </p:cSld>
@@ -2635,8 +2738,26 @@
           <a:p>
             <a:r>
               <a:rPr lang="en-US" dirty="0"/>
-              <a:t>Before I give my thoughts, I would love to hear from you – what do you think about when you hear analytics presentations? Or what has stopped you from doing your best in the past? </a:t>
-            </a:r>
+              <a:t>OK, now that you have a bit more lay of the land and may feel inferior or whatever – don’t! It doesn’t matter what stage of analytics you’re doing; the general process is going to be the same, and a great visualization of that process comes from Hadley Wickham (a name you might remember from the book).</a:t>
+            </a:r>
+          </a:p>
+          <a:p>
+            <a:endParaRPr lang="en-US" dirty="0"/>
+          </a:p>
+          <a:p>
+            <a:r>
+              <a:rPr lang="en-US" dirty="0"/>
+              <a:t>You learned a bit about many of these steps in the book, you learned how to bring in data, clean it and build charts, etc. What we didn’t do a </a:t>
+            </a:r>
+            <a:r>
+              <a:rPr lang="en-US" i="1" dirty="0"/>
+              <a:t>lot </a:t>
+            </a:r>
+            <a:r>
+              <a:rPr lang="en-US" i="0" dirty="0"/>
+              <a:t>of and what I want to focus on a bit more during our class, is how to present these insights. </a:t>
+            </a:r>
+            <a:endParaRPr lang="en-US" dirty="0"/>
           </a:p>
         </p:txBody>
       </p:sp>
@@ -2657,7 +2778,7 @@
           <a:p>
             <a:fld id="{F9DB3DAC-CD90-4DD2-80B1-E135CFB4F8DD}" type="slidenum">
               <a:rPr lang="en-US" smtClean="0"/>
-              <a:t>17</a:t>
+              <a:t>14</a:t>
             </a:fld>
             <a:endParaRPr lang="en-US"/>
           </a:p>
@@ -2666,7 +2787,7 @@
     </p:spTree>
     <p:extLst>
       <p:ext uri="{BB962C8B-B14F-4D97-AF65-F5344CB8AC3E}">
-        <p14:creationId xmlns:p14="http://schemas.microsoft.com/office/powerpoint/2010/main" val="865271732"/>
+        <p14:creationId xmlns:p14="http://schemas.microsoft.com/office/powerpoint/2010/main" val="1324326659"/>
       </p:ext>
     </p:extLst>
   </p:cSld>
@@ -2722,33 +2843,17 @@
           <a:p>
             <a:r>
               <a:rPr lang="en-US" dirty="0"/>
-              <a:t>OK so let’s say you’ve been assigned some sort of analytics project and I’m guessing if you’re here you’d like to be. How is it going to work, what is your role? I consider the role of analyst to be like that of </a:t>
-            </a:r>
-            <a:r>
-              <a:rPr lang="en-US" dirty="0" err="1"/>
-              <a:t>mythbuster</a:t>
-            </a:r>
-            <a:r>
-              <a:rPr lang="en-US" dirty="0"/>
-              <a:t>. Finding interesting things that people assume to be true and seeing what the evidence has to say. </a:t>
-            </a:r>
-          </a:p>
-          <a:p>
-            <a:endParaRPr lang="en-US" dirty="0"/>
-          </a:p>
-          <a:p>
-            <a:r>
-              <a:rPr lang="en-US" dirty="0"/>
-              <a:t>So you know your basic mission and ultimately your product is that. What rhetorical questions, urban myths </a:t>
+              <a:t>Any questions thus far? About what analytics is, what data analysts vs data scientists do, </a:t>
             </a:r>
             <a:r>
               <a:rPr lang="en-US" dirty="0" err="1"/>
               <a:t>etc</a:t>
             </a:r>
             <a:r>
-              <a:rPr lang="en-US" dirty="0"/>
-              <a:t> can the data answer? </a:t>
-            </a:r>
+              <a:rPr lang="en-US"/>
+              <a:t>? </a:t>
+            </a:r>
+            <a:endParaRPr lang="en-US" dirty="0"/>
           </a:p>
         </p:txBody>
       </p:sp>
@@ -2769,7 +2874,7 @@
           <a:p>
             <a:fld id="{F9DB3DAC-CD90-4DD2-80B1-E135CFB4F8DD}" type="slidenum">
               <a:rPr lang="en-US" smtClean="0"/>
-              <a:t>18</a:t>
+              <a:t>15</a:t>
             </a:fld>
             <a:endParaRPr lang="en-US"/>
           </a:p>
@@ -2778,7 +2883,7 @@
     </p:spTree>
     <p:extLst>
       <p:ext uri="{BB962C8B-B14F-4D97-AF65-F5344CB8AC3E}">
-        <p14:creationId xmlns:p14="http://schemas.microsoft.com/office/powerpoint/2010/main" val="3457540873"/>
+        <p14:creationId xmlns:p14="http://schemas.microsoft.com/office/powerpoint/2010/main" val="2397200831"/>
       </p:ext>
     </p:extLst>
   </p:cSld>
@@ -2834,48 +2939,7 @@
           <a:p>
             <a:r>
               <a:rPr lang="en-US" dirty="0"/>
-              <a:t>All right, so you know our end goal here is to communicate our busted myths to the audience. We will get to the </a:t>
-            </a:r>
-            <a:r>
-              <a:rPr lang="en-US" i="1" dirty="0"/>
-              <a:t>how </a:t>
-            </a:r>
-            <a:r>
-              <a:rPr lang="en-US" i="0" dirty="0"/>
-              <a:t>later. For now let’s start on the </a:t>
-            </a:r>
-            <a:r>
-              <a:rPr lang="en-US" i="1" dirty="0"/>
-              <a:t>what </a:t>
-            </a:r>
-            <a:r>
-              <a:rPr lang="en-US" i="0" dirty="0"/>
-              <a:t>– what are we going to show the audience? </a:t>
-            </a:r>
-          </a:p>
-          <a:p>
-            <a:endParaRPr lang="en-US" i="0" dirty="0"/>
-          </a:p>
-          <a:p>
-            <a:r>
-              <a:rPr lang="en-US" dirty="0"/>
-              <a:t>The later into this process we are, the more likely the audience is going to care. There’s not a sharp </a:t>
-            </a:r>
-            <a:r>
-              <a:rPr lang="en-US" dirty="0" err="1"/>
-              <a:t>dropoff</a:t>
-            </a:r>
-            <a:r>
-              <a:rPr lang="en-US" dirty="0"/>
-              <a:t> </a:t>
-            </a:r>
-            <a:r>
-              <a:rPr lang="en-US" dirty="0" err="1"/>
-              <a:t>pont</a:t>
-            </a:r>
-            <a:r>
-              <a:rPr lang="en-US" dirty="0"/>
-              <a:t>. </a:t>
+              <a:t>OK so you know what analytics is, or maybe I confused you more. And you have a handle on all the steps that make up analytics. So where does that leave us? Well in the book you learned bits and pieces of the process. But we didn’t spend a ton of time on the communication. So there’s what I want to focus on today. </a:t>
             </a:r>
           </a:p>
         </p:txBody>
@@ -2897,7 +2961,7 @@
           <a:p>
             <a:fld id="{F9DB3DAC-CD90-4DD2-80B1-E135CFB4F8DD}" type="slidenum">
               <a:rPr lang="en-US" smtClean="0"/>
-              <a:t>19</a:t>
+              <a:t>16</a:t>
             </a:fld>
             <a:endParaRPr lang="en-US"/>
           </a:p>
@@ -2906,7 +2970,7 @@
     </p:spTree>
     <p:extLst>
       <p:ext uri="{BB962C8B-B14F-4D97-AF65-F5344CB8AC3E}">
-        <p14:creationId xmlns:p14="http://schemas.microsoft.com/office/powerpoint/2010/main" val="3702878797"/>
+        <p14:creationId xmlns:p14="http://schemas.microsoft.com/office/powerpoint/2010/main" val="2726722193"/>
       </p:ext>
     </p:extLst>
   </p:cSld>
@@ -2962,7 +3026,7 @@
           <a:p>
             <a:r>
               <a:rPr lang="en-US" dirty="0"/>
-              <a:t>Here are six steps to guide as a framework. Given all you know about analytics thus far you might not expect a completely one-size-fits-all approach. </a:t>
+              <a:t>Before I give my thoughts, I would love to hear from you – what do you think about when you hear analytics presentations? Or what has stopped you from doing your best in the past? </a:t>
             </a:r>
           </a:p>
         </p:txBody>
@@ -2984,7 +3048,7 @@
           <a:p>
             <a:fld id="{F9DB3DAC-CD90-4DD2-80B1-E135CFB4F8DD}" type="slidenum">
               <a:rPr lang="en-US" smtClean="0"/>
-              <a:t>21</a:t>
+              <a:t>17</a:t>
             </a:fld>
             <a:endParaRPr lang="en-US"/>
           </a:p>
@@ -2993,7 +3057,7 @@
     </p:spTree>
     <p:extLst>
       <p:ext uri="{BB962C8B-B14F-4D97-AF65-F5344CB8AC3E}">
-        <p14:creationId xmlns:p14="http://schemas.microsoft.com/office/powerpoint/2010/main" val="2923975767"/>
+        <p14:creationId xmlns:p14="http://schemas.microsoft.com/office/powerpoint/2010/main" val="865271732"/>
       </p:ext>
     </p:extLst>
   </p:cSld>
@@ -3049,7 +3113,32 @@
           <a:p>
             <a:r>
               <a:rPr lang="en-US" dirty="0"/>
-              <a:t>You will find a PDF in your docs folder with a write up of what we’re talking about here. </a:t>
+              <a:t>OK so let’s say you’ve been assigned some sort of analytics project and I’m guessing if you’re here you’d like to be. How is it going to work, what is your role? I consider the role of analyst to be like that of </a:t>
+            </a:r>
+            <a:r>
+              <a:rPr lang="en-US" dirty="0" err="1"/>
+              <a:t>mythbuster</a:t>
+            </a:r>
+            <a:r>
+              <a:rPr lang="en-US" dirty="0"/>
+              <a:t>. Finding interesting things that people assume to be true and seeing what the evidence has to say. </a:t>
+            </a:r>
+          </a:p>
+          <a:p>
+            <a:endParaRPr lang="en-US" dirty="0"/>
+          </a:p>
+          <a:p>
+            <a:r>
+              <a:rPr lang="en-US" dirty="0"/>
+              <a:t>So you know your basic mission and ultimately your product is that. What rhetorical questions, urban myths </a:t>
+            </a:r>
+            <a:r>
+              <a:rPr lang="en-US" dirty="0" err="1"/>
+              <a:t>etc</a:t>
+            </a:r>
+            <a:r>
+              <a:rPr lang="en-US" dirty="0"/>
+              <a:t> can the data answer? </a:t>
             </a:r>
           </a:p>
         </p:txBody>
@@ -3071,7 +3160,7 @@
           <a:p>
             <a:fld id="{F9DB3DAC-CD90-4DD2-80B1-E135CFB4F8DD}" type="slidenum">
               <a:rPr lang="en-US" smtClean="0"/>
-              <a:t>22</a:t>
+              <a:t>18</a:t>
             </a:fld>
             <a:endParaRPr lang="en-US"/>
           </a:p>
@@ -3080,7 +3169,7 @@
     </p:spTree>
     <p:extLst>
       <p:ext uri="{BB962C8B-B14F-4D97-AF65-F5344CB8AC3E}">
-        <p14:creationId xmlns:p14="http://schemas.microsoft.com/office/powerpoint/2010/main" val="3213278498"/>
+        <p14:creationId xmlns:p14="http://schemas.microsoft.com/office/powerpoint/2010/main" val="3457540873"/>
       </p:ext>
     </p:extLst>
   </p:cSld>
@@ -3136,16 +3225,48 @@
           <a:p>
             <a:r>
               <a:rPr lang="en-US" dirty="0"/>
-              <a:t>OK, let’s move onto an example that we’ll work together. Of course when you’re an analyst you generally aren’t handed one off the shelf, but bear with me. </a:t>
-            </a:r>
-          </a:p>
-          <a:p>
-            <a:endParaRPr lang="en-US" dirty="0"/>
+              <a:t>All right, so you know our end goal here is to communicate our busted myths to the audience. We will get to the </a:t>
+            </a:r>
+            <a:r>
+              <a:rPr lang="en-US" i="1" dirty="0"/>
+              <a:t>how </a:t>
+            </a:r>
+            <a:r>
+              <a:rPr lang="en-US" i="0" dirty="0"/>
+              <a:t>later. For now let’s start on the </a:t>
+            </a:r>
+            <a:r>
+              <a:rPr lang="en-US" i="1" dirty="0"/>
+              <a:t>what </a:t>
+            </a:r>
+            <a:r>
+              <a:rPr lang="en-US" i="0" dirty="0"/>
+              <a:t>– what are we going to show the audience? </a:t>
+            </a:r>
+          </a:p>
+          <a:p>
+            <a:endParaRPr lang="en-US" i="0" dirty="0"/>
           </a:p>
           <a:p>
             <a:r>
               <a:rPr lang="en-US" dirty="0"/>
-              <a:t>We’re going to go through the six steps and collaborate together in a Google doc answering them. </a:t>
+              <a:t>The later into this process we are, the more likely the audience is going to care. There’s not a sharp </a:t>
+            </a:r>
+            <a:r>
+              <a:rPr lang="en-US" dirty="0" err="1"/>
+              <a:t>dropoff</a:t>
+            </a:r>
+            <a:r>
+              <a:rPr lang="en-US" dirty="0"/>
+              <a:t> </a:t>
+            </a:r>
+            <a:r>
+              <a:rPr lang="en-US" dirty="0" err="1"/>
+              <a:t>pont</a:t>
+            </a:r>
+            <a:r>
+              <a:rPr lang="en-US" dirty="0"/>
+              <a:t>. </a:t>
             </a:r>
           </a:p>
         </p:txBody>
@@ -3167,7 +3288,7 @@
           <a:p>
             <a:fld id="{F9DB3DAC-CD90-4DD2-80B1-E135CFB4F8DD}" type="slidenum">
               <a:rPr lang="en-US" smtClean="0"/>
-              <a:t>23</a:t>
+              <a:t>19</a:t>
             </a:fld>
             <a:endParaRPr lang="en-US"/>
           </a:p>
@@ -3176,7 +3297,7 @@
     </p:spTree>
     <p:extLst>
       <p:ext uri="{BB962C8B-B14F-4D97-AF65-F5344CB8AC3E}">
-        <p14:creationId xmlns:p14="http://schemas.microsoft.com/office/powerpoint/2010/main" val="3788782918"/>
+        <p14:creationId xmlns:p14="http://schemas.microsoft.com/office/powerpoint/2010/main" val="3702878797"/>
       </p:ext>
     </p:extLst>
   </p:cSld>
@@ -3232,8 +3353,33 @@
           <a:p>
             <a:r>
               <a:rPr lang="en-US" dirty="0"/>
-              <a:t>What would happen if we had a brand on here? What if the screen size said small, medium, large? </a:t>
-            </a:r>
+              <a:t>Now today’s class is going to be conducted exclusively in Excel, and as you read in the book Excel is a valued part of the data analytics stack. We are going to dive deeper into presenting analytics findings, I will give you a framework for making those presentations.</a:t>
+            </a:r>
+          </a:p>
+          <a:p>
+            <a:endParaRPr lang="en-US" dirty="0"/>
+          </a:p>
+          <a:p>
+            <a:r>
+              <a:rPr lang="en-US" dirty="0"/>
+              <a:t>We’ll also revisit the concept of analytics as a whole; what is it, anyway? Some of you may be interested in data science or machine learning – the book talks a bit about this and we’ll do more here to situate how data analytics and data science relate together. </a:t>
+            </a:r>
+            <a:br>
+              <a:rPr lang="en-US" dirty="0"/>
+            </a:br>
+            <a:br>
+              <a:rPr lang="en-US" dirty="0"/>
+            </a:br>
+            <a:r>
+              <a:rPr lang="en-US" dirty="0"/>
+              <a:t>As mentioned in the book, there is usually more that unites than divides the fields of data analytics and data science, and we’ll look an example of using them together right within Excel.</a:t>
+            </a:r>
+          </a:p>
+          <a:p>
+            <a:endParaRPr lang="en-US" dirty="0"/>
+          </a:p>
+          <a:p>
+            <a:endParaRPr lang="en-US" dirty="0"/>
           </a:p>
         </p:txBody>
       </p:sp>
@@ -3252,9 +3398,9 @@
           <a:bodyPr/>
           <a:lstStyle/>
           <a:p>
-            <a:fld id="{3BB66621-ADCC-4EF8-8003-B9D3E881DCD2}" type="slidenum">
+            <a:fld id="{F9DB3DAC-CD90-4DD2-80B1-E135CFB4F8DD}" type="slidenum">
               <a:rPr lang="en-US" smtClean="0"/>
-              <a:t>5</a:t>
+              <a:t>2</a:t>
             </a:fld>
             <a:endParaRPr lang="en-US"/>
           </a:p>
@@ -3263,7 +3409,7 @@
     </p:spTree>
     <p:extLst>
       <p:ext uri="{BB962C8B-B14F-4D97-AF65-F5344CB8AC3E}">
-        <p14:creationId xmlns:p14="http://schemas.microsoft.com/office/powerpoint/2010/main" val="3994188376"/>
+        <p14:creationId xmlns:p14="http://schemas.microsoft.com/office/powerpoint/2010/main" val="3054298771"/>
       </p:ext>
     </p:extLst>
   </p:cSld>
@@ -3319,16 +3465,7 @@
           <a:p>
             <a:r>
               <a:rPr lang="en-US" dirty="0"/>
-              <a:t>OK, let’s move onto an example that we’ll work together. Of course when you’re an analyst you generally aren’t handed one off the shelf, but bear with me. </a:t>
-            </a:r>
-          </a:p>
-          <a:p>
-            <a:endParaRPr lang="en-US" dirty="0"/>
-          </a:p>
-          <a:p>
-            <a:r>
-              <a:rPr lang="en-US" dirty="0"/>
-              <a:t>We’re going to go through the six steps and collaborate together in a Google doc answering them. </a:t>
+              <a:t>Here are six steps to guide as a framework. Given all you know about analytics thus far you might not expect a completely one-size-fits-all approach. </a:t>
             </a:r>
           </a:p>
         </p:txBody>
@@ -3350,7 +3487,7 @@
           <a:p>
             <a:fld id="{F9DB3DAC-CD90-4DD2-80B1-E135CFB4F8DD}" type="slidenum">
               <a:rPr lang="en-US" smtClean="0"/>
-              <a:t>24</a:t>
+              <a:t>21</a:t>
             </a:fld>
             <a:endParaRPr lang="en-US"/>
           </a:p>
@@ -3359,7 +3496,7 @@
     </p:spTree>
     <p:extLst>
       <p:ext uri="{BB962C8B-B14F-4D97-AF65-F5344CB8AC3E}">
-        <p14:creationId xmlns:p14="http://schemas.microsoft.com/office/powerpoint/2010/main" val="2152999013"/>
+        <p14:creationId xmlns:p14="http://schemas.microsoft.com/office/powerpoint/2010/main" val="2923975767"/>
       </p:ext>
     </p:extLst>
   </p:cSld>
@@ -3415,7 +3552,7 @@
           <a:p>
             <a:r>
               <a:rPr lang="en-US" dirty="0"/>
-              <a:t>Questions thus far?</a:t>
+              <a:t>You will find a PDF in your docs folder with a write up of what we’re talking about here. </a:t>
             </a:r>
           </a:p>
         </p:txBody>
@@ -3437,7 +3574,7 @@
           <a:p>
             <a:fld id="{F9DB3DAC-CD90-4DD2-80B1-E135CFB4F8DD}" type="slidenum">
               <a:rPr lang="en-US" smtClean="0"/>
-              <a:t>25</a:t>
+              <a:t>22</a:t>
             </a:fld>
             <a:endParaRPr lang="en-US"/>
           </a:p>
@@ -3446,7 +3583,7 @@
     </p:spTree>
     <p:extLst>
       <p:ext uri="{BB962C8B-B14F-4D97-AF65-F5344CB8AC3E}">
-        <p14:creationId xmlns:p14="http://schemas.microsoft.com/office/powerpoint/2010/main" val="2081661248"/>
+        <p14:creationId xmlns:p14="http://schemas.microsoft.com/office/powerpoint/2010/main" val="3213278498"/>
       </p:ext>
     </p:extLst>
   </p:cSld>
@@ -3502,24 +3639,16 @@
           <a:p>
             <a:r>
               <a:rPr lang="en-US" dirty="0"/>
-              <a:t>OK first, the introduction. If you study writing you’ll hear not to bury the </a:t>
-            </a:r>
-            <a:r>
-              <a:rPr lang="en-US" dirty="0" err="1"/>
-              <a:t>lede</a:t>
-            </a:r>
+              <a:t>OK, let’s move onto an example that we’ll work together. Of course when you’re an analyst you generally aren’t handed one off the shelf, but bear with me. </a:t>
+            </a:r>
+          </a:p>
+          <a:p>
+            <a:endParaRPr lang="en-US" dirty="0"/>
+          </a:p>
+          <a:p>
             <a:r>
               <a:rPr lang="en-US" dirty="0"/>
-              <a:t> and to hook the reader. It’s the same thing here. Start with something that really comes out of your audience’s own world, that they relate to.</a:t>
-            </a:r>
-          </a:p>
-          <a:p>
-            <a:endParaRPr lang="en-US" dirty="0"/>
-          </a:p>
-          <a:p>
-            <a:r>
-              <a:rPr lang="en-US" dirty="0"/>
-              <a:t>Of course in one of these lab-baked examples like ours we don’t really know who our audience is, so let’s just guess. Often you do kind of have to guess when you’re doing data work. </a:t>
+              <a:t>We’re going to go through the six steps and collaborate together in a Google doc answering them. </a:t>
             </a:r>
           </a:p>
         </p:txBody>
@@ -3541,7 +3670,7 @@
           <a:p>
             <a:fld id="{F9DB3DAC-CD90-4DD2-80B1-E135CFB4F8DD}" type="slidenum">
               <a:rPr lang="en-US" smtClean="0"/>
-              <a:t>26</a:t>
+              <a:t>23</a:t>
             </a:fld>
             <a:endParaRPr lang="en-US"/>
           </a:p>
@@ -3550,7 +3679,7 @@
     </p:spTree>
     <p:extLst>
       <p:ext uri="{BB962C8B-B14F-4D97-AF65-F5344CB8AC3E}">
-        <p14:creationId xmlns:p14="http://schemas.microsoft.com/office/powerpoint/2010/main" val="3803654823"/>
+        <p14:creationId xmlns:p14="http://schemas.microsoft.com/office/powerpoint/2010/main" val="3788782918"/>
       </p:ext>
     </p:extLst>
   </p:cSld>
@@ -3605,12 +3734,18 @@
           <a:lstStyle/>
           <a:p>
             <a:r>
-              <a:rPr lang="en-US" sz="1800" b="0" i="0" u="none" strike="noStrike" baseline="0" dirty="0">
-                <a:latin typeface="Open Sans" panose="020B0606030504020204" pitchFamily="34" charset="0"/>
-              </a:rPr>
-              <a:t>OK, now the hypotheses. If you are feeling rusty with how these work, go back to the book. Who would like to write the hypotheses in our doc? </a:t>
-            </a:r>
+              <a:rPr lang="en-US" dirty="0"/>
+              <a:t>OK, let’s move onto an example that we’ll work together. Of course when you’re an analyst you generally aren’t handed one off the shelf, but bear with me. </a:t>
+            </a:r>
+          </a:p>
+          <a:p>
             <a:endParaRPr lang="en-US" dirty="0"/>
+          </a:p>
+          <a:p>
+            <a:r>
+              <a:rPr lang="en-US" dirty="0"/>
+              <a:t>We’re going to go through the six steps and collaborate together in a Google doc answering them. </a:t>
+            </a:r>
           </a:p>
         </p:txBody>
       </p:sp>
@@ -3631,7 +3766,7 @@
           <a:p>
             <a:fld id="{F9DB3DAC-CD90-4DD2-80B1-E135CFB4F8DD}" type="slidenum">
               <a:rPr lang="en-US" smtClean="0"/>
-              <a:t>27</a:t>
+              <a:t>24</a:t>
             </a:fld>
             <a:endParaRPr lang="en-US"/>
           </a:p>
@@ -3640,7 +3775,7 @@
     </p:spTree>
     <p:extLst>
       <p:ext uri="{BB962C8B-B14F-4D97-AF65-F5344CB8AC3E}">
-        <p14:creationId xmlns:p14="http://schemas.microsoft.com/office/powerpoint/2010/main" val="1336732442"/>
+        <p14:creationId xmlns:p14="http://schemas.microsoft.com/office/powerpoint/2010/main" val="2152999013"/>
       </p:ext>
     </p:extLst>
   </p:cSld>
@@ -3694,22 +3829,10 @@
           <a:bodyPr/>
           <a:lstStyle/>
           <a:p>
-            <a:pPr algn="l"/>
-            <a:r>
-              <a:rPr lang="en-US" sz="1800" b="0" i="0" u="none" strike="noStrike" baseline="0" dirty="0">
-                <a:latin typeface="Open Sans" panose="020B0606030504020204" pitchFamily="34" charset="0"/>
-              </a:rPr>
-              <a:t>In this section, explain at a high level where your data came from and how you prepared it. This can be a tricky balance to strike: some audiences might want to nerd out over the wrangling, but many won’t. </a:t>
-            </a:r>
-          </a:p>
-          <a:p>
-            <a:r>
-              <a:rPr lang="en-US" sz="1800" b="0" i="0" u="none" strike="noStrike" baseline="0" dirty="0">
-                <a:latin typeface="Open Sans" panose="020B0606030504020204" pitchFamily="34" charset="0"/>
-              </a:rPr>
-              <a:t>Instead, discuss the philosophy behind what data is being used and why it's right to the hypotheses. This is also a great place to include some data visualizations to really give your audience a sense of the data's look and feel. </a:t>
-            </a:r>
-            <a:endParaRPr lang="en-US" dirty="0"/>
+            <a:r>
+              <a:rPr lang="en-US" dirty="0"/>
+              <a:t>Questions thus far?</a:t>
+            </a:r>
           </a:p>
         </p:txBody>
       </p:sp>
@@ -3730,7 +3853,7 @@
           <a:p>
             <a:fld id="{F9DB3DAC-CD90-4DD2-80B1-E135CFB4F8DD}" type="slidenum">
               <a:rPr lang="en-US" smtClean="0"/>
-              <a:t>28</a:t>
+              <a:t>25</a:t>
             </a:fld>
             <a:endParaRPr lang="en-US"/>
           </a:p>
@@ -3739,7 +3862,7 @@
     </p:spTree>
     <p:extLst>
       <p:ext uri="{BB962C8B-B14F-4D97-AF65-F5344CB8AC3E}">
-        <p14:creationId xmlns:p14="http://schemas.microsoft.com/office/powerpoint/2010/main" val="990427597"/>
+        <p14:creationId xmlns:p14="http://schemas.microsoft.com/office/powerpoint/2010/main" val="2081661248"/>
       </p:ext>
     </p:extLst>
   </p:cSld>
@@ -3795,13 +3918,24 @@
           <a:p>
             <a:r>
               <a:rPr lang="en-US" dirty="0"/>
-              <a:t>How many of you have used Power Query before? (Y/N)</a:t>
-            </a:r>
-          </a:p>
-          <a:p>
+              <a:t>OK first, the introduction. If you study writing you’ll hear not to bury the </a:t>
+            </a:r>
+            <a:r>
+              <a:rPr lang="en-US" dirty="0" err="1"/>
+              <a:t>lede</a:t>
+            </a:r>
             <a:r>
               <a:rPr lang="en-US" dirty="0"/>
-              <a:t>We will use it to profile and clean the data. And then from the results of our data preparation we will do a write up in our doc. </a:t>
+              <a:t> and to hook the reader. It’s the same thing here. Start with something that really comes out of your audience’s own world, that they relate to.</a:t>
+            </a:r>
+          </a:p>
+          <a:p>
+            <a:endParaRPr lang="en-US" dirty="0"/>
+          </a:p>
+          <a:p>
+            <a:r>
+              <a:rPr lang="en-US" dirty="0"/>
+              <a:t>Of course in one of these lab-baked examples like ours we don’t really know who our audience is, so let’s just guess. Often you do kind of have to guess when you’re doing data work. </a:t>
             </a:r>
           </a:p>
         </p:txBody>
@@ -3821,9 +3955,9 @@
           <a:bodyPr/>
           <a:lstStyle/>
           <a:p>
-            <a:fld id="{3BB66621-ADCC-4EF8-8003-B9D3E881DCD2}" type="slidenum">
+            <a:fld id="{F9DB3DAC-CD90-4DD2-80B1-E135CFB4F8DD}" type="slidenum">
               <a:rPr lang="en-US" smtClean="0"/>
-              <a:t>29</a:t>
+              <a:t>26</a:t>
             </a:fld>
             <a:endParaRPr lang="en-US"/>
           </a:p>
@@ -3832,7 +3966,7 @@
     </p:spTree>
     <p:extLst>
       <p:ext uri="{BB962C8B-B14F-4D97-AF65-F5344CB8AC3E}">
-        <p14:creationId xmlns:p14="http://schemas.microsoft.com/office/powerpoint/2010/main" val="2540257717"/>
+        <p14:creationId xmlns:p14="http://schemas.microsoft.com/office/powerpoint/2010/main" val="3803654823"/>
       </p:ext>
     </p:extLst>
   </p:cSld>
@@ -3887,18 +4021,12 @@
           <a:lstStyle/>
           <a:p>
             <a:r>
-              <a:rPr lang="en-US" dirty="0"/>
-              <a:t>Now that you’ve seen Power Query in action, it’s a good time to bring up ETL which is a fundamental process for analytics. </a:t>
-            </a:r>
-          </a:p>
-          <a:p>
+              <a:rPr lang="en-US" sz="1800" b="0" i="0" u="none" strike="noStrike" baseline="0" dirty="0">
+                <a:latin typeface="Open Sans" panose="020B0606030504020204" pitchFamily="34" charset="0"/>
+              </a:rPr>
+              <a:t>OK, now the hypotheses. If you are feeling rusty with how these work, go back to the book. Who would like to write the hypotheses in our doc? </a:t>
+            </a:r>
             <a:endParaRPr lang="en-US" dirty="0"/>
-          </a:p>
-          <a:p>
-            <a:r>
-              <a:rPr lang="en-US" dirty="0"/>
-              <a:t>It’s important stuff doing all the cleaning etc. But this is behind the scenes work. I like to draw the analogy of film editors. We so little of their work but that’s kind of the point. </a:t>
-            </a:r>
           </a:p>
         </p:txBody>
       </p:sp>
@@ -3919,7 +4047,7 @@
           <a:p>
             <a:fld id="{F9DB3DAC-CD90-4DD2-80B1-E135CFB4F8DD}" type="slidenum">
               <a:rPr lang="en-US" smtClean="0"/>
-              <a:t>30</a:t>
+              <a:t>27</a:t>
             </a:fld>
             <a:endParaRPr lang="en-US"/>
           </a:p>
@@ -3928,7 +4056,7 @@
     </p:spTree>
     <p:extLst>
       <p:ext uri="{BB962C8B-B14F-4D97-AF65-F5344CB8AC3E}">
-        <p14:creationId xmlns:p14="http://schemas.microsoft.com/office/powerpoint/2010/main" val="452141436"/>
+        <p14:creationId xmlns:p14="http://schemas.microsoft.com/office/powerpoint/2010/main" val="1336732442"/>
       </p:ext>
     </p:extLst>
   </p:cSld>
@@ -3982,10 +4110,22 @@
           <a:bodyPr/>
           <a:lstStyle/>
           <a:p>
-            <a:r>
-              <a:rPr lang="en-US" dirty="0"/>
-              <a:t>Questions thus far about this process? </a:t>
-            </a:r>
+            <a:pPr algn="l"/>
+            <a:r>
+              <a:rPr lang="en-US" sz="1800" b="0" i="0" u="none" strike="noStrike" baseline="0" dirty="0">
+                <a:latin typeface="Open Sans" panose="020B0606030504020204" pitchFamily="34" charset="0"/>
+              </a:rPr>
+              <a:t>In this section, explain at a high level where your data came from and how you prepared it. This can be a tricky balance to strike: some audiences might want to nerd out over the wrangling, but many won’t. </a:t>
+            </a:r>
+          </a:p>
+          <a:p>
+            <a:r>
+              <a:rPr lang="en-US" sz="1800" b="0" i="0" u="none" strike="noStrike" baseline="0" dirty="0">
+                <a:latin typeface="Open Sans" panose="020B0606030504020204" pitchFamily="34" charset="0"/>
+              </a:rPr>
+              <a:t>Instead, discuss the philosophy behind what data is being used and why it's right to the hypotheses. This is also a great place to include some data visualizations to really give your audience a sense of the data's look and feel. </a:t>
+            </a:r>
+            <a:endParaRPr lang="en-US" dirty="0"/>
           </a:p>
         </p:txBody>
       </p:sp>
@@ -4006,7 +4146,7 @@
           <a:p>
             <a:fld id="{F9DB3DAC-CD90-4DD2-80B1-E135CFB4F8DD}" type="slidenum">
               <a:rPr lang="en-US" smtClean="0"/>
-              <a:t>31</a:t>
+              <a:t>28</a:t>
             </a:fld>
             <a:endParaRPr lang="en-US"/>
           </a:p>
@@ -4015,7 +4155,7 @@
     </p:spTree>
     <p:extLst>
       <p:ext uri="{BB962C8B-B14F-4D97-AF65-F5344CB8AC3E}">
-        <p14:creationId xmlns:p14="http://schemas.microsoft.com/office/powerpoint/2010/main" val="155598494"/>
+        <p14:creationId xmlns:p14="http://schemas.microsoft.com/office/powerpoint/2010/main" val="990427597"/>
       </p:ext>
     </p:extLst>
   </p:cSld>
@@ -4070,12 +4210,15 @@
           <a:lstStyle/>
           <a:p>
             <a:r>
-              <a:rPr lang="en-US" sz="1800" b="0" i="0" u="none" strike="noStrike" baseline="0" dirty="0">
-                <a:latin typeface="Open Sans" panose="020B0606030504020204" pitchFamily="34" charset="0"/>
-              </a:rPr>
-              <a:t>In this section you will cover, again at a high level, what methods you used to conduct the data analysis. If there are any assumptions that your test relies on, call them out here. The same spirit as #3 applies: this is more about explaining why you chose these methods, rather than a deep dive into how you conducted them or how they work. </a:t>
-            </a:r>
-            <a:endParaRPr lang="en-US" dirty="0"/>
+              <a:rPr lang="en-US" dirty="0"/>
+              <a:t>How many of you have used Power Query before? (Y/N)</a:t>
+            </a:r>
+          </a:p>
+          <a:p>
+            <a:r>
+              <a:rPr lang="en-US" dirty="0"/>
+              <a:t>We will use it to profile and clean the data. And then from the results of our data preparation we will do a write up in our doc. </a:t>
+            </a:r>
           </a:p>
         </p:txBody>
       </p:sp>
@@ -4094,9 +4237,9 @@
           <a:bodyPr/>
           <a:lstStyle/>
           <a:p>
-            <a:fld id="{F9DB3DAC-CD90-4DD2-80B1-E135CFB4F8DD}" type="slidenum">
+            <a:fld id="{3BB66621-ADCC-4EF8-8003-B9D3E881DCD2}" type="slidenum">
               <a:rPr lang="en-US" smtClean="0"/>
-              <a:t>32</a:t>
+              <a:t>29</a:t>
             </a:fld>
             <a:endParaRPr lang="en-US"/>
           </a:p>
@@ -4105,7 +4248,7 @@
     </p:spTree>
     <p:extLst>
       <p:ext uri="{BB962C8B-B14F-4D97-AF65-F5344CB8AC3E}">
-        <p14:creationId xmlns:p14="http://schemas.microsoft.com/office/powerpoint/2010/main" val="3597266606"/>
+        <p14:creationId xmlns:p14="http://schemas.microsoft.com/office/powerpoint/2010/main" val="2540257717"/>
       </p:ext>
     </p:extLst>
   </p:cSld>
@@ -4161,7 +4304,16 @@
           <a:p>
             <a:r>
               <a:rPr lang="en-US" dirty="0"/>
-              <a:t>Who wants to try answering these in the doc? </a:t>
+              <a:t>Now that you’ve seen Power Query in action, it’s a good time to bring up ETL which is a fundamental process for analytics. </a:t>
+            </a:r>
+          </a:p>
+          <a:p>
+            <a:endParaRPr lang="en-US" dirty="0"/>
+          </a:p>
+          <a:p>
+            <a:r>
+              <a:rPr lang="en-US" dirty="0"/>
+              <a:t>It’s important stuff doing all the cleaning etc. But this is behind the scenes work. I like to draw the analogy of film editors. We so little of their work but that’s kind of the point. </a:t>
             </a:r>
           </a:p>
         </p:txBody>
@@ -4181,9 +4333,9 @@
           <a:bodyPr/>
           <a:lstStyle/>
           <a:p>
-            <a:fld id="{3BB66621-ADCC-4EF8-8003-B9D3E881DCD2}" type="slidenum">
+            <a:fld id="{F9DB3DAC-CD90-4DD2-80B1-E135CFB4F8DD}" type="slidenum">
               <a:rPr lang="en-US" smtClean="0"/>
-              <a:t>33</a:t>
+              <a:t>30</a:t>
             </a:fld>
             <a:endParaRPr lang="en-US"/>
           </a:p>
@@ -4192,7 +4344,7 @@
     </p:spTree>
     <p:extLst>
       <p:ext uri="{BB962C8B-B14F-4D97-AF65-F5344CB8AC3E}">
-        <p14:creationId xmlns:p14="http://schemas.microsoft.com/office/powerpoint/2010/main" val="2350725257"/>
+        <p14:creationId xmlns:p14="http://schemas.microsoft.com/office/powerpoint/2010/main" val="452141436"/>
       </p:ext>
     </p:extLst>
   </p:cSld>
@@ -4248,7 +4400,7 @@
           <a:p>
             <a:r>
               <a:rPr lang="en-US" dirty="0"/>
-              <a:t>Ask a student if they’d like to share their screen and walk through it </a:t>
+              <a:t>Let’s walk through how to download the resources for today on GitHub. If you’d like to learn more about collaboration with GitHub, check out one of the other courses. </a:t>
             </a:r>
           </a:p>
         </p:txBody>
@@ -4270,7 +4422,7 @@
           <a:p>
             <a:fld id="{3BB66621-ADCC-4EF8-8003-B9D3E881DCD2}" type="slidenum">
               <a:rPr lang="en-US" smtClean="0"/>
-              <a:t>6</a:t>
+              <a:t>3</a:t>
             </a:fld>
             <a:endParaRPr lang="en-US"/>
           </a:p>
@@ -4279,7 +4431,7 @@
     </p:spTree>
     <p:extLst>
       <p:ext uri="{BB962C8B-B14F-4D97-AF65-F5344CB8AC3E}">
-        <p14:creationId xmlns:p14="http://schemas.microsoft.com/office/powerpoint/2010/main" val="3687456924"/>
+        <p14:creationId xmlns:p14="http://schemas.microsoft.com/office/powerpoint/2010/main" val="2213468204"/>
       </p:ext>
     </p:extLst>
   </p:cSld>
@@ -4334,12 +4486,9 @@
           <a:lstStyle/>
           <a:p>
             <a:r>
-              <a:rPr lang="en-US" sz="1800" b="0" i="0" u="none" strike="noStrike" baseline="0" dirty="0">
-                <a:latin typeface="Open Sans" panose="020B0606030504020204" pitchFamily="34" charset="0"/>
-              </a:rPr>
-              <a:t>It's finally time to report what happened when you performed the designated methods on the aforementioned data. What does this mean for your hypotheses? Give the relevant diagnostics and statistics; what's relevant may be dependent on the technical prowess of your audience. The beauty of this framework is there's no fudging the results, as you were transparent about every component of the analysis.</a:t>
-            </a:r>
-            <a:endParaRPr lang="en-US" dirty="0"/>
+              <a:rPr lang="en-US" dirty="0"/>
+              <a:t>Questions thus far about this process? </a:t>
+            </a:r>
           </a:p>
         </p:txBody>
       </p:sp>
@@ -4360,7 +4509,7 @@
           <a:p>
             <a:fld id="{F9DB3DAC-CD90-4DD2-80B1-E135CFB4F8DD}" type="slidenum">
               <a:rPr lang="en-US" smtClean="0"/>
-              <a:t>34</a:t>
+              <a:t>31</a:t>
             </a:fld>
             <a:endParaRPr lang="en-US"/>
           </a:p>
@@ -4369,7 +4518,7 @@
     </p:spTree>
     <p:extLst>
       <p:ext uri="{BB962C8B-B14F-4D97-AF65-F5344CB8AC3E}">
-        <p14:creationId xmlns:p14="http://schemas.microsoft.com/office/powerpoint/2010/main" val="508149918"/>
+        <p14:creationId xmlns:p14="http://schemas.microsoft.com/office/powerpoint/2010/main" val="155598494"/>
       </p:ext>
     </p:extLst>
   </p:cSld>
@@ -4424,9 +4573,12 @@
           <a:lstStyle/>
           <a:p>
             <a:r>
-              <a:rPr lang="en-US" dirty="0"/>
-              <a:t>Ask a student if they’d like to share their screen and walk through it </a:t>
-            </a:r>
+              <a:rPr lang="en-US" sz="1800" b="0" i="0" u="none" strike="noStrike" baseline="0" dirty="0">
+                <a:latin typeface="Open Sans" panose="020B0606030504020204" pitchFamily="34" charset="0"/>
+              </a:rPr>
+              <a:t>In this section you will cover, again at a high level, what methods you used to conduct the data analysis. If there are any assumptions that your test relies on, call them out here. The same spirit as #3 applies: this is more about explaining why you chose these methods, rather than a deep dive into how you conducted them or how they work. </a:t>
+            </a:r>
+            <a:endParaRPr lang="en-US" dirty="0"/>
           </a:p>
         </p:txBody>
       </p:sp>
@@ -4445,9 +4597,9 @@
           <a:bodyPr/>
           <a:lstStyle/>
           <a:p>
-            <a:fld id="{3BB66621-ADCC-4EF8-8003-B9D3E881DCD2}" type="slidenum">
+            <a:fld id="{F9DB3DAC-CD90-4DD2-80B1-E135CFB4F8DD}" type="slidenum">
               <a:rPr lang="en-US" smtClean="0"/>
-              <a:t>35</a:t>
+              <a:t>32</a:t>
             </a:fld>
             <a:endParaRPr lang="en-US"/>
           </a:p>
@@ -4456,7 +4608,7 @@
     </p:spTree>
     <p:extLst>
       <p:ext uri="{BB962C8B-B14F-4D97-AF65-F5344CB8AC3E}">
-        <p14:creationId xmlns:p14="http://schemas.microsoft.com/office/powerpoint/2010/main" val="1201835936"/>
+        <p14:creationId xmlns:p14="http://schemas.microsoft.com/office/powerpoint/2010/main" val="3597266606"/>
       </p:ext>
     </p:extLst>
   </p:cSld>
@@ -4512,31 +4664,7 @@
           <a:p>
             <a:r>
               <a:rPr lang="en-US" dirty="0"/>
-              <a:t>OK before we continue on, while we’re on the topic of methods; a little bit more info about doing this.</a:t>
-            </a:r>
-          </a:p>
-          <a:p>
-            <a:r>
-              <a:rPr lang="en-US" dirty="0"/>
-              <a:t>So in the book you learned about classifying variables and naming your independent and dependent variables. Now based on the types of your dependent and independent variables, you might use different methods.</a:t>
-            </a:r>
-          </a:p>
-          <a:p>
-            <a:endParaRPr lang="en-US" dirty="0"/>
-          </a:p>
-          <a:p>
-            <a:r>
-              <a:rPr lang="en-US" dirty="0"/>
-              <a:t>The book used t-test and regression; does anyone remember what type your IV and DV should be for that?</a:t>
-            </a:r>
-          </a:p>
-          <a:p>
-            <a:endParaRPr lang="en-US" dirty="0"/>
-          </a:p>
-          <a:p>
-            <a:r>
-              <a:rPr lang="en-US" dirty="0"/>
-              <a:t>There are certainly way more tests and these are the more classic statistical tests. There are even more ways to do them with machine learning, so that can feel even more confusing. But these are the classic methods for inferential statistics that are still used… </a:t>
+              <a:t>Who wants to try answering these in the doc? </a:t>
             </a:r>
           </a:p>
         </p:txBody>
@@ -4556,9 +4684,9 @@
           <a:bodyPr/>
           <a:lstStyle/>
           <a:p>
-            <a:fld id="{F9DB3DAC-CD90-4DD2-80B1-E135CFB4F8DD}" type="slidenum">
+            <a:fld id="{3BB66621-ADCC-4EF8-8003-B9D3E881DCD2}" type="slidenum">
               <a:rPr lang="en-US" smtClean="0"/>
-              <a:t>36</a:t>
+              <a:t>33</a:t>
             </a:fld>
             <a:endParaRPr lang="en-US"/>
           </a:p>
@@ -4567,7 +4695,7 @@
     </p:spTree>
     <p:extLst>
       <p:ext uri="{BB962C8B-B14F-4D97-AF65-F5344CB8AC3E}">
-        <p14:creationId xmlns:p14="http://schemas.microsoft.com/office/powerpoint/2010/main" val="3531373319"/>
+        <p14:creationId xmlns:p14="http://schemas.microsoft.com/office/powerpoint/2010/main" val="2350725257"/>
       </p:ext>
     </p:extLst>
   </p:cSld>
@@ -4622,9 +4750,12 @@
           <a:lstStyle/>
           <a:p>
             <a:r>
-              <a:rPr lang="en-US" dirty="0"/>
-              <a:t>Ask a student if they’d like to share their screen and walk through it </a:t>
-            </a:r>
+              <a:rPr lang="en-US" sz="1800" b="0" i="0" u="none" strike="noStrike" baseline="0" dirty="0">
+                <a:latin typeface="Open Sans" panose="020B0606030504020204" pitchFamily="34" charset="0"/>
+              </a:rPr>
+              <a:t>It's finally time to report what happened when you performed the designated methods on the aforementioned data. What does this mean for your hypotheses? Give the relevant diagnostics and statistics; what's relevant may be dependent on the technical prowess of your audience. The beauty of this framework is there's no fudging the results, as you were transparent about every component of the analysis.</a:t>
+            </a:r>
+            <a:endParaRPr lang="en-US" dirty="0"/>
           </a:p>
         </p:txBody>
       </p:sp>
@@ -4643,9 +4774,9 @@
           <a:bodyPr/>
           <a:lstStyle/>
           <a:p>
-            <a:fld id="{3BB66621-ADCC-4EF8-8003-B9D3E881DCD2}" type="slidenum">
+            <a:fld id="{F9DB3DAC-CD90-4DD2-80B1-E135CFB4F8DD}" type="slidenum">
               <a:rPr lang="en-US" smtClean="0"/>
-              <a:t>37</a:t>
+              <a:t>34</a:t>
             </a:fld>
             <a:endParaRPr lang="en-US"/>
           </a:p>
@@ -4654,7 +4785,7 @@
     </p:spTree>
     <p:extLst>
       <p:ext uri="{BB962C8B-B14F-4D97-AF65-F5344CB8AC3E}">
-        <p14:creationId xmlns:p14="http://schemas.microsoft.com/office/powerpoint/2010/main" val="847546632"/>
+        <p14:creationId xmlns:p14="http://schemas.microsoft.com/office/powerpoint/2010/main" val="508149918"/>
       </p:ext>
     </p:extLst>
   </p:cSld>
@@ -4708,43 +4839,9 @@
           <a:bodyPr/>
           <a:lstStyle/>
           <a:p>
-            <a:pPr>
-              <a:buClr>
-                <a:srgbClr val="CF3338"/>
-              </a:buClr>
-            </a:pPr>
-            <a:r>
-              <a:rPr lang="en-US" sz="1200" i="0" dirty="0">
-                <a:solidFill>
-                  <a:srgbClr val="707070"/>
-                </a:solidFill>
-                <a:latin typeface="Pragmatica" panose="020B0403040502020204" pitchFamily="34" charset="0"/>
-              </a:rPr>
-              <a:t>We’ll cover a few more of these in the book but I hope this can serve as a bit of a cheat sheet for you. These methods are really foundational. A/B tests are just t-tests/; you saw ANOVA used as part of the regression diagnostics. </a:t>
-            </a:r>
-          </a:p>
-          <a:p>
-            <a:pPr>
-              <a:buClr>
-                <a:srgbClr val="CF3338"/>
-              </a:buClr>
-            </a:pPr>
-            <a:endParaRPr lang="en-US" sz="1200" i="0" dirty="0">
-              <a:solidFill>
-                <a:srgbClr val="707070"/>
-              </a:solidFill>
-              <a:latin typeface="Pragmatica" panose="020B0403040502020204" pitchFamily="34" charset="0"/>
-            </a:endParaRPr>
-          </a:p>
-          <a:p>
-            <a:pPr>
-              <a:buClr>
-                <a:srgbClr val="CF3338"/>
-              </a:buClr>
-            </a:pPr>
             <a:r>
               <a:rPr lang="en-US" dirty="0"/>
-              <a:t>The ones we haven’t done are paired t-test and ANOVA and walkthroughs of those in Excel are in the docs folder. </a:t>
+              <a:t>Ask a student if they’d like to share their screen and walk through it </a:t>
             </a:r>
           </a:p>
         </p:txBody>
@@ -4766,7 +4863,7 @@
           <a:p>
             <a:fld id="{3BB66621-ADCC-4EF8-8003-B9D3E881DCD2}" type="slidenum">
               <a:rPr lang="en-US" smtClean="0"/>
-              <a:t>38</a:t>
+              <a:t>35</a:t>
             </a:fld>
             <a:endParaRPr lang="en-US"/>
           </a:p>
@@ -4775,7 +4872,7 @@
     </p:spTree>
     <p:extLst>
       <p:ext uri="{BB962C8B-B14F-4D97-AF65-F5344CB8AC3E}">
-        <p14:creationId xmlns:p14="http://schemas.microsoft.com/office/powerpoint/2010/main" val="3775270168"/>
+        <p14:creationId xmlns:p14="http://schemas.microsoft.com/office/powerpoint/2010/main" val="1201835936"/>
       </p:ext>
     </p:extLst>
   </p:cSld>
@@ -4831,7 +4928,31 @@
           <a:p>
             <a:r>
               <a:rPr lang="en-US" dirty="0"/>
-              <a:t>Any questions thus far? </a:t>
+              <a:t>OK before we continue on, while we’re on the topic of methods; a little bit more info about doing this.</a:t>
+            </a:r>
+          </a:p>
+          <a:p>
+            <a:r>
+              <a:rPr lang="en-US" dirty="0"/>
+              <a:t>So in the book you learned about classifying variables and naming your independent and dependent variables. Now based on the types of your dependent and independent variables, you might use different methods.</a:t>
+            </a:r>
+          </a:p>
+          <a:p>
+            <a:endParaRPr lang="en-US" dirty="0"/>
+          </a:p>
+          <a:p>
+            <a:r>
+              <a:rPr lang="en-US" dirty="0"/>
+              <a:t>The book used t-test and regression; does anyone remember what type your IV and DV should be for that?</a:t>
+            </a:r>
+          </a:p>
+          <a:p>
+            <a:endParaRPr lang="en-US" dirty="0"/>
+          </a:p>
+          <a:p>
+            <a:r>
+              <a:rPr lang="en-US" dirty="0"/>
+              <a:t>There are certainly way more tests and these are the more classic statistical tests. There are even more ways to do them with machine learning, so that can feel even more confusing. But these are the classic methods for inferential statistics that are still used… </a:t>
             </a:r>
           </a:p>
         </p:txBody>
@@ -4853,7 +4974,7 @@
           <a:p>
             <a:fld id="{F9DB3DAC-CD90-4DD2-80B1-E135CFB4F8DD}" type="slidenum">
               <a:rPr lang="en-US" smtClean="0"/>
-              <a:t>39</a:t>
+              <a:t>36</a:t>
             </a:fld>
             <a:endParaRPr lang="en-US"/>
           </a:p>
@@ -4862,7 +4983,7 @@
     </p:spTree>
     <p:extLst>
       <p:ext uri="{BB962C8B-B14F-4D97-AF65-F5344CB8AC3E}">
-        <p14:creationId xmlns:p14="http://schemas.microsoft.com/office/powerpoint/2010/main" val="3716864887"/>
+        <p14:creationId xmlns:p14="http://schemas.microsoft.com/office/powerpoint/2010/main" val="3531373319"/>
       </p:ext>
     </p:extLst>
   </p:cSld>
@@ -4918,16 +5039,7 @@
           <a:p>
             <a:r>
               <a:rPr lang="en-US" dirty="0"/>
-              <a:t>All right, with that sidetrack out of the way, let’s get back to a visualization that should look familiar! What have we done so far – well we learned a bit about ETL, we saw how exploratory and confirmatory data analysis could work together and then we learned how to communicate our work.</a:t>
-            </a:r>
-          </a:p>
-          <a:p>
-            <a:endParaRPr lang="en-US" dirty="0"/>
-          </a:p>
-          <a:p>
-            <a:r>
-              <a:rPr lang="en-US" dirty="0"/>
-              <a:t>But there are still two very important steps left! </a:t>
+              <a:t>Ask a student if they’d like to share their screen and walk through it </a:t>
             </a:r>
           </a:p>
         </p:txBody>
@@ -4947,9 +5059,9 @@
           <a:bodyPr/>
           <a:lstStyle/>
           <a:p>
-            <a:fld id="{F9DB3DAC-CD90-4DD2-80B1-E135CFB4F8DD}" type="slidenum">
+            <a:fld id="{3BB66621-ADCC-4EF8-8003-B9D3E881DCD2}" type="slidenum">
               <a:rPr lang="en-US" smtClean="0"/>
-              <a:t>40</a:t>
+              <a:t>37</a:t>
             </a:fld>
             <a:endParaRPr lang="en-US"/>
           </a:p>
@@ -4958,7 +5070,7 @@
     </p:spTree>
     <p:extLst>
       <p:ext uri="{BB962C8B-B14F-4D97-AF65-F5344CB8AC3E}">
-        <p14:creationId xmlns:p14="http://schemas.microsoft.com/office/powerpoint/2010/main" val="1358763884"/>
+        <p14:creationId xmlns:p14="http://schemas.microsoft.com/office/powerpoint/2010/main" val="847546632"/>
       </p:ext>
     </p:extLst>
   </p:cSld>
@@ -5012,13 +5124,44 @@
           <a:bodyPr/>
           <a:lstStyle/>
           <a:p>
-            <a:r>
-              <a:rPr lang="en-US" sz="1800" b="0" i="0" u="none" strike="noStrike" baseline="0" dirty="0">
-                <a:latin typeface="Open Sans" panose="020B0606030504020204" pitchFamily="34" charset="0"/>
+            <a:pPr>
+              <a:buClr>
+                <a:srgbClr val="CF3338"/>
+              </a:buClr>
+            </a:pPr>
+            <a:r>
+              <a:rPr lang="en-US" sz="1200" i="0" dirty="0">
+                <a:solidFill>
+                  <a:srgbClr val="707070"/>
+                </a:solidFill>
+                <a:latin typeface="Pragmatica" panose="020B0403040502020204" pitchFamily="34" charset="0"/>
               </a:rPr>
-              <a:t>First the recommendations – this is what everything has been leading up to. Knowing what your audience now knows, how should they behave differently? What follow ups are there and how might you answer them? </a:t>
-            </a:r>
-            <a:endParaRPr lang="en-US" dirty="0"/>
+              <a:t>We’ll cover a few more of these in the book but I hope this can serve as a bit of a cheat sheet for you. These methods are really foundational. A/B tests are just t-tests/; you saw ANOVA used as part of the regression diagnostics. </a:t>
+            </a:r>
+          </a:p>
+          <a:p>
+            <a:pPr>
+              <a:buClr>
+                <a:srgbClr val="CF3338"/>
+              </a:buClr>
+            </a:pPr>
+            <a:endParaRPr lang="en-US" sz="1200" i="0" dirty="0">
+              <a:solidFill>
+                <a:srgbClr val="707070"/>
+              </a:solidFill>
+              <a:latin typeface="Pragmatica" panose="020B0403040502020204" pitchFamily="34" charset="0"/>
+            </a:endParaRPr>
+          </a:p>
+          <a:p>
+            <a:pPr>
+              <a:buClr>
+                <a:srgbClr val="CF3338"/>
+              </a:buClr>
+            </a:pPr>
+            <a:r>
+              <a:rPr lang="en-US" dirty="0"/>
+              <a:t>The ones we haven’t done are paired t-test and ANOVA and walkthroughs of those in Excel are in the docs folder. </a:t>
+            </a:r>
           </a:p>
         </p:txBody>
       </p:sp>
@@ -5037,9 +5180,9 @@
           <a:bodyPr/>
           <a:lstStyle/>
           <a:p>
-            <a:fld id="{F9DB3DAC-CD90-4DD2-80B1-E135CFB4F8DD}" type="slidenum">
+            <a:fld id="{3BB66621-ADCC-4EF8-8003-B9D3E881DCD2}" type="slidenum">
               <a:rPr lang="en-US" smtClean="0"/>
-              <a:t>41</a:t>
+              <a:t>38</a:t>
             </a:fld>
             <a:endParaRPr lang="en-US"/>
           </a:p>
@@ -5048,7 +5191,7 @@
     </p:spTree>
     <p:extLst>
       <p:ext uri="{BB962C8B-B14F-4D97-AF65-F5344CB8AC3E}">
-        <p14:creationId xmlns:p14="http://schemas.microsoft.com/office/powerpoint/2010/main" val="563806648"/>
+        <p14:creationId xmlns:p14="http://schemas.microsoft.com/office/powerpoint/2010/main" val="3775270168"/>
       </p:ext>
     </p:extLst>
   </p:cSld>
@@ -5103,12 +5246,9 @@
           <a:lstStyle/>
           <a:p>
             <a:r>
-              <a:rPr lang="en-US" sz="1800" b="0" i="0" u="none" strike="noStrike" baseline="0" dirty="0">
-                <a:latin typeface="Open Sans" panose="020B0606030504020204" pitchFamily="34" charset="0"/>
-              </a:rPr>
-              <a:t>One </a:t>
-            </a:r>
-            <a:endParaRPr lang="en-US" dirty="0"/>
+              <a:rPr lang="en-US" dirty="0"/>
+              <a:t>Any questions thus far? </a:t>
+            </a:r>
           </a:p>
         </p:txBody>
       </p:sp>
@@ -5129,7 +5269,7 @@
           <a:p>
             <a:fld id="{F9DB3DAC-CD90-4DD2-80B1-E135CFB4F8DD}" type="slidenum">
               <a:rPr lang="en-US" smtClean="0"/>
-              <a:t>42</a:t>
+              <a:t>39</a:t>
             </a:fld>
             <a:endParaRPr lang="en-US"/>
           </a:p>
@@ -5138,7 +5278,7 @@
     </p:spTree>
     <p:extLst>
       <p:ext uri="{BB962C8B-B14F-4D97-AF65-F5344CB8AC3E}">
-        <p14:creationId xmlns:p14="http://schemas.microsoft.com/office/powerpoint/2010/main" val="3993979663"/>
+        <p14:creationId xmlns:p14="http://schemas.microsoft.com/office/powerpoint/2010/main" val="3716864887"/>
       </p:ext>
     </p:extLst>
   </p:cSld>
@@ -5194,15 +5334,16 @@
           <a:p>
             <a:r>
               <a:rPr lang="en-US" dirty="0"/>
-              <a:t>Split into breakout </a:t>
-            </a:r>
-            <a:r>
-              <a:rPr lang="en-US" dirty="0" err="1"/>
-              <a:t>grups</a:t>
-            </a:r>
+              <a:t>All right, with that sidetrack out of the way, let’s get back to a visualization that should look familiar! What have we done so far – well we learned a bit about ETL, we saw how exploratory and confirmatory data analysis could work together and then we learned how to communicate our work.</a:t>
+            </a:r>
+          </a:p>
+          <a:p>
+            <a:endParaRPr lang="en-US" dirty="0"/>
+          </a:p>
+          <a:p>
             <a:r>
               <a:rPr lang="en-US" dirty="0"/>
-              <a:t> and work on it…. </a:t>
+              <a:t>But there are still two very important steps left! </a:t>
             </a:r>
           </a:p>
         </p:txBody>
@@ -5222,9 +5363,9 @@
           <a:bodyPr/>
           <a:lstStyle/>
           <a:p>
-            <a:fld id="{3BB66621-ADCC-4EF8-8003-B9D3E881DCD2}" type="slidenum">
+            <a:fld id="{F9DB3DAC-CD90-4DD2-80B1-E135CFB4F8DD}" type="slidenum">
               <a:rPr lang="en-US" smtClean="0"/>
-              <a:t>43</a:t>
+              <a:t>40</a:t>
             </a:fld>
             <a:endParaRPr lang="en-US"/>
           </a:p>
@@ -5233,7 +5374,7 @@
     </p:spTree>
     <p:extLst>
       <p:ext uri="{BB962C8B-B14F-4D97-AF65-F5344CB8AC3E}">
-        <p14:creationId xmlns:p14="http://schemas.microsoft.com/office/powerpoint/2010/main" val="3137002129"/>
+        <p14:creationId xmlns:p14="http://schemas.microsoft.com/office/powerpoint/2010/main" val="1358763884"/>
       </p:ext>
     </p:extLst>
   </p:cSld>
@@ -5289,7 +5430,7 @@
           <a:p>
             <a:r>
               <a:rPr lang="en-US" dirty="0"/>
-              <a:t>I won’t spend a lot of time with this part as you learned it in the book. But at the same time it’s really important to keep practicing this stuff. So here’s some more if you’d like. </a:t>
+              <a:t>Now you are always welcome to leave your questions in the chat. Tell us about yourself and where you are coming from in the chat. </a:t>
             </a:r>
           </a:p>
         </p:txBody>
@@ -5309,9 +5450,9 @@
           <a:bodyPr/>
           <a:lstStyle/>
           <a:p>
-            <a:fld id="{3BB66621-ADCC-4EF8-8003-B9D3E881DCD2}" type="slidenum">
+            <a:fld id="{F9DB3DAC-CD90-4DD2-80B1-E135CFB4F8DD}" type="slidenum">
               <a:rPr lang="en-US" smtClean="0"/>
-              <a:t>7</a:t>
+              <a:t>4</a:t>
             </a:fld>
             <a:endParaRPr lang="en-US"/>
           </a:p>
@@ -5320,7 +5461,7 @@
     </p:spTree>
     <p:extLst>
       <p:ext uri="{BB962C8B-B14F-4D97-AF65-F5344CB8AC3E}">
-        <p14:creationId xmlns:p14="http://schemas.microsoft.com/office/powerpoint/2010/main" val="624299274"/>
+        <p14:creationId xmlns:p14="http://schemas.microsoft.com/office/powerpoint/2010/main" val="1872322510"/>
       </p:ext>
     </p:extLst>
   </p:cSld>
@@ -5375,6 +5516,281 @@
           <a:lstStyle/>
           <a:p>
             <a:r>
+              <a:rPr lang="en-US" sz="1800" b="0" i="0" u="none" strike="noStrike" baseline="0" dirty="0">
+                <a:latin typeface="Open Sans" panose="020B0606030504020204" pitchFamily="34" charset="0"/>
+              </a:rPr>
+              <a:t>First the recommendations – this is what everything has been leading up to. Knowing what your audience now knows, how should they behave differently? What follow ups are there and how might you answer them? </a:t>
+            </a:r>
+            <a:endParaRPr lang="en-US" dirty="0"/>
+          </a:p>
+        </p:txBody>
+      </p:sp>
+      <p:sp>
+        <p:nvSpPr>
+          <p:cNvPr id="4" name="Slide Number Placeholder 3"/>
+          <p:cNvSpPr>
+            <a:spLocks noGrp="1"/>
+          </p:cNvSpPr>
+          <p:nvPr>
+            <p:ph type="sldNum" sz="quarter" idx="5"/>
+          </p:nvPr>
+        </p:nvSpPr>
+        <p:spPr/>
+        <p:txBody>
+          <a:bodyPr/>
+          <a:lstStyle/>
+          <a:p>
+            <a:fld id="{F9DB3DAC-CD90-4DD2-80B1-E135CFB4F8DD}" type="slidenum">
+              <a:rPr lang="en-US" smtClean="0"/>
+              <a:t>41</a:t>
+            </a:fld>
+            <a:endParaRPr lang="en-US"/>
+          </a:p>
+        </p:txBody>
+      </p:sp>
+    </p:spTree>
+    <p:extLst>
+      <p:ext uri="{BB962C8B-B14F-4D97-AF65-F5344CB8AC3E}">
+        <p14:creationId xmlns:p14="http://schemas.microsoft.com/office/powerpoint/2010/main" val="563806648"/>
+      </p:ext>
+    </p:extLst>
+  </p:cSld>
+  <p:clrMapOvr>
+    <a:masterClrMapping/>
+  </p:clrMapOvr>
+</p:notes>
+</file>
+
+<file path=ppt/notesSlides/notesSlide41.xml><?xml version="1.0" encoding="utf-8"?>
+<p:notes xmlns:a="http://schemas.openxmlformats.org/drawingml/2006/main" xmlns:r="http://schemas.openxmlformats.org/officeDocument/2006/relationships" xmlns:p="http://schemas.openxmlformats.org/presentationml/2006/main">
+  <p:cSld>
+    <p:spTree>
+      <p:nvGrpSpPr>
+        <p:cNvPr id="1" name=""/>
+        <p:cNvGrpSpPr/>
+        <p:nvPr/>
+      </p:nvGrpSpPr>
+      <p:grpSpPr>
+        <a:xfrm>
+          <a:off x="0" y="0"/>
+          <a:ext cx="0" cy="0"/>
+          <a:chOff x="0" y="0"/>
+          <a:chExt cx="0" cy="0"/>
+        </a:xfrm>
+      </p:grpSpPr>
+      <p:sp>
+        <p:nvSpPr>
+          <p:cNvPr id="2" name="Slide Image Placeholder 1"/>
+          <p:cNvSpPr>
+            <a:spLocks noGrp="1" noRot="1" noChangeAspect="1"/>
+          </p:cNvSpPr>
+          <p:nvPr>
+            <p:ph type="sldImg"/>
+          </p:nvPr>
+        </p:nvSpPr>
+        <p:spPr/>
+      </p:sp>
+      <p:sp>
+        <p:nvSpPr>
+          <p:cNvPr id="3" name="Notes Placeholder 2"/>
+          <p:cNvSpPr>
+            <a:spLocks noGrp="1"/>
+          </p:cNvSpPr>
+          <p:nvPr>
+            <p:ph type="body" idx="1"/>
+          </p:nvPr>
+        </p:nvSpPr>
+        <p:spPr/>
+        <p:txBody>
+          <a:bodyPr/>
+          <a:lstStyle/>
+          <a:p>
+            <a:r>
+              <a:rPr lang="en-US" sz="1800" b="0" i="0" u="none" strike="noStrike" baseline="0" dirty="0">
+                <a:latin typeface="Open Sans" panose="020B0606030504020204" pitchFamily="34" charset="0"/>
+              </a:rPr>
+              <a:t>One </a:t>
+            </a:r>
+            <a:endParaRPr lang="en-US" dirty="0"/>
+          </a:p>
+        </p:txBody>
+      </p:sp>
+      <p:sp>
+        <p:nvSpPr>
+          <p:cNvPr id="4" name="Slide Number Placeholder 3"/>
+          <p:cNvSpPr>
+            <a:spLocks noGrp="1"/>
+          </p:cNvSpPr>
+          <p:nvPr>
+            <p:ph type="sldNum" sz="quarter" idx="5"/>
+          </p:nvPr>
+        </p:nvSpPr>
+        <p:spPr/>
+        <p:txBody>
+          <a:bodyPr/>
+          <a:lstStyle/>
+          <a:p>
+            <a:fld id="{F9DB3DAC-CD90-4DD2-80B1-E135CFB4F8DD}" type="slidenum">
+              <a:rPr lang="en-US" smtClean="0"/>
+              <a:t>42</a:t>
+            </a:fld>
+            <a:endParaRPr lang="en-US"/>
+          </a:p>
+        </p:txBody>
+      </p:sp>
+    </p:spTree>
+    <p:extLst>
+      <p:ext uri="{BB962C8B-B14F-4D97-AF65-F5344CB8AC3E}">
+        <p14:creationId xmlns:p14="http://schemas.microsoft.com/office/powerpoint/2010/main" val="3993979663"/>
+      </p:ext>
+    </p:extLst>
+  </p:cSld>
+  <p:clrMapOvr>
+    <a:masterClrMapping/>
+  </p:clrMapOvr>
+</p:notes>
+</file>
+
+<file path=ppt/notesSlides/notesSlide42.xml><?xml version="1.0" encoding="utf-8"?>
+<p:notes xmlns:a="http://schemas.openxmlformats.org/drawingml/2006/main" xmlns:r="http://schemas.openxmlformats.org/officeDocument/2006/relationships" xmlns:p="http://schemas.openxmlformats.org/presentationml/2006/main">
+  <p:cSld>
+    <p:spTree>
+      <p:nvGrpSpPr>
+        <p:cNvPr id="1" name=""/>
+        <p:cNvGrpSpPr/>
+        <p:nvPr/>
+      </p:nvGrpSpPr>
+      <p:grpSpPr>
+        <a:xfrm>
+          <a:off x="0" y="0"/>
+          <a:ext cx="0" cy="0"/>
+          <a:chOff x="0" y="0"/>
+          <a:chExt cx="0" cy="0"/>
+        </a:xfrm>
+      </p:grpSpPr>
+      <p:sp>
+        <p:nvSpPr>
+          <p:cNvPr id="2" name="Slide Image Placeholder 1"/>
+          <p:cNvSpPr>
+            <a:spLocks noGrp="1" noRot="1" noChangeAspect="1"/>
+          </p:cNvSpPr>
+          <p:nvPr>
+            <p:ph type="sldImg"/>
+          </p:nvPr>
+        </p:nvSpPr>
+        <p:spPr/>
+      </p:sp>
+      <p:sp>
+        <p:nvSpPr>
+          <p:cNvPr id="3" name="Notes Placeholder 2"/>
+          <p:cNvSpPr>
+            <a:spLocks noGrp="1"/>
+          </p:cNvSpPr>
+          <p:nvPr>
+            <p:ph type="body" idx="1"/>
+          </p:nvPr>
+        </p:nvSpPr>
+        <p:spPr/>
+        <p:txBody>
+          <a:bodyPr/>
+          <a:lstStyle/>
+          <a:p>
+            <a:r>
+              <a:rPr lang="en-US" dirty="0"/>
+              <a:t>Split into breakout </a:t>
+            </a:r>
+            <a:r>
+              <a:rPr lang="en-US" dirty="0" err="1"/>
+              <a:t>grups</a:t>
+            </a:r>
+            <a:r>
+              <a:rPr lang="en-US" dirty="0"/>
+              <a:t> and work on it…. </a:t>
+            </a:r>
+          </a:p>
+        </p:txBody>
+      </p:sp>
+      <p:sp>
+        <p:nvSpPr>
+          <p:cNvPr id="4" name="Slide Number Placeholder 3"/>
+          <p:cNvSpPr>
+            <a:spLocks noGrp="1"/>
+          </p:cNvSpPr>
+          <p:nvPr>
+            <p:ph type="sldNum" sz="quarter" idx="5"/>
+          </p:nvPr>
+        </p:nvSpPr>
+        <p:spPr/>
+        <p:txBody>
+          <a:bodyPr/>
+          <a:lstStyle/>
+          <a:p>
+            <a:fld id="{3BB66621-ADCC-4EF8-8003-B9D3E881DCD2}" type="slidenum">
+              <a:rPr lang="en-US" smtClean="0"/>
+              <a:t>43</a:t>
+            </a:fld>
+            <a:endParaRPr lang="en-US"/>
+          </a:p>
+        </p:txBody>
+      </p:sp>
+    </p:spTree>
+    <p:extLst>
+      <p:ext uri="{BB962C8B-B14F-4D97-AF65-F5344CB8AC3E}">
+        <p14:creationId xmlns:p14="http://schemas.microsoft.com/office/powerpoint/2010/main" val="3137002129"/>
+      </p:ext>
+    </p:extLst>
+  </p:cSld>
+  <p:clrMapOvr>
+    <a:masterClrMapping/>
+  </p:clrMapOvr>
+</p:notes>
+</file>
+
+<file path=ppt/notesSlides/notesSlide43.xml><?xml version="1.0" encoding="utf-8"?>
+<p:notes xmlns:a="http://schemas.openxmlformats.org/drawingml/2006/main" xmlns:r="http://schemas.openxmlformats.org/officeDocument/2006/relationships" xmlns:p="http://schemas.openxmlformats.org/presentationml/2006/main">
+  <p:cSld>
+    <p:spTree>
+      <p:nvGrpSpPr>
+        <p:cNvPr id="1" name=""/>
+        <p:cNvGrpSpPr/>
+        <p:nvPr/>
+      </p:nvGrpSpPr>
+      <p:grpSpPr>
+        <a:xfrm>
+          <a:off x="0" y="0"/>
+          <a:ext cx="0" cy="0"/>
+          <a:chOff x="0" y="0"/>
+          <a:chExt cx="0" cy="0"/>
+        </a:xfrm>
+      </p:grpSpPr>
+      <p:sp>
+        <p:nvSpPr>
+          <p:cNvPr id="2" name="Slide Image Placeholder 1"/>
+          <p:cNvSpPr>
+            <a:spLocks noGrp="1" noRot="1" noChangeAspect="1"/>
+          </p:cNvSpPr>
+          <p:nvPr>
+            <p:ph type="sldImg"/>
+          </p:nvPr>
+        </p:nvSpPr>
+        <p:spPr/>
+      </p:sp>
+      <p:sp>
+        <p:nvSpPr>
+          <p:cNvPr id="3" name="Notes Placeholder 2"/>
+          <p:cNvSpPr>
+            <a:spLocks noGrp="1"/>
+          </p:cNvSpPr>
+          <p:nvPr>
+            <p:ph type="body" idx="1"/>
+          </p:nvPr>
+        </p:nvSpPr>
+        <p:spPr/>
+        <p:txBody>
+          <a:bodyPr/>
+          <a:lstStyle/>
+          <a:p>
+            <a:r>
               <a:rPr lang="en-US" dirty="0"/>
               <a:t>Now we are used to structured data but unstructured data is coming into vogue and there are ways to use them together…</a:t>
             </a:r>
@@ -5417,7 +5833,7 @@
 </p:notes>
 </file>
 
-<file path=ppt/notesSlides/notesSlide41.xml><?xml version="1.0" encoding="utf-8"?>
+<file path=ppt/notesSlides/notesSlide44.xml><?xml version="1.0" encoding="utf-8"?>
 <p:notes xmlns:a="http://schemas.openxmlformats.org/drawingml/2006/main" xmlns:r="http://schemas.openxmlformats.org/officeDocument/2006/relationships" xmlns:p="http://schemas.openxmlformats.org/presentationml/2006/main">
   <p:cSld>
     <p:spTree>
@@ -5550,16 +5966,25 @@
           <a:p>
             <a:r>
               <a:rPr lang="en-US" dirty="0"/>
-              <a:t>OK with our refresher done let’s get more theoretical What is analytics, anyway? I talk about it in the book but I really hope to “do” more of it for this course. </a:t>
-            </a:r>
-          </a:p>
-          <a:p>
-            <a:br>
+              <a:t>OK, before moving into these topics, let’s take some time practicing some things from the book. </a:t>
+            </a:r>
+          </a:p>
+          <a:p>
+            <a:endParaRPr lang="en-US" dirty="0"/>
+          </a:p>
+          <a:p>
+            <a:r>
               <a:rPr lang="en-US" dirty="0"/>
-            </a:br>
+              <a:t>I am going to split you into breakout rooms and you can classify these variables. The dataset is available in the datasets folder. </a:t>
+            </a:r>
+          </a:p>
+          <a:p>
+            <a:endParaRPr lang="en-US" dirty="0"/>
+          </a:p>
+          <a:p>
             <a:r>
               <a:rPr lang="en-US" dirty="0"/>
-              <a:t>But before I provide some ideas I’d like to hear from you; what is analytics to you?</a:t>
+              <a:t>What would happen if we had a brand on here? What if the screen size said small, medium, large? </a:t>
             </a:r>
           </a:p>
         </p:txBody>
@@ -5579,9 +6004,9 @@
           <a:bodyPr/>
           <a:lstStyle/>
           <a:p>
-            <a:fld id="{F9DB3DAC-CD90-4DD2-80B1-E135CFB4F8DD}" type="slidenum">
+            <a:fld id="{3BB66621-ADCC-4EF8-8003-B9D3E881DCD2}" type="slidenum">
               <a:rPr lang="en-US" smtClean="0"/>
-              <a:t>8</a:t>
+              <a:t>5</a:t>
             </a:fld>
             <a:endParaRPr lang="en-US"/>
           </a:p>
@@ -5590,7 +6015,7 @@
     </p:spTree>
     <p:extLst>
       <p:ext uri="{BB962C8B-B14F-4D97-AF65-F5344CB8AC3E}">
-        <p14:creationId xmlns:p14="http://schemas.microsoft.com/office/powerpoint/2010/main" val="69631469"/>
+        <p14:creationId xmlns:p14="http://schemas.microsoft.com/office/powerpoint/2010/main" val="3994188376"/>
       </p:ext>
     </p:extLst>
   </p:cSld>
@@ -5646,7 +6071,7 @@
           <a:p>
             <a:r>
               <a:rPr lang="en-US" dirty="0"/>
-              <a:t>Let me know in the chat or if you’d like to come onstage, what does analytics mean to you? There are so many competing visions of what analytics is. I’m sure you have friends or family members who have no idea what you do or really misunderstand it. So you’re in a “safe place” with other analysts who get it. </a:t>
+              <a:t>Cool, I hope that last one refreshed your memory. Let’s do one more exercise you should be familiar with from the book. Does anyone want to volunteer walking through it? If not I will do it. </a:t>
             </a:r>
           </a:p>
         </p:txBody>
@@ -5666,9 +6091,9 @@
           <a:bodyPr/>
           <a:lstStyle/>
           <a:p>
-            <a:fld id="{F9DB3DAC-CD90-4DD2-80B1-E135CFB4F8DD}" type="slidenum">
+            <a:fld id="{3BB66621-ADCC-4EF8-8003-B9D3E881DCD2}" type="slidenum">
               <a:rPr lang="en-US" smtClean="0"/>
-              <a:t>9</a:t>
+              <a:t>6</a:t>
             </a:fld>
             <a:endParaRPr lang="en-US"/>
           </a:p>
@@ -5677,7 +6102,7 @@
     </p:spTree>
     <p:extLst>
       <p:ext uri="{BB962C8B-B14F-4D97-AF65-F5344CB8AC3E}">
-        <p14:creationId xmlns:p14="http://schemas.microsoft.com/office/powerpoint/2010/main" val="235345461"/>
+        <p14:creationId xmlns:p14="http://schemas.microsoft.com/office/powerpoint/2010/main" val="3687456924"/>
       </p:ext>
     </p:extLst>
   </p:cSld>
@@ -5733,33 +6158,7 @@
           <a:p>
             <a:r>
               <a:rPr lang="en-US" dirty="0"/>
-              <a:t>My brief working definition is here…</a:t>
-            </a:r>
-          </a:p>
-          <a:p>
-            <a:endParaRPr lang="en-US" dirty="0"/>
-          </a:p>
-          <a:p>
-            <a:r>
-              <a:rPr lang="en-US" dirty="0"/>
-              <a:t>Gartner has a lengthy definition that brings up some important points. For example if when you say you do analytics people ask, “Oh is that web analytics?”</a:t>
-            </a:r>
-          </a:p>
-          <a:p>
-            <a:endParaRPr lang="en-US" dirty="0"/>
-          </a:p>
-          <a:p>
-            <a:r>
-              <a:rPr lang="en-US" dirty="0"/>
-              <a:t>Cassie </a:t>
-            </a:r>
-            <a:r>
-              <a:rPr lang="en-US" dirty="0" err="1"/>
-              <a:t>Kozkyrov</a:t>
-            </a:r>
-            <a:r>
-              <a:rPr lang="en-US" dirty="0"/>
-              <a:t> who is chief decision scientist at Google has a description of analytics and how it compares to statistics. We will discuss further how data analytics and data science intersect. </a:t>
+              <a:t>I won’t spend a lot of time with this part as you learned it in the book. But at the same time it’s really important to keep practicing this stuff. So here’s some more if you’d like. </a:t>
             </a:r>
           </a:p>
         </p:txBody>
@@ -5781,7 +6180,7 @@
           <a:p>
             <a:fld id="{3BB66621-ADCC-4EF8-8003-B9D3E881DCD2}" type="slidenum">
               <a:rPr lang="en-US" smtClean="0"/>
-              <a:t>10</a:t>
+              <a:t>7</a:t>
             </a:fld>
             <a:endParaRPr lang="en-US"/>
           </a:p>
@@ -5790,7 +6189,7 @@
     </p:spTree>
     <p:extLst>
       <p:ext uri="{BB962C8B-B14F-4D97-AF65-F5344CB8AC3E}">
-        <p14:creationId xmlns:p14="http://schemas.microsoft.com/office/powerpoint/2010/main" val="920420130"/>
+        <p14:creationId xmlns:p14="http://schemas.microsoft.com/office/powerpoint/2010/main" val="624299274"/>
       </p:ext>
     </p:extLst>
   </p:cSld>
@@ -5846,13 +6245,16 @@
           <a:p>
             <a:r>
               <a:rPr lang="en-US" dirty="0"/>
-              <a:t>This is another famous visual from Gartner about analytics maturity. </a:t>
-            </a:r>
-          </a:p>
-          <a:p>
-            <a:r>
+              <a:t>OK with our refresher done let’s get more theoretical What is analytics, anyway? I talk about it in the book but I really hope to “do” more of it for this course. </a:t>
+            </a:r>
+          </a:p>
+          <a:p>
+            <a:br>
               <a:rPr lang="en-US" dirty="0"/>
-              <a:t>Think about the types of analytics you’re familiar with and/or use at work. Where do they relate?</a:t>
+            </a:br>
+            <a:r>
+              <a:rPr lang="en-US" dirty="0"/>
+              <a:t>But before I provide some ideas I’d like to hear from you; what is analytics to you?</a:t>
             </a:r>
           </a:p>
         </p:txBody>
@@ -5872,9 +6274,9 @@
           <a:bodyPr/>
           <a:lstStyle/>
           <a:p>
-            <a:fld id="{3BB66621-ADCC-4EF8-8003-B9D3E881DCD2}" type="slidenum">
+            <a:fld id="{F9DB3DAC-CD90-4DD2-80B1-E135CFB4F8DD}" type="slidenum">
               <a:rPr lang="en-US" smtClean="0"/>
-              <a:t>11</a:t>
+              <a:t>8</a:t>
             </a:fld>
             <a:endParaRPr lang="en-US"/>
           </a:p>
@@ -5883,7 +6285,7 @@
     </p:spTree>
     <p:extLst>
       <p:ext uri="{BB962C8B-B14F-4D97-AF65-F5344CB8AC3E}">
-        <p14:creationId xmlns:p14="http://schemas.microsoft.com/office/powerpoint/2010/main" val="3170286946"/>
+        <p14:creationId xmlns:p14="http://schemas.microsoft.com/office/powerpoint/2010/main" val="69631469"/>
       </p:ext>
     </p:extLst>
   </p:cSld>
@@ -5939,7 +6341,7 @@
           <a:p>
             <a:r>
               <a:rPr lang="en-US" dirty="0"/>
-              <a:t>Here’s where I would fit in the things covered in the book. We’re looking mostly at descriptive and diagnostic analytics. And you need that solid foundation to get to the next level. </a:t>
+              <a:t>Let me know in the chat or if you’d like to come onstage, what does analytics mean to you? There are so many competing visions of what analytics is. I’m sure you have friends or family members who have no idea what you do or really misunderstand it. So you’re in a “safe place” with other analysts who get it. </a:t>
             </a:r>
           </a:p>
         </p:txBody>
@@ -5959,9 +6361,9 @@
           <a:bodyPr/>
           <a:lstStyle/>
           <a:p>
-            <a:fld id="{3BB66621-ADCC-4EF8-8003-B9D3E881DCD2}" type="slidenum">
+            <a:fld id="{F9DB3DAC-CD90-4DD2-80B1-E135CFB4F8DD}" type="slidenum">
               <a:rPr lang="en-US" smtClean="0"/>
-              <a:t>12</a:t>
+              <a:t>9</a:t>
             </a:fld>
             <a:endParaRPr lang="en-US"/>
           </a:p>
@@ -5970,7 +6372,7 @@
     </p:spTree>
     <p:extLst>
       <p:ext uri="{BB962C8B-B14F-4D97-AF65-F5344CB8AC3E}">
-        <p14:creationId xmlns:p14="http://schemas.microsoft.com/office/powerpoint/2010/main" val="3562756070"/>
+        <p14:creationId xmlns:p14="http://schemas.microsoft.com/office/powerpoint/2010/main" val="235345461"/>
       </p:ext>
     </p:extLst>
   </p:cSld>
@@ -6109,7 +6511,7 @@
           <a:p>
             <a:fld id="{0138B082-EFC2-46C1-B47C-51736C670379}" type="datetimeFigureOut">
               <a:rPr lang="en-US" smtClean="0"/>
-              <a:t>9/5/2021</a:t>
+              <a:t>9/8/2021</a:t>
             </a:fld>
             <a:endParaRPr lang="en-US"/>
           </a:p>
@@ -6277,7 +6679,7 @@
           <a:p>
             <a:fld id="{0138B082-EFC2-46C1-B47C-51736C670379}" type="datetimeFigureOut">
               <a:rPr lang="en-US" smtClean="0"/>
-              <a:t>9/5/2021</a:t>
+              <a:t>9/8/2021</a:t>
             </a:fld>
             <a:endParaRPr lang="en-US"/>
           </a:p>
@@ -6455,7 +6857,7 @@
           <a:p>
             <a:fld id="{0138B082-EFC2-46C1-B47C-51736C670379}" type="datetimeFigureOut">
               <a:rPr lang="en-US" smtClean="0"/>
-              <a:t>9/5/2021</a:t>
+              <a:t>9/8/2021</a:t>
             </a:fld>
             <a:endParaRPr lang="en-US"/>
           </a:p>
@@ -6623,7 +7025,7 @@
           <a:p>
             <a:fld id="{0138B082-EFC2-46C1-B47C-51736C670379}" type="datetimeFigureOut">
               <a:rPr lang="en-US" smtClean="0"/>
-              <a:t>9/5/2021</a:t>
+              <a:t>9/8/2021</a:t>
             </a:fld>
             <a:endParaRPr lang="en-US"/>
           </a:p>
@@ -6868,7 +7270,7 @@
           <a:p>
             <a:fld id="{0138B082-EFC2-46C1-B47C-51736C670379}" type="datetimeFigureOut">
               <a:rPr lang="en-US" smtClean="0"/>
-              <a:t>9/5/2021</a:t>
+              <a:t>9/8/2021</a:t>
             </a:fld>
             <a:endParaRPr lang="en-US"/>
           </a:p>
@@ -7097,7 +7499,7 @@
           <a:p>
             <a:fld id="{0138B082-EFC2-46C1-B47C-51736C670379}" type="datetimeFigureOut">
               <a:rPr lang="en-US" smtClean="0"/>
-              <a:t>9/5/2021</a:t>
+              <a:t>9/8/2021</a:t>
             </a:fld>
             <a:endParaRPr lang="en-US"/>
           </a:p>
@@ -7461,7 +7863,7 @@
           <a:p>
             <a:fld id="{0138B082-EFC2-46C1-B47C-51736C670379}" type="datetimeFigureOut">
               <a:rPr lang="en-US" smtClean="0"/>
-              <a:t>9/5/2021</a:t>
+              <a:t>9/8/2021</a:t>
             </a:fld>
             <a:endParaRPr lang="en-US"/>
           </a:p>
@@ -7578,7 +7980,7 @@
           <a:p>
             <a:fld id="{0138B082-EFC2-46C1-B47C-51736C670379}" type="datetimeFigureOut">
               <a:rPr lang="en-US" smtClean="0"/>
-              <a:t>9/5/2021</a:t>
+              <a:t>9/8/2021</a:t>
             </a:fld>
             <a:endParaRPr lang="en-US"/>
           </a:p>
@@ -7673,7 +8075,7 @@
           <a:p>
             <a:fld id="{0138B082-EFC2-46C1-B47C-51736C670379}" type="datetimeFigureOut">
               <a:rPr lang="en-US" smtClean="0"/>
-              <a:t>9/5/2021</a:t>
+              <a:t>9/8/2021</a:t>
             </a:fld>
             <a:endParaRPr lang="en-US"/>
           </a:p>
@@ -7948,7 +8350,7 @@
           <a:p>
             <a:fld id="{0138B082-EFC2-46C1-B47C-51736C670379}" type="datetimeFigureOut">
               <a:rPr lang="en-US" smtClean="0"/>
-              <a:t>9/5/2021</a:t>
+              <a:t>9/8/2021</a:t>
             </a:fld>
             <a:endParaRPr lang="en-US"/>
           </a:p>
@@ -8200,7 +8602,7 @@
           <a:p>
             <a:fld id="{0138B082-EFC2-46C1-B47C-51736C670379}" type="datetimeFigureOut">
               <a:rPr lang="en-US" smtClean="0"/>
-              <a:t>9/5/2021</a:t>
+              <a:t>9/8/2021</a:t>
             </a:fld>
             <a:endParaRPr lang="en-US"/>
           </a:p>
@@ -8411,7 +8813,7 @@
           <a:p>
             <a:fld id="{0138B082-EFC2-46C1-B47C-51736C670379}" type="datetimeFigureOut">
               <a:rPr lang="en-US" smtClean="0"/>
-              <a:t>9/5/2021</a:t>
+              <a:t>9/8/2021</a:t>
             </a:fld>
             <a:endParaRPr lang="en-US"/>
           </a:p>
@@ -8825,7 +9227,7 @@
           <p:nvPr/>
         </p:nvPicPr>
         <p:blipFill rotWithShape="1">
-          <a:blip r:embed="rId2">
+          <a:blip r:embed="rId3">
             <a:extLst>
               <a:ext uri="{28A0092B-C50C-407E-A947-70E740481C1C}">
                 <a14:useLocalDpi xmlns:a14="http://schemas.microsoft.com/office/drawing/2010/main" val="0"/>
@@ -8854,7 +9256,7 @@
           <p:nvPr/>
         </p:nvPicPr>
         <p:blipFill>
-          <a:blip r:embed="rId3">
+          <a:blip r:embed="rId4">
             <a:extLst>
               <a:ext uri="{28A0092B-C50C-407E-A947-70E740481C1C}">
                 <a14:useLocalDpi xmlns:a14="http://schemas.microsoft.com/office/drawing/2010/main" val="0"/>
@@ -8930,7 +9332,7 @@
           <p:nvPr/>
         </p:nvPicPr>
         <p:blipFill>
-          <a:blip r:embed="rId4">
+          <a:blip r:embed="rId5">
             <a:extLst>
               <a:ext uri="{28A0092B-C50C-407E-A947-70E740481C1C}">
                 <a14:useLocalDpi xmlns:a14="http://schemas.microsoft.com/office/drawing/2010/main" val="0"/>
@@ -8977,7 +9379,7 @@
           <p:nvPr/>
         </p:nvPicPr>
         <p:blipFill>
-          <a:blip r:embed="rId5">
+          <a:blip r:embed="rId6">
             <a:extLst>
               <a:ext uri="{28A0092B-C50C-407E-A947-70E740481C1C}">
                 <a14:useLocalDpi xmlns:a14="http://schemas.microsoft.com/office/drawing/2010/main" val="0"/>
@@ -9013,7 +9415,7 @@
           <p:nvPr/>
         </p:nvPicPr>
         <p:blipFill>
-          <a:blip r:embed="rId6">
+          <a:blip r:embed="rId7">
             <a:extLst>
               <a:ext uri="{28A0092B-C50C-407E-A947-70E740481C1C}">
                 <a14:useLocalDpi xmlns:a14="http://schemas.microsoft.com/office/drawing/2010/main" val="0"/>
@@ -9801,7 +10203,7 @@
         <p:spPr>
           <a:xfrm>
             <a:off x="259518" y="2990847"/>
-            <a:ext cx="3045817" cy="584775"/>
+            <a:ext cx="3045817" cy="830997"/>
           </a:xfrm>
           <a:prstGeom prst="rect">
             <a:avLst/>
@@ -9843,6 +10245,22 @@
                 <a:latin typeface="Pragmatica" panose="020B0403040502020204"/>
               </a:rPr>
               <a:t>Confirmatory data analysis</a:t>
+            </a:r>
+          </a:p>
+          <a:p>
+            <a:pPr>
+              <a:buClr>
+                <a:srgbClr val="CF3338"/>
+              </a:buClr>
+            </a:pPr>
+            <a:r>
+              <a:rPr lang="en-US" sz="1600" b="1" dirty="0">
+                <a:solidFill>
+                  <a:srgbClr val="707070"/>
+                </a:solidFill>
+                <a:latin typeface="Pragmatica" panose="020B0403040502020204"/>
+              </a:rPr>
+              <a:t>“Statistics” </a:t>
             </a:r>
           </a:p>
         </p:txBody>
@@ -9862,7 +10280,7 @@
         <p:spPr>
           <a:xfrm>
             <a:off x="418276" y="4294975"/>
-            <a:ext cx="3045817" cy="584775"/>
+            <a:ext cx="3045817" cy="830997"/>
           </a:xfrm>
           <a:prstGeom prst="rect">
             <a:avLst/>
@@ -9904,6 +10322,22 @@
                 <a:latin typeface="Pragmatica" panose="020B0403040502020204"/>
               </a:rPr>
               <a:t>Exploratory data analysis</a:t>
+            </a:r>
+          </a:p>
+          <a:p>
+            <a:pPr>
+              <a:buClr>
+                <a:srgbClr val="CF3338"/>
+              </a:buClr>
+            </a:pPr>
+            <a:r>
+              <a:rPr lang="en-US" sz="1600" b="1" dirty="0">
+                <a:solidFill>
+                  <a:srgbClr val="707070"/>
+                </a:solidFill>
+                <a:latin typeface="Pragmatica" panose="020B0403040502020204"/>
+              </a:rPr>
+              <a:t>“Analytics”</a:t>
             </a:r>
           </a:p>
         </p:txBody>
@@ -11376,7 +11810,7 @@
           <p:nvPr/>
         </p:nvPicPr>
         <p:blipFill rotWithShape="1">
-          <a:blip r:embed="rId2">
+          <a:blip r:embed="rId3">
             <a:extLst>
               <a:ext uri="{28A0092B-C50C-407E-A947-70E740481C1C}">
                 <a14:useLocalDpi xmlns:a14="http://schemas.microsoft.com/office/drawing/2010/main" val="0"/>
@@ -17056,7 +17490,7 @@
           <p:nvPr/>
         </p:nvPicPr>
         <p:blipFill rotWithShape="1">
-          <a:blip r:embed="rId2">
+          <a:blip r:embed="rId3">
             <a:extLst>
               <a:ext uri="{28A0092B-C50C-407E-A947-70E740481C1C}">
                 <a14:useLocalDpi xmlns:a14="http://schemas.microsoft.com/office/drawing/2010/main" val="0"/>
@@ -17085,7 +17519,7 @@
           <p:nvPr/>
         </p:nvPicPr>
         <p:blipFill>
-          <a:blip r:embed="rId3">
+          <a:blip r:embed="rId4">
             <a:extLst>
               <a:ext uri="{28A0092B-C50C-407E-A947-70E740481C1C}">
                 <a14:useLocalDpi xmlns:a14="http://schemas.microsoft.com/office/drawing/2010/main" val="0"/>
@@ -19807,7 +20241,7 @@
             <a:r>
               <a:rPr lang="en-US" sz="2800" b="1" dirty="0">
                 <a:solidFill>
-                  <a:srgbClr val="C00000"/>
+                  <a:srgbClr val="CF3338"/>
                 </a:solidFill>
                 <a:latin typeface="Pragmatica" panose="020B0403040502020204"/>
                 <a:hlinkClick r:id="rId4">
@@ -19823,7 +20257,7 @@
             <a:r>
               <a:rPr lang="en-US" sz="2800" b="1" dirty="0">
                 <a:solidFill>
-                  <a:srgbClr val="C00000"/>
+                  <a:srgbClr val="CF3338"/>
                 </a:solidFill>
                 <a:latin typeface="Pragmatica" panose="020B0403040502020204"/>
               </a:rPr>
@@ -20673,6 +21107,9 @@
           <a:solidFill>
             <a:srgbClr val="CF3338"/>
           </a:solidFill>
+          <a:ln>
+            <a:noFill/>
+          </a:ln>
         </p:spPr>
         <p:style>
           <a:lnRef idx="2">
@@ -20875,6 +21312,9 @@
           <a:solidFill>
             <a:srgbClr val="CF3338"/>
           </a:solidFill>
+          <a:ln>
+            <a:noFill/>
+          </a:ln>
         </p:spPr>
         <p:style>
           <a:lnRef idx="2">
@@ -20973,7 +21413,7 @@
         <p:spPr>
           <a:xfrm>
             <a:off x="173620" y="219919"/>
-            <a:ext cx="5937813" cy="6124754"/>
+            <a:ext cx="5937813" cy="5693866"/>
           </a:xfrm>
           <a:prstGeom prst="rect">
             <a:avLst/>
@@ -21065,7 +21505,7 @@
             <a:r>
               <a:rPr lang="en-US" sz="2800" b="1" dirty="0">
                 <a:solidFill>
-                  <a:srgbClr val="C00000"/>
+                  <a:srgbClr val="CF3338"/>
                 </a:solidFill>
                 <a:latin typeface="Pragmatica" panose="020B0403040502020204"/>
                 <a:hlinkClick r:id="rId4">
@@ -21081,7 +21521,7 @@
             <a:r>
               <a:rPr lang="en-US" sz="2800" b="1" dirty="0">
                 <a:solidFill>
-                  <a:srgbClr val="C00000"/>
+                  <a:srgbClr val="CF3338"/>
                 </a:solidFill>
                 <a:latin typeface="Pragmatica" panose="020B0403040502020204"/>
               </a:rPr>
